--- a/docs/firmware_architecture.pptx
+++ b/docs/firmware_architecture.pptx
@@ -5,12 +5,11 @@
     <p:sldMasterId id="2147483648" r:id="rId1"/>
   </p:sldMasterIdLst>
   <p:notesMasterIdLst>
-    <p:notesMasterId r:id="rId5"/>
+    <p:notesMasterId r:id="rId4"/>
   </p:notesMasterIdLst>
   <p:sldIdLst>
     <p:sldId id="259" r:id="rId2"/>
     <p:sldId id="260" r:id="rId3"/>
-    <p:sldId id="261" r:id="rId4"/>
   </p:sldIdLst>
   <p:sldSz cx="12192000" cy="6858000"/>
   <p:notesSz cx="6858000" cy="9144000"/>
@@ -199,7 +198,7 @@
           <a:p>
             <a:fld id="{4F88AC14-9F0C-4B24-A0DE-3D91966C1719}" type="datetimeFigureOut">
               <a:rPr lang="nl-NL" smtClean="0"/>
-              <a:t>6-10-2019</a:t>
+              <a:t>21-10-2019</a:t>
             </a:fld>
             <a:endParaRPr lang="nl-NL" dirty="0"/>
           </a:p>
@@ -489,7 +488,7 @@
           <p:cNvPr id="2" name="Title 1">
             <a:extLst>
               <a:ext uri="{FF2B5EF4-FFF2-40B4-BE49-F238E27FC236}">
-                <a16:creationId xmlns="" xmlns:a16="http://schemas.microsoft.com/office/drawing/2014/main" id="{5CB87546-2B11-4901-9B8E-4976C7F282FD}"/>
+                <a16:creationId xmlns:a16="http://schemas.microsoft.com/office/drawing/2014/main" xmlns="" id="{5CB87546-2B11-4901-9B8E-4976C7F282FD}"/>
               </a:ext>
             </a:extLst>
           </p:cNvPr>
@@ -527,7 +526,7 @@
           <p:cNvPr id="3" name="Subtitle 2">
             <a:extLst>
               <a:ext uri="{FF2B5EF4-FFF2-40B4-BE49-F238E27FC236}">
-                <a16:creationId xmlns="" xmlns:a16="http://schemas.microsoft.com/office/drawing/2014/main" id="{51578428-23A7-414B-B347-F6169880DC0C}"/>
+                <a16:creationId xmlns:a16="http://schemas.microsoft.com/office/drawing/2014/main" xmlns="" id="{51578428-23A7-414B-B347-F6169880DC0C}"/>
               </a:ext>
             </a:extLst>
           </p:cNvPr>
@@ -598,7 +597,7 @@
           <p:cNvPr id="4" name="Date Placeholder 3">
             <a:extLst>
               <a:ext uri="{FF2B5EF4-FFF2-40B4-BE49-F238E27FC236}">
-                <a16:creationId xmlns="" xmlns:a16="http://schemas.microsoft.com/office/drawing/2014/main" id="{7EEA0080-C28E-4BCA-AC14-80A2F40CBFB0}"/>
+                <a16:creationId xmlns:a16="http://schemas.microsoft.com/office/drawing/2014/main" xmlns="" id="{7EEA0080-C28E-4BCA-AC14-80A2F40CBFB0}"/>
               </a:ext>
             </a:extLst>
           </p:cNvPr>
@@ -616,7 +615,7 @@
           <a:p>
             <a:fld id="{8A536929-10AE-434E-B377-C7AB95DD3BB3}" type="datetimeFigureOut">
               <a:rPr lang="nl-NL" smtClean="0"/>
-              <a:t>6-10-2019</a:t>
+              <a:t>21-10-2019</a:t>
             </a:fld>
             <a:endParaRPr lang="nl-NL" dirty="0"/>
           </a:p>
@@ -627,7 +626,7 @@
           <p:cNvPr id="5" name="Footer Placeholder 4">
             <a:extLst>
               <a:ext uri="{FF2B5EF4-FFF2-40B4-BE49-F238E27FC236}">
-                <a16:creationId xmlns="" xmlns:a16="http://schemas.microsoft.com/office/drawing/2014/main" id="{4D1F8915-BB54-4D6A-A756-C0160B7BCA31}"/>
+                <a16:creationId xmlns:a16="http://schemas.microsoft.com/office/drawing/2014/main" xmlns="" id="{4D1F8915-BB54-4D6A-A756-C0160B7BCA31}"/>
               </a:ext>
             </a:extLst>
           </p:cNvPr>
@@ -652,7 +651,7 @@
           <p:cNvPr id="6" name="Slide Number Placeholder 5">
             <a:extLst>
               <a:ext uri="{FF2B5EF4-FFF2-40B4-BE49-F238E27FC236}">
-                <a16:creationId xmlns="" xmlns:a16="http://schemas.microsoft.com/office/drawing/2014/main" id="{5632D308-2C29-4749-AAB7-EC1BB78E16E0}"/>
+                <a16:creationId xmlns:a16="http://schemas.microsoft.com/office/drawing/2014/main" xmlns="" id="{5632D308-2C29-4749-AAB7-EC1BB78E16E0}"/>
               </a:ext>
             </a:extLst>
           </p:cNvPr>
@@ -711,7 +710,7 @@
           <p:cNvPr id="2" name="Title 1">
             <a:extLst>
               <a:ext uri="{FF2B5EF4-FFF2-40B4-BE49-F238E27FC236}">
-                <a16:creationId xmlns="" xmlns:a16="http://schemas.microsoft.com/office/drawing/2014/main" id="{644B95E5-8A41-48F1-A321-59F2719923DD}"/>
+                <a16:creationId xmlns:a16="http://schemas.microsoft.com/office/drawing/2014/main" xmlns="" id="{644B95E5-8A41-48F1-A321-59F2719923DD}"/>
               </a:ext>
             </a:extLst>
           </p:cNvPr>
@@ -740,7 +739,7 @@
           <p:cNvPr id="3" name="Vertical Text Placeholder 2">
             <a:extLst>
               <a:ext uri="{FF2B5EF4-FFF2-40B4-BE49-F238E27FC236}">
-                <a16:creationId xmlns="" xmlns:a16="http://schemas.microsoft.com/office/drawing/2014/main" id="{5712BBD9-29F1-41CD-819C-EBAD28306A9D}"/>
+                <a16:creationId xmlns:a16="http://schemas.microsoft.com/office/drawing/2014/main" xmlns="" id="{5712BBD9-29F1-41CD-819C-EBAD28306A9D}"/>
               </a:ext>
             </a:extLst>
           </p:cNvPr>
@@ -798,7 +797,7 @@
           <p:cNvPr id="4" name="Date Placeholder 3">
             <a:extLst>
               <a:ext uri="{FF2B5EF4-FFF2-40B4-BE49-F238E27FC236}">
-                <a16:creationId xmlns="" xmlns:a16="http://schemas.microsoft.com/office/drawing/2014/main" id="{70A3A627-786D-4034-BDA8-B59CDB78021D}"/>
+                <a16:creationId xmlns:a16="http://schemas.microsoft.com/office/drawing/2014/main" xmlns="" id="{70A3A627-786D-4034-BDA8-B59CDB78021D}"/>
               </a:ext>
             </a:extLst>
           </p:cNvPr>
@@ -816,7 +815,7 @@
           <a:p>
             <a:fld id="{8A536929-10AE-434E-B377-C7AB95DD3BB3}" type="datetimeFigureOut">
               <a:rPr lang="nl-NL" smtClean="0"/>
-              <a:t>6-10-2019</a:t>
+              <a:t>21-10-2019</a:t>
             </a:fld>
             <a:endParaRPr lang="nl-NL" dirty="0"/>
           </a:p>
@@ -827,7 +826,7 @@
           <p:cNvPr id="5" name="Footer Placeholder 4">
             <a:extLst>
               <a:ext uri="{FF2B5EF4-FFF2-40B4-BE49-F238E27FC236}">
-                <a16:creationId xmlns="" xmlns:a16="http://schemas.microsoft.com/office/drawing/2014/main" id="{98BABE35-1A12-4D86-A36A-8EA6525C1FA5}"/>
+                <a16:creationId xmlns:a16="http://schemas.microsoft.com/office/drawing/2014/main" xmlns="" id="{98BABE35-1A12-4D86-A36A-8EA6525C1FA5}"/>
               </a:ext>
             </a:extLst>
           </p:cNvPr>
@@ -852,7 +851,7 @@
           <p:cNvPr id="6" name="Slide Number Placeholder 5">
             <a:extLst>
               <a:ext uri="{FF2B5EF4-FFF2-40B4-BE49-F238E27FC236}">
-                <a16:creationId xmlns="" xmlns:a16="http://schemas.microsoft.com/office/drawing/2014/main" id="{46000498-0F00-463F-BDC4-FD2821609340}"/>
+                <a16:creationId xmlns:a16="http://schemas.microsoft.com/office/drawing/2014/main" xmlns="" id="{46000498-0F00-463F-BDC4-FD2821609340}"/>
               </a:ext>
             </a:extLst>
           </p:cNvPr>
@@ -911,7 +910,7 @@
           <p:cNvPr id="2" name="Vertical Title 1">
             <a:extLst>
               <a:ext uri="{FF2B5EF4-FFF2-40B4-BE49-F238E27FC236}">
-                <a16:creationId xmlns="" xmlns:a16="http://schemas.microsoft.com/office/drawing/2014/main" id="{A2C87CA9-649D-478E-858C-7B23BD0D43D6}"/>
+                <a16:creationId xmlns:a16="http://schemas.microsoft.com/office/drawing/2014/main" xmlns="" id="{A2C87CA9-649D-478E-858C-7B23BD0D43D6}"/>
               </a:ext>
             </a:extLst>
           </p:cNvPr>
@@ -945,7 +944,7 @@
           <p:cNvPr id="3" name="Vertical Text Placeholder 2">
             <a:extLst>
               <a:ext uri="{FF2B5EF4-FFF2-40B4-BE49-F238E27FC236}">
-                <a16:creationId xmlns="" xmlns:a16="http://schemas.microsoft.com/office/drawing/2014/main" id="{0CFDD78B-A533-4E27-8BAD-523A7A9903B2}"/>
+                <a16:creationId xmlns:a16="http://schemas.microsoft.com/office/drawing/2014/main" xmlns="" id="{0CFDD78B-A533-4E27-8BAD-523A7A9903B2}"/>
               </a:ext>
             </a:extLst>
           </p:cNvPr>
@@ -1008,7 +1007,7 @@
           <p:cNvPr id="4" name="Date Placeholder 3">
             <a:extLst>
               <a:ext uri="{FF2B5EF4-FFF2-40B4-BE49-F238E27FC236}">
-                <a16:creationId xmlns="" xmlns:a16="http://schemas.microsoft.com/office/drawing/2014/main" id="{0DDA3A3C-3F12-477F-809F-B3A9375D6934}"/>
+                <a16:creationId xmlns:a16="http://schemas.microsoft.com/office/drawing/2014/main" xmlns="" id="{0DDA3A3C-3F12-477F-809F-B3A9375D6934}"/>
               </a:ext>
             </a:extLst>
           </p:cNvPr>
@@ -1026,7 +1025,7 @@
           <a:p>
             <a:fld id="{8A536929-10AE-434E-B377-C7AB95DD3BB3}" type="datetimeFigureOut">
               <a:rPr lang="nl-NL" smtClean="0"/>
-              <a:t>6-10-2019</a:t>
+              <a:t>21-10-2019</a:t>
             </a:fld>
             <a:endParaRPr lang="nl-NL" dirty="0"/>
           </a:p>
@@ -1037,7 +1036,7 @@
           <p:cNvPr id="5" name="Footer Placeholder 4">
             <a:extLst>
               <a:ext uri="{FF2B5EF4-FFF2-40B4-BE49-F238E27FC236}">
-                <a16:creationId xmlns="" xmlns:a16="http://schemas.microsoft.com/office/drawing/2014/main" id="{6A8C4594-7678-4851-8B4C-9CE6A6DBC53C}"/>
+                <a16:creationId xmlns:a16="http://schemas.microsoft.com/office/drawing/2014/main" xmlns="" id="{6A8C4594-7678-4851-8B4C-9CE6A6DBC53C}"/>
               </a:ext>
             </a:extLst>
           </p:cNvPr>
@@ -1062,7 +1061,7 @@
           <p:cNvPr id="6" name="Slide Number Placeholder 5">
             <a:extLst>
               <a:ext uri="{FF2B5EF4-FFF2-40B4-BE49-F238E27FC236}">
-                <a16:creationId xmlns="" xmlns:a16="http://schemas.microsoft.com/office/drawing/2014/main" id="{F2973298-27A1-4921-B8E2-5EE488A8EF63}"/>
+                <a16:creationId xmlns:a16="http://schemas.microsoft.com/office/drawing/2014/main" xmlns="" id="{F2973298-27A1-4921-B8E2-5EE488A8EF63}"/>
               </a:ext>
             </a:extLst>
           </p:cNvPr>
@@ -1121,7 +1120,7 @@
           <p:cNvPr id="2" name="Title 1">
             <a:extLst>
               <a:ext uri="{FF2B5EF4-FFF2-40B4-BE49-F238E27FC236}">
-                <a16:creationId xmlns="" xmlns:a16="http://schemas.microsoft.com/office/drawing/2014/main" id="{DBB8B871-FA55-4DCB-9E25-1E4D87CCECB7}"/>
+                <a16:creationId xmlns:a16="http://schemas.microsoft.com/office/drawing/2014/main" xmlns="" id="{DBB8B871-FA55-4DCB-9E25-1E4D87CCECB7}"/>
               </a:ext>
             </a:extLst>
           </p:cNvPr>
@@ -1150,7 +1149,7 @@
           <p:cNvPr id="3" name="Content Placeholder 2">
             <a:extLst>
               <a:ext uri="{FF2B5EF4-FFF2-40B4-BE49-F238E27FC236}">
-                <a16:creationId xmlns="" xmlns:a16="http://schemas.microsoft.com/office/drawing/2014/main" id="{161166B4-0610-4B5A-A16C-4E1B81FAA087}"/>
+                <a16:creationId xmlns:a16="http://schemas.microsoft.com/office/drawing/2014/main" xmlns="" id="{161166B4-0610-4B5A-A16C-4E1B81FAA087}"/>
               </a:ext>
             </a:extLst>
           </p:cNvPr>
@@ -1208,7 +1207,7 @@
           <p:cNvPr id="4" name="Date Placeholder 3">
             <a:extLst>
               <a:ext uri="{FF2B5EF4-FFF2-40B4-BE49-F238E27FC236}">
-                <a16:creationId xmlns="" xmlns:a16="http://schemas.microsoft.com/office/drawing/2014/main" id="{BEFDF1DA-1FF0-4424-8A60-945CE921C7C6}"/>
+                <a16:creationId xmlns:a16="http://schemas.microsoft.com/office/drawing/2014/main" xmlns="" id="{BEFDF1DA-1FF0-4424-8A60-945CE921C7C6}"/>
               </a:ext>
             </a:extLst>
           </p:cNvPr>
@@ -1226,7 +1225,7 @@
           <a:p>
             <a:fld id="{8A536929-10AE-434E-B377-C7AB95DD3BB3}" type="datetimeFigureOut">
               <a:rPr lang="nl-NL" smtClean="0"/>
-              <a:t>6-10-2019</a:t>
+              <a:t>21-10-2019</a:t>
             </a:fld>
             <a:endParaRPr lang="nl-NL" dirty="0"/>
           </a:p>
@@ -1237,7 +1236,7 @@
           <p:cNvPr id="5" name="Footer Placeholder 4">
             <a:extLst>
               <a:ext uri="{FF2B5EF4-FFF2-40B4-BE49-F238E27FC236}">
-                <a16:creationId xmlns="" xmlns:a16="http://schemas.microsoft.com/office/drawing/2014/main" id="{CF6E68FD-B570-4409-84A8-6714F0DB3B5D}"/>
+                <a16:creationId xmlns:a16="http://schemas.microsoft.com/office/drawing/2014/main" xmlns="" id="{CF6E68FD-B570-4409-84A8-6714F0DB3B5D}"/>
               </a:ext>
             </a:extLst>
           </p:cNvPr>
@@ -1262,7 +1261,7 @@
           <p:cNvPr id="6" name="Slide Number Placeholder 5">
             <a:extLst>
               <a:ext uri="{FF2B5EF4-FFF2-40B4-BE49-F238E27FC236}">
-                <a16:creationId xmlns="" xmlns:a16="http://schemas.microsoft.com/office/drawing/2014/main" id="{BEB0CC16-3F5D-4E5D-B5BF-AE2583DEEB70}"/>
+                <a16:creationId xmlns:a16="http://schemas.microsoft.com/office/drawing/2014/main" xmlns="" id="{BEB0CC16-3F5D-4E5D-B5BF-AE2583DEEB70}"/>
               </a:ext>
             </a:extLst>
           </p:cNvPr>
@@ -1321,7 +1320,7 @@
           <p:cNvPr id="2" name="Title 1">
             <a:extLst>
               <a:ext uri="{FF2B5EF4-FFF2-40B4-BE49-F238E27FC236}">
-                <a16:creationId xmlns="" xmlns:a16="http://schemas.microsoft.com/office/drawing/2014/main" id="{8558AC74-4E86-425A-8C64-5EF964E980C8}"/>
+                <a16:creationId xmlns:a16="http://schemas.microsoft.com/office/drawing/2014/main" xmlns="" id="{8558AC74-4E86-425A-8C64-5EF964E980C8}"/>
               </a:ext>
             </a:extLst>
           </p:cNvPr>
@@ -1359,7 +1358,7 @@
           <p:cNvPr id="3" name="Text Placeholder 2">
             <a:extLst>
               <a:ext uri="{FF2B5EF4-FFF2-40B4-BE49-F238E27FC236}">
-                <a16:creationId xmlns="" xmlns:a16="http://schemas.microsoft.com/office/drawing/2014/main" id="{1C3B2D36-9174-4AC3-80F0-A4DE0B82883D}"/>
+                <a16:creationId xmlns:a16="http://schemas.microsoft.com/office/drawing/2014/main" xmlns="" id="{1C3B2D36-9174-4AC3-80F0-A4DE0B82883D}"/>
               </a:ext>
             </a:extLst>
           </p:cNvPr>
@@ -1484,7 +1483,7 @@
           <p:cNvPr id="4" name="Date Placeholder 3">
             <a:extLst>
               <a:ext uri="{FF2B5EF4-FFF2-40B4-BE49-F238E27FC236}">
-                <a16:creationId xmlns="" xmlns:a16="http://schemas.microsoft.com/office/drawing/2014/main" id="{E75A7E04-A38D-4F30-98E4-E4F3EF8CE700}"/>
+                <a16:creationId xmlns:a16="http://schemas.microsoft.com/office/drawing/2014/main" xmlns="" id="{E75A7E04-A38D-4F30-98E4-E4F3EF8CE700}"/>
               </a:ext>
             </a:extLst>
           </p:cNvPr>
@@ -1502,7 +1501,7 @@
           <a:p>
             <a:fld id="{8A536929-10AE-434E-B377-C7AB95DD3BB3}" type="datetimeFigureOut">
               <a:rPr lang="nl-NL" smtClean="0"/>
-              <a:t>6-10-2019</a:t>
+              <a:t>21-10-2019</a:t>
             </a:fld>
             <a:endParaRPr lang="nl-NL" dirty="0"/>
           </a:p>
@@ -1513,7 +1512,7 @@
           <p:cNvPr id="5" name="Footer Placeholder 4">
             <a:extLst>
               <a:ext uri="{FF2B5EF4-FFF2-40B4-BE49-F238E27FC236}">
-                <a16:creationId xmlns="" xmlns:a16="http://schemas.microsoft.com/office/drawing/2014/main" id="{6FA6A100-E185-476D-BD54-8622176CC180}"/>
+                <a16:creationId xmlns:a16="http://schemas.microsoft.com/office/drawing/2014/main" xmlns="" id="{6FA6A100-E185-476D-BD54-8622176CC180}"/>
               </a:ext>
             </a:extLst>
           </p:cNvPr>
@@ -1538,7 +1537,7 @@
           <p:cNvPr id="6" name="Slide Number Placeholder 5">
             <a:extLst>
               <a:ext uri="{FF2B5EF4-FFF2-40B4-BE49-F238E27FC236}">
-                <a16:creationId xmlns="" xmlns:a16="http://schemas.microsoft.com/office/drawing/2014/main" id="{B728CE3D-6368-4BAB-83EB-F72B7FCDEE9D}"/>
+                <a16:creationId xmlns:a16="http://schemas.microsoft.com/office/drawing/2014/main" xmlns="" id="{B728CE3D-6368-4BAB-83EB-F72B7FCDEE9D}"/>
               </a:ext>
             </a:extLst>
           </p:cNvPr>
@@ -1597,7 +1596,7 @@
           <p:cNvPr id="2" name="Title 1">
             <a:extLst>
               <a:ext uri="{FF2B5EF4-FFF2-40B4-BE49-F238E27FC236}">
-                <a16:creationId xmlns="" xmlns:a16="http://schemas.microsoft.com/office/drawing/2014/main" id="{AAD180F9-EF15-4BD2-A281-B147795B13FD}"/>
+                <a16:creationId xmlns:a16="http://schemas.microsoft.com/office/drawing/2014/main" xmlns="" id="{AAD180F9-EF15-4BD2-A281-B147795B13FD}"/>
               </a:ext>
             </a:extLst>
           </p:cNvPr>
@@ -1626,7 +1625,7 @@
           <p:cNvPr id="3" name="Content Placeholder 2">
             <a:extLst>
               <a:ext uri="{FF2B5EF4-FFF2-40B4-BE49-F238E27FC236}">
-                <a16:creationId xmlns="" xmlns:a16="http://schemas.microsoft.com/office/drawing/2014/main" id="{11B06D64-1D24-41DA-8E2F-DB05B2A6BBB4}"/>
+                <a16:creationId xmlns:a16="http://schemas.microsoft.com/office/drawing/2014/main" xmlns="" id="{11B06D64-1D24-41DA-8E2F-DB05B2A6BBB4}"/>
               </a:ext>
             </a:extLst>
           </p:cNvPr>
@@ -1689,7 +1688,7 @@
           <p:cNvPr id="4" name="Content Placeholder 3">
             <a:extLst>
               <a:ext uri="{FF2B5EF4-FFF2-40B4-BE49-F238E27FC236}">
-                <a16:creationId xmlns="" xmlns:a16="http://schemas.microsoft.com/office/drawing/2014/main" id="{1CE56C22-D5C0-4CA4-8A82-5DBF1FA305B0}"/>
+                <a16:creationId xmlns:a16="http://schemas.microsoft.com/office/drawing/2014/main" xmlns="" id="{1CE56C22-D5C0-4CA4-8A82-5DBF1FA305B0}"/>
               </a:ext>
             </a:extLst>
           </p:cNvPr>
@@ -1752,7 +1751,7 @@
           <p:cNvPr id="5" name="Date Placeholder 4">
             <a:extLst>
               <a:ext uri="{FF2B5EF4-FFF2-40B4-BE49-F238E27FC236}">
-                <a16:creationId xmlns="" xmlns:a16="http://schemas.microsoft.com/office/drawing/2014/main" id="{88219394-9966-4D03-92A6-8CBE0CF9BA23}"/>
+                <a16:creationId xmlns:a16="http://schemas.microsoft.com/office/drawing/2014/main" xmlns="" id="{88219394-9966-4D03-92A6-8CBE0CF9BA23}"/>
               </a:ext>
             </a:extLst>
           </p:cNvPr>
@@ -1770,7 +1769,7 @@
           <a:p>
             <a:fld id="{8A536929-10AE-434E-B377-C7AB95DD3BB3}" type="datetimeFigureOut">
               <a:rPr lang="nl-NL" smtClean="0"/>
-              <a:t>6-10-2019</a:t>
+              <a:t>21-10-2019</a:t>
             </a:fld>
             <a:endParaRPr lang="nl-NL" dirty="0"/>
           </a:p>
@@ -1781,7 +1780,7 @@
           <p:cNvPr id="6" name="Footer Placeholder 5">
             <a:extLst>
               <a:ext uri="{FF2B5EF4-FFF2-40B4-BE49-F238E27FC236}">
-                <a16:creationId xmlns="" xmlns:a16="http://schemas.microsoft.com/office/drawing/2014/main" id="{A004E296-8935-4BDC-96E1-94285E629965}"/>
+                <a16:creationId xmlns:a16="http://schemas.microsoft.com/office/drawing/2014/main" xmlns="" id="{A004E296-8935-4BDC-96E1-94285E629965}"/>
               </a:ext>
             </a:extLst>
           </p:cNvPr>
@@ -1806,7 +1805,7 @@
           <p:cNvPr id="7" name="Slide Number Placeholder 6">
             <a:extLst>
               <a:ext uri="{FF2B5EF4-FFF2-40B4-BE49-F238E27FC236}">
-                <a16:creationId xmlns="" xmlns:a16="http://schemas.microsoft.com/office/drawing/2014/main" id="{41D727AA-DFD8-491A-BD97-EF406B3515C7}"/>
+                <a16:creationId xmlns:a16="http://schemas.microsoft.com/office/drawing/2014/main" xmlns="" id="{41D727AA-DFD8-491A-BD97-EF406B3515C7}"/>
               </a:ext>
             </a:extLst>
           </p:cNvPr>
@@ -1865,7 +1864,7 @@
           <p:cNvPr id="2" name="Title 1">
             <a:extLst>
               <a:ext uri="{FF2B5EF4-FFF2-40B4-BE49-F238E27FC236}">
-                <a16:creationId xmlns="" xmlns:a16="http://schemas.microsoft.com/office/drawing/2014/main" id="{E6CF0E43-D0AB-46C6-8A4B-28F4931CA41A}"/>
+                <a16:creationId xmlns:a16="http://schemas.microsoft.com/office/drawing/2014/main" xmlns="" id="{E6CF0E43-D0AB-46C6-8A4B-28F4931CA41A}"/>
               </a:ext>
             </a:extLst>
           </p:cNvPr>
@@ -1899,7 +1898,7 @@
           <p:cNvPr id="3" name="Text Placeholder 2">
             <a:extLst>
               <a:ext uri="{FF2B5EF4-FFF2-40B4-BE49-F238E27FC236}">
-                <a16:creationId xmlns="" xmlns:a16="http://schemas.microsoft.com/office/drawing/2014/main" id="{66CF02C8-D347-433D-9EAF-06D9145F818A}"/>
+                <a16:creationId xmlns:a16="http://schemas.microsoft.com/office/drawing/2014/main" xmlns="" id="{66CF02C8-D347-433D-9EAF-06D9145F818A}"/>
               </a:ext>
             </a:extLst>
           </p:cNvPr>
@@ -1970,7 +1969,7 @@
           <p:cNvPr id="4" name="Content Placeholder 3">
             <a:extLst>
               <a:ext uri="{FF2B5EF4-FFF2-40B4-BE49-F238E27FC236}">
-                <a16:creationId xmlns="" xmlns:a16="http://schemas.microsoft.com/office/drawing/2014/main" id="{71293464-0193-4BE4-8B16-D88E21FCD496}"/>
+                <a16:creationId xmlns:a16="http://schemas.microsoft.com/office/drawing/2014/main" xmlns="" id="{71293464-0193-4BE4-8B16-D88E21FCD496}"/>
               </a:ext>
             </a:extLst>
           </p:cNvPr>
@@ -2033,7 +2032,7 @@
           <p:cNvPr id="5" name="Text Placeholder 4">
             <a:extLst>
               <a:ext uri="{FF2B5EF4-FFF2-40B4-BE49-F238E27FC236}">
-                <a16:creationId xmlns="" xmlns:a16="http://schemas.microsoft.com/office/drawing/2014/main" id="{35DFF939-6F29-4EAB-B51F-7A2E7AFAB47C}"/>
+                <a16:creationId xmlns:a16="http://schemas.microsoft.com/office/drawing/2014/main" xmlns="" id="{35DFF939-6F29-4EAB-B51F-7A2E7AFAB47C}"/>
               </a:ext>
             </a:extLst>
           </p:cNvPr>
@@ -2104,7 +2103,7 @@
           <p:cNvPr id="6" name="Content Placeholder 5">
             <a:extLst>
               <a:ext uri="{FF2B5EF4-FFF2-40B4-BE49-F238E27FC236}">
-                <a16:creationId xmlns="" xmlns:a16="http://schemas.microsoft.com/office/drawing/2014/main" id="{14384B18-D427-4D9A-9C0A-9D373B97FBFC}"/>
+                <a16:creationId xmlns:a16="http://schemas.microsoft.com/office/drawing/2014/main" xmlns="" id="{14384B18-D427-4D9A-9C0A-9D373B97FBFC}"/>
               </a:ext>
             </a:extLst>
           </p:cNvPr>
@@ -2167,7 +2166,7 @@
           <p:cNvPr id="7" name="Date Placeholder 6">
             <a:extLst>
               <a:ext uri="{FF2B5EF4-FFF2-40B4-BE49-F238E27FC236}">
-                <a16:creationId xmlns="" xmlns:a16="http://schemas.microsoft.com/office/drawing/2014/main" id="{27C397B4-3F0D-4499-A9DC-A8744117D9CC}"/>
+                <a16:creationId xmlns:a16="http://schemas.microsoft.com/office/drawing/2014/main" xmlns="" id="{27C397B4-3F0D-4499-A9DC-A8744117D9CC}"/>
               </a:ext>
             </a:extLst>
           </p:cNvPr>
@@ -2185,7 +2184,7 @@
           <a:p>
             <a:fld id="{8A536929-10AE-434E-B377-C7AB95DD3BB3}" type="datetimeFigureOut">
               <a:rPr lang="nl-NL" smtClean="0"/>
-              <a:t>6-10-2019</a:t>
+              <a:t>21-10-2019</a:t>
             </a:fld>
             <a:endParaRPr lang="nl-NL" dirty="0"/>
           </a:p>
@@ -2196,7 +2195,7 @@
           <p:cNvPr id="8" name="Footer Placeholder 7">
             <a:extLst>
               <a:ext uri="{FF2B5EF4-FFF2-40B4-BE49-F238E27FC236}">
-                <a16:creationId xmlns="" xmlns:a16="http://schemas.microsoft.com/office/drawing/2014/main" id="{C152D658-8D2E-47AB-A16D-0E0C9E1A5E2D}"/>
+                <a16:creationId xmlns:a16="http://schemas.microsoft.com/office/drawing/2014/main" xmlns="" id="{C152D658-8D2E-47AB-A16D-0E0C9E1A5E2D}"/>
               </a:ext>
             </a:extLst>
           </p:cNvPr>
@@ -2221,7 +2220,7 @@
           <p:cNvPr id="9" name="Slide Number Placeholder 8">
             <a:extLst>
               <a:ext uri="{FF2B5EF4-FFF2-40B4-BE49-F238E27FC236}">
-                <a16:creationId xmlns="" xmlns:a16="http://schemas.microsoft.com/office/drawing/2014/main" id="{D2353B3C-DEC6-4389-A49D-929C0216703F}"/>
+                <a16:creationId xmlns:a16="http://schemas.microsoft.com/office/drawing/2014/main" xmlns="" id="{D2353B3C-DEC6-4389-A49D-929C0216703F}"/>
               </a:ext>
             </a:extLst>
           </p:cNvPr>
@@ -2280,7 +2279,7 @@
           <p:cNvPr id="2" name="Title 1">
             <a:extLst>
               <a:ext uri="{FF2B5EF4-FFF2-40B4-BE49-F238E27FC236}">
-                <a16:creationId xmlns="" xmlns:a16="http://schemas.microsoft.com/office/drawing/2014/main" id="{614A274B-FC8D-40CC-81F1-32B425660B49}"/>
+                <a16:creationId xmlns:a16="http://schemas.microsoft.com/office/drawing/2014/main" xmlns="" id="{614A274B-FC8D-40CC-81F1-32B425660B49}"/>
               </a:ext>
             </a:extLst>
           </p:cNvPr>
@@ -2309,7 +2308,7 @@
           <p:cNvPr id="3" name="Date Placeholder 2">
             <a:extLst>
               <a:ext uri="{FF2B5EF4-FFF2-40B4-BE49-F238E27FC236}">
-                <a16:creationId xmlns="" xmlns:a16="http://schemas.microsoft.com/office/drawing/2014/main" id="{B16C94D2-43A9-4A06-8490-C754C08EE074}"/>
+                <a16:creationId xmlns:a16="http://schemas.microsoft.com/office/drawing/2014/main" xmlns="" id="{B16C94D2-43A9-4A06-8490-C754C08EE074}"/>
               </a:ext>
             </a:extLst>
           </p:cNvPr>
@@ -2327,7 +2326,7 @@
           <a:p>
             <a:fld id="{8A536929-10AE-434E-B377-C7AB95DD3BB3}" type="datetimeFigureOut">
               <a:rPr lang="nl-NL" smtClean="0"/>
-              <a:t>6-10-2019</a:t>
+              <a:t>21-10-2019</a:t>
             </a:fld>
             <a:endParaRPr lang="nl-NL" dirty="0"/>
           </a:p>
@@ -2338,7 +2337,7 @@
           <p:cNvPr id="4" name="Footer Placeholder 3">
             <a:extLst>
               <a:ext uri="{FF2B5EF4-FFF2-40B4-BE49-F238E27FC236}">
-                <a16:creationId xmlns="" xmlns:a16="http://schemas.microsoft.com/office/drawing/2014/main" id="{445ABB0A-E82A-4444-9523-ACF3F72C74D4}"/>
+                <a16:creationId xmlns:a16="http://schemas.microsoft.com/office/drawing/2014/main" xmlns="" id="{445ABB0A-E82A-4444-9523-ACF3F72C74D4}"/>
               </a:ext>
             </a:extLst>
           </p:cNvPr>
@@ -2363,7 +2362,7 @@
           <p:cNvPr id="5" name="Slide Number Placeholder 4">
             <a:extLst>
               <a:ext uri="{FF2B5EF4-FFF2-40B4-BE49-F238E27FC236}">
-                <a16:creationId xmlns="" xmlns:a16="http://schemas.microsoft.com/office/drawing/2014/main" id="{1094C0AB-1C33-4C41-96FA-C1285C27E9AF}"/>
+                <a16:creationId xmlns:a16="http://schemas.microsoft.com/office/drawing/2014/main" xmlns="" id="{1094C0AB-1C33-4C41-96FA-C1285C27E9AF}"/>
               </a:ext>
             </a:extLst>
           </p:cNvPr>
@@ -2422,7 +2421,7 @@
           <p:cNvPr id="2" name="Date Placeholder 1">
             <a:extLst>
               <a:ext uri="{FF2B5EF4-FFF2-40B4-BE49-F238E27FC236}">
-                <a16:creationId xmlns="" xmlns:a16="http://schemas.microsoft.com/office/drawing/2014/main" id="{10CC5F14-B3A1-490A-BE05-F43D2DE00EB3}"/>
+                <a16:creationId xmlns:a16="http://schemas.microsoft.com/office/drawing/2014/main" xmlns="" id="{10CC5F14-B3A1-490A-BE05-F43D2DE00EB3}"/>
               </a:ext>
             </a:extLst>
           </p:cNvPr>
@@ -2440,7 +2439,7 @@
           <a:p>
             <a:fld id="{8A536929-10AE-434E-B377-C7AB95DD3BB3}" type="datetimeFigureOut">
               <a:rPr lang="nl-NL" smtClean="0"/>
-              <a:t>6-10-2019</a:t>
+              <a:t>21-10-2019</a:t>
             </a:fld>
             <a:endParaRPr lang="nl-NL" dirty="0"/>
           </a:p>
@@ -2451,7 +2450,7 @@
           <p:cNvPr id="3" name="Footer Placeholder 2">
             <a:extLst>
               <a:ext uri="{FF2B5EF4-FFF2-40B4-BE49-F238E27FC236}">
-                <a16:creationId xmlns="" xmlns:a16="http://schemas.microsoft.com/office/drawing/2014/main" id="{A0BF8AEE-66C7-4B25-8EA0-9BF0D231E076}"/>
+                <a16:creationId xmlns:a16="http://schemas.microsoft.com/office/drawing/2014/main" xmlns="" id="{A0BF8AEE-66C7-4B25-8EA0-9BF0D231E076}"/>
               </a:ext>
             </a:extLst>
           </p:cNvPr>
@@ -2476,7 +2475,7 @@
           <p:cNvPr id="4" name="Slide Number Placeholder 3">
             <a:extLst>
               <a:ext uri="{FF2B5EF4-FFF2-40B4-BE49-F238E27FC236}">
-                <a16:creationId xmlns="" xmlns:a16="http://schemas.microsoft.com/office/drawing/2014/main" id="{A3D7C047-0161-4C2F-BA86-9BBA09A5F887}"/>
+                <a16:creationId xmlns:a16="http://schemas.microsoft.com/office/drawing/2014/main" xmlns="" id="{A3D7C047-0161-4C2F-BA86-9BBA09A5F887}"/>
               </a:ext>
             </a:extLst>
           </p:cNvPr>
@@ -2535,7 +2534,7 @@
           <p:cNvPr id="2" name="Title 1">
             <a:extLst>
               <a:ext uri="{FF2B5EF4-FFF2-40B4-BE49-F238E27FC236}">
-                <a16:creationId xmlns="" xmlns:a16="http://schemas.microsoft.com/office/drawing/2014/main" id="{4C3B4CC0-F68E-47D9-8EDA-FFD5DE876471}"/>
+                <a16:creationId xmlns:a16="http://schemas.microsoft.com/office/drawing/2014/main" xmlns="" id="{4C3B4CC0-F68E-47D9-8EDA-FFD5DE876471}"/>
               </a:ext>
             </a:extLst>
           </p:cNvPr>
@@ -2573,7 +2572,7 @@
           <p:cNvPr id="3" name="Content Placeholder 2">
             <a:extLst>
               <a:ext uri="{FF2B5EF4-FFF2-40B4-BE49-F238E27FC236}">
-                <a16:creationId xmlns="" xmlns:a16="http://schemas.microsoft.com/office/drawing/2014/main" id="{38F385BA-9878-40E8-AA59-C52E0A57A330}"/>
+                <a16:creationId xmlns:a16="http://schemas.microsoft.com/office/drawing/2014/main" xmlns="" id="{38F385BA-9878-40E8-AA59-C52E0A57A330}"/>
               </a:ext>
             </a:extLst>
           </p:cNvPr>
@@ -2664,7 +2663,7 @@
           <p:cNvPr id="4" name="Text Placeholder 3">
             <a:extLst>
               <a:ext uri="{FF2B5EF4-FFF2-40B4-BE49-F238E27FC236}">
-                <a16:creationId xmlns="" xmlns:a16="http://schemas.microsoft.com/office/drawing/2014/main" id="{C7800CF9-5054-4035-AA08-13F1AE78A367}"/>
+                <a16:creationId xmlns:a16="http://schemas.microsoft.com/office/drawing/2014/main" xmlns="" id="{C7800CF9-5054-4035-AA08-13F1AE78A367}"/>
               </a:ext>
             </a:extLst>
           </p:cNvPr>
@@ -2735,7 +2734,7 @@
           <p:cNvPr id="5" name="Date Placeholder 4">
             <a:extLst>
               <a:ext uri="{FF2B5EF4-FFF2-40B4-BE49-F238E27FC236}">
-                <a16:creationId xmlns="" xmlns:a16="http://schemas.microsoft.com/office/drawing/2014/main" id="{C1B78EE9-45B1-4268-B034-A2D05742B3BD}"/>
+                <a16:creationId xmlns:a16="http://schemas.microsoft.com/office/drawing/2014/main" xmlns="" id="{C1B78EE9-45B1-4268-B034-A2D05742B3BD}"/>
               </a:ext>
             </a:extLst>
           </p:cNvPr>
@@ -2753,7 +2752,7 @@
           <a:p>
             <a:fld id="{8A536929-10AE-434E-B377-C7AB95DD3BB3}" type="datetimeFigureOut">
               <a:rPr lang="nl-NL" smtClean="0"/>
-              <a:t>6-10-2019</a:t>
+              <a:t>21-10-2019</a:t>
             </a:fld>
             <a:endParaRPr lang="nl-NL" dirty="0"/>
           </a:p>
@@ -2764,7 +2763,7 @@
           <p:cNvPr id="6" name="Footer Placeholder 5">
             <a:extLst>
               <a:ext uri="{FF2B5EF4-FFF2-40B4-BE49-F238E27FC236}">
-                <a16:creationId xmlns="" xmlns:a16="http://schemas.microsoft.com/office/drawing/2014/main" id="{ED9FB690-35E0-42EB-8CCC-DA2C2F4940CF}"/>
+                <a16:creationId xmlns:a16="http://schemas.microsoft.com/office/drawing/2014/main" xmlns="" id="{ED9FB690-35E0-42EB-8CCC-DA2C2F4940CF}"/>
               </a:ext>
             </a:extLst>
           </p:cNvPr>
@@ -2789,7 +2788,7 @@
           <p:cNvPr id="7" name="Slide Number Placeholder 6">
             <a:extLst>
               <a:ext uri="{FF2B5EF4-FFF2-40B4-BE49-F238E27FC236}">
-                <a16:creationId xmlns="" xmlns:a16="http://schemas.microsoft.com/office/drawing/2014/main" id="{B336F7D9-C347-47E9-BEEF-CEF1948529E7}"/>
+                <a16:creationId xmlns:a16="http://schemas.microsoft.com/office/drawing/2014/main" xmlns="" id="{B336F7D9-C347-47E9-BEEF-CEF1948529E7}"/>
               </a:ext>
             </a:extLst>
           </p:cNvPr>
@@ -2848,7 +2847,7 @@
           <p:cNvPr id="2" name="Title 1">
             <a:extLst>
               <a:ext uri="{FF2B5EF4-FFF2-40B4-BE49-F238E27FC236}">
-                <a16:creationId xmlns="" xmlns:a16="http://schemas.microsoft.com/office/drawing/2014/main" id="{987345DA-5CBB-498C-B5A5-E49E9BD855CC}"/>
+                <a16:creationId xmlns:a16="http://schemas.microsoft.com/office/drawing/2014/main" xmlns="" id="{987345DA-5CBB-498C-B5A5-E49E9BD855CC}"/>
               </a:ext>
             </a:extLst>
           </p:cNvPr>
@@ -2886,7 +2885,7 @@
           <p:cNvPr id="3" name="Picture Placeholder 2">
             <a:extLst>
               <a:ext uri="{FF2B5EF4-FFF2-40B4-BE49-F238E27FC236}">
-                <a16:creationId xmlns="" xmlns:a16="http://schemas.microsoft.com/office/drawing/2014/main" id="{286DDD52-3696-4511-BFA9-19DF4432B2CE}"/>
+                <a16:creationId xmlns:a16="http://schemas.microsoft.com/office/drawing/2014/main" xmlns="" id="{286DDD52-3696-4511-BFA9-19DF4432B2CE}"/>
               </a:ext>
             </a:extLst>
           </p:cNvPr>
@@ -2953,7 +2952,7 @@
           <p:cNvPr id="4" name="Text Placeholder 3">
             <a:extLst>
               <a:ext uri="{FF2B5EF4-FFF2-40B4-BE49-F238E27FC236}">
-                <a16:creationId xmlns="" xmlns:a16="http://schemas.microsoft.com/office/drawing/2014/main" id="{5CF79523-0DAE-4D21-82CD-F97093C26ED0}"/>
+                <a16:creationId xmlns:a16="http://schemas.microsoft.com/office/drawing/2014/main" xmlns="" id="{5CF79523-0DAE-4D21-82CD-F97093C26ED0}"/>
               </a:ext>
             </a:extLst>
           </p:cNvPr>
@@ -3024,7 +3023,7 @@
           <p:cNvPr id="5" name="Date Placeholder 4">
             <a:extLst>
               <a:ext uri="{FF2B5EF4-FFF2-40B4-BE49-F238E27FC236}">
-                <a16:creationId xmlns="" xmlns:a16="http://schemas.microsoft.com/office/drawing/2014/main" id="{0F9905C0-D2B9-439C-B94B-234D68D4B874}"/>
+                <a16:creationId xmlns:a16="http://schemas.microsoft.com/office/drawing/2014/main" xmlns="" id="{0F9905C0-D2B9-439C-B94B-234D68D4B874}"/>
               </a:ext>
             </a:extLst>
           </p:cNvPr>
@@ -3042,7 +3041,7 @@
           <a:p>
             <a:fld id="{8A536929-10AE-434E-B377-C7AB95DD3BB3}" type="datetimeFigureOut">
               <a:rPr lang="nl-NL" smtClean="0"/>
-              <a:t>6-10-2019</a:t>
+              <a:t>21-10-2019</a:t>
             </a:fld>
             <a:endParaRPr lang="nl-NL" dirty="0"/>
           </a:p>
@@ -3053,7 +3052,7 @@
           <p:cNvPr id="6" name="Footer Placeholder 5">
             <a:extLst>
               <a:ext uri="{FF2B5EF4-FFF2-40B4-BE49-F238E27FC236}">
-                <a16:creationId xmlns="" xmlns:a16="http://schemas.microsoft.com/office/drawing/2014/main" id="{22093EA3-FA07-4DCE-AEC8-827DB3752C67}"/>
+                <a16:creationId xmlns:a16="http://schemas.microsoft.com/office/drawing/2014/main" xmlns="" id="{22093EA3-FA07-4DCE-AEC8-827DB3752C67}"/>
               </a:ext>
             </a:extLst>
           </p:cNvPr>
@@ -3078,7 +3077,7 @@
           <p:cNvPr id="7" name="Slide Number Placeholder 6">
             <a:extLst>
               <a:ext uri="{FF2B5EF4-FFF2-40B4-BE49-F238E27FC236}">
-                <a16:creationId xmlns="" xmlns:a16="http://schemas.microsoft.com/office/drawing/2014/main" id="{35171860-C496-42A1-BAB3-50BAB58BEAF1}"/>
+                <a16:creationId xmlns:a16="http://schemas.microsoft.com/office/drawing/2014/main" xmlns="" id="{35171860-C496-42A1-BAB3-50BAB58BEAF1}"/>
               </a:ext>
             </a:extLst>
           </p:cNvPr>
@@ -3142,7 +3141,7 @@
           <p:cNvPr id="2" name="Title Placeholder 1">
             <a:extLst>
               <a:ext uri="{FF2B5EF4-FFF2-40B4-BE49-F238E27FC236}">
-                <a16:creationId xmlns="" xmlns:a16="http://schemas.microsoft.com/office/drawing/2014/main" id="{D2BC31AE-F30D-4CE6-862F-53FB107AA697}"/>
+                <a16:creationId xmlns:a16="http://schemas.microsoft.com/office/drawing/2014/main" xmlns="" id="{D2BC31AE-F30D-4CE6-862F-53FB107AA697}"/>
               </a:ext>
             </a:extLst>
           </p:cNvPr>
@@ -3181,7 +3180,7 @@
           <p:cNvPr id="3" name="Text Placeholder 2">
             <a:extLst>
               <a:ext uri="{FF2B5EF4-FFF2-40B4-BE49-F238E27FC236}">
-                <a16:creationId xmlns="" xmlns:a16="http://schemas.microsoft.com/office/drawing/2014/main" id="{C22A83EE-07BF-434D-88D0-946BF0D3C439}"/>
+                <a16:creationId xmlns:a16="http://schemas.microsoft.com/office/drawing/2014/main" xmlns="" id="{C22A83EE-07BF-434D-88D0-946BF0D3C439}"/>
               </a:ext>
             </a:extLst>
           </p:cNvPr>
@@ -3249,7 +3248,7 @@
           <p:cNvPr id="4" name="Date Placeholder 3">
             <a:extLst>
               <a:ext uri="{FF2B5EF4-FFF2-40B4-BE49-F238E27FC236}">
-                <a16:creationId xmlns="" xmlns:a16="http://schemas.microsoft.com/office/drawing/2014/main" id="{8E3E5318-BB17-4FB0-9663-2B17D24D18C1}"/>
+                <a16:creationId xmlns:a16="http://schemas.microsoft.com/office/drawing/2014/main" xmlns="" id="{8E3E5318-BB17-4FB0-9663-2B17D24D18C1}"/>
               </a:ext>
             </a:extLst>
           </p:cNvPr>
@@ -3285,7 +3284,7 @@
           <a:p>
             <a:fld id="{8A536929-10AE-434E-B377-C7AB95DD3BB3}" type="datetimeFigureOut">
               <a:rPr lang="nl-NL" smtClean="0"/>
-              <a:t>6-10-2019</a:t>
+              <a:t>21-10-2019</a:t>
             </a:fld>
             <a:endParaRPr lang="nl-NL" dirty="0"/>
           </a:p>
@@ -3296,7 +3295,7 @@
           <p:cNvPr id="5" name="Footer Placeholder 4">
             <a:extLst>
               <a:ext uri="{FF2B5EF4-FFF2-40B4-BE49-F238E27FC236}">
-                <a16:creationId xmlns="" xmlns:a16="http://schemas.microsoft.com/office/drawing/2014/main" id="{7C9558B9-DBAF-4370-BBA2-52E18CAA879D}"/>
+                <a16:creationId xmlns:a16="http://schemas.microsoft.com/office/drawing/2014/main" xmlns="" id="{7C9558B9-DBAF-4370-BBA2-52E18CAA879D}"/>
               </a:ext>
             </a:extLst>
           </p:cNvPr>
@@ -3339,7 +3338,7 @@
           <p:cNvPr id="6" name="Slide Number Placeholder 5">
             <a:extLst>
               <a:ext uri="{FF2B5EF4-FFF2-40B4-BE49-F238E27FC236}">
-                <a16:creationId xmlns="" xmlns:a16="http://schemas.microsoft.com/office/drawing/2014/main" id="{F00502F2-2E31-44DB-9C84-7D916B295F74}"/>
+                <a16:creationId xmlns:a16="http://schemas.microsoft.com/office/drawing/2014/main" xmlns="" id="{F00502F2-2E31-44DB-9C84-7D916B295F74}"/>
               </a:ext>
             </a:extLst>
           </p:cNvPr>
@@ -3707,7 +3706,7 @@
           <p:cNvPr id="93" name="Rectangle: Rounded Corners 59">
             <a:extLst>
               <a:ext uri="{FF2B5EF4-FFF2-40B4-BE49-F238E27FC236}">
-                <a16:creationId xmlns="" xmlns:a16="http://schemas.microsoft.com/office/drawing/2014/main" id="{FB55B39F-587B-4380-9EDE-DA61719B93C5}"/>
+                <a16:creationId xmlns:a16="http://schemas.microsoft.com/office/drawing/2014/main" xmlns="" id="{FB55B39F-587B-4380-9EDE-DA61719B93C5}"/>
               </a:ext>
             </a:extLst>
           </p:cNvPr>
@@ -5314,7 +5313,7 @@
           <p:cNvPr id="93" name="Rectangle: Rounded Corners 59">
             <a:extLst>
               <a:ext uri="{FF2B5EF4-FFF2-40B4-BE49-F238E27FC236}">
-                <a16:creationId xmlns="" xmlns:a16="http://schemas.microsoft.com/office/drawing/2014/main" id="{FB55B39F-587B-4380-9EDE-DA61719B93C5}"/>
+                <a16:creationId xmlns:a16="http://schemas.microsoft.com/office/drawing/2014/main" xmlns="" id="{FB55B39F-587B-4380-9EDE-DA61719B93C5}"/>
               </a:ext>
             </a:extLst>
           </p:cNvPr>
@@ -6294,8 +6293,8 @@
         </p:nvSpPr>
         <p:spPr>
           <a:xfrm>
-            <a:off x="2539140" y="3869205"/>
-            <a:ext cx="1186677" cy="246221"/>
+            <a:off x="2505206" y="3734947"/>
+            <a:ext cx="1186677" cy="400110"/>
           </a:xfrm>
           <a:prstGeom prst="rect">
             <a:avLst/>
@@ -6310,6 +6309,19 @@
           <a:p>
             <a:r>
               <a:rPr lang="en-US" sz="1000" dirty="0">
+                <a:solidFill>
+                  <a:schemeClr val="tx1">
+                    <a:lumMod val="65000"/>
+                    <a:lumOff val="35000"/>
+                  </a:schemeClr>
+                </a:solidFill>
+              </a:rPr>
+              <a:t>Control mode</a:t>
+            </a:r>
+          </a:p>
+          <a:p>
+            <a:r>
+              <a:rPr lang="en-US" sz="1000" dirty="0" smtClean="0">
                 <a:solidFill>
                   <a:schemeClr val="tx1">
                     <a:lumMod val="65000"/>
@@ -6956,8 +6968,8 @@
         </p:nvSpPr>
         <p:spPr>
           <a:xfrm>
-            <a:off x="1615329" y="1716328"/>
-            <a:ext cx="410875" cy="307777"/>
+            <a:off x="1615943" y="1570867"/>
+            <a:ext cx="410875" cy="461665"/>
           </a:xfrm>
           <a:prstGeom prst="rect">
             <a:avLst/>
@@ -6979,7 +6991,7 @@
                   </a:schemeClr>
                 </a:solidFill>
               </a:rPr>
-              <a:t>Motor speed</a:t>
+              <a:t>Input target scaled</a:t>
             </a:r>
             <a:endParaRPr lang="en-US" sz="1000" dirty="0">
               <a:solidFill>
@@ -7450,60 +7462,6 @@
     <p:extLst>
       <p:ext uri="{BB962C8B-B14F-4D97-AF65-F5344CB8AC3E}">
         <p14:creationId xmlns:p14="http://schemas.microsoft.com/office/powerpoint/2010/main" val="3814288448"/>
-      </p:ext>
-    </p:extLst>
-  </p:cSld>
-  <p:clrMapOvr>
-    <a:masterClrMapping/>
-  </p:clrMapOvr>
-</p:sld>
-</file>
-
-<file path=ppt/slides/slide3.xml><?xml version="1.0" encoding="utf-8"?>
-<p:sld xmlns:a="http://schemas.openxmlformats.org/drawingml/2006/main" xmlns:r="http://schemas.openxmlformats.org/officeDocument/2006/relationships" xmlns:p="http://schemas.openxmlformats.org/presentationml/2006/main">
-  <p:cSld>
-    <p:spTree>
-      <p:nvGrpSpPr>
-        <p:cNvPr id="1" name=""/>
-        <p:cNvGrpSpPr/>
-        <p:nvPr/>
-      </p:nvGrpSpPr>
-      <p:grpSpPr>
-        <a:xfrm>
-          <a:off x="0" y="0"/>
-          <a:ext cx="0" cy="0"/>
-          <a:chOff x="0" y="0"/>
-          <a:chExt cx="0" cy="0"/>
-        </a:xfrm>
-      </p:grpSpPr>
-      <p:pic>
-        <p:nvPicPr>
-          <p:cNvPr id="4" name="Picture 3"/>
-          <p:cNvPicPr>
-            <a:picLocks noChangeAspect="1"/>
-          </p:cNvPicPr>
-          <p:nvPr/>
-        </p:nvPicPr>
-        <p:blipFill>
-          <a:blip r:embed="rId2"/>
-          <a:stretch>
-            <a:fillRect/>
-          </a:stretch>
-        </p:blipFill>
-        <p:spPr>
-          <a:xfrm>
-            <a:off x="2420300" y="762389"/>
-            <a:ext cx="5611500" cy="5447521"/>
-          </a:xfrm>
-          <a:prstGeom prst="rect">
-            <a:avLst/>
-          </a:prstGeom>
-        </p:spPr>
-      </p:pic>
-    </p:spTree>
-    <p:extLst>
-      <p:ext uri="{BB962C8B-B14F-4D97-AF65-F5344CB8AC3E}">
-        <p14:creationId xmlns:p14="http://schemas.microsoft.com/office/powerpoint/2010/main" val="902690706"/>
       </p:ext>
     </p:extLst>
   </p:cSld>

--- a/docs/firmware_architecture.pptx
+++ b/docs/firmware_architecture.pptx
@@ -488,7 +488,7 @@
           <p:cNvPr id="2" name="Title 1">
             <a:extLst>
               <a:ext uri="{FF2B5EF4-FFF2-40B4-BE49-F238E27FC236}">
-                <a16:creationId xmlns:a16="http://schemas.microsoft.com/office/drawing/2014/main" xmlns="" id="{5CB87546-2B11-4901-9B8E-4976C7F282FD}"/>
+                <a16:creationId xmlns="" xmlns:a16="http://schemas.microsoft.com/office/drawing/2014/main" id="{5CB87546-2B11-4901-9B8E-4976C7F282FD}"/>
               </a:ext>
             </a:extLst>
           </p:cNvPr>
@@ -526,7 +526,7 @@
           <p:cNvPr id="3" name="Subtitle 2">
             <a:extLst>
               <a:ext uri="{FF2B5EF4-FFF2-40B4-BE49-F238E27FC236}">
-                <a16:creationId xmlns:a16="http://schemas.microsoft.com/office/drawing/2014/main" xmlns="" id="{51578428-23A7-414B-B347-F6169880DC0C}"/>
+                <a16:creationId xmlns="" xmlns:a16="http://schemas.microsoft.com/office/drawing/2014/main" id="{51578428-23A7-414B-B347-F6169880DC0C}"/>
               </a:ext>
             </a:extLst>
           </p:cNvPr>
@@ -597,7 +597,7 @@
           <p:cNvPr id="4" name="Date Placeholder 3">
             <a:extLst>
               <a:ext uri="{FF2B5EF4-FFF2-40B4-BE49-F238E27FC236}">
-                <a16:creationId xmlns:a16="http://schemas.microsoft.com/office/drawing/2014/main" xmlns="" id="{7EEA0080-C28E-4BCA-AC14-80A2F40CBFB0}"/>
+                <a16:creationId xmlns="" xmlns:a16="http://schemas.microsoft.com/office/drawing/2014/main" id="{7EEA0080-C28E-4BCA-AC14-80A2F40CBFB0}"/>
               </a:ext>
             </a:extLst>
           </p:cNvPr>
@@ -626,7 +626,7 @@
           <p:cNvPr id="5" name="Footer Placeholder 4">
             <a:extLst>
               <a:ext uri="{FF2B5EF4-FFF2-40B4-BE49-F238E27FC236}">
-                <a16:creationId xmlns:a16="http://schemas.microsoft.com/office/drawing/2014/main" xmlns="" id="{4D1F8915-BB54-4D6A-A756-C0160B7BCA31}"/>
+                <a16:creationId xmlns="" xmlns:a16="http://schemas.microsoft.com/office/drawing/2014/main" id="{4D1F8915-BB54-4D6A-A756-C0160B7BCA31}"/>
               </a:ext>
             </a:extLst>
           </p:cNvPr>
@@ -651,7 +651,7 @@
           <p:cNvPr id="6" name="Slide Number Placeholder 5">
             <a:extLst>
               <a:ext uri="{FF2B5EF4-FFF2-40B4-BE49-F238E27FC236}">
-                <a16:creationId xmlns:a16="http://schemas.microsoft.com/office/drawing/2014/main" xmlns="" id="{5632D308-2C29-4749-AAB7-EC1BB78E16E0}"/>
+                <a16:creationId xmlns="" xmlns:a16="http://schemas.microsoft.com/office/drawing/2014/main" id="{5632D308-2C29-4749-AAB7-EC1BB78E16E0}"/>
               </a:ext>
             </a:extLst>
           </p:cNvPr>
@@ -710,7 +710,7 @@
           <p:cNvPr id="2" name="Title 1">
             <a:extLst>
               <a:ext uri="{FF2B5EF4-FFF2-40B4-BE49-F238E27FC236}">
-                <a16:creationId xmlns:a16="http://schemas.microsoft.com/office/drawing/2014/main" xmlns="" id="{644B95E5-8A41-48F1-A321-59F2719923DD}"/>
+                <a16:creationId xmlns="" xmlns:a16="http://schemas.microsoft.com/office/drawing/2014/main" id="{644B95E5-8A41-48F1-A321-59F2719923DD}"/>
               </a:ext>
             </a:extLst>
           </p:cNvPr>
@@ -739,7 +739,7 @@
           <p:cNvPr id="3" name="Vertical Text Placeholder 2">
             <a:extLst>
               <a:ext uri="{FF2B5EF4-FFF2-40B4-BE49-F238E27FC236}">
-                <a16:creationId xmlns:a16="http://schemas.microsoft.com/office/drawing/2014/main" xmlns="" id="{5712BBD9-29F1-41CD-819C-EBAD28306A9D}"/>
+                <a16:creationId xmlns="" xmlns:a16="http://schemas.microsoft.com/office/drawing/2014/main" id="{5712BBD9-29F1-41CD-819C-EBAD28306A9D}"/>
               </a:ext>
             </a:extLst>
           </p:cNvPr>
@@ -797,7 +797,7 @@
           <p:cNvPr id="4" name="Date Placeholder 3">
             <a:extLst>
               <a:ext uri="{FF2B5EF4-FFF2-40B4-BE49-F238E27FC236}">
-                <a16:creationId xmlns:a16="http://schemas.microsoft.com/office/drawing/2014/main" xmlns="" id="{70A3A627-786D-4034-BDA8-B59CDB78021D}"/>
+                <a16:creationId xmlns="" xmlns:a16="http://schemas.microsoft.com/office/drawing/2014/main" id="{70A3A627-786D-4034-BDA8-B59CDB78021D}"/>
               </a:ext>
             </a:extLst>
           </p:cNvPr>
@@ -826,7 +826,7 @@
           <p:cNvPr id="5" name="Footer Placeholder 4">
             <a:extLst>
               <a:ext uri="{FF2B5EF4-FFF2-40B4-BE49-F238E27FC236}">
-                <a16:creationId xmlns:a16="http://schemas.microsoft.com/office/drawing/2014/main" xmlns="" id="{98BABE35-1A12-4D86-A36A-8EA6525C1FA5}"/>
+                <a16:creationId xmlns="" xmlns:a16="http://schemas.microsoft.com/office/drawing/2014/main" id="{98BABE35-1A12-4D86-A36A-8EA6525C1FA5}"/>
               </a:ext>
             </a:extLst>
           </p:cNvPr>
@@ -851,7 +851,7 @@
           <p:cNvPr id="6" name="Slide Number Placeholder 5">
             <a:extLst>
               <a:ext uri="{FF2B5EF4-FFF2-40B4-BE49-F238E27FC236}">
-                <a16:creationId xmlns:a16="http://schemas.microsoft.com/office/drawing/2014/main" xmlns="" id="{46000498-0F00-463F-BDC4-FD2821609340}"/>
+                <a16:creationId xmlns="" xmlns:a16="http://schemas.microsoft.com/office/drawing/2014/main" id="{46000498-0F00-463F-BDC4-FD2821609340}"/>
               </a:ext>
             </a:extLst>
           </p:cNvPr>
@@ -910,7 +910,7 @@
           <p:cNvPr id="2" name="Vertical Title 1">
             <a:extLst>
               <a:ext uri="{FF2B5EF4-FFF2-40B4-BE49-F238E27FC236}">
-                <a16:creationId xmlns:a16="http://schemas.microsoft.com/office/drawing/2014/main" xmlns="" id="{A2C87CA9-649D-478E-858C-7B23BD0D43D6}"/>
+                <a16:creationId xmlns="" xmlns:a16="http://schemas.microsoft.com/office/drawing/2014/main" id="{A2C87CA9-649D-478E-858C-7B23BD0D43D6}"/>
               </a:ext>
             </a:extLst>
           </p:cNvPr>
@@ -944,7 +944,7 @@
           <p:cNvPr id="3" name="Vertical Text Placeholder 2">
             <a:extLst>
               <a:ext uri="{FF2B5EF4-FFF2-40B4-BE49-F238E27FC236}">
-                <a16:creationId xmlns:a16="http://schemas.microsoft.com/office/drawing/2014/main" xmlns="" id="{0CFDD78B-A533-4E27-8BAD-523A7A9903B2}"/>
+                <a16:creationId xmlns="" xmlns:a16="http://schemas.microsoft.com/office/drawing/2014/main" id="{0CFDD78B-A533-4E27-8BAD-523A7A9903B2}"/>
               </a:ext>
             </a:extLst>
           </p:cNvPr>
@@ -1007,7 +1007,7 @@
           <p:cNvPr id="4" name="Date Placeholder 3">
             <a:extLst>
               <a:ext uri="{FF2B5EF4-FFF2-40B4-BE49-F238E27FC236}">
-                <a16:creationId xmlns:a16="http://schemas.microsoft.com/office/drawing/2014/main" xmlns="" id="{0DDA3A3C-3F12-477F-809F-B3A9375D6934}"/>
+                <a16:creationId xmlns="" xmlns:a16="http://schemas.microsoft.com/office/drawing/2014/main" id="{0DDA3A3C-3F12-477F-809F-B3A9375D6934}"/>
               </a:ext>
             </a:extLst>
           </p:cNvPr>
@@ -1036,7 +1036,7 @@
           <p:cNvPr id="5" name="Footer Placeholder 4">
             <a:extLst>
               <a:ext uri="{FF2B5EF4-FFF2-40B4-BE49-F238E27FC236}">
-                <a16:creationId xmlns:a16="http://schemas.microsoft.com/office/drawing/2014/main" xmlns="" id="{6A8C4594-7678-4851-8B4C-9CE6A6DBC53C}"/>
+                <a16:creationId xmlns="" xmlns:a16="http://schemas.microsoft.com/office/drawing/2014/main" id="{6A8C4594-7678-4851-8B4C-9CE6A6DBC53C}"/>
               </a:ext>
             </a:extLst>
           </p:cNvPr>
@@ -1061,7 +1061,7 @@
           <p:cNvPr id="6" name="Slide Number Placeholder 5">
             <a:extLst>
               <a:ext uri="{FF2B5EF4-FFF2-40B4-BE49-F238E27FC236}">
-                <a16:creationId xmlns:a16="http://schemas.microsoft.com/office/drawing/2014/main" xmlns="" id="{F2973298-27A1-4921-B8E2-5EE488A8EF63}"/>
+                <a16:creationId xmlns="" xmlns:a16="http://schemas.microsoft.com/office/drawing/2014/main" id="{F2973298-27A1-4921-B8E2-5EE488A8EF63}"/>
               </a:ext>
             </a:extLst>
           </p:cNvPr>
@@ -1120,7 +1120,7 @@
           <p:cNvPr id="2" name="Title 1">
             <a:extLst>
               <a:ext uri="{FF2B5EF4-FFF2-40B4-BE49-F238E27FC236}">
-                <a16:creationId xmlns:a16="http://schemas.microsoft.com/office/drawing/2014/main" xmlns="" id="{DBB8B871-FA55-4DCB-9E25-1E4D87CCECB7}"/>
+                <a16:creationId xmlns="" xmlns:a16="http://schemas.microsoft.com/office/drawing/2014/main" id="{DBB8B871-FA55-4DCB-9E25-1E4D87CCECB7}"/>
               </a:ext>
             </a:extLst>
           </p:cNvPr>
@@ -1149,7 +1149,7 @@
           <p:cNvPr id="3" name="Content Placeholder 2">
             <a:extLst>
               <a:ext uri="{FF2B5EF4-FFF2-40B4-BE49-F238E27FC236}">
-                <a16:creationId xmlns:a16="http://schemas.microsoft.com/office/drawing/2014/main" xmlns="" id="{161166B4-0610-4B5A-A16C-4E1B81FAA087}"/>
+                <a16:creationId xmlns="" xmlns:a16="http://schemas.microsoft.com/office/drawing/2014/main" id="{161166B4-0610-4B5A-A16C-4E1B81FAA087}"/>
               </a:ext>
             </a:extLst>
           </p:cNvPr>
@@ -1207,7 +1207,7 @@
           <p:cNvPr id="4" name="Date Placeholder 3">
             <a:extLst>
               <a:ext uri="{FF2B5EF4-FFF2-40B4-BE49-F238E27FC236}">
-                <a16:creationId xmlns:a16="http://schemas.microsoft.com/office/drawing/2014/main" xmlns="" id="{BEFDF1DA-1FF0-4424-8A60-945CE921C7C6}"/>
+                <a16:creationId xmlns="" xmlns:a16="http://schemas.microsoft.com/office/drawing/2014/main" id="{BEFDF1DA-1FF0-4424-8A60-945CE921C7C6}"/>
               </a:ext>
             </a:extLst>
           </p:cNvPr>
@@ -1236,7 +1236,7 @@
           <p:cNvPr id="5" name="Footer Placeholder 4">
             <a:extLst>
               <a:ext uri="{FF2B5EF4-FFF2-40B4-BE49-F238E27FC236}">
-                <a16:creationId xmlns:a16="http://schemas.microsoft.com/office/drawing/2014/main" xmlns="" id="{CF6E68FD-B570-4409-84A8-6714F0DB3B5D}"/>
+                <a16:creationId xmlns="" xmlns:a16="http://schemas.microsoft.com/office/drawing/2014/main" id="{CF6E68FD-B570-4409-84A8-6714F0DB3B5D}"/>
               </a:ext>
             </a:extLst>
           </p:cNvPr>
@@ -1261,7 +1261,7 @@
           <p:cNvPr id="6" name="Slide Number Placeholder 5">
             <a:extLst>
               <a:ext uri="{FF2B5EF4-FFF2-40B4-BE49-F238E27FC236}">
-                <a16:creationId xmlns:a16="http://schemas.microsoft.com/office/drawing/2014/main" xmlns="" id="{BEB0CC16-3F5D-4E5D-B5BF-AE2583DEEB70}"/>
+                <a16:creationId xmlns="" xmlns:a16="http://schemas.microsoft.com/office/drawing/2014/main" id="{BEB0CC16-3F5D-4E5D-B5BF-AE2583DEEB70}"/>
               </a:ext>
             </a:extLst>
           </p:cNvPr>
@@ -1320,7 +1320,7 @@
           <p:cNvPr id="2" name="Title 1">
             <a:extLst>
               <a:ext uri="{FF2B5EF4-FFF2-40B4-BE49-F238E27FC236}">
-                <a16:creationId xmlns:a16="http://schemas.microsoft.com/office/drawing/2014/main" xmlns="" id="{8558AC74-4E86-425A-8C64-5EF964E980C8}"/>
+                <a16:creationId xmlns="" xmlns:a16="http://schemas.microsoft.com/office/drawing/2014/main" id="{8558AC74-4E86-425A-8C64-5EF964E980C8}"/>
               </a:ext>
             </a:extLst>
           </p:cNvPr>
@@ -1358,7 +1358,7 @@
           <p:cNvPr id="3" name="Text Placeholder 2">
             <a:extLst>
               <a:ext uri="{FF2B5EF4-FFF2-40B4-BE49-F238E27FC236}">
-                <a16:creationId xmlns:a16="http://schemas.microsoft.com/office/drawing/2014/main" xmlns="" id="{1C3B2D36-9174-4AC3-80F0-A4DE0B82883D}"/>
+                <a16:creationId xmlns="" xmlns:a16="http://schemas.microsoft.com/office/drawing/2014/main" id="{1C3B2D36-9174-4AC3-80F0-A4DE0B82883D}"/>
               </a:ext>
             </a:extLst>
           </p:cNvPr>
@@ -1483,7 +1483,7 @@
           <p:cNvPr id="4" name="Date Placeholder 3">
             <a:extLst>
               <a:ext uri="{FF2B5EF4-FFF2-40B4-BE49-F238E27FC236}">
-                <a16:creationId xmlns:a16="http://schemas.microsoft.com/office/drawing/2014/main" xmlns="" id="{E75A7E04-A38D-4F30-98E4-E4F3EF8CE700}"/>
+                <a16:creationId xmlns="" xmlns:a16="http://schemas.microsoft.com/office/drawing/2014/main" id="{E75A7E04-A38D-4F30-98E4-E4F3EF8CE700}"/>
               </a:ext>
             </a:extLst>
           </p:cNvPr>
@@ -1512,7 +1512,7 @@
           <p:cNvPr id="5" name="Footer Placeholder 4">
             <a:extLst>
               <a:ext uri="{FF2B5EF4-FFF2-40B4-BE49-F238E27FC236}">
-                <a16:creationId xmlns:a16="http://schemas.microsoft.com/office/drawing/2014/main" xmlns="" id="{6FA6A100-E185-476D-BD54-8622176CC180}"/>
+                <a16:creationId xmlns="" xmlns:a16="http://schemas.microsoft.com/office/drawing/2014/main" id="{6FA6A100-E185-476D-BD54-8622176CC180}"/>
               </a:ext>
             </a:extLst>
           </p:cNvPr>
@@ -1537,7 +1537,7 @@
           <p:cNvPr id="6" name="Slide Number Placeholder 5">
             <a:extLst>
               <a:ext uri="{FF2B5EF4-FFF2-40B4-BE49-F238E27FC236}">
-                <a16:creationId xmlns:a16="http://schemas.microsoft.com/office/drawing/2014/main" xmlns="" id="{B728CE3D-6368-4BAB-83EB-F72B7FCDEE9D}"/>
+                <a16:creationId xmlns="" xmlns:a16="http://schemas.microsoft.com/office/drawing/2014/main" id="{B728CE3D-6368-4BAB-83EB-F72B7FCDEE9D}"/>
               </a:ext>
             </a:extLst>
           </p:cNvPr>
@@ -1596,7 +1596,7 @@
           <p:cNvPr id="2" name="Title 1">
             <a:extLst>
               <a:ext uri="{FF2B5EF4-FFF2-40B4-BE49-F238E27FC236}">
-                <a16:creationId xmlns:a16="http://schemas.microsoft.com/office/drawing/2014/main" xmlns="" id="{AAD180F9-EF15-4BD2-A281-B147795B13FD}"/>
+                <a16:creationId xmlns="" xmlns:a16="http://schemas.microsoft.com/office/drawing/2014/main" id="{AAD180F9-EF15-4BD2-A281-B147795B13FD}"/>
               </a:ext>
             </a:extLst>
           </p:cNvPr>
@@ -1625,7 +1625,7 @@
           <p:cNvPr id="3" name="Content Placeholder 2">
             <a:extLst>
               <a:ext uri="{FF2B5EF4-FFF2-40B4-BE49-F238E27FC236}">
-                <a16:creationId xmlns:a16="http://schemas.microsoft.com/office/drawing/2014/main" xmlns="" id="{11B06D64-1D24-41DA-8E2F-DB05B2A6BBB4}"/>
+                <a16:creationId xmlns="" xmlns:a16="http://schemas.microsoft.com/office/drawing/2014/main" id="{11B06D64-1D24-41DA-8E2F-DB05B2A6BBB4}"/>
               </a:ext>
             </a:extLst>
           </p:cNvPr>
@@ -1688,7 +1688,7 @@
           <p:cNvPr id="4" name="Content Placeholder 3">
             <a:extLst>
               <a:ext uri="{FF2B5EF4-FFF2-40B4-BE49-F238E27FC236}">
-                <a16:creationId xmlns:a16="http://schemas.microsoft.com/office/drawing/2014/main" xmlns="" id="{1CE56C22-D5C0-4CA4-8A82-5DBF1FA305B0}"/>
+                <a16:creationId xmlns="" xmlns:a16="http://schemas.microsoft.com/office/drawing/2014/main" id="{1CE56C22-D5C0-4CA4-8A82-5DBF1FA305B0}"/>
               </a:ext>
             </a:extLst>
           </p:cNvPr>
@@ -1751,7 +1751,7 @@
           <p:cNvPr id="5" name="Date Placeholder 4">
             <a:extLst>
               <a:ext uri="{FF2B5EF4-FFF2-40B4-BE49-F238E27FC236}">
-                <a16:creationId xmlns:a16="http://schemas.microsoft.com/office/drawing/2014/main" xmlns="" id="{88219394-9966-4D03-92A6-8CBE0CF9BA23}"/>
+                <a16:creationId xmlns="" xmlns:a16="http://schemas.microsoft.com/office/drawing/2014/main" id="{88219394-9966-4D03-92A6-8CBE0CF9BA23}"/>
               </a:ext>
             </a:extLst>
           </p:cNvPr>
@@ -1780,7 +1780,7 @@
           <p:cNvPr id="6" name="Footer Placeholder 5">
             <a:extLst>
               <a:ext uri="{FF2B5EF4-FFF2-40B4-BE49-F238E27FC236}">
-                <a16:creationId xmlns:a16="http://schemas.microsoft.com/office/drawing/2014/main" xmlns="" id="{A004E296-8935-4BDC-96E1-94285E629965}"/>
+                <a16:creationId xmlns="" xmlns:a16="http://schemas.microsoft.com/office/drawing/2014/main" id="{A004E296-8935-4BDC-96E1-94285E629965}"/>
               </a:ext>
             </a:extLst>
           </p:cNvPr>
@@ -1805,7 +1805,7 @@
           <p:cNvPr id="7" name="Slide Number Placeholder 6">
             <a:extLst>
               <a:ext uri="{FF2B5EF4-FFF2-40B4-BE49-F238E27FC236}">
-                <a16:creationId xmlns:a16="http://schemas.microsoft.com/office/drawing/2014/main" xmlns="" id="{41D727AA-DFD8-491A-BD97-EF406B3515C7}"/>
+                <a16:creationId xmlns="" xmlns:a16="http://schemas.microsoft.com/office/drawing/2014/main" id="{41D727AA-DFD8-491A-BD97-EF406B3515C7}"/>
               </a:ext>
             </a:extLst>
           </p:cNvPr>
@@ -1864,7 +1864,7 @@
           <p:cNvPr id="2" name="Title 1">
             <a:extLst>
               <a:ext uri="{FF2B5EF4-FFF2-40B4-BE49-F238E27FC236}">
-                <a16:creationId xmlns:a16="http://schemas.microsoft.com/office/drawing/2014/main" xmlns="" id="{E6CF0E43-D0AB-46C6-8A4B-28F4931CA41A}"/>
+                <a16:creationId xmlns="" xmlns:a16="http://schemas.microsoft.com/office/drawing/2014/main" id="{E6CF0E43-D0AB-46C6-8A4B-28F4931CA41A}"/>
               </a:ext>
             </a:extLst>
           </p:cNvPr>
@@ -1898,7 +1898,7 @@
           <p:cNvPr id="3" name="Text Placeholder 2">
             <a:extLst>
               <a:ext uri="{FF2B5EF4-FFF2-40B4-BE49-F238E27FC236}">
-                <a16:creationId xmlns:a16="http://schemas.microsoft.com/office/drawing/2014/main" xmlns="" id="{66CF02C8-D347-433D-9EAF-06D9145F818A}"/>
+                <a16:creationId xmlns="" xmlns:a16="http://schemas.microsoft.com/office/drawing/2014/main" id="{66CF02C8-D347-433D-9EAF-06D9145F818A}"/>
               </a:ext>
             </a:extLst>
           </p:cNvPr>
@@ -1969,7 +1969,7 @@
           <p:cNvPr id="4" name="Content Placeholder 3">
             <a:extLst>
               <a:ext uri="{FF2B5EF4-FFF2-40B4-BE49-F238E27FC236}">
-                <a16:creationId xmlns:a16="http://schemas.microsoft.com/office/drawing/2014/main" xmlns="" id="{71293464-0193-4BE4-8B16-D88E21FCD496}"/>
+                <a16:creationId xmlns="" xmlns:a16="http://schemas.microsoft.com/office/drawing/2014/main" id="{71293464-0193-4BE4-8B16-D88E21FCD496}"/>
               </a:ext>
             </a:extLst>
           </p:cNvPr>
@@ -2032,7 +2032,7 @@
           <p:cNvPr id="5" name="Text Placeholder 4">
             <a:extLst>
               <a:ext uri="{FF2B5EF4-FFF2-40B4-BE49-F238E27FC236}">
-                <a16:creationId xmlns:a16="http://schemas.microsoft.com/office/drawing/2014/main" xmlns="" id="{35DFF939-6F29-4EAB-B51F-7A2E7AFAB47C}"/>
+                <a16:creationId xmlns="" xmlns:a16="http://schemas.microsoft.com/office/drawing/2014/main" id="{35DFF939-6F29-4EAB-B51F-7A2E7AFAB47C}"/>
               </a:ext>
             </a:extLst>
           </p:cNvPr>
@@ -2103,7 +2103,7 @@
           <p:cNvPr id="6" name="Content Placeholder 5">
             <a:extLst>
               <a:ext uri="{FF2B5EF4-FFF2-40B4-BE49-F238E27FC236}">
-                <a16:creationId xmlns:a16="http://schemas.microsoft.com/office/drawing/2014/main" xmlns="" id="{14384B18-D427-4D9A-9C0A-9D373B97FBFC}"/>
+                <a16:creationId xmlns="" xmlns:a16="http://schemas.microsoft.com/office/drawing/2014/main" id="{14384B18-D427-4D9A-9C0A-9D373B97FBFC}"/>
               </a:ext>
             </a:extLst>
           </p:cNvPr>
@@ -2166,7 +2166,7 @@
           <p:cNvPr id="7" name="Date Placeholder 6">
             <a:extLst>
               <a:ext uri="{FF2B5EF4-FFF2-40B4-BE49-F238E27FC236}">
-                <a16:creationId xmlns:a16="http://schemas.microsoft.com/office/drawing/2014/main" xmlns="" id="{27C397B4-3F0D-4499-A9DC-A8744117D9CC}"/>
+                <a16:creationId xmlns="" xmlns:a16="http://schemas.microsoft.com/office/drawing/2014/main" id="{27C397B4-3F0D-4499-A9DC-A8744117D9CC}"/>
               </a:ext>
             </a:extLst>
           </p:cNvPr>
@@ -2195,7 +2195,7 @@
           <p:cNvPr id="8" name="Footer Placeholder 7">
             <a:extLst>
               <a:ext uri="{FF2B5EF4-FFF2-40B4-BE49-F238E27FC236}">
-                <a16:creationId xmlns:a16="http://schemas.microsoft.com/office/drawing/2014/main" xmlns="" id="{C152D658-8D2E-47AB-A16D-0E0C9E1A5E2D}"/>
+                <a16:creationId xmlns="" xmlns:a16="http://schemas.microsoft.com/office/drawing/2014/main" id="{C152D658-8D2E-47AB-A16D-0E0C9E1A5E2D}"/>
               </a:ext>
             </a:extLst>
           </p:cNvPr>
@@ -2220,7 +2220,7 @@
           <p:cNvPr id="9" name="Slide Number Placeholder 8">
             <a:extLst>
               <a:ext uri="{FF2B5EF4-FFF2-40B4-BE49-F238E27FC236}">
-                <a16:creationId xmlns:a16="http://schemas.microsoft.com/office/drawing/2014/main" xmlns="" id="{D2353B3C-DEC6-4389-A49D-929C0216703F}"/>
+                <a16:creationId xmlns="" xmlns:a16="http://schemas.microsoft.com/office/drawing/2014/main" id="{D2353B3C-DEC6-4389-A49D-929C0216703F}"/>
               </a:ext>
             </a:extLst>
           </p:cNvPr>
@@ -2279,7 +2279,7 @@
           <p:cNvPr id="2" name="Title 1">
             <a:extLst>
               <a:ext uri="{FF2B5EF4-FFF2-40B4-BE49-F238E27FC236}">
-                <a16:creationId xmlns:a16="http://schemas.microsoft.com/office/drawing/2014/main" xmlns="" id="{614A274B-FC8D-40CC-81F1-32B425660B49}"/>
+                <a16:creationId xmlns="" xmlns:a16="http://schemas.microsoft.com/office/drawing/2014/main" id="{614A274B-FC8D-40CC-81F1-32B425660B49}"/>
               </a:ext>
             </a:extLst>
           </p:cNvPr>
@@ -2308,7 +2308,7 @@
           <p:cNvPr id="3" name="Date Placeholder 2">
             <a:extLst>
               <a:ext uri="{FF2B5EF4-FFF2-40B4-BE49-F238E27FC236}">
-                <a16:creationId xmlns:a16="http://schemas.microsoft.com/office/drawing/2014/main" xmlns="" id="{B16C94D2-43A9-4A06-8490-C754C08EE074}"/>
+                <a16:creationId xmlns="" xmlns:a16="http://schemas.microsoft.com/office/drawing/2014/main" id="{B16C94D2-43A9-4A06-8490-C754C08EE074}"/>
               </a:ext>
             </a:extLst>
           </p:cNvPr>
@@ -2337,7 +2337,7 @@
           <p:cNvPr id="4" name="Footer Placeholder 3">
             <a:extLst>
               <a:ext uri="{FF2B5EF4-FFF2-40B4-BE49-F238E27FC236}">
-                <a16:creationId xmlns:a16="http://schemas.microsoft.com/office/drawing/2014/main" xmlns="" id="{445ABB0A-E82A-4444-9523-ACF3F72C74D4}"/>
+                <a16:creationId xmlns="" xmlns:a16="http://schemas.microsoft.com/office/drawing/2014/main" id="{445ABB0A-E82A-4444-9523-ACF3F72C74D4}"/>
               </a:ext>
             </a:extLst>
           </p:cNvPr>
@@ -2362,7 +2362,7 @@
           <p:cNvPr id="5" name="Slide Number Placeholder 4">
             <a:extLst>
               <a:ext uri="{FF2B5EF4-FFF2-40B4-BE49-F238E27FC236}">
-                <a16:creationId xmlns:a16="http://schemas.microsoft.com/office/drawing/2014/main" xmlns="" id="{1094C0AB-1C33-4C41-96FA-C1285C27E9AF}"/>
+                <a16:creationId xmlns="" xmlns:a16="http://schemas.microsoft.com/office/drawing/2014/main" id="{1094C0AB-1C33-4C41-96FA-C1285C27E9AF}"/>
               </a:ext>
             </a:extLst>
           </p:cNvPr>
@@ -2421,7 +2421,7 @@
           <p:cNvPr id="2" name="Date Placeholder 1">
             <a:extLst>
               <a:ext uri="{FF2B5EF4-FFF2-40B4-BE49-F238E27FC236}">
-                <a16:creationId xmlns:a16="http://schemas.microsoft.com/office/drawing/2014/main" xmlns="" id="{10CC5F14-B3A1-490A-BE05-F43D2DE00EB3}"/>
+                <a16:creationId xmlns="" xmlns:a16="http://schemas.microsoft.com/office/drawing/2014/main" id="{10CC5F14-B3A1-490A-BE05-F43D2DE00EB3}"/>
               </a:ext>
             </a:extLst>
           </p:cNvPr>
@@ -2450,7 +2450,7 @@
           <p:cNvPr id="3" name="Footer Placeholder 2">
             <a:extLst>
               <a:ext uri="{FF2B5EF4-FFF2-40B4-BE49-F238E27FC236}">
-                <a16:creationId xmlns:a16="http://schemas.microsoft.com/office/drawing/2014/main" xmlns="" id="{A0BF8AEE-66C7-4B25-8EA0-9BF0D231E076}"/>
+                <a16:creationId xmlns="" xmlns:a16="http://schemas.microsoft.com/office/drawing/2014/main" id="{A0BF8AEE-66C7-4B25-8EA0-9BF0D231E076}"/>
               </a:ext>
             </a:extLst>
           </p:cNvPr>
@@ -2475,7 +2475,7 @@
           <p:cNvPr id="4" name="Slide Number Placeholder 3">
             <a:extLst>
               <a:ext uri="{FF2B5EF4-FFF2-40B4-BE49-F238E27FC236}">
-                <a16:creationId xmlns:a16="http://schemas.microsoft.com/office/drawing/2014/main" xmlns="" id="{A3D7C047-0161-4C2F-BA86-9BBA09A5F887}"/>
+                <a16:creationId xmlns="" xmlns:a16="http://schemas.microsoft.com/office/drawing/2014/main" id="{A3D7C047-0161-4C2F-BA86-9BBA09A5F887}"/>
               </a:ext>
             </a:extLst>
           </p:cNvPr>
@@ -2534,7 +2534,7 @@
           <p:cNvPr id="2" name="Title 1">
             <a:extLst>
               <a:ext uri="{FF2B5EF4-FFF2-40B4-BE49-F238E27FC236}">
-                <a16:creationId xmlns:a16="http://schemas.microsoft.com/office/drawing/2014/main" xmlns="" id="{4C3B4CC0-F68E-47D9-8EDA-FFD5DE876471}"/>
+                <a16:creationId xmlns="" xmlns:a16="http://schemas.microsoft.com/office/drawing/2014/main" id="{4C3B4CC0-F68E-47D9-8EDA-FFD5DE876471}"/>
               </a:ext>
             </a:extLst>
           </p:cNvPr>
@@ -2572,7 +2572,7 @@
           <p:cNvPr id="3" name="Content Placeholder 2">
             <a:extLst>
               <a:ext uri="{FF2B5EF4-FFF2-40B4-BE49-F238E27FC236}">
-                <a16:creationId xmlns:a16="http://schemas.microsoft.com/office/drawing/2014/main" xmlns="" id="{38F385BA-9878-40E8-AA59-C52E0A57A330}"/>
+                <a16:creationId xmlns="" xmlns:a16="http://schemas.microsoft.com/office/drawing/2014/main" id="{38F385BA-9878-40E8-AA59-C52E0A57A330}"/>
               </a:ext>
             </a:extLst>
           </p:cNvPr>
@@ -2663,7 +2663,7 @@
           <p:cNvPr id="4" name="Text Placeholder 3">
             <a:extLst>
               <a:ext uri="{FF2B5EF4-FFF2-40B4-BE49-F238E27FC236}">
-                <a16:creationId xmlns:a16="http://schemas.microsoft.com/office/drawing/2014/main" xmlns="" id="{C7800CF9-5054-4035-AA08-13F1AE78A367}"/>
+                <a16:creationId xmlns="" xmlns:a16="http://schemas.microsoft.com/office/drawing/2014/main" id="{C7800CF9-5054-4035-AA08-13F1AE78A367}"/>
               </a:ext>
             </a:extLst>
           </p:cNvPr>
@@ -2734,7 +2734,7 @@
           <p:cNvPr id="5" name="Date Placeholder 4">
             <a:extLst>
               <a:ext uri="{FF2B5EF4-FFF2-40B4-BE49-F238E27FC236}">
-                <a16:creationId xmlns:a16="http://schemas.microsoft.com/office/drawing/2014/main" xmlns="" id="{C1B78EE9-45B1-4268-B034-A2D05742B3BD}"/>
+                <a16:creationId xmlns="" xmlns:a16="http://schemas.microsoft.com/office/drawing/2014/main" id="{C1B78EE9-45B1-4268-B034-A2D05742B3BD}"/>
               </a:ext>
             </a:extLst>
           </p:cNvPr>
@@ -2763,7 +2763,7 @@
           <p:cNvPr id="6" name="Footer Placeholder 5">
             <a:extLst>
               <a:ext uri="{FF2B5EF4-FFF2-40B4-BE49-F238E27FC236}">
-                <a16:creationId xmlns:a16="http://schemas.microsoft.com/office/drawing/2014/main" xmlns="" id="{ED9FB690-35E0-42EB-8CCC-DA2C2F4940CF}"/>
+                <a16:creationId xmlns="" xmlns:a16="http://schemas.microsoft.com/office/drawing/2014/main" id="{ED9FB690-35E0-42EB-8CCC-DA2C2F4940CF}"/>
               </a:ext>
             </a:extLst>
           </p:cNvPr>
@@ -2788,7 +2788,7 @@
           <p:cNvPr id="7" name="Slide Number Placeholder 6">
             <a:extLst>
               <a:ext uri="{FF2B5EF4-FFF2-40B4-BE49-F238E27FC236}">
-                <a16:creationId xmlns:a16="http://schemas.microsoft.com/office/drawing/2014/main" xmlns="" id="{B336F7D9-C347-47E9-BEEF-CEF1948529E7}"/>
+                <a16:creationId xmlns="" xmlns:a16="http://schemas.microsoft.com/office/drawing/2014/main" id="{B336F7D9-C347-47E9-BEEF-CEF1948529E7}"/>
               </a:ext>
             </a:extLst>
           </p:cNvPr>
@@ -2847,7 +2847,7 @@
           <p:cNvPr id="2" name="Title 1">
             <a:extLst>
               <a:ext uri="{FF2B5EF4-FFF2-40B4-BE49-F238E27FC236}">
-                <a16:creationId xmlns:a16="http://schemas.microsoft.com/office/drawing/2014/main" xmlns="" id="{987345DA-5CBB-498C-B5A5-E49E9BD855CC}"/>
+                <a16:creationId xmlns="" xmlns:a16="http://schemas.microsoft.com/office/drawing/2014/main" id="{987345DA-5CBB-498C-B5A5-E49E9BD855CC}"/>
               </a:ext>
             </a:extLst>
           </p:cNvPr>
@@ -2885,7 +2885,7 @@
           <p:cNvPr id="3" name="Picture Placeholder 2">
             <a:extLst>
               <a:ext uri="{FF2B5EF4-FFF2-40B4-BE49-F238E27FC236}">
-                <a16:creationId xmlns:a16="http://schemas.microsoft.com/office/drawing/2014/main" xmlns="" id="{286DDD52-3696-4511-BFA9-19DF4432B2CE}"/>
+                <a16:creationId xmlns="" xmlns:a16="http://schemas.microsoft.com/office/drawing/2014/main" id="{286DDD52-3696-4511-BFA9-19DF4432B2CE}"/>
               </a:ext>
             </a:extLst>
           </p:cNvPr>
@@ -2952,7 +2952,7 @@
           <p:cNvPr id="4" name="Text Placeholder 3">
             <a:extLst>
               <a:ext uri="{FF2B5EF4-FFF2-40B4-BE49-F238E27FC236}">
-                <a16:creationId xmlns:a16="http://schemas.microsoft.com/office/drawing/2014/main" xmlns="" id="{5CF79523-0DAE-4D21-82CD-F97093C26ED0}"/>
+                <a16:creationId xmlns="" xmlns:a16="http://schemas.microsoft.com/office/drawing/2014/main" id="{5CF79523-0DAE-4D21-82CD-F97093C26ED0}"/>
               </a:ext>
             </a:extLst>
           </p:cNvPr>
@@ -3023,7 +3023,7 @@
           <p:cNvPr id="5" name="Date Placeholder 4">
             <a:extLst>
               <a:ext uri="{FF2B5EF4-FFF2-40B4-BE49-F238E27FC236}">
-                <a16:creationId xmlns:a16="http://schemas.microsoft.com/office/drawing/2014/main" xmlns="" id="{0F9905C0-D2B9-439C-B94B-234D68D4B874}"/>
+                <a16:creationId xmlns="" xmlns:a16="http://schemas.microsoft.com/office/drawing/2014/main" id="{0F9905C0-D2B9-439C-B94B-234D68D4B874}"/>
               </a:ext>
             </a:extLst>
           </p:cNvPr>
@@ -3052,7 +3052,7 @@
           <p:cNvPr id="6" name="Footer Placeholder 5">
             <a:extLst>
               <a:ext uri="{FF2B5EF4-FFF2-40B4-BE49-F238E27FC236}">
-                <a16:creationId xmlns:a16="http://schemas.microsoft.com/office/drawing/2014/main" xmlns="" id="{22093EA3-FA07-4DCE-AEC8-827DB3752C67}"/>
+                <a16:creationId xmlns="" xmlns:a16="http://schemas.microsoft.com/office/drawing/2014/main" id="{22093EA3-FA07-4DCE-AEC8-827DB3752C67}"/>
               </a:ext>
             </a:extLst>
           </p:cNvPr>
@@ -3077,7 +3077,7 @@
           <p:cNvPr id="7" name="Slide Number Placeholder 6">
             <a:extLst>
               <a:ext uri="{FF2B5EF4-FFF2-40B4-BE49-F238E27FC236}">
-                <a16:creationId xmlns:a16="http://schemas.microsoft.com/office/drawing/2014/main" xmlns="" id="{35171860-C496-42A1-BAB3-50BAB58BEAF1}"/>
+                <a16:creationId xmlns="" xmlns:a16="http://schemas.microsoft.com/office/drawing/2014/main" id="{35171860-C496-42A1-BAB3-50BAB58BEAF1}"/>
               </a:ext>
             </a:extLst>
           </p:cNvPr>
@@ -3141,7 +3141,7 @@
           <p:cNvPr id="2" name="Title Placeholder 1">
             <a:extLst>
               <a:ext uri="{FF2B5EF4-FFF2-40B4-BE49-F238E27FC236}">
-                <a16:creationId xmlns:a16="http://schemas.microsoft.com/office/drawing/2014/main" xmlns="" id="{D2BC31AE-F30D-4CE6-862F-53FB107AA697}"/>
+                <a16:creationId xmlns="" xmlns:a16="http://schemas.microsoft.com/office/drawing/2014/main" id="{D2BC31AE-F30D-4CE6-862F-53FB107AA697}"/>
               </a:ext>
             </a:extLst>
           </p:cNvPr>
@@ -3180,7 +3180,7 @@
           <p:cNvPr id="3" name="Text Placeholder 2">
             <a:extLst>
               <a:ext uri="{FF2B5EF4-FFF2-40B4-BE49-F238E27FC236}">
-                <a16:creationId xmlns:a16="http://schemas.microsoft.com/office/drawing/2014/main" xmlns="" id="{C22A83EE-07BF-434D-88D0-946BF0D3C439}"/>
+                <a16:creationId xmlns="" xmlns:a16="http://schemas.microsoft.com/office/drawing/2014/main" id="{C22A83EE-07BF-434D-88D0-946BF0D3C439}"/>
               </a:ext>
             </a:extLst>
           </p:cNvPr>
@@ -3248,7 +3248,7 @@
           <p:cNvPr id="4" name="Date Placeholder 3">
             <a:extLst>
               <a:ext uri="{FF2B5EF4-FFF2-40B4-BE49-F238E27FC236}">
-                <a16:creationId xmlns:a16="http://schemas.microsoft.com/office/drawing/2014/main" xmlns="" id="{8E3E5318-BB17-4FB0-9663-2B17D24D18C1}"/>
+                <a16:creationId xmlns="" xmlns:a16="http://schemas.microsoft.com/office/drawing/2014/main" id="{8E3E5318-BB17-4FB0-9663-2B17D24D18C1}"/>
               </a:ext>
             </a:extLst>
           </p:cNvPr>
@@ -3295,7 +3295,7 @@
           <p:cNvPr id="5" name="Footer Placeholder 4">
             <a:extLst>
               <a:ext uri="{FF2B5EF4-FFF2-40B4-BE49-F238E27FC236}">
-                <a16:creationId xmlns:a16="http://schemas.microsoft.com/office/drawing/2014/main" xmlns="" id="{7C9558B9-DBAF-4370-BBA2-52E18CAA879D}"/>
+                <a16:creationId xmlns="" xmlns:a16="http://schemas.microsoft.com/office/drawing/2014/main" id="{7C9558B9-DBAF-4370-BBA2-52E18CAA879D}"/>
               </a:ext>
             </a:extLst>
           </p:cNvPr>
@@ -3338,7 +3338,7 @@
           <p:cNvPr id="6" name="Slide Number Placeholder 5">
             <a:extLst>
               <a:ext uri="{FF2B5EF4-FFF2-40B4-BE49-F238E27FC236}">
-                <a16:creationId xmlns:a16="http://schemas.microsoft.com/office/drawing/2014/main" xmlns="" id="{F00502F2-2E31-44DB-9C84-7D916B295F74}"/>
+                <a16:creationId xmlns="" xmlns:a16="http://schemas.microsoft.com/office/drawing/2014/main" id="{F00502F2-2E31-44DB-9C84-7D916B295F74}"/>
               </a:ext>
             </a:extLst>
           </p:cNvPr>
@@ -3706,7 +3706,7 @@
           <p:cNvPr id="93" name="Rectangle: Rounded Corners 59">
             <a:extLst>
               <a:ext uri="{FF2B5EF4-FFF2-40B4-BE49-F238E27FC236}">
-                <a16:creationId xmlns:a16="http://schemas.microsoft.com/office/drawing/2014/main" xmlns="" id="{FB55B39F-587B-4380-9EDE-DA61719B93C5}"/>
+                <a16:creationId xmlns="" xmlns:a16="http://schemas.microsoft.com/office/drawing/2014/main" id="{FB55B39F-587B-4380-9EDE-DA61719B93C5}"/>
               </a:ext>
             </a:extLst>
           </p:cNvPr>
@@ -5313,7 +5313,7 @@
           <p:cNvPr id="93" name="Rectangle: Rounded Corners 59">
             <a:extLst>
               <a:ext uri="{FF2B5EF4-FFF2-40B4-BE49-F238E27FC236}">
-                <a16:creationId xmlns:a16="http://schemas.microsoft.com/office/drawing/2014/main" xmlns="" id="{FB55B39F-587B-4380-9EDE-DA61719B93C5}"/>
+                <a16:creationId xmlns="" xmlns:a16="http://schemas.microsoft.com/office/drawing/2014/main" id="{FB55B39F-587B-4380-9EDE-DA61719B93C5}"/>
               </a:ext>
             </a:extLst>
           </p:cNvPr>
@@ -5322,8 +5322,8 @@
         </p:nvSpPr>
         <p:spPr>
           <a:xfrm>
-            <a:off x="1435100" y="1282700"/>
-            <a:ext cx="8902700" cy="4305300"/>
+            <a:off x="945222" y="1282700"/>
+            <a:ext cx="9392578" cy="4305300"/>
           </a:xfrm>
           <a:prstGeom prst="roundRect">
             <a:avLst>
@@ -6308,7 +6308,7 @@
           <a:lstStyle/>
           <a:p>
             <a:r>
-              <a:rPr lang="en-US" sz="1000" dirty="0">
+              <a:rPr lang="en-US" sz="1000" dirty="0" smtClean="0">
                 <a:solidFill>
                   <a:schemeClr val="tx1">
                     <a:lumMod val="65000"/>
@@ -6316,10 +6316,8 @@
                   </a:schemeClr>
                 </a:solidFill>
               </a:rPr>
-              <a:t>Control mode</a:t>
-            </a:r>
-          </a:p>
-          <a:p>
+              <a:t>Input </a:t>
+            </a:r>
             <a:r>
               <a:rPr lang="en-US" sz="1000" dirty="0" smtClean="0">
                 <a:solidFill>
@@ -6329,7 +6327,7 @@
                   </a:schemeClr>
                 </a:solidFill>
               </a:rPr>
-              <a:t>Input </a:t>
+              <a:t>target </a:t>
             </a:r>
             <a:r>
               <a:rPr lang="en-US" sz="1000" dirty="0" smtClean="0">
@@ -6340,35 +6338,12 @@
                   </a:schemeClr>
                 </a:solidFill>
               </a:rPr>
-              <a:t>target scaled</a:t>
-            </a:r>
-          </a:p>
-        </p:txBody>
-      </p:sp>
-      <p:sp>
-        <p:nvSpPr>
-          <p:cNvPr id="46" name="TextBox 45"/>
-          <p:cNvSpPr txBox="1"/>
-          <p:nvPr/>
-        </p:nvSpPr>
-        <p:spPr>
-          <a:xfrm>
-            <a:off x="3136867" y="1789694"/>
-            <a:ext cx="369012" cy="246221"/>
-          </a:xfrm>
-          <a:prstGeom prst="rect">
-            <a:avLst/>
-          </a:prstGeom>
-          <a:noFill/>
-        </p:spPr>
-        <p:txBody>
-          <a:bodyPr wrap="none" rtlCol="0">
-            <a:spAutoFit/>
-          </a:bodyPr>
-          <a:lstStyle/>
-          <a:p>
-            <a:r>
-              <a:rPr lang="en-US" sz="1000" dirty="0" err="1" smtClean="0">
+              <a:t>scaled</a:t>
+            </a:r>
+          </a:p>
+          <a:p>
+            <a:r>
+              <a:rPr lang="en-US" sz="1000" dirty="0">
                 <a:solidFill>
                   <a:schemeClr val="tx1">
                     <a:lumMod val="65000"/>
@@ -6376,10 +6351,10 @@
                   </a:schemeClr>
                 </a:solidFill>
               </a:rPr>
-              <a:t>i</a:t>
-            </a:r>
-            <a:r>
-              <a:rPr lang="en-US" sz="1000" baseline="-25000" dirty="0" err="1" smtClean="0">
+              <a:t>Control </a:t>
+            </a:r>
+            <a:r>
+              <a:rPr lang="en-US" sz="1000" dirty="0" smtClean="0">
                 <a:solidFill>
                   <a:schemeClr val="tx1">
                     <a:lumMod val="65000"/>
@@ -6387,7 +6362,7 @@
                   </a:schemeClr>
                 </a:solidFill>
               </a:rPr>
-              <a:t>dTgt</a:t>
+              <a:t>mode</a:t>
             </a:r>
             <a:endParaRPr lang="en-US" sz="1000" dirty="0">
               <a:solidFill>
@@ -6402,14 +6377,14 @@
       </p:sp>
       <p:sp>
         <p:nvSpPr>
-          <p:cNvPr id="47" name="TextBox 46"/>
+          <p:cNvPr id="46" name="TextBox 45"/>
           <p:cNvSpPr txBox="1"/>
           <p:nvPr/>
         </p:nvSpPr>
         <p:spPr>
           <a:xfrm>
-            <a:off x="6554145" y="3186471"/>
-            <a:ext cx="285958" cy="400110"/>
+            <a:off x="3136867" y="1789694"/>
+            <a:ext cx="369012" cy="246221"/>
           </a:xfrm>
           <a:prstGeom prst="rect">
             <a:avLst/>
@@ -6417,13 +6392,13 @@
           <a:noFill/>
         </p:spPr>
         <p:txBody>
-          <a:bodyPr wrap="square" rtlCol="0">
+          <a:bodyPr wrap="none" rtlCol="0">
             <a:spAutoFit/>
           </a:bodyPr>
           <a:lstStyle/>
           <a:p>
             <a:r>
-              <a:rPr lang="en-US" sz="1000" dirty="0" smtClean="0">
+              <a:rPr lang="en-US" sz="1000" dirty="0" err="1" smtClean="0">
                 <a:solidFill>
                   <a:schemeClr val="tx1">
                     <a:lumMod val="65000"/>
@@ -6434,7 +6409,7 @@
               <a:t>i</a:t>
             </a:r>
             <a:r>
-              <a:rPr lang="en-US" sz="1000" baseline="-25000" dirty="0" smtClean="0">
+              <a:rPr lang="en-US" sz="1000" baseline="-25000" dirty="0" err="1" smtClean="0">
                 <a:solidFill>
                   <a:schemeClr val="tx1">
                     <a:lumMod val="65000"/>
@@ -6442,31 +6417,7 @@
                   </a:schemeClr>
                 </a:solidFill>
               </a:rPr>
-              <a:t>d</a:t>
-            </a:r>
-          </a:p>
-          <a:p>
-            <a:r>
-              <a:rPr lang="en-US" sz="1000" dirty="0" err="1" smtClean="0">
-                <a:solidFill>
-                  <a:schemeClr val="tx1">
-                    <a:lumMod val="65000"/>
-                    <a:lumOff val="35000"/>
-                  </a:schemeClr>
-                </a:solidFill>
-              </a:rPr>
-              <a:t>i</a:t>
-            </a:r>
-            <a:r>
-              <a:rPr lang="en-US" sz="1000" baseline="-25000" dirty="0" err="1" smtClean="0">
-                <a:solidFill>
-                  <a:schemeClr val="tx1">
-                    <a:lumMod val="65000"/>
-                    <a:lumOff val="35000"/>
-                  </a:schemeClr>
-                </a:solidFill>
-              </a:rPr>
-              <a:t>q</a:t>
+              <a:t>dTgt</a:t>
             </a:r>
             <a:endParaRPr lang="en-US" sz="1000" dirty="0">
               <a:solidFill>
@@ -6481,14 +6432,14 @@
       </p:sp>
       <p:sp>
         <p:nvSpPr>
-          <p:cNvPr id="49" name="TextBox 48"/>
+          <p:cNvPr id="47" name="TextBox 46"/>
           <p:cNvSpPr txBox="1"/>
           <p:nvPr/>
         </p:nvSpPr>
         <p:spPr>
           <a:xfrm>
-            <a:off x="4864612" y="2426269"/>
-            <a:ext cx="258404" cy="246221"/>
+            <a:off x="6554145" y="3186471"/>
+            <a:ext cx="285958" cy="400110"/>
           </a:xfrm>
           <a:prstGeom prst="rect">
             <a:avLst/>
@@ -6496,7 +6447,7 @@
           <a:noFill/>
         </p:spPr>
         <p:txBody>
-          <a:bodyPr wrap="none" rtlCol="0">
+          <a:bodyPr wrap="square" rtlCol="0">
             <a:spAutoFit/>
           </a:bodyPr>
           <a:lstStyle/>
@@ -6522,6 +6473,30 @@
                 </a:solidFill>
               </a:rPr>
               <a:t>d</a:t>
+            </a:r>
+          </a:p>
+          <a:p>
+            <a:r>
+              <a:rPr lang="en-US" sz="1000" dirty="0" err="1" smtClean="0">
+                <a:solidFill>
+                  <a:schemeClr val="tx1">
+                    <a:lumMod val="65000"/>
+                    <a:lumOff val="35000"/>
+                  </a:schemeClr>
+                </a:solidFill>
+              </a:rPr>
+              <a:t>i</a:t>
+            </a:r>
+            <a:r>
+              <a:rPr lang="en-US" sz="1000" baseline="-25000" dirty="0" err="1" smtClean="0">
+                <a:solidFill>
+                  <a:schemeClr val="tx1">
+                    <a:lumMod val="65000"/>
+                    <a:lumOff val="35000"/>
+                  </a:schemeClr>
+                </a:solidFill>
+              </a:rPr>
+              <a:t>q</a:t>
             </a:r>
             <a:endParaRPr lang="en-US" sz="1000" dirty="0">
               <a:solidFill>
@@ -6536,13 +6511,13 @@
       </p:sp>
       <p:sp>
         <p:nvSpPr>
-          <p:cNvPr id="51" name="TextBox 50"/>
+          <p:cNvPr id="49" name="TextBox 48"/>
           <p:cNvSpPr txBox="1"/>
           <p:nvPr/>
         </p:nvSpPr>
         <p:spPr>
           <a:xfrm>
-            <a:off x="5178026" y="3469987"/>
+            <a:off x="4864612" y="2426269"/>
             <a:ext cx="258404" cy="246221"/>
           </a:xfrm>
           <a:prstGeom prst="rect">
@@ -6557,7 +6532,7 @@
           <a:lstStyle/>
           <a:p>
             <a:r>
-              <a:rPr lang="en-US" sz="1000" dirty="0" err="1" smtClean="0">
+              <a:rPr lang="en-US" sz="1000" dirty="0" smtClean="0">
                 <a:solidFill>
                   <a:schemeClr val="tx1">
                     <a:lumMod val="65000"/>
@@ -6568,7 +6543,7 @@
               <a:t>i</a:t>
             </a:r>
             <a:r>
-              <a:rPr lang="en-US" sz="1000" baseline="-25000" dirty="0" err="1" smtClean="0">
+              <a:rPr lang="en-US" sz="1000" baseline="-25000" dirty="0" smtClean="0">
                 <a:solidFill>
                   <a:schemeClr val="tx1">
                     <a:lumMod val="65000"/>
@@ -6576,7 +6551,7 @@
                   </a:schemeClr>
                 </a:solidFill>
               </a:rPr>
-              <a:t>q</a:t>
+              <a:t>d</a:t>
             </a:r>
             <a:endParaRPr lang="en-US" sz="1000" dirty="0">
               <a:solidFill>
@@ -6591,14 +6566,14 @@
       </p:sp>
       <p:sp>
         <p:nvSpPr>
-          <p:cNvPr id="52" name="TextBox 51"/>
+          <p:cNvPr id="51" name="TextBox 50"/>
           <p:cNvSpPr txBox="1"/>
           <p:nvPr/>
         </p:nvSpPr>
         <p:spPr>
           <a:xfrm>
-            <a:off x="9286185" y="3209185"/>
-            <a:ext cx="426472" cy="400110"/>
+            <a:off x="5178026" y="3469987"/>
+            <a:ext cx="258404" cy="246221"/>
           </a:xfrm>
           <a:prstGeom prst="rect">
             <a:avLst/>
@@ -6606,7 +6581,7 @@
           <a:noFill/>
         </p:spPr>
         <p:txBody>
-          <a:bodyPr wrap="square" rtlCol="0">
+          <a:bodyPr wrap="none" rtlCol="0">
             <a:spAutoFit/>
           </a:bodyPr>
           <a:lstStyle/>
@@ -6631,7 +6606,62 @@
                   </a:schemeClr>
                 </a:solidFill>
               </a:rPr>
-              <a:t>phaA</a:t>
+              <a:t>q</a:t>
+            </a:r>
+            <a:endParaRPr lang="en-US" sz="1000" dirty="0">
+              <a:solidFill>
+                <a:schemeClr val="tx1">
+                  <a:lumMod val="65000"/>
+                  <a:lumOff val="35000"/>
+                </a:schemeClr>
+              </a:solidFill>
+            </a:endParaRPr>
+          </a:p>
+        </p:txBody>
+      </p:sp>
+      <p:sp>
+        <p:nvSpPr>
+          <p:cNvPr id="53" name="TextBox 52"/>
+          <p:cNvSpPr txBox="1"/>
+          <p:nvPr/>
+        </p:nvSpPr>
+        <p:spPr>
+          <a:xfrm>
+            <a:off x="7887115" y="3193121"/>
+            <a:ext cx="426472" cy="400110"/>
+          </a:xfrm>
+          <a:prstGeom prst="rect">
+            <a:avLst/>
+          </a:prstGeom>
+          <a:noFill/>
+        </p:spPr>
+        <p:txBody>
+          <a:bodyPr wrap="square" rtlCol="0">
+            <a:spAutoFit/>
+          </a:bodyPr>
+          <a:lstStyle/>
+          <a:p>
+            <a:r>
+              <a:rPr lang="en-US" sz="1000" dirty="0" err="1" smtClean="0">
+                <a:solidFill>
+                  <a:schemeClr val="tx1">
+                    <a:lumMod val="65000"/>
+                    <a:lumOff val="35000"/>
+                  </a:schemeClr>
+                </a:solidFill>
+              </a:rPr>
+              <a:t>i</a:t>
+            </a:r>
+            <a:r>
+              <a:rPr lang="en-US" sz="1000" baseline="-25000" dirty="0" err="1" smtClean="0">
+                <a:solidFill>
+                  <a:schemeClr val="tx1">
+                    <a:lumMod val="65000"/>
+                    <a:lumOff val="35000"/>
+                  </a:schemeClr>
+                </a:solidFill>
+              </a:rPr>
+              <a:t>alpha</a:t>
             </a:r>
             <a:endParaRPr lang="en-US" sz="1000" baseline="-25000" dirty="0" smtClean="0">
               <a:solidFill>
@@ -6663,7 +6693,7 @@
                   </a:schemeClr>
                 </a:solidFill>
               </a:rPr>
-              <a:t>phaB</a:t>
+              <a:t>beta</a:t>
             </a:r>
             <a:endParaRPr lang="en-US" sz="1000" dirty="0">
               <a:solidFill>
@@ -6678,14 +6708,14 @@
       </p:sp>
       <p:sp>
         <p:nvSpPr>
-          <p:cNvPr id="53" name="TextBox 52"/>
+          <p:cNvPr id="54" name="TextBox 53"/>
           <p:cNvSpPr txBox="1"/>
           <p:nvPr/>
         </p:nvSpPr>
         <p:spPr>
           <a:xfrm>
-            <a:off x="7887115" y="3193121"/>
-            <a:ext cx="426472" cy="400110"/>
+            <a:off x="5097315" y="1681578"/>
+            <a:ext cx="301686" cy="246221"/>
           </a:xfrm>
           <a:prstGeom prst="rect">
             <a:avLst/>
@@ -6693,7 +6723,7 @@
           <a:noFill/>
         </p:spPr>
         <p:txBody>
-          <a:bodyPr wrap="square" rtlCol="0">
+          <a:bodyPr wrap="none" rtlCol="0">
             <a:spAutoFit/>
           </a:bodyPr>
           <a:lstStyle/>
@@ -6707,7 +6737,117 @@
                   </a:schemeClr>
                 </a:solidFill>
               </a:rPr>
-              <a:t>i</a:t>
+              <a:t>V</a:t>
+            </a:r>
+            <a:r>
+              <a:rPr lang="en-US" sz="1000" baseline="-25000" dirty="0" err="1" smtClean="0">
+                <a:solidFill>
+                  <a:schemeClr val="tx1">
+                    <a:lumMod val="65000"/>
+                    <a:lumOff val="35000"/>
+                  </a:schemeClr>
+                </a:solidFill>
+              </a:rPr>
+              <a:t>d</a:t>
+            </a:r>
+            <a:endParaRPr lang="en-US" sz="1000" dirty="0">
+              <a:solidFill>
+                <a:schemeClr val="tx1">
+                  <a:lumMod val="65000"/>
+                  <a:lumOff val="35000"/>
+                </a:schemeClr>
+              </a:solidFill>
+            </a:endParaRPr>
+          </a:p>
+        </p:txBody>
+      </p:sp>
+      <p:sp>
+        <p:nvSpPr>
+          <p:cNvPr id="55" name="TextBox 54"/>
+          <p:cNvSpPr txBox="1"/>
+          <p:nvPr/>
+        </p:nvSpPr>
+        <p:spPr>
+          <a:xfrm>
+            <a:off x="5107899" y="2883626"/>
+            <a:ext cx="301686" cy="246221"/>
+          </a:xfrm>
+          <a:prstGeom prst="rect">
+            <a:avLst/>
+          </a:prstGeom>
+          <a:noFill/>
+        </p:spPr>
+        <p:txBody>
+          <a:bodyPr wrap="none" rtlCol="0">
+            <a:spAutoFit/>
+          </a:bodyPr>
+          <a:lstStyle/>
+          <a:p>
+            <a:r>
+              <a:rPr lang="en-US" sz="1000" dirty="0" err="1" smtClean="0">
+                <a:solidFill>
+                  <a:schemeClr val="tx1">
+                    <a:lumMod val="65000"/>
+                    <a:lumOff val="35000"/>
+                  </a:schemeClr>
+                </a:solidFill>
+              </a:rPr>
+              <a:t>V</a:t>
+            </a:r>
+            <a:r>
+              <a:rPr lang="en-US" sz="1000" baseline="-25000" dirty="0" err="1" smtClean="0">
+                <a:solidFill>
+                  <a:schemeClr val="tx1">
+                    <a:lumMod val="65000"/>
+                    <a:lumOff val="35000"/>
+                  </a:schemeClr>
+                </a:solidFill>
+              </a:rPr>
+              <a:t>q</a:t>
+            </a:r>
+            <a:endParaRPr lang="en-US" sz="1000" dirty="0">
+              <a:solidFill>
+                <a:schemeClr val="tx1">
+                  <a:lumMod val="65000"/>
+                  <a:lumOff val="35000"/>
+                </a:schemeClr>
+              </a:solidFill>
+            </a:endParaRPr>
+          </a:p>
+        </p:txBody>
+      </p:sp>
+      <p:sp>
+        <p:nvSpPr>
+          <p:cNvPr id="56" name="TextBox 55"/>
+          <p:cNvSpPr txBox="1"/>
+          <p:nvPr/>
+        </p:nvSpPr>
+        <p:spPr>
+          <a:xfrm>
+            <a:off x="7829650" y="1579504"/>
+            <a:ext cx="507138" cy="400110"/>
+          </a:xfrm>
+          <a:prstGeom prst="rect">
+            <a:avLst/>
+          </a:prstGeom>
+          <a:noFill/>
+        </p:spPr>
+        <p:txBody>
+          <a:bodyPr wrap="square" rtlCol="0">
+            <a:spAutoFit/>
+          </a:bodyPr>
+          <a:lstStyle/>
+          <a:p>
+            <a:r>
+              <a:rPr lang="en-US" sz="1000" dirty="0" err="1" smtClean="0">
+                <a:solidFill>
+                  <a:schemeClr val="tx1">
+                    <a:lumMod val="65000"/>
+                    <a:lumOff val="35000"/>
+                  </a:schemeClr>
+                </a:solidFill>
+              </a:rPr>
+              <a:t>V</a:t>
             </a:r>
             <a:r>
               <a:rPr lang="en-US" sz="1000" baseline="-25000" dirty="0" err="1" smtClean="0">
@@ -6739,7 +6879,7 @@
                   </a:schemeClr>
                 </a:solidFill>
               </a:rPr>
-              <a:t>i</a:t>
+              <a:t>V</a:t>
             </a:r>
             <a:r>
               <a:rPr lang="en-US" sz="1000" baseline="-25000" dirty="0" err="1" smtClean="0">
@@ -6765,14 +6905,14 @@
       </p:sp>
       <p:sp>
         <p:nvSpPr>
-          <p:cNvPr id="54" name="TextBox 53"/>
+          <p:cNvPr id="57" name="TextBox 56"/>
           <p:cNvSpPr txBox="1"/>
           <p:nvPr/>
         </p:nvSpPr>
         <p:spPr>
           <a:xfrm>
-            <a:off x="5097315" y="1681578"/>
-            <a:ext cx="301686" cy="246221"/>
+            <a:off x="1037667" y="1714989"/>
+            <a:ext cx="978877" cy="307777"/>
           </a:xfrm>
           <a:prstGeom prst="rect">
             <a:avLst/>
@@ -6780,13 +6920,13 @@
           <a:noFill/>
         </p:spPr>
         <p:txBody>
-          <a:bodyPr wrap="none" rtlCol="0">
+          <a:bodyPr wrap="square" lIns="0" tIns="0" rIns="0" bIns="0" rtlCol="0">
             <a:spAutoFit/>
           </a:bodyPr>
           <a:lstStyle/>
           <a:p>
             <a:r>
-              <a:rPr lang="en-US" sz="1000" dirty="0" err="1" smtClean="0">
+              <a:rPr lang="en-US" sz="1000" dirty="0" smtClean="0">
                 <a:solidFill>
                   <a:schemeClr val="tx1">
                     <a:lumMod val="65000"/>
@@ -6794,10 +6934,10 @@
                   </a:schemeClr>
                 </a:solidFill>
               </a:rPr>
-              <a:t>V</a:t>
-            </a:r>
-            <a:r>
-              <a:rPr lang="en-US" sz="1000" baseline="-25000" dirty="0" err="1" smtClean="0">
+              <a:t>Input target </a:t>
+            </a:r>
+            <a:r>
+              <a:rPr lang="en-US" sz="1000" dirty="0" smtClean="0">
                 <a:solidFill>
                   <a:schemeClr val="tx1">
                     <a:lumMod val="65000"/>
@@ -6805,43 +6945,12 @@
                   </a:schemeClr>
                 </a:solidFill>
               </a:rPr>
-              <a:t>d</a:t>
-            </a:r>
-            <a:endParaRPr lang="en-US" sz="1000" dirty="0">
-              <a:solidFill>
-                <a:schemeClr val="tx1">
-                  <a:lumMod val="65000"/>
-                  <a:lumOff val="35000"/>
-                </a:schemeClr>
-              </a:solidFill>
-            </a:endParaRPr>
-          </a:p>
-        </p:txBody>
-      </p:sp>
-      <p:sp>
-        <p:nvSpPr>
-          <p:cNvPr id="55" name="TextBox 54"/>
-          <p:cNvSpPr txBox="1"/>
-          <p:nvPr/>
-        </p:nvSpPr>
-        <p:spPr>
-          <a:xfrm>
-            <a:off x="5107899" y="2883626"/>
-            <a:ext cx="301686" cy="246221"/>
-          </a:xfrm>
-          <a:prstGeom prst="rect">
-            <a:avLst/>
-          </a:prstGeom>
-          <a:noFill/>
-        </p:spPr>
-        <p:txBody>
-          <a:bodyPr wrap="none" rtlCol="0">
-            <a:spAutoFit/>
-          </a:bodyPr>
-          <a:lstStyle/>
-          <a:p>
-            <a:r>
-              <a:rPr lang="en-US" sz="1000" dirty="0" err="1" smtClean="0">
+              <a:t>scaled</a:t>
+            </a:r>
+          </a:p>
+          <a:p>
+            <a:r>
+              <a:rPr lang="en-US" sz="1000" dirty="0" smtClean="0">
                 <a:solidFill>
                   <a:schemeClr val="tx1">
                     <a:lumMod val="65000"/>
@@ -6849,149 +6958,7 @@
                   </a:schemeClr>
                 </a:solidFill>
               </a:rPr>
-              <a:t>V</a:t>
-            </a:r>
-            <a:r>
-              <a:rPr lang="en-US" sz="1000" baseline="-25000" dirty="0" err="1" smtClean="0">
-                <a:solidFill>
-                  <a:schemeClr val="tx1">
-                    <a:lumMod val="65000"/>
-                    <a:lumOff val="35000"/>
-                  </a:schemeClr>
-                </a:solidFill>
-              </a:rPr>
-              <a:t>q</a:t>
-            </a:r>
-            <a:endParaRPr lang="en-US" sz="1000" dirty="0">
-              <a:solidFill>
-                <a:schemeClr val="tx1">
-                  <a:lumMod val="65000"/>
-                  <a:lumOff val="35000"/>
-                </a:schemeClr>
-              </a:solidFill>
-            </a:endParaRPr>
-          </a:p>
-        </p:txBody>
-      </p:sp>
-      <p:sp>
-        <p:nvSpPr>
-          <p:cNvPr id="56" name="TextBox 55"/>
-          <p:cNvSpPr txBox="1"/>
-          <p:nvPr/>
-        </p:nvSpPr>
-        <p:spPr>
-          <a:xfrm>
-            <a:off x="7829650" y="1579504"/>
-            <a:ext cx="507138" cy="400110"/>
-          </a:xfrm>
-          <a:prstGeom prst="rect">
-            <a:avLst/>
-          </a:prstGeom>
-          <a:noFill/>
-        </p:spPr>
-        <p:txBody>
-          <a:bodyPr wrap="square" rtlCol="0">
-            <a:spAutoFit/>
-          </a:bodyPr>
-          <a:lstStyle/>
-          <a:p>
-            <a:r>
-              <a:rPr lang="en-US" sz="1000" dirty="0" err="1" smtClean="0">
-                <a:solidFill>
-                  <a:schemeClr val="tx1">
-                    <a:lumMod val="65000"/>
-                    <a:lumOff val="35000"/>
-                  </a:schemeClr>
-                </a:solidFill>
-              </a:rPr>
-              <a:t>V</a:t>
-            </a:r>
-            <a:r>
-              <a:rPr lang="en-US" sz="1000" baseline="-25000" dirty="0" err="1" smtClean="0">
-                <a:solidFill>
-                  <a:schemeClr val="tx1">
-                    <a:lumMod val="65000"/>
-                    <a:lumOff val="35000"/>
-                  </a:schemeClr>
-                </a:solidFill>
-              </a:rPr>
-              <a:t>alpha</a:t>
-            </a:r>
-            <a:endParaRPr lang="en-US" sz="1000" baseline="-25000" dirty="0" smtClean="0">
-              <a:solidFill>
-                <a:schemeClr val="tx1">
-                  <a:lumMod val="65000"/>
-                  <a:lumOff val="35000"/>
-                </a:schemeClr>
-              </a:solidFill>
-            </a:endParaRPr>
-          </a:p>
-          <a:p>
-            <a:r>
-              <a:rPr lang="en-US" sz="1000" dirty="0" err="1" smtClean="0">
-                <a:solidFill>
-                  <a:schemeClr val="tx1">
-                    <a:lumMod val="65000"/>
-                    <a:lumOff val="35000"/>
-                  </a:schemeClr>
-                </a:solidFill>
-              </a:rPr>
-              <a:t>V</a:t>
-            </a:r>
-            <a:r>
-              <a:rPr lang="en-US" sz="1000" baseline="-25000" dirty="0" err="1" smtClean="0">
-                <a:solidFill>
-                  <a:schemeClr val="tx1">
-                    <a:lumMod val="65000"/>
-                    <a:lumOff val="35000"/>
-                  </a:schemeClr>
-                </a:solidFill>
-              </a:rPr>
-              <a:t>beta</a:t>
-            </a:r>
-            <a:endParaRPr lang="en-US" sz="1000" dirty="0">
-              <a:solidFill>
-                <a:schemeClr val="tx1">
-                  <a:lumMod val="65000"/>
-                  <a:lumOff val="35000"/>
-                </a:schemeClr>
-              </a:solidFill>
-            </a:endParaRPr>
-          </a:p>
-        </p:txBody>
-      </p:sp>
-      <p:sp>
-        <p:nvSpPr>
-          <p:cNvPr id="57" name="TextBox 56"/>
-          <p:cNvSpPr txBox="1"/>
-          <p:nvPr/>
-        </p:nvSpPr>
-        <p:spPr>
-          <a:xfrm>
-            <a:off x="1615943" y="1570867"/>
-            <a:ext cx="410875" cy="461665"/>
-          </a:xfrm>
-          <a:prstGeom prst="rect">
-            <a:avLst/>
-          </a:prstGeom>
-          <a:noFill/>
-        </p:spPr>
-        <p:txBody>
-          <a:bodyPr wrap="square" lIns="0" tIns="0" rIns="0" bIns="0" rtlCol="0">
-            <a:spAutoFit/>
-          </a:bodyPr>
-          <a:lstStyle/>
-          <a:p>
-            <a:r>
-              <a:rPr lang="en-US" sz="1000" dirty="0" smtClean="0">
-                <a:solidFill>
-                  <a:schemeClr val="tx1">
-                    <a:lumMod val="65000"/>
-                    <a:lumOff val="35000"/>
-                  </a:schemeClr>
-                </a:solidFill>
-              </a:rPr>
-              <a:t>Input target scaled</a:t>
+              <a:t>Motor speed</a:t>
             </a:r>
             <a:endParaRPr lang="en-US" sz="1000" dirty="0">
               <a:solidFill>
@@ -7119,39 +7086,6 @@
           <a:xfrm>
             <a:off x="3915632" y="2752291"/>
             <a:ext cx="0" cy="218770"/>
-          </a:xfrm>
-          <a:prstGeom prst="straightConnector1">
-            <a:avLst/>
-          </a:prstGeom>
-          <a:ln>
-            <a:tailEnd type="triangle"/>
-          </a:ln>
-        </p:spPr>
-        <p:style>
-          <a:lnRef idx="1">
-            <a:schemeClr val="accent1"/>
-          </a:lnRef>
-          <a:fillRef idx="0">
-            <a:schemeClr val="accent1"/>
-          </a:fillRef>
-          <a:effectRef idx="0">
-            <a:schemeClr val="accent1"/>
-          </a:effectRef>
-          <a:fontRef idx="minor">
-            <a:schemeClr val="tx1"/>
-          </a:fontRef>
-        </p:style>
-      </p:cxnSp>
-      <p:cxnSp>
-        <p:nvCxnSpPr>
-          <p:cNvPr id="102" name="Straight Arrow Connector 101"/>
-          <p:cNvCxnSpPr/>
-          <p:nvPr/>
-        </p:nvCxnSpPr>
-        <p:spPr>
-          <a:xfrm>
-            <a:off x="1731149" y="2035915"/>
-            <a:ext cx="302819" cy="0"/>
           </a:xfrm>
           <a:prstGeom prst="straightConnector1">
             <a:avLst/>
@@ -7458,6 +7392,126 @@
           </a:p>
         </p:txBody>
       </p:sp>
+      <p:sp>
+        <p:nvSpPr>
+          <p:cNvPr id="48" name="TextBox 47"/>
+          <p:cNvSpPr txBox="1"/>
+          <p:nvPr/>
+        </p:nvSpPr>
+        <p:spPr>
+          <a:xfrm>
+            <a:off x="9271670" y="3224243"/>
+            <a:ext cx="881973" cy="400110"/>
+          </a:xfrm>
+          <a:prstGeom prst="rect">
+            <a:avLst/>
+          </a:prstGeom>
+          <a:noFill/>
+        </p:spPr>
+        <p:txBody>
+          <a:bodyPr wrap="none" rtlCol="0">
+            <a:spAutoFit/>
+          </a:bodyPr>
+          <a:lstStyle/>
+          <a:p>
+            <a:r>
+              <a:rPr lang="en-US" sz="1000" dirty="0" smtClean="0">
+                <a:solidFill>
+                  <a:schemeClr val="tx1">
+                    <a:lumMod val="65000"/>
+                    <a:lumOff val="35000"/>
+                  </a:schemeClr>
+                </a:solidFill>
+              </a:rPr>
+              <a:t>Current </a:t>
+            </a:r>
+            <a:r>
+              <a:rPr lang="en-US" sz="1000" dirty="0" err="1" smtClean="0">
+                <a:solidFill>
+                  <a:schemeClr val="tx1">
+                    <a:lumMod val="65000"/>
+                    <a:lumOff val="35000"/>
+                  </a:schemeClr>
+                </a:solidFill>
+              </a:rPr>
+              <a:t>PhaA</a:t>
+            </a:r>
+            <a:endParaRPr lang="en-US" sz="1000" dirty="0" smtClean="0">
+              <a:solidFill>
+                <a:schemeClr val="tx1">
+                  <a:lumMod val="65000"/>
+                  <a:lumOff val="35000"/>
+                </a:schemeClr>
+              </a:solidFill>
+            </a:endParaRPr>
+          </a:p>
+          <a:p>
+            <a:r>
+              <a:rPr lang="en-US" sz="1000" dirty="0">
+                <a:solidFill>
+                  <a:schemeClr val="tx1">
+                    <a:lumMod val="65000"/>
+                    <a:lumOff val="35000"/>
+                  </a:schemeClr>
+                </a:solidFill>
+              </a:rPr>
+              <a:t>Current </a:t>
+            </a:r>
+            <a:r>
+              <a:rPr lang="en-US" sz="1000" dirty="0" err="1" smtClean="0">
+                <a:solidFill>
+                  <a:schemeClr val="tx1">
+                    <a:lumMod val="65000"/>
+                    <a:lumOff val="35000"/>
+                  </a:schemeClr>
+                </a:solidFill>
+              </a:rPr>
+              <a:t>PhaB</a:t>
+            </a:r>
+            <a:endParaRPr lang="en-US" sz="1000" dirty="0">
+              <a:solidFill>
+                <a:schemeClr val="tx1">
+                  <a:lumMod val="65000"/>
+                  <a:lumOff val="35000"/>
+                </a:schemeClr>
+              </a:solidFill>
+            </a:endParaRPr>
+          </a:p>
+        </p:txBody>
+      </p:sp>
+      <p:cxnSp>
+        <p:nvCxnSpPr>
+          <p:cNvPr id="58" name="Straight Arrow Connector 57"/>
+          <p:cNvCxnSpPr/>
+          <p:nvPr/>
+        </p:nvCxnSpPr>
+        <p:spPr>
+          <a:xfrm>
+            <a:off x="1385848" y="2047489"/>
+            <a:ext cx="672170" cy="0"/>
+          </a:xfrm>
+          <a:prstGeom prst="straightConnector1">
+            <a:avLst/>
+          </a:prstGeom>
+          <a:ln>
+            <a:tailEnd type="triangle"/>
+          </a:ln>
+        </p:spPr>
+        <p:style>
+          <a:lnRef idx="1">
+            <a:schemeClr val="accent1"/>
+          </a:lnRef>
+          <a:fillRef idx="0">
+            <a:schemeClr val="accent1"/>
+          </a:fillRef>
+          <a:effectRef idx="0">
+            <a:schemeClr val="accent1"/>
+          </a:effectRef>
+          <a:fontRef idx="minor">
+            <a:schemeClr val="tx1"/>
+          </a:fontRef>
+        </p:style>
+      </p:cxnSp>
     </p:spTree>
     <p:extLst>
       <p:ext uri="{BB962C8B-B14F-4D97-AF65-F5344CB8AC3E}">

--- a/docs/firmware_architecture.pptx
+++ b/docs/firmware_architecture.pptx
@@ -5,11 +5,12 @@
     <p:sldMasterId id="2147483648" r:id="rId1"/>
   </p:sldMasterIdLst>
   <p:notesMasterIdLst>
-    <p:notesMasterId r:id="rId4"/>
+    <p:notesMasterId r:id="rId5"/>
   </p:notesMasterIdLst>
   <p:sldIdLst>
     <p:sldId id="259" r:id="rId2"/>
     <p:sldId id="260" r:id="rId3"/>
+    <p:sldId id="261" r:id="rId4"/>
   </p:sldIdLst>
   <p:sldSz cx="12192000" cy="6858000"/>
   <p:notesSz cx="6858000" cy="9144000"/>
@@ -198,7 +199,7 @@
           <a:p>
             <a:fld id="{4F88AC14-9F0C-4B24-A0DE-3D91966C1719}" type="datetimeFigureOut">
               <a:rPr lang="nl-NL" smtClean="0"/>
-              <a:t>21-10-2019</a:t>
+              <a:t>12-12-2019</a:t>
             </a:fld>
             <a:endParaRPr lang="nl-NL" dirty="0"/>
           </a:p>
@@ -615,7 +616,7 @@
           <a:p>
             <a:fld id="{8A536929-10AE-434E-B377-C7AB95DD3BB3}" type="datetimeFigureOut">
               <a:rPr lang="nl-NL" smtClean="0"/>
-              <a:t>21-10-2019</a:t>
+              <a:t>12-12-2019</a:t>
             </a:fld>
             <a:endParaRPr lang="nl-NL" dirty="0"/>
           </a:p>
@@ -815,7 +816,7 @@
           <a:p>
             <a:fld id="{8A536929-10AE-434E-B377-C7AB95DD3BB3}" type="datetimeFigureOut">
               <a:rPr lang="nl-NL" smtClean="0"/>
-              <a:t>21-10-2019</a:t>
+              <a:t>12-12-2019</a:t>
             </a:fld>
             <a:endParaRPr lang="nl-NL" dirty="0"/>
           </a:p>
@@ -1025,7 +1026,7 @@
           <a:p>
             <a:fld id="{8A536929-10AE-434E-B377-C7AB95DD3BB3}" type="datetimeFigureOut">
               <a:rPr lang="nl-NL" smtClean="0"/>
-              <a:t>21-10-2019</a:t>
+              <a:t>12-12-2019</a:t>
             </a:fld>
             <a:endParaRPr lang="nl-NL" dirty="0"/>
           </a:p>
@@ -1225,7 +1226,7 @@
           <a:p>
             <a:fld id="{8A536929-10AE-434E-B377-C7AB95DD3BB3}" type="datetimeFigureOut">
               <a:rPr lang="nl-NL" smtClean="0"/>
-              <a:t>21-10-2019</a:t>
+              <a:t>12-12-2019</a:t>
             </a:fld>
             <a:endParaRPr lang="nl-NL" dirty="0"/>
           </a:p>
@@ -1501,7 +1502,7 @@
           <a:p>
             <a:fld id="{8A536929-10AE-434E-B377-C7AB95DD3BB3}" type="datetimeFigureOut">
               <a:rPr lang="nl-NL" smtClean="0"/>
-              <a:t>21-10-2019</a:t>
+              <a:t>12-12-2019</a:t>
             </a:fld>
             <a:endParaRPr lang="nl-NL" dirty="0"/>
           </a:p>
@@ -1769,7 +1770,7 @@
           <a:p>
             <a:fld id="{8A536929-10AE-434E-B377-C7AB95DD3BB3}" type="datetimeFigureOut">
               <a:rPr lang="nl-NL" smtClean="0"/>
-              <a:t>21-10-2019</a:t>
+              <a:t>12-12-2019</a:t>
             </a:fld>
             <a:endParaRPr lang="nl-NL" dirty="0"/>
           </a:p>
@@ -2184,7 +2185,7 @@
           <a:p>
             <a:fld id="{8A536929-10AE-434E-B377-C7AB95DD3BB3}" type="datetimeFigureOut">
               <a:rPr lang="nl-NL" smtClean="0"/>
-              <a:t>21-10-2019</a:t>
+              <a:t>12-12-2019</a:t>
             </a:fld>
             <a:endParaRPr lang="nl-NL" dirty="0"/>
           </a:p>
@@ -2326,7 +2327,7 @@
           <a:p>
             <a:fld id="{8A536929-10AE-434E-B377-C7AB95DD3BB3}" type="datetimeFigureOut">
               <a:rPr lang="nl-NL" smtClean="0"/>
-              <a:t>21-10-2019</a:t>
+              <a:t>12-12-2019</a:t>
             </a:fld>
             <a:endParaRPr lang="nl-NL" dirty="0"/>
           </a:p>
@@ -2439,7 +2440,7 @@
           <a:p>
             <a:fld id="{8A536929-10AE-434E-B377-C7AB95DD3BB3}" type="datetimeFigureOut">
               <a:rPr lang="nl-NL" smtClean="0"/>
-              <a:t>21-10-2019</a:t>
+              <a:t>12-12-2019</a:t>
             </a:fld>
             <a:endParaRPr lang="nl-NL" dirty="0"/>
           </a:p>
@@ -2752,7 +2753,7 @@
           <a:p>
             <a:fld id="{8A536929-10AE-434E-B377-C7AB95DD3BB3}" type="datetimeFigureOut">
               <a:rPr lang="nl-NL" smtClean="0"/>
-              <a:t>21-10-2019</a:t>
+              <a:t>12-12-2019</a:t>
             </a:fld>
             <a:endParaRPr lang="nl-NL" dirty="0"/>
           </a:p>
@@ -3041,7 +3042,7 @@
           <a:p>
             <a:fld id="{8A536929-10AE-434E-B377-C7AB95DD3BB3}" type="datetimeFigureOut">
               <a:rPr lang="nl-NL" smtClean="0"/>
-              <a:t>21-10-2019</a:t>
+              <a:t>12-12-2019</a:t>
             </a:fld>
             <a:endParaRPr lang="nl-NL" dirty="0"/>
           </a:p>
@@ -3284,7 +3285,7 @@
           <a:p>
             <a:fld id="{8A536929-10AE-434E-B377-C7AB95DD3BB3}" type="datetimeFigureOut">
               <a:rPr lang="nl-NL" smtClean="0"/>
-              <a:t>21-10-2019</a:t>
+              <a:t>12-12-2019</a:t>
             </a:fld>
             <a:endParaRPr lang="nl-NL" dirty="0"/>
           </a:p>
@@ -3715,8 +3716,8 @@
         </p:nvSpPr>
         <p:spPr>
           <a:xfrm>
-            <a:off x="1804397" y="1277071"/>
-            <a:ext cx="7970824" cy="3699841"/>
+            <a:off x="1292953" y="1183952"/>
+            <a:ext cx="7970824" cy="4653023"/>
           </a:xfrm>
           <a:prstGeom prst="roundRect">
             <a:avLst>
@@ -3755,7 +3756,7 @@
           <a:lstStyle/>
           <a:p>
             <a:r>
-              <a:rPr lang="nl-NL" sz="1200" dirty="0" smtClean="0">
+              <a:rPr lang="nl-NL" sz="1200" b="1" dirty="0">
                 <a:solidFill>
                   <a:schemeClr val="tx1">
                     <a:lumMod val="65000"/>
@@ -3766,7 +3767,7 @@
               <a:t>FOC </a:t>
             </a:r>
             <a:r>
-              <a:rPr lang="nl-NL" sz="1200" dirty="0" err="1" smtClean="0">
+              <a:rPr lang="nl-NL" sz="1200" b="1" dirty="0" err="1">
                 <a:solidFill>
                   <a:schemeClr val="tx1">
                     <a:lumMod val="65000"/>
@@ -3777,7 +3778,7 @@
               <a:t>Custom</a:t>
             </a:r>
             <a:r>
-              <a:rPr lang="nl-NL" sz="1200" dirty="0" smtClean="0">
+              <a:rPr lang="nl-NL" sz="1200" b="1" dirty="0">
                 <a:solidFill>
                   <a:schemeClr val="tx1">
                     <a:lumMod val="65000"/>
@@ -3787,14 +3788,6 @@
               </a:rPr>
               <a:t> Firmware Architecture</a:t>
             </a:r>
-            <a:endParaRPr lang="nl-NL" sz="1200" dirty="0">
-              <a:solidFill>
-                <a:schemeClr val="tx1">
-                  <a:lumMod val="65000"/>
-                  <a:lumOff val="35000"/>
-                </a:schemeClr>
-              </a:solidFill>
-            </a:endParaRPr>
           </a:p>
         </p:txBody>
       </p:sp>
@@ -3806,7 +3799,7 @@
         </p:nvSpPr>
         <p:spPr>
           <a:xfrm>
-            <a:off x="2609208" y="1803290"/>
+            <a:off x="2097764" y="1679304"/>
             <a:ext cx="1297868" cy="745080"/>
           </a:xfrm>
           <a:prstGeom prst="rect">
@@ -3841,18 +3834,13 @@
           <a:p>
             <a:pPr algn="ctr"/>
             <a:r>
-              <a:rPr lang="en-US" sz="1100" b="1" dirty="0" smtClean="0">
+              <a:rPr lang="en-US" sz="1100" b="1" dirty="0">
                 <a:solidFill>
                   <a:schemeClr val="tx1"/>
                 </a:solidFill>
               </a:rPr>
               <a:t>Estimations</a:t>
             </a:r>
-            <a:endParaRPr lang="en-US" sz="1100" b="1" dirty="0">
-              <a:solidFill>
-                <a:schemeClr val="tx1"/>
-              </a:solidFill>
-            </a:endParaRPr>
           </a:p>
         </p:txBody>
       </p:sp>
@@ -3864,7 +3852,7 @@
         </p:nvSpPr>
         <p:spPr>
           <a:xfrm>
-            <a:off x="2609208" y="3940314"/>
+            <a:off x="2097764" y="3816328"/>
             <a:ext cx="1297868" cy="745080"/>
           </a:xfrm>
           <a:prstGeom prst="rect">
@@ -3899,18 +3887,13 @@
           <a:p>
             <a:pPr algn="ctr"/>
             <a:r>
-              <a:rPr lang="en-US" sz="1100" b="1" dirty="0" smtClean="0">
+              <a:rPr lang="en-US" sz="1100" b="1" dirty="0">
                 <a:solidFill>
                   <a:schemeClr val="tx1"/>
                 </a:solidFill>
               </a:rPr>
               <a:t>Diagnostics</a:t>
             </a:r>
-            <a:endParaRPr lang="en-US" sz="1100" b="1" dirty="0">
-              <a:solidFill>
-                <a:schemeClr val="tx1"/>
-              </a:solidFill>
-            </a:endParaRPr>
           </a:p>
         </p:txBody>
       </p:sp>
@@ -3922,7 +3905,7 @@
         </p:nvSpPr>
         <p:spPr>
           <a:xfrm>
-            <a:off x="4884129" y="3940314"/>
+            <a:off x="4372685" y="3816328"/>
             <a:ext cx="1297868" cy="745080"/>
           </a:xfrm>
           <a:prstGeom prst="rect">
@@ -3957,18 +3940,13 @@
           <a:p>
             <a:pPr algn="ctr"/>
             <a:r>
-              <a:rPr lang="en-US" sz="1100" b="1" dirty="0" smtClean="0">
+              <a:rPr lang="en-US" sz="1100" b="1" dirty="0">
                 <a:solidFill>
                   <a:schemeClr val="tx1"/>
                 </a:solidFill>
               </a:rPr>
               <a:t>Control Mode Manager</a:t>
             </a:r>
-            <a:endParaRPr lang="en-US" sz="1100" b="1" dirty="0">
-              <a:solidFill>
-                <a:schemeClr val="tx1"/>
-              </a:solidFill>
-            </a:endParaRPr>
           </a:p>
         </p:txBody>
       </p:sp>
@@ -3980,7 +3958,7 @@
         </p:nvSpPr>
         <p:spPr>
           <a:xfrm>
-            <a:off x="7444698" y="3940314"/>
+            <a:off x="6933254" y="3816328"/>
             <a:ext cx="1297868" cy="745080"/>
           </a:xfrm>
           <a:prstGeom prst="rect">
@@ -4015,7 +3993,7 @@
           <a:p>
             <a:pPr algn="ctr"/>
             <a:r>
-              <a:rPr lang="en-US" sz="1100" b="1" dirty="0" smtClean="0">
+              <a:rPr lang="en-US" sz="1100" b="1" dirty="0">
                 <a:solidFill>
                   <a:schemeClr val="tx1"/>
                 </a:solidFill>
@@ -4026,18 +4004,13 @@
           <a:p>
             <a:pPr algn="ctr"/>
             <a:r>
-              <a:rPr lang="en-US" sz="1100" b="1" dirty="0" smtClean="0">
+              <a:rPr lang="en-US" sz="1100" b="1" dirty="0">
                 <a:solidFill>
                   <a:schemeClr val="tx1"/>
                 </a:solidFill>
               </a:rPr>
               <a:t>Algorithm</a:t>
             </a:r>
-            <a:endParaRPr lang="en-US" sz="1100" b="1" dirty="0">
-              <a:solidFill>
-                <a:schemeClr val="tx1"/>
-              </a:solidFill>
-            </a:endParaRPr>
           </a:p>
         </p:txBody>
       </p:sp>
@@ -4049,7 +4022,7 @@
         </p:nvSpPr>
         <p:spPr>
           <a:xfrm>
-            <a:off x="7444699" y="1803290"/>
+            <a:off x="6933255" y="1679304"/>
             <a:ext cx="1297868" cy="745080"/>
           </a:xfrm>
           <a:prstGeom prst="rect">
@@ -4084,18 +4057,13 @@
           <a:p>
             <a:pPr algn="ctr"/>
             <a:r>
-              <a:rPr lang="en-US" sz="1100" b="1" dirty="0" smtClean="0">
+              <a:rPr lang="en-US" sz="1100" b="1" dirty="0">
                 <a:solidFill>
                   <a:schemeClr val="tx1"/>
                 </a:solidFill>
               </a:rPr>
               <a:t>Control Type Manager</a:t>
             </a:r>
-            <a:endParaRPr lang="en-US" sz="1100" b="1" dirty="0">
-              <a:solidFill>
-                <a:schemeClr val="tx1"/>
-              </a:solidFill>
-            </a:endParaRPr>
           </a:p>
         </p:txBody>
       </p:sp>
@@ -4109,7 +4077,7 @@
         </p:nvCxnSpPr>
         <p:spPr>
           <a:xfrm>
-            <a:off x="2205090" y="2175830"/>
+            <a:off x="1693646" y="2051844"/>
             <a:ext cx="404118" cy="0"/>
           </a:xfrm>
           <a:prstGeom prst="straightConnector1">
@@ -4142,7 +4110,7 @@
         </p:nvSpPr>
         <p:spPr>
           <a:xfrm>
-            <a:off x="1804397" y="1741131"/>
+            <a:off x="1292953" y="1617145"/>
             <a:ext cx="808235" cy="400110"/>
           </a:xfrm>
           <a:prstGeom prst="rect">
@@ -4170,7 +4138,7 @@
           </a:p>
           <a:p>
             <a:r>
-              <a:rPr lang="en-US" sz="1000" dirty="0" smtClean="0">
+              <a:rPr lang="en-US" sz="1000" dirty="0">
                 <a:solidFill>
                   <a:schemeClr val="tx1">
                     <a:lumMod val="65000"/>
@@ -4194,7 +4162,7 @@
         </p:nvCxnSpPr>
         <p:spPr>
           <a:xfrm>
-            <a:off x="3258142" y="2548370"/>
+            <a:off x="2746698" y="2424384"/>
             <a:ext cx="0" cy="1391944"/>
           </a:xfrm>
           <a:prstGeom prst="straightConnector1">
@@ -4227,7 +4195,7 @@
         </p:nvSpPr>
         <p:spPr>
           <a:xfrm>
-            <a:off x="3258142" y="2610529"/>
+            <a:off x="2746698" y="2486543"/>
             <a:ext cx="1162498" cy="707886"/>
           </a:xfrm>
           <a:prstGeom prst="rect">
@@ -4250,10 +4218,12 @@
                   </a:schemeClr>
                 </a:solidFill>
               </a:rPr>
-              <a:t>Input target </a:t>
-            </a:r>
-            <a:r>
-              <a:rPr lang="en-US" sz="1000" dirty="0" smtClean="0">
+              <a:t>Input target scaled</a:t>
+            </a:r>
+          </a:p>
+          <a:p>
+            <a:r>
+              <a:rPr lang="en-US" sz="1000" dirty="0">
                 <a:solidFill>
                   <a:schemeClr val="tx1">
                     <a:lumMod val="65000"/>
@@ -4261,12 +4231,12 @@
                   </a:schemeClr>
                 </a:solidFill>
               </a:rPr>
-              <a:t>scaled</a:t>
-            </a:r>
-          </a:p>
-          <a:p>
-            <a:r>
-              <a:rPr lang="en-US" sz="1000" dirty="0" smtClean="0">
+              <a:t>Rotor position</a:t>
+            </a:r>
+          </a:p>
+          <a:p>
+            <a:r>
+              <a:rPr lang="en-US" sz="1000" dirty="0">
                 <a:solidFill>
                   <a:schemeClr val="tx1">
                     <a:lumMod val="65000"/>
@@ -4274,12 +4244,12 @@
                   </a:schemeClr>
                 </a:solidFill>
               </a:rPr>
-              <a:t>Rotor position</a:t>
-            </a:r>
-          </a:p>
-          <a:p>
-            <a:r>
-              <a:rPr lang="en-US" sz="1000" dirty="0" smtClean="0">
+              <a:t>Rotor angle</a:t>
+            </a:r>
+          </a:p>
+          <a:p>
+            <a:r>
+              <a:rPr lang="en-US" sz="1000" dirty="0">
                 <a:solidFill>
                   <a:schemeClr val="tx1">
                     <a:lumMod val="65000"/>
@@ -4287,19 +4257,6 @@
                   </a:schemeClr>
                 </a:solidFill>
               </a:rPr>
-              <a:t>Rotor angle</a:t>
-            </a:r>
-          </a:p>
-          <a:p>
-            <a:r>
-              <a:rPr lang="en-US" sz="1000" dirty="0" smtClean="0">
-                <a:solidFill>
-                  <a:schemeClr val="tx1">
-                    <a:lumMod val="65000"/>
-                    <a:lumOff val="35000"/>
-                  </a:schemeClr>
-                </a:solidFill>
-              </a:rPr>
               <a:t>Motor speed</a:t>
             </a:r>
           </a:p>
@@ -4313,7 +4270,7 @@
         </p:nvSpPr>
         <p:spPr>
           <a:xfrm>
-            <a:off x="3981859" y="4100048"/>
+            <a:off x="3470415" y="3976062"/>
             <a:ext cx="667170" cy="246221"/>
           </a:xfrm>
           <a:prstGeom prst="rect">
@@ -4328,7 +4285,7 @@
           <a:lstStyle/>
           <a:p>
             <a:r>
-              <a:rPr lang="en-US" sz="1000" dirty="0" smtClean="0">
+              <a:rPr lang="en-US" sz="1000" dirty="0">
                 <a:solidFill>
                   <a:schemeClr val="tx1">
                     <a:lumMod val="65000"/>
@@ -4337,6 +4294,89 @@
                 </a:solidFill>
               </a:rPr>
               <a:t>Error flag</a:t>
+            </a:r>
+          </a:p>
+        </p:txBody>
+      </p:sp>
+      <p:sp>
+        <p:nvSpPr>
+          <p:cNvPr id="18" name="TextBox 17"/>
+          <p:cNvSpPr txBox="1"/>
+          <p:nvPr/>
+        </p:nvSpPr>
+        <p:spPr>
+          <a:xfrm>
+            <a:off x="5777622" y="3946296"/>
+            <a:ext cx="902811" cy="246221"/>
+          </a:xfrm>
+          <a:prstGeom prst="rect">
+            <a:avLst/>
+          </a:prstGeom>
+          <a:noFill/>
+        </p:spPr>
+        <p:txBody>
+          <a:bodyPr wrap="none" rtlCol="0">
+            <a:spAutoFit/>
+          </a:bodyPr>
+          <a:lstStyle/>
+          <a:p>
+            <a:r>
+              <a:rPr lang="en-US" sz="1000" dirty="0">
+                <a:solidFill>
+                  <a:schemeClr val="tx1">
+                    <a:lumMod val="65000"/>
+                    <a:lumOff val="35000"/>
+                  </a:schemeClr>
+                </a:solidFill>
+              </a:rPr>
+              <a:t>Control mode</a:t>
+            </a:r>
+          </a:p>
+        </p:txBody>
+      </p:sp>
+      <p:sp>
+        <p:nvSpPr>
+          <p:cNvPr id="19" name="TextBox 18"/>
+          <p:cNvSpPr txBox="1"/>
+          <p:nvPr/>
+        </p:nvSpPr>
+        <p:spPr>
+          <a:xfrm>
+            <a:off x="7555553" y="3179094"/>
+            <a:ext cx="1032655" cy="553998"/>
+          </a:xfrm>
+          <a:prstGeom prst="rect">
+            <a:avLst/>
+          </a:prstGeom>
+          <a:noFill/>
+        </p:spPr>
+        <p:txBody>
+          <a:bodyPr wrap="none" rtlCol="0">
+            <a:spAutoFit/>
+          </a:bodyPr>
+          <a:lstStyle/>
+          <a:p>
+            <a:r>
+              <a:rPr lang="en-US" sz="1000" dirty="0">
+                <a:solidFill>
+                  <a:schemeClr val="tx1">
+                    <a:lumMod val="65000"/>
+                    <a:lumOff val="35000"/>
+                  </a:schemeClr>
+                </a:solidFill>
+              </a:rPr>
+              <a:t>Duty Cycle </a:t>
+            </a:r>
+            <a:r>
+              <a:rPr lang="en-US" sz="1000" dirty="0" err="1">
+                <a:solidFill>
+                  <a:schemeClr val="tx1">
+                    <a:lumMod val="65000"/>
+                    <a:lumOff val="35000"/>
+                  </a:schemeClr>
+                </a:solidFill>
+              </a:rPr>
+              <a:t>phaA</a:t>
             </a:r>
             <a:endParaRPr lang="en-US" sz="1000" dirty="0">
               <a:solidFill>
@@ -4347,32 +4387,9 @@
               </a:solidFill>
             </a:endParaRPr>
           </a:p>
-        </p:txBody>
-      </p:sp>
-      <p:sp>
-        <p:nvSpPr>
-          <p:cNvPr id="18" name="TextBox 17"/>
-          <p:cNvSpPr txBox="1"/>
-          <p:nvPr/>
-        </p:nvSpPr>
-        <p:spPr>
-          <a:xfrm>
-            <a:off x="6289066" y="4035557"/>
-            <a:ext cx="902811" cy="246221"/>
-          </a:xfrm>
-          <a:prstGeom prst="rect">
-            <a:avLst/>
-          </a:prstGeom>
-          <a:noFill/>
-        </p:spPr>
-        <p:txBody>
-          <a:bodyPr wrap="none" rtlCol="0">
-            <a:spAutoFit/>
-          </a:bodyPr>
-          <a:lstStyle/>
-          <a:p>
-            <a:r>
-              <a:rPr lang="en-US" sz="1000" dirty="0" smtClean="0">
+          <a:p>
+            <a:r>
+              <a:rPr lang="en-US" sz="1000" dirty="0">
                 <a:solidFill>
                   <a:schemeClr val="tx1">
                     <a:lumMod val="65000"/>
@@ -4380,7 +4397,18 @@
                   </a:schemeClr>
                 </a:solidFill>
               </a:rPr>
-              <a:t>Control mode</a:t>
+              <a:t>Duty Cycle </a:t>
+            </a:r>
+            <a:r>
+              <a:rPr lang="en-US" sz="1000" dirty="0" err="1">
+                <a:solidFill>
+                  <a:schemeClr val="tx1">
+                    <a:lumMod val="65000"/>
+                    <a:lumOff val="35000"/>
+                  </a:schemeClr>
+                </a:solidFill>
+              </a:rPr>
+              <a:t>phaB</a:t>
             </a:r>
             <a:endParaRPr lang="en-US" sz="1000" dirty="0">
               <a:solidFill>
@@ -4391,32 +4419,9 @@
               </a:solidFill>
             </a:endParaRPr>
           </a:p>
-        </p:txBody>
-      </p:sp>
-      <p:sp>
-        <p:nvSpPr>
-          <p:cNvPr id="19" name="TextBox 18"/>
-          <p:cNvSpPr txBox="1"/>
-          <p:nvPr/>
-        </p:nvSpPr>
-        <p:spPr>
-          <a:xfrm>
-            <a:off x="8066997" y="3303080"/>
-            <a:ext cx="1032655" cy="553998"/>
-          </a:xfrm>
-          <a:prstGeom prst="rect">
-            <a:avLst/>
-          </a:prstGeom>
-          <a:noFill/>
-        </p:spPr>
-        <p:txBody>
-          <a:bodyPr wrap="none" rtlCol="0">
-            <a:spAutoFit/>
-          </a:bodyPr>
-          <a:lstStyle/>
-          <a:p>
-            <a:r>
-              <a:rPr lang="en-US" sz="1000" dirty="0" smtClean="0">
+          <a:p>
+            <a:r>
+              <a:rPr lang="en-US" sz="1000" dirty="0">
                 <a:solidFill>
                   <a:schemeClr val="tx1">
                     <a:lumMod val="65000"/>
@@ -4427,7 +4432,7 @@
               <a:t>Duty Cycle </a:t>
             </a:r>
             <a:r>
-              <a:rPr lang="en-US" sz="1000" dirty="0" err="1" smtClean="0">
+              <a:rPr lang="en-US" sz="1000" dirty="0" err="1">
                 <a:solidFill>
                   <a:schemeClr val="tx1">
                     <a:lumMod val="65000"/>
@@ -4435,39 +4440,7 @@
                   </a:schemeClr>
                 </a:solidFill>
               </a:rPr>
-              <a:t>phaA</a:t>
-            </a:r>
-            <a:endParaRPr lang="en-US" sz="1000" dirty="0" smtClean="0">
-              <a:solidFill>
-                <a:schemeClr val="tx1">
-                  <a:lumMod val="65000"/>
-                  <a:lumOff val="35000"/>
-                </a:schemeClr>
-              </a:solidFill>
-            </a:endParaRPr>
-          </a:p>
-          <a:p>
-            <a:r>
-              <a:rPr lang="en-US" sz="1000" dirty="0">
-                <a:solidFill>
-                  <a:schemeClr val="tx1">
-                    <a:lumMod val="65000"/>
-                    <a:lumOff val="35000"/>
-                  </a:schemeClr>
-                </a:solidFill>
-              </a:rPr>
-              <a:t>Duty Cycle </a:t>
-            </a:r>
-            <a:r>
-              <a:rPr lang="en-US" sz="1000" dirty="0" err="1" smtClean="0">
-                <a:solidFill>
-                  <a:schemeClr val="tx1">
-                    <a:lumMod val="65000"/>
-                    <a:lumOff val="35000"/>
-                  </a:schemeClr>
-                </a:solidFill>
-              </a:rPr>
-              <a:t>phaB</a:t>
+              <a:t>phaC</a:t>
             </a:r>
             <a:endParaRPr lang="en-US" sz="1000" dirty="0">
               <a:solidFill>
@@ -4478,6 +4451,29 @@
               </a:solidFill>
             </a:endParaRPr>
           </a:p>
+        </p:txBody>
+      </p:sp>
+      <p:sp>
+        <p:nvSpPr>
+          <p:cNvPr id="20" name="TextBox 19"/>
+          <p:cNvSpPr txBox="1"/>
+          <p:nvPr/>
+        </p:nvSpPr>
+        <p:spPr>
+          <a:xfrm>
+            <a:off x="8231122" y="1463257"/>
+            <a:ext cx="1032655" cy="553998"/>
+          </a:xfrm>
+          <a:prstGeom prst="rect">
+            <a:avLst/>
+          </a:prstGeom>
+          <a:noFill/>
+        </p:spPr>
+        <p:txBody>
+          <a:bodyPr wrap="none" rtlCol="0">
+            <a:spAutoFit/>
+          </a:bodyPr>
+          <a:lstStyle/>
           <a:p>
             <a:r>
               <a:rPr lang="en-US" sz="1000" dirty="0">
@@ -4491,7 +4487,7 @@
               <a:t>Duty Cycle </a:t>
             </a:r>
             <a:r>
-              <a:rPr lang="en-US" sz="1000" dirty="0" err="1" smtClean="0">
+              <a:rPr lang="en-US" sz="1000" dirty="0" err="1">
                 <a:solidFill>
                   <a:schemeClr val="tx1">
                     <a:lumMod val="65000"/>
@@ -4499,7 +4495,7 @@
                   </a:schemeClr>
                 </a:solidFill>
               </a:rPr>
-              <a:t>phaC</a:t>
+              <a:t>phaA</a:t>
             </a:r>
             <a:endParaRPr lang="en-US" sz="1000" dirty="0">
               <a:solidFill>
@@ -4510,32 +4506,9 @@
               </a:solidFill>
             </a:endParaRPr>
           </a:p>
-        </p:txBody>
-      </p:sp>
-      <p:sp>
-        <p:nvSpPr>
-          <p:cNvPr id="20" name="TextBox 19"/>
-          <p:cNvSpPr txBox="1"/>
-          <p:nvPr/>
-        </p:nvSpPr>
-        <p:spPr>
-          <a:xfrm>
-            <a:off x="8742566" y="1587243"/>
-            <a:ext cx="1032655" cy="553998"/>
-          </a:xfrm>
-          <a:prstGeom prst="rect">
-            <a:avLst/>
-          </a:prstGeom>
-          <a:noFill/>
-        </p:spPr>
-        <p:txBody>
-          <a:bodyPr wrap="none" rtlCol="0">
-            <a:spAutoFit/>
-          </a:bodyPr>
-          <a:lstStyle/>
-          <a:p>
-            <a:r>
-              <a:rPr lang="en-US" sz="1000" dirty="0" smtClean="0">
+          <a:p>
+            <a:r>
+              <a:rPr lang="en-US" sz="1000" dirty="0">
                 <a:solidFill>
                   <a:schemeClr val="tx1">
                     <a:lumMod val="65000"/>
@@ -4546,39 +4519,7 @@
               <a:t>Duty Cycle </a:t>
             </a:r>
             <a:r>
-              <a:rPr lang="en-US" sz="1000" dirty="0" err="1" smtClean="0">
-                <a:solidFill>
-                  <a:schemeClr val="tx1">
-                    <a:lumMod val="65000"/>
-                    <a:lumOff val="35000"/>
-                  </a:schemeClr>
-                </a:solidFill>
-              </a:rPr>
-              <a:t>phaA</a:t>
-            </a:r>
-            <a:endParaRPr lang="en-US" sz="1000" dirty="0" smtClean="0">
-              <a:solidFill>
-                <a:schemeClr val="tx1">
-                  <a:lumMod val="65000"/>
-                  <a:lumOff val="35000"/>
-                </a:schemeClr>
-              </a:solidFill>
-            </a:endParaRPr>
-          </a:p>
-          <a:p>
-            <a:r>
-              <a:rPr lang="en-US" sz="1000" dirty="0">
-                <a:solidFill>
-                  <a:schemeClr val="tx1">
-                    <a:lumMod val="65000"/>
-                    <a:lumOff val="35000"/>
-                  </a:schemeClr>
-                </a:solidFill>
-              </a:rPr>
-              <a:t>Duty Cycle </a:t>
-            </a:r>
-            <a:r>
-              <a:rPr lang="en-US" sz="1000" dirty="0" err="1" smtClean="0">
+              <a:rPr lang="en-US" sz="1000" dirty="0" err="1">
                 <a:solidFill>
                   <a:schemeClr val="tx1">
                     <a:lumMod val="65000"/>
@@ -4610,7 +4551,7 @@
               <a:t>Duty Cycle </a:t>
             </a:r>
             <a:r>
-              <a:rPr lang="en-US" sz="1000" dirty="0" err="1" smtClean="0">
+              <a:rPr lang="en-US" sz="1000" dirty="0" err="1">
                 <a:solidFill>
                   <a:schemeClr val="tx1">
                     <a:lumMod val="65000"/>
@@ -4639,7 +4580,7 @@
         </p:nvSpPr>
         <p:spPr>
           <a:xfrm>
-            <a:off x="6579863" y="1750056"/>
+            <a:off x="6068419" y="1626070"/>
             <a:ext cx="833883" cy="246221"/>
           </a:xfrm>
           <a:prstGeom prst="rect">
@@ -4654,7 +4595,7 @@
           <a:lstStyle/>
           <a:p>
             <a:r>
-              <a:rPr lang="en-US" sz="1000" dirty="0" smtClean="0">
+              <a:rPr lang="en-US" sz="1000" dirty="0">
                 <a:solidFill>
                   <a:schemeClr val="tx1">
                     <a:lumMod val="65000"/>
@@ -4664,14 +4605,6 @@
               </a:rPr>
               <a:t>Control type</a:t>
             </a:r>
-            <a:endParaRPr lang="en-US" sz="1000" dirty="0">
-              <a:solidFill>
-                <a:schemeClr val="tx1">
-                  <a:lumMod val="65000"/>
-                  <a:lumOff val="35000"/>
-                </a:schemeClr>
-              </a:solidFill>
-            </a:endParaRPr>
           </a:p>
         </p:txBody>
       </p:sp>
@@ -4683,7 +4616,7 @@
         </p:nvSpPr>
         <p:spPr>
           <a:xfrm>
-            <a:off x="5855842" y="3482938"/>
+            <a:off x="5344398" y="3358952"/>
             <a:ext cx="724022" cy="400110"/>
           </a:xfrm>
           <a:prstGeom prst="rect">
@@ -4698,7 +4631,7 @@
           <a:lstStyle/>
           <a:p>
             <a:r>
-              <a:rPr lang="en-US" sz="1000" dirty="0" smtClean="0">
+              <a:rPr lang="en-US" sz="1000" dirty="0">
                 <a:solidFill>
                   <a:schemeClr val="tx1">
                     <a:lumMod val="65000"/>
@@ -4708,14 +4641,6 @@
               </a:rPr>
               <a:t>Control mode req.</a:t>
             </a:r>
-            <a:endParaRPr lang="en-US" sz="1000" dirty="0">
-              <a:solidFill>
-                <a:schemeClr val="tx1">
-                  <a:lumMod val="65000"/>
-                  <a:lumOff val="35000"/>
-                </a:schemeClr>
-              </a:solidFill>
-            </a:endParaRPr>
           </a:p>
         </p:txBody>
       </p:sp>
@@ -4730,7 +4655,7 @@
         </p:nvCxnSpPr>
         <p:spPr>
           <a:xfrm>
-            <a:off x="3907076" y="4312854"/>
+            <a:off x="3395632" y="4188868"/>
             <a:ext cx="977053" cy="0"/>
           </a:xfrm>
           <a:prstGeom prst="straightConnector1">
@@ -4766,7 +4691,7 @@
         </p:nvCxnSpPr>
         <p:spPr>
           <a:xfrm>
-            <a:off x="6181997" y="4312854"/>
+            <a:off x="5670553" y="4188868"/>
             <a:ext cx="1262701" cy="0"/>
           </a:xfrm>
           <a:prstGeom prst="straightConnector1">
@@ -4799,7 +4724,7 @@
         </p:nvCxnSpPr>
         <p:spPr>
           <a:xfrm>
-            <a:off x="5855842" y="3609411"/>
+            <a:off x="5344398" y="3485425"/>
             <a:ext cx="0" cy="328773"/>
           </a:xfrm>
           <a:prstGeom prst="straightConnector1">
@@ -4832,7 +4757,7 @@
         </p:nvCxnSpPr>
         <p:spPr>
           <a:xfrm>
-            <a:off x="3258142" y="3318415"/>
+            <a:off x="2746698" y="3194429"/>
             <a:ext cx="4186555" cy="734677"/>
           </a:xfrm>
           <a:prstGeom prst="bentConnector3">
@@ -4867,7 +4792,7 @@
         </p:nvCxnSpPr>
         <p:spPr>
           <a:xfrm>
-            <a:off x="5232828" y="3318415"/>
+            <a:off x="4721384" y="3194429"/>
             <a:ext cx="714" cy="619769"/>
           </a:xfrm>
           <a:prstGeom prst="straightConnector1">
@@ -4903,7 +4828,7 @@
         </p:nvCxnSpPr>
         <p:spPr>
           <a:xfrm flipV="1">
-            <a:off x="8093632" y="2548370"/>
+            <a:off x="7582188" y="2424384"/>
             <a:ext cx="1" cy="1391944"/>
           </a:xfrm>
           <a:prstGeom prst="straightConnector1">
@@ -4936,7 +4861,7 @@
         </p:nvCxnSpPr>
         <p:spPr>
           <a:xfrm>
-            <a:off x="7040579" y="2038454"/>
+            <a:off x="6529135" y="1914468"/>
             <a:ext cx="404118" cy="0"/>
           </a:xfrm>
           <a:prstGeom prst="straightConnector1">
@@ -4969,7 +4894,7 @@
         </p:nvCxnSpPr>
         <p:spPr>
           <a:xfrm>
-            <a:off x="8742566" y="2175830"/>
+            <a:off x="8231122" y="2051844"/>
             <a:ext cx="404118" cy="0"/>
           </a:xfrm>
           <a:prstGeom prst="straightConnector1">
@@ -5002,7 +4927,7 @@
         </p:nvCxnSpPr>
         <p:spPr>
           <a:xfrm>
-            <a:off x="7040580" y="4543682"/>
+            <a:off x="6529136" y="4419696"/>
             <a:ext cx="404118" cy="0"/>
           </a:xfrm>
           <a:prstGeom prst="straightConnector1">
@@ -5035,7 +4960,7 @@
         </p:nvSpPr>
         <p:spPr>
           <a:xfrm>
-            <a:off x="6579863" y="4562283"/>
+            <a:off x="6068419" y="4438297"/>
             <a:ext cx="881973" cy="400110"/>
           </a:xfrm>
           <a:prstGeom prst="rect">
@@ -5050,7 +4975,7 @@
           <a:lstStyle/>
           <a:p>
             <a:r>
-              <a:rPr lang="en-US" sz="1000" dirty="0" smtClean="0">
+              <a:rPr lang="en-US" sz="1000" dirty="0">
                 <a:solidFill>
                   <a:schemeClr val="tx1">
                     <a:lumMod val="65000"/>
@@ -5061,7 +4986,7 @@
               <a:t>Current </a:t>
             </a:r>
             <a:r>
-              <a:rPr lang="en-US" sz="1000" dirty="0" err="1" smtClean="0">
+              <a:rPr lang="en-US" sz="1000" dirty="0" err="1">
                 <a:solidFill>
                   <a:schemeClr val="tx1">
                     <a:lumMod val="65000"/>
@@ -5070,38 +4995,6 @@
                 </a:solidFill>
               </a:rPr>
               <a:t>PhaA</a:t>
-            </a:r>
-            <a:endParaRPr lang="en-US" sz="1000" dirty="0" smtClean="0">
-              <a:solidFill>
-                <a:schemeClr val="tx1">
-                  <a:lumMod val="65000"/>
-                  <a:lumOff val="35000"/>
-                </a:schemeClr>
-              </a:solidFill>
-            </a:endParaRPr>
-          </a:p>
-          <a:p>
-            <a:r>
-              <a:rPr lang="en-US" sz="1000" dirty="0">
-                <a:solidFill>
-                  <a:schemeClr val="tx1">
-                    <a:lumMod val="65000"/>
-                    <a:lumOff val="35000"/>
-                  </a:schemeClr>
-                </a:solidFill>
-              </a:rPr>
-              <a:t>Current </a:t>
-            </a:r>
-            <a:r>
-              <a:rPr lang="en-US" sz="1000" dirty="0" err="1" smtClean="0">
-                <a:solidFill>
-                  <a:schemeClr val="tx1">
-                    <a:lumMod val="65000"/>
-                    <a:lumOff val="35000"/>
-                  </a:schemeClr>
-                </a:solidFill>
-              </a:rPr>
-              <a:t>PhaB</a:t>
             </a:r>
             <a:endParaRPr lang="en-US" sz="1000" dirty="0">
               <a:solidFill>
@@ -5112,6 +5005,38 @@
               </a:solidFill>
             </a:endParaRPr>
           </a:p>
+          <a:p>
+            <a:r>
+              <a:rPr lang="en-US" sz="1000" dirty="0">
+                <a:solidFill>
+                  <a:schemeClr val="tx1">
+                    <a:lumMod val="65000"/>
+                    <a:lumOff val="35000"/>
+                  </a:schemeClr>
+                </a:solidFill>
+              </a:rPr>
+              <a:t>Current </a:t>
+            </a:r>
+            <a:r>
+              <a:rPr lang="en-US" sz="1000" dirty="0" err="1">
+                <a:solidFill>
+                  <a:schemeClr val="tx1">
+                    <a:lumMod val="65000"/>
+                    <a:lumOff val="35000"/>
+                  </a:schemeClr>
+                </a:solidFill>
+              </a:rPr>
+              <a:t>PhaB</a:t>
+            </a:r>
+            <a:endParaRPr lang="en-US" sz="1000" dirty="0">
+              <a:solidFill>
+                <a:schemeClr val="tx1">
+                  <a:lumMod val="65000"/>
+                  <a:lumOff val="35000"/>
+                </a:schemeClr>
+              </a:solidFill>
+            </a:endParaRPr>
+          </a:p>
         </p:txBody>
       </p:sp>
       <p:cxnSp>
@@ -5122,7 +5047,7 @@
         </p:nvCxnSpPr>
         <p:spPr>
           <a:xfrm rot="5400000" flipH="1" flipV="1">
-            <a:off x="6767837" y="2641560"/>
+            <a:off x="6256393" y="2517574"/>
             <a:ext cx="949602" cy="404117"/>
           </a:xfrm>
           <a:prstGeom prst="bentConnector3">
@@ -5157,7 +5082,7 @@
         </p:nvSpPr>
         <p:spPr>
           <a:xfrm>
-            <a:off x="3235280" y="3297936"/>
+            <a:off x="2723836" y="3173950"/>
             <a:ext cx="45719" cy="45719"/>
           </a:xfrm>
           <a:prstGeom prst="ellipse">
@@ -5200,7 +5125,7 @@
         </p:nvSpPr>
         <p:spPr>
           <a:xfrm>
-            <a:off x="5212349" y="3297521"/>
+            <a:off x="4700905" y="3173535"/>
             <a:ext cx="45719" cy="45719"/>
           </a:xfrm>
           <a:prstGeom prst="ellipse">
@@ -5243,7 +5168,7 @@
         </p:nvSpPr>
         <p:spPr>
           <a:xfrm>
-            <a:off x="7020021" y="3296813"/>
+            <a:off x="6508577" y="3172827"/>
             <a:ext cx="45719" cy="45719"/>
           </a:xfrm>
           <a:prstGeom prst="ellipse">
@@ -5278,6 +5203,263 @@
           </a:p>
         </p:txBody>
       </p:sp>
+      <p:sp>
+        <p:nvSpPr>
+          <p:cNvPr id="33" name="TextBox 32">
+            <a:extLst>
+              <a:ext uri="{FF2B5EF4-FFF2-40B4-BE49-F238E27FC236}">
+                <a16:creationId xmlns="" xmlns:a16="http://schemas.microsoft.com/office/drawing/2014/main" id="{3D0C8EA1-2D16-4DAD-BF75-ACD75B6B7E95}"/>
+              </a:ext>
+            </a:extLst>
+          </p:cNvPr>
+          <p:cNvSpPr txBox="1"/>
+          <p:nvPr/>
+        </p:nvSpPr>
+        <p:spPr>
+          <a:xfrm>
+            <a:off x="1381449" y="4878407"/>
+            <a:ext cx="808236" cy="307776"/>
+          </a:xfrm>
+          <a:prstGeom prst="rect">
+            <a:avLst/>
+          </a:prstGeom>
+          <a:noFill/>
+        </p:spPr>
+        <p:txBody>
+          <a:bodyPr wrap="square" lIns="0" tIns="0" rIns="0" bIns="0" rtlCol="0">
+            <a:spAutoFit/>
+          </a:bodyPr>
+          <a:lstStyle/>
+          <a:p>
+            <a:r>
+              <a:rPr lang="en-US" sz="1000" dirty="0">
+                <a:solidFill>
+                  <a:schemeClr val="tx1">
+                    <a:lumMod val="65000"/>
+                    <a:lumOff val="35000"/>
+                  </a:schemeClr>
+                </a:solidFill>
+              </a:rPr>
+              <a:t>Input target</a:t>
+            </a:r>
+          </a:p>
+          <a:p>
+            <a:r>
+              <a:rPr lang="en-US" sz="1000" dirty="0">
+                <a:solidFill>
+                  <a:schemeClr val="tx1">
+                    <a:lumMod val="65000"/>
+                    <a:lumOff val="35000"/>
+                  </a:schemeClr>
+                </a:solidFill>
+              </a:rPr>
+              <a:t>Motor speed</a:t>
+            </a:r>
+          </a:p>
+        </p:txBody>
+      </p:sp>
+      <p:cxnSp>
+        <p:nvCxnSpPr>
+          <p:cNvPr id="40" name="Straight Arrow Connector 49">
+            <a:extLst>
+              <a:ext uri="{FF2B5EF4-FFF2-40B4-BE49-F238E27FC236}">
+                <a16:creationId xmlns="" xmlns:a16="http://schemas.microsoft.com/office/drawing/2014/main" id="{785993E8-84DC-4A42-A682-B256D8D45969}"/>
+              </a:ext>
+            </a:extLst>
+          </p:cNvPr>
+          <p:cNvCxnSpPr>
+            <a:cxnSpLocks/>
+            <a:stCxn id="47" idx="3"/>
+            <a:endCxn id="7" idx="2"/>
+          </p:cNvCxnSpPr>
+          <p:nvPr/>
+        </p:nvCxnSpPr>
+        <p:spPr>
+          <a:xfrm flipV="1">
+            <a:off x="3411230" y="4561408"/>
+            <a:ext cx="4170958" cy="680134"/>
+          </a:xfrm>
+          <a:prstGeom prst="bentConnector2">
+            <a:avLst/>
+          </a:prstGeom>
+          <a:ln>
+            <a:tailEnd type="triangle"/>
+          </a:ln>
+        </p:spPr>
+        <p:style>
+          <a:lnRef idx="1">
+            <a:schemeClr val="accent1"/>
+          </a:lnRef>
+          <a:fillRef idx="0">
+            <a:schemeClr val="accent1"/>
+          </a:fillRef>
+          <a:effectRef idx="0">
+            <a:schemeClr val="accent1"/>
+          </a:effectRef>
+          <a:fontRef idx="minor">
+            <a:schemeClr val="tx1"/>
+          </a:fontRef>
+        </p:style>
+      </p:cxnSp>
+      <p:sp>
+        <p:nvSpPr>
+          <p:cNvPr id="47" name="Rectangle 46">
+            <a:extLst>
+              <a:ext uri="{FF2B5EF4-FFF2-40B4-BE49-F238E27FC236}">
+                <a16:creationId xmlns="" xmlns:a16="http://schemas.microsoft.com/office/drawing/2014/main" id="{2BC04451-81F2-4865-84AF-73E257419185}"/>
+              </a:ext>
+            </a:extLst>
+          </p:cNvPr>
+          <p:cNvSpPr/>
+          <p:nvPr/>
+        </p:nvSpPr>
+        <p:spPr>
+          <a:xfrm>
+            <a:off x="2113362" y="4869002"/>
+            <a:ext cx="1297868" cy="745080"/>
+          </a:xfrm>
+          <a:prstGeom prst="rect">
+            <a:avLst/>
+          </a:prstGeom>
+          <a:solidFill>
+            <a:srgbClr val="65D7FF"/>
+          </a:solidFill>
+          <a:ln>
+            <a:noFill/>
+          </a:ln>
+        </p:spPr>
+        <p:style>
+          <a:lnRef idx="2">
+            <a:schemeClr val="accent1">
+              <a:shade val="50000"/>
+            </a:schemeClr>
+          </a:lnRef>
+          <a:fillRef idx="1">
+            <a:schemeClr val="accent1"/>
+          </a:fillRef>
+          <a:effectRef idx="0">
+            <a:schemeClr val="accent1"/>
+          </a:effectRef>
+          <a:fontRef idx="minor">
+            <a:schemeClr val="lt1"/>
+          </a:fontRef>
+        </p:style>
+        <p:txBody>
+          <a:bodyPr rtlCol="0" anchor="ctr"/>
+          <a:lstStyle/>
+          <a:p>
+            <a:pPr algn="ctr"/>
+            <a:r>
+              <a:rPr lang="en-US" sz="1100" b="1" dirty="0">
+                <a:solidFill>
+                  <a:schemeClr val="tx1"/>
+                </a:solidFill>
+              </a:rPr>
+              <a:t>Field Weakening</a:t>
+            </a:r>
+          </a:p>
+        </p:txBody>
+      </p:sp>
+      <p:sp>
+        <p:nvSpPr>
+          <p:cNvPr id="54" name="TextBox 53">
+            <a:extLst>
+              <a:ext uri="{FF2B5EF4-FFF2-40B4-BE49-F238E27FC236}">
+                <a16:creationId xmlns="" xmlns:a16="http://schemas.microsoft.com/office/drawing/2014/main" id="{94717E7F-3138-484A-9D4F-AD82E349DD22}"/>
+              </a:ext>
+            </a:extLst>
+          </p:cNvPr>
+          <p:cNvSpPr txBox="1"/>
+          <p:nvPr/>
+        </p:nvSpPr>
+        <p:spPr>
+          <a:xfrm>
+            <a:off x="3470415" y="4962845"/>
+            <a:ext cx="369012" cy="246221"/>
+          </a:xfrm>
+          <a:prstGeom prst="rect">
+            <a:avLst/>
+          </a:prstGeom>
+          <a:noFill/>
+        </p:spPr>
+        <p:txBody>
+          <a:bodyPr wrap="none" rtlCol="0">
+            <a:spAutoFit/>
+          </a:bodyPr>
+          <a:lstStyle/>
+          <a:p>
+            <a:r>
+              <a:rPr lang="en-US" sz="1000" dirty="0" err="1">
+                <a:solidFill>
+                  <a:schemeClr val="tx1">
+                    <a:lumMod val="65000"/>
+                    <a:lumOff val="35000"/>
+                  </a:schemeClr>
+                </a:solidFill>
+              </a:rPr>
+              <a:t>i</a:t>
+            </a:r>
+            <a:r>
+              <a:rPr lang="en-US" sz="1000" baseline="-25000" dirty="0" err="1">
+                <a:solidFill>
+                  <a:schemeClr val="tx1">
+                    <a:lumMod val="65000"/>
+                    <a:lumOff val="35000"/>
+                  </a:schemeClr>
+                </a:solidFill>
+              </a:rPr>
+              <a:t>dTgt</a:t>
+            </a:r>
+            <a:endParaRPr lang="en-US" sz="1000" dirty="0">
+              <a:solidFill>
+                <a:schemeClr val="tx1">
+                  <a:lumMod val="65000"/>
+                  <a:lumOff val="35000"/>
+                </a:schemeClr>
+              </a:solidFill>
+            </a:endParaRPr>
+          </a:p>
+        </p:txBody>
+      </p:sp>
+      <p:cxnSp>
+        <p:nvCxnSpPr>
+          <p:cNvPr id="55" name="Straight Arrow Connector 54">
+            <a:extLst>
+              <a:ext uri="{FF2B5EF4-FFF2-40B4-BE49-F238E27FC236}">
+                <a16:creationId xmlns="" xmlns:a16="http://schemas.microsoft.com/office/drawing/2014/main" id="{E2080BA4-8F76-4279-A8F6-23ECEBC3B79F}"/>
+              </a:ext>
+            </a:extLst>
+          </p:cNvPr>
+          <p:cNvCxnSpPr/>
+          <p:nvPr/>
+        </p:nvCxnSpPr>
+        <p:spPr>
+          <a:xfrm>
+            <a:off x="1709244" y="5241542"/>
+            <a:ext cx="404118" cy="0"/>
+          </a:xfrm>
+          <a:prstGeom prst="straightConnector1">
+            <a:avLst/>
+          </a:prstGeom>
+          <a:ln>
+            <a:tailEnd type="triangle"/>
+          </a:ln>
+        </p:spPr>
+        <p:style>
+          <a:lnRef idx="1">
+            <a:schemeClr val="accent1"/>
+          </a:lnRef>
+          <a:fillRef idx="0">
+            <a:schemeClr val="accent1"/>
+          </a:fillRef>
+          <a:effectRef idx="0">
+            <a:schemeClr val="accent1"/>
+          </a:effectRef>
+          <a:fontRef idx="minor">
+            <a:schemeClr val="tx1"/>
+          </a:fontRef>
+        </p:style>
+      </p:cxnSp>
     </p:spTree>
     <p:extLst>
       <p:ext uri="{BB962C8B-B14F-4D97-AF65-F5344CB8AC3E}">
@@ -5322,8 +5504,8 @@
         </p:nvSpPr>
         <p:spPr>
           <a:xfrm>
-            <a:off x="945222" y="1282700"/>
-            <a:ext cx="9392578" cy="4305300"/>
+            <a:off x="1378226" y="1097170"/>
+            <a:ext cx="8190948" cy="4305300"/>
           </a:xfrm>
           <a:prstGeom prst="roundRect">
             <a:avLst>
@@ -5359,7 +5541,7 @@
           <a:lstStyle/>
           <a:p>
             <a:r>
-              <a:rPr lang="nl-NL" sz="1200" dirty="0" smtClean="0">
+              <a:rPr lang="nl-NL" sz="1200" b="1" dirty="0">
                 <a:solidFill>
                   <a:srgbClr val="FF0066"/>
                 </a:solidFill>
@@ -5367,14 +5549,14 @@
               <a:t>FOC </a:t>
             </a:r>
             <a:r>
-              <a:rPr lang="nl-NL" sz="1200" dirty="0" err="1" smtClean="0">
+              <a:rPr lang="nl-NL" sz="1200" b="1" dirty="0" err="1">
                 <a:solidFill>
                   <a:srgbClr val="FF0066"/>
                 </a:solidFill>
               </a:rPr>
               <a:t>Algorithm</a:t>
             </a:r>
-            <a:endParaRPr lang="nl-NL" sz="1200" dirty="0">
+            <a:endParaRPr lang="nl-NL" sz="1200" b="1" dirty="0">
               <a:solidFill>
                 <a:srgbClr val="FF0066"/>
               </a:solidFill>
@@ -5390,7 +5572,7 @@
         </p:nvSpPr>
         <p:spPr>
           <a:xfrm>
-            <a:off x="8324127" y="3339787"/>
+            <a:off x="7555501" y="3154257"/>
             <a:ext cx="951518" cy="569133"/>
           </a:xfrm>
           <a:prstGeom prst="rect">
@@ -5425,18 +5607,13 @@
           <a:p>
             <a:pPr algn="ctr"/>
             <a:r>
-              <a:rPr lang="en-US" sz="1100" b="1" dirty="0" smtClean="0">
+              <a:rPr lang="en-US" sz="1100" b="1" dirty="0">
                 <a:solidFill>
                   <a:schemeClr val="tx1"/>
                 </a:solidFill>
               </a:rPr>
               <a:t>Clarke Transform</a:t>
             </a:r>
-            <a:endParaRPr lang="en-US" sz="1100" b="1" dirty="0">
-              <a:solidFill>
-                <a:schemeClr val="tx1"/>
-              </a:solidFill>
-            </a:endParaRPr>
           </a:p>
         </p:txBody>
       </p:sp>
@@ -5448,7 +5625,7 @@
         </p:nvSpPr>
         <p:spPr>
           <a:xfrm>
-            <a:off x="9208527" y="1434118"/>
+            <a:off x="8439901" y="1248588"/>
             <a:ext cx="1032655" cy="553998"/>
           </a:xfrm>
           <a:prstGeom prst="rect">
@@ -5463,7 +5640,7 @@
           <a:lstStyle/>
           <a:p>
             <a:r>
-              <a:rPr lang="en-US" sz="1000" dirty="0" smtClean="0">
+              <a:rPr lang="en-US" sz="1000" dirty="0">
                 <a:solidFill>
                   <a:schemeClr val="tx1">
                     <a:lumMod val="65000"/>
@@ -5474,7 +5651,7 @@
               <a:t>Duty Cycle </a:t>
             </a:r>
             <a:r>
-              <a:rPr lang="en-US" sz="1000" dirty="0" err="1" smtClean="0">
+              <a:rPr lang="en-US" sz="1000" dirty="0" err="1">
                 <a:solidFill>
                   <a:schemeClr val="tx1">
                     <a:lumMod val="65000"/>
@@ -5483,38 +5660,6 @@
                 </a:solidFill>
               </a:rPr>
               <a:t>phaA</a:t>
-            </a:r>
-            <a:endParaRPr lang="en-US" sz="1000" dirty="0" smtClean="0">
-              <a:solidFill>
-                <a:schemeClr val="tx1">
-                  <a:lumMod val="65000"/>
-                  <a:lumOff val="35000"/>
-                </a:schemeClr>
-              </a:solidFill>
-            </a:endParaRPr>
-          </a:p>
-          <a:p>
-            <a:r>
-              <a:rPr lang="en-US" sz="1000" dirty="0">
-                <a:solidFill>
-                  <a:schemeClr val="tx1">
-                    <a:lumMod val="65000"/>
-                    <a:lumOff val="35000"/>
-                  </a:schemeClr>
-                </a:solidFill>
-              </a:rPr>
-              <a:t>Duty Cycle </a:t>
-            </a:r>
-            <a:r>
-              <a:rPr lang="en-US" sz="1000" dirty="0" err="1" smtClean="0">
-                <a:solidFill>
-                  <a:schemeClr val="tx1">
-                    <a:lumMod val="65000"/>
-                    <a:lumOff val="35000"/>
-                  </a:schemeClr>
-                </a:solidFill>
-              </a:rPr>
-              <a:t>phaB</a:t>
             </a:r>
             <a:endParaRPr lang="en-US" sz="1000" dirty="0">
               <a:solidFill>
@@ -5538,7 +5683,7 @@
               <a:t>Duty Cycle </a:t>
             </a:r>
             <a:r>
-              <a:rPr lang="en-US" sz="1000" dirty="0" err="1" smtClean="0">
+              <a:rPr lang="en-US" sz="1000" dirty="0" err="1">
                 <a:solidFill>
                   <a:schemeClr val="tx1">
                     <a:lumMod val="65000"/>
@@ -5546,7 +5691,7 @@
                   </a:schemeClr>
                 </a:solidFill>
               </a:rPr>
-              <a:t>phaC</a:t>
+              <a:t>phaB</a:t>
             </a:r>
             <a:endParaRPr lang="en-US" sz="1000" dirty="0">
               <a:solidFill>
@@ -5557,20 +5702,52 @@
               </a:solidFill>
             </a:endParaRPr>
           </a:p>
+          <a:p>
+            <a:r>
+              <a:rPr lang="en-US" sz="1000" dirty="0">
+                <a:solidFill>
+                  <a:schemeClr val="tx1">
+                    <a:lumMod val="65000"/>
+                    <a:lumOff val="35000"/>
+                  </a:schemeClr>
+                </a:solidFill>
+              </a:rPr>
+              <a:t>Duty Cycle </a:t>
+            </a:r>
+            <a:r>
+              <a:rPr lang="en-US" sz="1000" dirty="0" err="1">
+                <a:solidFill>
+                  <a:schemeClr val="tx1">
+                    <a:lumMod val="65000"/>
+                    <a:lumOff val="35000"/>
+                  </a:schemeClr>
+                </a:solidFill>
+              </a:rPr>
+              <a:t>phaC</a:t>
+            </a:r>
+            <a:endParaRPr lang="en-US" sz="1000" dirty="0">
+              <a:solidFill>
+                <a:schemeClr val="tx1">
+                  <a:lumMod val="65000"/>
+                  <a:lumOff val="35000"/>
+                </a:schemeClr>
+              </a:solidFill>
+            </a:endParaRPr>
+          </a:p>
         </p:txBody>
       </p:sp>
       <p:cxnSp>
         <p:nvCxnSpPr>
           <p:cNvPr id="72" name="Straight Arrow Connector 71"/>
           <p:cNvCxnSpPr>
-            <a:stCxn id="36" idx="3"/>
+            <a:cxnSpLocks/>
             <a:endCxn id="39" idx="1"/>
           </p:cNvCxnSpPr>
           <p:nvPr/>
         </p:nvCxnSpPr>
         <p:spPr>
           <a:xfrm>
-            <a:off x="3012136" y="2036790"/>
+            <a:off x="2243510" y="1851260"/>
             <a:ext cx="672170" cy="0"/>
           </a:xfrm>
           <a:prstGeom prst="straightConnector1">
@@ -5603,7 +5780,7 @@
         </p:nvCxnSpPr>
         <p:spPr>
           <a:xfrm flipH="1" flipV="1">
-            <a:off x="5062937" y="3716208"/>
+            <a:off x="4294311" y="3530678"/>
             <a:ext cx="484130" cy="2285"/>
           </a:xfrm>
           <a:prstGeom prst="straightConnector1">
@@ -5636,7 +5813,7 @@
         </p:nvSpPr>
         <p:spPr>
           <a:xfrm>
-            <a:off x="6935597" y="3339787"/>
+            <a:off x="6166971" y="3154257"/>
             <a:ext cx="951518" cy="569133"/>
           </a:xfrm>
           <a:prstGeom prst="rect">
@@ -5671,18 +5848,13 @@
           <a:p>
             <a:pPr algn="ctr"/>
             <a:r>
-              <a:rPr lang="en-US" sz="1100" b="1" dirty="0" smtClean="0">
+              <a:rPr lang="en-US" sz="1100" b="1" dirty="0">
                 <a:solidFill>
                   <a:schemeClr val="tx1"/>
                 </a:solidFill>
               </a:rPr>
               <a:t>Park Transform</a:t>
             </a:r>
-            <a:endParaRPr lang="en-US" sz="1100" b="1" dirty="0">
-              <a:solidFill>
-                <a:schemeClr val="tx1"/>
-              </a:solidFill>
-            </a:endParaRPr>
           </a:p>
         </p:txBody>
       </p:sp>
@@ -5694,7 +5866,7 @@
         </p:nvSpPr>
         <p:spPr>
           <a:xfrm>
-            <a:off x="5547067" y="3339787"/>
+            <a:off x="4778441" y="3154257"/>
             <a:ext cx="951518" cy="569133"/>
           </a:xfrm>
           <a:prstGeom prst="rect">
@@ -5729,18 +5901,13 @@
           <a:p>
             <a:pPr algn="ctr"/>
             <a:r>
-              <a:rPr lang="en-US" sz="1100" b="1" dirty="0" smtClean="0">
+              <a:rPr lang="en-US" sz="1100" b="1" dirty="0">
                 <a:solidFill>
                   <a:schemeClr val="tx1"/>
                 </a:solidFill>
               </a:rPr>
               <a:t>Current Filtering</a:t>
             </a:r>
-            <a:endParaRPr lang="en-US" sz="1100" b="1" dirty="0">
-              <a:solidFill>
-                <a:schemeClr val="tx1"/>
-              </a:solidFill>
-            </a:endParaRPr>
           </a:p>
         </p:txBody>
       </p:sp>
@@ -5752,7 +5919,7 @@
         </p:nvSpPr>
         <p:spPr>
           <a:xfrm>
-            <a:off x="8276987" y="1751349"/>
+            <a:off x="7508361" y="1565819"/>
             <a:ext cx="951518" cy="569133"/>
           </a:xfrm>
           <a:prstGeom prst="rect">
@@ -5787,18 +5954,13 @@
           <a:p>
             <a:pPr algn="ctr"/>
             <a:r>
-              <a:rPr lang="en-US" sz="1100" b="1" dirty="0" smtClean="0">
+              <a:rPr lang="en-US" sz="1100" b="1" dirty="0">
                 <a:solidFill>
                   <a:schemeClr val="tx1"/>
                 </a:solidFill>
               </a:rPr>
               <a:t>Inv. Clarke Transform</a:t>
             </a:r>
-            <a:endParaRPr lang="en-US" sz="1100" b="1" dirty="0">
-              <a:solidFill>
-                <a:schemeClr val="tx1"/>
-              </a:solidFill>
-            </a:endParaRPr>
           </a:p>
         </p:txBody>
       </p:sp>
@@ -5810,7 +5972,7 @@
         </p:nvSpPr>
         <p:spPr>
           <a:xfrm>
-            <a:off x="6888457" y="1751349"/>
+            <a:off x="6119831" y="1565819"/>
             <a:ext cx="951518" cy="569133"/>
           </a:xfrm>
           <a:prstGeom prst="rect">
@@ -5845,30 +6007,25 @@
           <a:p>
             <a:pPr algn="ctr"/>
             <a:r>
-              <a:rPr lang="en-US" sz="1100" b="1" dirty="0" smtClean="0">
+              <a:rPr lang="en-US" sz="1100" b="1" dirty="0">
                 <a:solidFill>
                   <a:schemeClr val="tx1"/>
                 </a:solidFill>
               </a:rPr>
               <a:t>Inv. Park Transform</a:t>
             </a:r>
-            <a:endParaRPr lang="en-US" sz="1100" b="1" dirty="0">
-              <a:solidFill>
-                <a:schemeClr val="tx1"/>
-              </a:solidFill>
-            </a:endParaRPr>
-          </a:p>
-        </p:txBody>
-      </p:sp>
-      <p:sp>
-        <p:nvSpPr>
-          <p:cNvPr id="36" name="Rectangle 35"/>
+          </a:p>
+        </p:txBody>
+      </p:sp>
+      <p:sp>
+        <p:nvSpPr>
+          <p:cNvPr id="37" name="Rectangle 36"/>
           <p:cNvSpPr/>
           <p:nvPr/>
         </p:nvSpPr>
         <p:spPr>
           <a:xfrm>
-            <a:off x="2060618" y="1752223"/>
+            <a:off x="1625681" y="2134952"/>
             <a:ext cx="951518" cy="569133"/>
           </a:xfrm>
           <a:prstGeom prst="rect">
@@ -5903,37 +6060,32 @@
           <a:p>
             <a:pPr algn="ctr"/>
             <a:r>
-              <a:rPr lang="en-US" sz="1100" b="1" dirty="0" smtClean="0">
+              <a:rPr lang="en-US" sz="1100" b="1" dirty="0">
                 <a:solidFill>
                   <a:schemeClr val="tx1"/>
                 </a:solidFill>
               </a:rPr>
-              <a:t>Field Weakening</a:t>
-            </a:r>
-            <a:endParaRPr lang="en-US" sz="1100" b="1" dirty="0">
-              <a:solidFill>
-                <a:schemeClr val="tx1"/>
-              </a:solidFill>
-            </a:endParaRPr>
-          </a:p>
-        </p:txBody>
-      </p:sp>
-      <p:sp>
-        <p:nvSpPr>
-          <p:cNvPr id="37" name="Rectangle 36"/>
+              <a:t>Motor Limitations</a:t>
+            </a:r>
+          </a:p>
+        </p:txBody>
+      </p:sp>
+      <p:sp>
+        <p:nvSpPr>
+          <p:cNvPr id="39" name="Rectangle 38"/>
           <p:cNvSpPr/>
           <p:nvPr/>
         </p:nvSpPr>
         <p:spPr>
           <a:xfrm>
-            <a:off x="2058018" y="2467725"/>
-            <a:ext cx="951518" cy="569133"/>
+            <a:off x="2915680" y="1566693"/>
+            <a:ext cx="1378610" cy="569133"/>
           </a:xfrm>
           <a:prstGeom prst="rect">
             <a:avLst/>
           </a:prstGeom>
           <a:solidFill>
-            <a:srgbClr val="65D7FF"/>
+            <a:srgbClr val="C1EFFF"/>
           </a:solidFill>
           <a:ln>
             <a:noFill/>
@@ -5961,31 +6113,26 @@
           <a:p>
             <a:pPr algn="ctr"/>
             <a:r>
-              <a:rPr lang="en-US" sz="1100" b="1" dirty="0" smtClean="0">
+              <a:rPr lang="en-US" sz="1100" b="1" dirty="0">
                 <a:solidFill>
                   <a:schemeClr val="tx1"/>
                 </a:solidFill>
               </a:rPr>
-              <a:t>Motor Limitations</a:t>
-            </a:r>
-            <a:endParaRPr lang="en-US" sz="1100" b="1" dirty="0">
-              <a:solidFill>
-                <a:schemeClr val="tx1"/>
-              </a:solidFill>
-            </a:endParaRPr>
-          </a:p>
-        </p:txBody>
-      </p:sp>
-      <p:sp>
-        <p:nvSpPr>
-          <p:cNvPr id="39" name="Rectangle 38"/>
+              <a:t>D Axis Controller</a:t>
+            </a:r>
+          </a:p>
+        </p:txBody>
+      </p:sp>
+      <p:sp>
+        <p:nvSpPr>
+          <p:cNvPr id="40" name="Rectangle 39"/>
           <p:cNvSpPr/>
           <p:nvPr/>
         </p:nvSpPr>
         <p:spPr>
           <a:xfrm>
-            <a:off x="3684306" y="1752223"/>
-            <a:ext cx="1378610" cy="569133"/>
+            <a:off x="2915680" y="2785531"/>
+            <a:ext cx="1378610" cy="2459459"/>
           </a:xfrm>
           <a:prstGeom prst="rect">
             <a:avLst/>
@@ -6014,42 +6161,37 @@
           </a:fontRef>
         </p:style>
         <p:txBody>
-          <a:bodyPr rtlCol="0" anchor="ctr"/>
+          <a:bodyPr rtlCol="0" anchor="t"/>
           <a:lstStyle/>
           <a:p>
             <a:pPr algn="ctr"/>
             <a:r>
-              <a:rPr lang="en-US" sz="1100" b="1" dirty="0" smtClean="0">
+              <a:rPr lang="en-US" sz="1100" b="1" dirty="0">
                 <a:solidFill>
                   <a:schemeClr val="tx1"/>
                 </a:solidFill>
               </a:rPr>
-              <a:t>D Axis Controller</a:t>
-            </a:r>
-            <a:endParaRPr lang="en-US" sz="1100" b="1" dirty="0">
-              <a:solidFill>
-                <a:schemeClr val="tx1"/>
-              </a:solidFill>
-            </a:endParaRPr>
-          </a:p>
-        </p:txBody>
-      </p:sp>
-      <p:sp>
-        <p:nvSpPr>
-          <p:cNvPr id="40" name="Rectangle 39"/>
+              <a:t>Q Axis Controller</a:t>
+            </a:r>
+          </a:p>
+        </p:txBody>
+      </p:sp>
+      <p:sp>
+        <p:nvSpPr>
+          <p:cNvPr id="42" name="Rectangle 41"/>
           <p:cNvSpPr/>
           <p:nvPr/>
         </p:nvSpPr>
         <p:spPr>
           <a:xfrm>
-            <a:off x="3684306" y="2971061"/>
-            <a:ext cx="1378610" cy="2459459"/>
+            <a:off x="3127226" y="3078057"/>
+            <a:ext cx="951518" cy="569133"/>
           </a:xfrm>
           <a:prstGeom prst="rect">
             <a:avLst/>
           </a:prstGeom>
           <a:solidFill>
-            <a:srgbClr val="C1EFFF"/>
+            <a:srgbClr val="65D7FF"/>
           </a:solidFill>
           <a:ln>
             <a:noFill/>
@@ -6072,7 +6214,7 @@
           </a:fontRef>
         </p:style>
         <p:txBody>
-          <a:bodyPr rtlCol="0" anchor="t"/>
+          <a:bodyPr rtlCol="0" anchor="ctr"/>
           <a:lstStyle/>
           <a:p>
             <a:pPr algn="ctr"/>
@@ -6082,33 +6224,20 @@
                   <a:schemeClr val="tx1"/>
                 </a:solidFill>
               </a:rPr>
-              <a:t>Q</a:t>
-            </a:r>
-            <a:r>
-              <a:rPr lang="en-US" sz="1100" b="1" dirty="0" smtClean="0">
-                <a:solidFill>
-                  <a:schemeClr val="tx1"/>
-                </a:solidFill>
-              </a:rPr>
-              <a:t> Axis Controller</a:t>
-            </a:r>
-            <a:endParaRPr lang="en-US" sz="1100" b="1" dirty="0">
-              <a:solidFill>
-                <a:schemeClr val="tx1"/>
-              </a:solidFill>
-            </a:endParaRPr>
-          </a:p>
-        </p:txBody>
-      </p:sp>
-      <p:sp>
-        <p:nvSpPr>
-          <p:cNvPr id="42" name="Rectangle 41"/>
+              <a:t>Voltage Mode</a:t>
+            </a:r>
+          </a:p>
+        </p:txBody>
+      </p:sp>
+      <p:sp>
+        <p:nvSpPr>
+          <p:cNvPr id="43" name="Rectangle 42"/>
           <p:cNvSpPr/>
           <p:nvPr/>
         </p:nvSpPr>
         <p:spPr>
           <a:xfrm>
-            <a:off x="3895852" y="3263587"/>
+            <a:off x="3127226" y="3795044"/>
             <a:ext cx="951518" cy="569133"/>
           </a:xfrm>
           <a:prstGeom prst="rect">
@@ -6143,30 +6272,36 @@
           <a:p>
             <a:pPr algn="ctr"/>
             <a:r>
-              <a:rPr lang="en-US" sz="1100" b="1" dirty="0" smtClean="0">
+              <a:rPr lang="en-US" sz="1100" b="1" dirty="0">
                 <a:solidFill>
                   <a:schemeClr val="tx1"/>
                 </a:solidFill>
               </a:rPr>
-              <a:t>Voltage Mode</a:t>
-            </a:r>
-            <a:endParaRPr lang="en-US" sz="1100" b="1" dirty="0">
-              <a:solidFill>
-                <a:schemeClr val="tx1"/>
-              </a:solidFill>
-            </a:endParaRPr>
-          </a:p>
-        </p:txBody>
-      </p:sp>
-      <p:sp>
-        <p:nvSpPr>
-          <p:cNvPr id="43" name="Rectangle 42"/>
+              <a:t>Speed</a:t>
+            </a:r>
+          </a:p>
+          <a:p>
+            <a:pPr algn="ctr"/>
+            <a:r>
+              <a:rPr lang="en-US" sz="1100" b="1" dirty="0">
+                <a:solidFill>
+                  <a:schemeClr val="tx1"/>
+                </a:solidFill>
+              </a:rPr>
+              <a:t>Mode</a:t>
+            </a:r>
+          </a:p>
+        </p:txBody>
+      </p:sp>
+      <p:sp>
+        <p:nvSpPr>
+          <p:cNvPr id="44" name="Rectangle 43"/>
           <p:cNvSpPr/>
           <p:nvPr/>
         </p:nvSpPr>
         <p:spPr>
           <a:xfrm>
-            <a:off x="3895852" y="3980574"/>
+            <a:off x="3121351" y="4509242"/>
             <a:ext cx="951518" cy="569133"/>
           </a:xfrm>
           <a:prstGeom prst="rect">
@@ -6201,87 +6336,13 @@
           <a:p>
             <a:pPr algn="ctr"/>
             <a:r>
-              <a:rPr lang="en-US" sz="1100" b="1" dirty="0" smtClean="0">
+              <a:rPr lang="en-US" sz="1100" b="1" dirty="0">
                 <a:solidFill>
                   <a:schemeClr val="tx1"/>
                 </a:solidFill>
               </a:rPr>
-              <a:t>Speed</a:t>
-            </a:r>
-          </a:p>
-          <a:p>
-            <a:pPr algn="ctr"/>
-            <a:r>
-              <a:rPr lang="en-US" sz="1100" b="1" dirty="0" smtClean="0">
-                <a:solidFill>
-                  <a:schemeClr val="tx1"/>
-                </a:solidFill>
-              </a:rPr>
-              <a:t>Mode</a:t>
-            </a:r>
-            <a:endParaRPr lang="en-US" sz="1100" b="1" dirty="0">
-              <a:solidFill>
-                <a:schemeClr val="tx1"/>
-              </a:solidFill>
-            </a:endParaRPr>
-          </a:p>
-        </p:txBody>
-      </p:sp>
-      <p:sp>
-        <p:nvSpPr>
-          <p:cNvPr id="44" name="Rectangle 43"/>
-          <p:cNvSpPr/>
-          <p:nvPr/>
-        </p:nvSpPr>
-        <p:spPr>
-          <a:xfrm>
-            <a:off x="3889977" y="4694772"/>
-            <a:ext cx="951518" cy="569133"/>
-          </a:xfrm>
-          <a:prstGeom prst="rect">
-            <a:avLst/>
-          </a:prstGeom>
-          <a:solidFill>
-            <a:srgbClr val="65D7FF"/>
-          </a:solidFill>
-          <a:ln>
-            <a:noFill/>
-          </a:ln>
-        </p:spPr>
-        <p:style>
-          <a:lnRef idx="2">
-            <a:schemeClr val="accent1">
-              <a:shade val="50000"/>
-            </a:schemeClr>
-          </a:lnRef>
-          <a:fillRef idx="1">
-            <a:schemeClr val="accent1"/>
-          </a:fillRef>
-          <a:effectRef idx="0">
-            <a:schemeClr val="accent1"/>
-          </a:effectRef>
-          <a:fontRef idx="minor">
-            <a:schemeClr val="lt1"/>
-          </a:fontRef>
-        </p:style>
-        <p:txBody>
-          <a:bodyPr rtlCol="0" anchor="ctr"/>
-          <a:lstStyle/>
-          <a:p>
-            <a:pPr algn="ctr"/>
-            <a:r>
-              <a:rPr lang="en-US" sz="1100" b="1" dirty="0" smtClean="0">
-                <a:solidFill>
-                  <a:schemeClr val="tx1"/>
-                </a:solidFill>
-              </a:rPr>
               <a:t>Torque Mode</a:t>
             </a:r>
-            <a:endParaRPr lang="en-US" sz="1100" b="1" dirty="0">
-              <a:solidFill>
-                <a:schemeClr val="tx1"/>
-              </a:solidFill>
-            </a:endParaRPr>
           </a:p>
         </p:txBody>
       </p:sp>
@@ -6293,7 +6354,7 @@
         </p:nvSpPr>
         <p:spPr>
           <a:xfrm>
-            <a:off x="2505206" y="3734947"/>
+            <a:off x="1736580" y="3549417"/>
             <a:ext cx="1186677" cy="400110"/>
           </a:xfrm>
           <a:prstGeom prst="rect">
@@ -6308,7 +6369,7 @@
           <a:lstStyle/>
           <a:p>
             <a:r>
-              <a:rPr lang="en-US" sz="1000" dirty="0" smtClean="0">
+              <a:rPr lang="en-US" sz="1000" dirty="0">
                 <a:solidFill>
                   <a:schemeClr val="tx1">
                     <a:lumMod val="65000"/>
@@ -6316,10 +6377,12 @@
                   </a:schemeClr>
                 </a:solidFill>
               </a:rPr>
-              <a:t>Input </a:t>
-            </a:r>
-            <a:r>
-              <a:rPr lang="en-US" sz="1000" dirty="0" smtClean="0">
+              <a:t>Input target scaled</a:t>
+            </a:r>
+          </a:p>
+          <a:p>
+            <a:r>
+              <a:rPr lang="en-US" sz="1000" dirty="0">
                 <a:solidFill>
                   <a:schemeClr val="tx1">
                     <a:lumMod val="65000"/>
@@ -6327,10 +6390,35 @@
                   </a:schemeClr>
                 </a:solidFill>
               </a:rPr>
-              <a:t>target </a:t>
-            </a:r>
-            <a:r>
-              <a:rPr lang="en-US" sz="1000" dirty="0" smtClean="0">
+              <a:t>Control mode</a:t>
+            </a:r>
+          </a:p>
+        </p:txBody>
+      </p:sp>
+      <p:sp>
+        <p:nvSpPr>
+          <p:cNvPr id="46" name="TextBox 45"/>
+          <p:cNvSpPr txBox="1"/>
+          <p:nvPr/>
+        </p:nvSpPr>
+        <p:spPr>
+          <a:xfrm>
+            <a:off x="2368241" y="1604164"/>
+            <a:ext cx="369012" cy="246221"/>
+          </a:xfrm>
+          <a:prstGeom prst="rect">
+            <a:avLst/>
+          </a:prstGeom>
+          <a:noFill/>
+        </p:spPr>
+        <p:txBody>
+          <a:bodyPr wrap="none" rtlCol="0">
+            <a:spAutoFit/>
+          </a:bodyPr>
+          <a:lstStyle/>
+          <a:p>
+            <a:r>
+              <a:rPr lang="en-US" sz="1000" dirty="0" err="1">
                 <a:solidFill>
                   <a:schemeClr val="tx1">
                     <a:lumMod val="65000"/>
@@ -6338,12 +6426,10 @@
                   </a:schemeClr>
                 </a:solidFill>
               </a:rPr>
-              <a:t>scaled</a:t>
-            </a:r>
-          </a:p>
-          <a:p>
-            <a:r>
-              <a:rPr lang="en-US" sz="1000" dirty="0">
+              <a:t>i</a:t>
+            </a:r>
+            <a:r>
+              <a:rPr lang="en-US" sz="1000" baseline="-25000" dirty="0" err="1">
                 <a:solidFill>
                   <a:schemeClr val="tx1">
                     <a:lumMod val="65000"/>
@@ -6351,18 +6437,7 @@
                   </a:schemeClr>
                 </a:solidFill>
               </a:rPr>
-              <a:t>Control </a:t>
-            </a:r>
-            <a:r>
-              <a:rPr lang="en-US" sz="1000" dirty="0" smtClean="0">
-                <a:solidFill>
-                  <a:schemeClr val="tx1">
-                    <a:lumMod val="65000"/>
-                    <a:lumOff val="35000"/>
-                  </a:schemeClr>
-                </a:solidFill>
-              </a:rPr>
-              <a:t>mode</a:t>
+              <a:t>dTgt</a:t>
             </a:r>
             <a:endParaRPr lang="en-US" sz="1000" dirty="0">
               <a:solidFill>
@@ -6377,14 +6452,14 @@
       </p:sp>
       <p:sp>
         <p:nvSpPr>
-          <p:cNvPr id="46" name="TextBox 45"/>
+          <p:cNvPr id="47" name="TextBox 46"/>
           <p:cNvSpPr txBox="1"/>
           <p:nvPr/>
         </p:nvSpPr>
         <p:spPr>
           <a:xfrm>
-            <a:off x="3136867" y="1789694"/>
-            <a:ext cx="369012" cy="246221"/>
+            <a:off x="5785519" y="3000941"/>
+            <a:ext cx="285958" cy="400110"/>
           </a:xfrm>
           <a:prstGeom prst="rect">
             <a:avLst/>
@@ -6392,13 +6467,13 @@
           <a:noFill/>
         </p:spPr>
         <p:txBody>
-          <a:bodyPr wrap="none" rtlCol="0">
+          <a:bodyPr wrap="square" rtlCol="0">
             <a:spAutoFit/>
           </a:bodyPr>
           <a:lstStyle/>
           <a:p>
             <a:r>
-              <a:rPr lang="en-US" sz="1000" dirty="0" err="1" smtClean="0">
+              <a:rPr lang="en-US" sz="1000" dirty="0">
                 <a:solidFill>
                   <a:schemeClr val="tx1">
                     <a:lumMod val="65000"/>
@@ -6409,7 +6484,7 @@
               <a:t>i</a:t>
             </a:r>
             <a:r>
-              <a:rPr lang="en-US" sz="1000" baseline="-25000" dirty="0" err="1" smtClean="0">
+              <a:rPr lang="en-US" sz="1000" baseline="-25000" dirty="0">
                 <a:solidFill>
                   <a:schemeClr val="tx1">
                     <a:lumMod val="65000"/>
@@ -6417,7 +6492,31 @@
                   </a:schemeClr>
                 </a:solidFill>
               </a:rPr>
-              <a:t>dTgt</a:t>
+              <a:t>d</a:t>
+            </a:r>
+          </a:p>
+          <a:p>
+            <a:r>
+              <a:rPr lang="en-US" sz="1000" dirty="0" err="1">
+                <a:solidFill>
+                  <a:schemeClr val="tx1">
+                    <a:lumMod val="65000"/>
+                    <a:lumOff val="35000"/>
+                  </a:schemeClr>
+                </a:solidFill>
+              </a:rPr>
+              <a:t>i</a:t>
+            </a:r>
+            <a:r>
+              <a:rPr lang="en-US" sz="1000" baseline="-25000" dirty="0" err="1">
+                <a:solidFill>
+                  <a:schemeClr val="tx1">
+                    <a:lumMod val="65000"/>
+                    <a:lumOff val="35000"/>
+                  </a:schemeClr>
+                </a:solidFill>
+              </a:rPr>
+              <a:t>q</a:t>
             </a:r>
             <a:endParaRPr lang="en-US" sz="1000" dirty="0">
               <a:solidFill>
@@ -6432,14 +6531,14 @@
       </p:sp>
       <p:sp>
         <p:nvSpPr>
-          <p:cNvPr id="47" name="TextBox 46"/>
+          <p:cNvPr id="49" name="TextBox 48"/>
           <p:cNvSpPr txBox="1"/>
           <p:nvPr/>
         </p:nvSpPr>
         <p:spPr>
           <a:xfrm>
-            <a:off x="6554145" y="3186471"/>
-            <a:ext cx="285958" cy="400110"/>
+            <a:off x="4095986" y="2240739"/>
+            <a:ext cx="258404" cy="246221"/>
           </a:xfrm>
           <a:prstGeom prst="rect">
             <a:avLst/>
@@ -6447,13 +6546,13 @@
           <a:noFill/>
         </p:spPr>
         <p:txBody>
-          <a:bodyPr wrap="square" rtlCol="0">
+          <a:bodyPr wrap="none" rtlCol="0">
             <a:spAutoFit/>
           </a:bodyPr>
           <a:lstStyle/>
           <a:p>
             <a:r>
-              <a:rPr lang="en-US" sz="1000" dirty="0" smtClean="0">
+              <a:rPr lang="en-US" sz="1000" dirty="0">
                 <a:solidFill>
                   <a:schemeClr val="tx1">
                     <a:lumMod val="65000"/>
@@ -6464,7 +6563,7 @@
               <a:t>i</a:t>
             </a:r>
             <a:r>
-              <a:rPr lang="en-US" sz="1000" baseline="-25000" dirty="0" smtClean="0">
+              <a:rPr lang="en-US" sz="1000" baseline="-25000" dirty="0">
                 <a:solidFill>
                   <a:schemeClr val="tx1">
                     <a:lumMod val="65000"/>
@@ -6473,30 +6572,6 @@
                 </a:solidFill>
               </a:rPr>
               <a:t>d</a:t>
-            </a:r>
-          </a:p>
-          <a:p>
-            <a:r>
-              <a:rPr lang="en-US" sz="1000" dirty="0" err="1" smtClean="0">
-                <a:solidFill>
-                  <a:schemeClr val="tx1">
-                    <a:lumMod val="65000"/>
-                    <a:lumOff val="35000"/>
-                  </a:schemeClr>
-                </a:solidFill>
-              </a:rPr>
-              <a:t>i</a:t>
-            </a:r>
-            <a:r>
-              <a:rPr lang="en-US" sz="1000" baseline="-25000" dirty="0" err="1" smtClean="0">
-                <a:solidFill>
-                  <a:schemeClr val="tx1">
-                    <a:lumMod val="65000"/>
-                    <a:lumOff val="35000"/>
-                  </a:schemeClr>
-                </a:solidFill>
-              </a:rPr>
-              <a:t>q</a:t>
             </a:r>
             <a:endParaRPr lang="en-US" sz="1000" dirty="0">
               <a:solidFill>
@@ -6511,13 +6586,13 @@
       </p:sp>
       <p:sp>
         <p:nvSpPr>
-          <p:cNvPr id="49" name="TextBox 48"/>
+          <p:cNvPr id="51" name="TextBox 50"/>
           <p:cNvSpPr txBox="1"/>
           <p:nvPr/>
         </p:nvSpPr>
         <p:spPr>
           <a:xfrm>
-            <a:off x="4864612" y="2426269"/>
+            <a:off x="4409400" y="3284457"/>
             <a:ext cx="258404" cy="246221"/>
           </a:xfrm>
           <a:prstGeom prst="rect">
@@ -6532,7 +6607,7 @@
           <a:lstStyle/>
           <a:p>
             <a:r>
-              <a:rPr lang="en-US" sz="1000" dirty="0" smtClean="0">
+              <a:rPr lang="en-US" sz="1000" dirty="0" err="1">
                 <a:solidFill>
                   <a:schemeClr val="tx1">
                     <a:lumMod val="65000"/>
@@ -6543,7 +6618,7 @@
               <a:t>i</a:t>
             </a:r>
             <a:r>
-              <a:rPr lang="en-US" sz="1000" baseline="-25000" dirty="0" smtClean="0">
+              <a:rPr lang="en-US" sz="1000" baseline="-25000" dirty="0" err="1">
                 <a:solidFill>
                   <a:schemeClr val="tx1">
                     <a:lumMod val="65000"/>
@@ -6551,7 +6626,7 @@
                   </a:schemeClr>
                 </a:solidFill>
               </a:rPr>
-              <a:t>d</a:t>
+              <a:t>q</a:t>
             </a:r>
             <a:endParaRPr lang="en-US" sz="1000" dirty="0">
               <a:solidFill>
@@ -6566,14 +6641,14 @@
       </p:sp>
       <p:sp>
         <p:nvSpPr>
-          <p:cNvPr id="51" name="TextBox 50"/>
+          <p:cNvPr id="53" name="TextBox 52"/>
           <p:cNvSpPr txBox="1"/>
           <p:nvPr/>
         </p:nvSpPr>
         <p:spPr>
           <a:xfrm>
-            <a:off x="5178026" y="3469987"/>
-            <a:ext cx="258404" cy="246221"/>
+            <a:off x="7118489" y="3007591"/>
+            <a:ext cx="426472" cy="400110"/>
           </a:xfrm>
           <a:prstGeom prst="rect">
             <a:avLst/>
@@ -6581,13 +6656,13 @@
           <a:noFill/>
         </p:spPr>
         <p:txBody>
-          <a:bodyPr wrap="none" rtlCol="0">
+          <a:bodyPr wrap="square" rtlCol="0">
             <a:spAutoFit/>
           </a:bodyPr>
           <a:lstStyle/>
           <a:p>
             <a:r>
-              <a:rPr lang="en-US" sz="1000" dirty="0" err="1" smtClean="0">
+              <a:rPr lang="en-US" sz="1000" dirty="0" err="1">
                 <a:solidFill>
                   <a:schemeClr val="tx1">
                     <a:lumMod val="65000"/>
@@ -6598,7 +6673,7 @@
               <a:t>i</a:t>
             </a:r>
             <a:r>
-              <a:rPr lang="en-US" sz="1000" baseline="-25000" dirty="0" err="1" smtClean="0">
+              <a:rPr lang="en-US" sz="1000" baseline="-25000" dirty="0" err="1">
                 <a:solidFill>
                   <a:schemeClr val="tx1">
                     <a:lumMod val="65000"/>
@@ -6606,7 +6681,39 @@
                   </a:schemeClr>
                 </a:solidFill>
               </a:rPr>
-              <a:t>q</a:t>
+              <a:t>alpha</a:t>
+            </a:r>
+            <a:endParaRPr lang="en-US" sz="1000" baseline="-25000" dirty="0">
+              <a:solidFill>
+                <a:schemeClr val="tx1">
+                  <a:lumMod val="65000"/>
+                  <a:lumOff val="35000"/>
+                </a:schemeClr>
+              </a:solidFill>
+            </a:endParaRPr>
+          </a:p>
+          <a:p>
+            <a:r>
+              <a:rPr lang="en-US" sz="1000" dirty="0" err="1">
+                <a:solidFill>
+                  <a:schemeClr val="tx1">
+                    <a:lumMod val="65000"/>
+                    <a:lumOff val="35000"/>
+                  </a:schemeClr>
+                </a:solidFill>
+              </a:rPr>
+              <a:t>i</a:t>
+            </a:r>
+            <a:r>
+              <a:rPr lang="en-US" sz="1000" baseline="-25000" dirty="0" err="1">
+                <a:solidFill>
+                  <a:schemeClr val="tx1">
+                    <a:lumMod val="65000"/>
+                    <a:lumOff val="35000"/>
+                  </a:schemeClr>
+                </a:solidFill>
+              </a:rPr>
+              <a:t>beta</a:t>
             </a:r>
             <a:endParaRPr lang="en-US" sz="1000" dirty="0">
               <a:solidFill>
@@ -6621,14 +6728,14 @@
       </p:sp>
       <p:sp>
         <p:nvSpPr>
-          <p:cNvPr id="53" name="TextBox 52"/>
+          <p:cNvPr id="54" name="TextBox 53"/>
           <p:cNvSpPr txBox="1"/>
           <p:nvPr/>
         </p:nvSpPr>
         <p:spPr>
           <a:xfrm>
-            <a:off x="7887115" y="3193121"/>
-            <a:ext cx="426472" cy="400110"/>
+            <a:off x="4328689" y="1496048"/>
+            <a:ext cx="301686" cy="246221"/>
           </a:xfrm>
           <a:prstGeom prst="rect">
             <a:avLst/>
@@ -6636,13 +6743,13 @@
           <a:noFill/>
         </p:spPr>
         <p:txBody>
-          <a:bodyPr wrap="square" rtlCol="0">
+          <a:bodyPr wrap="none" rtlCol="0">
             <a:spAutoFit/>
           </a:bodyPr>
           <a:lstStyle/>
           <a:p>
             <a:r>
-              <a:rPr lang="en-US" sz="1000" dirty="0" err="1" smtClean="0">
+              <a:rPr lang="en-US" sz="1000" dirty="0" err="1">
                 <a:solidFill>
                   <a:schemeClr val="tx1">
                     <a:lumMod val="65000"/>
@@ -6650,10 +6757,10 @@
                   </a:schemeClr>
                 </a:solidFill>
               </a:rPr>
-              <a:t>i</a:t>
-            </a:r>
-            <a:r>
-              <a:rPr lang="en-US" sz="1000" baseline="-25000" dirty="0" err="1" smtClean="0">
+              <a:t>V</a:t>
+            </a:r>
+            <a:r>
+              <a:rPr lang="en-US" sz="1000" baseline="-25000" dirty="0" err="1">
                 <a:solidFill>
                   <a:schemeClr val="tx1">
                     <a:lumMod val="65000"/>
@@ -6661,39 +6768,7 @@
                   </a:schemeClr>
                 </a:solidFill>
               </a:rPr>
-              <a:t>alpha</a:t>
-            </a:r>
-            <a:endParaRPr lang="en-US" sz="1000" baseline="-25000" dirty="0" smtClean="0">
-              <a:solidFill>
-                <a:schemeClr val="tx1">
-                  <a:lumMod val="65000"/>
-                  <a:lumOff val="35000"/>
-                </a:schemeClr>
-              </a:solidFill>
-            </a:endParaRPr>
-          </a:p>
-          <a:p>
-            <a:r>
-              <a:rPr lang="en-US" sz="1000" dirty="0" err="1" smtClean="0">
-                <a:solidFill>
-                  <a:schemeClr val="tx1">
-                    <a:lumMod val="65000"/>
-                    <a:lumOff val="35000"/>
-                  </a:schemeClr>
-                </a:solidFill>
-              </a:rPr>
-              <a:t>i</a:t>
-            </a:r>
-            <a:r>
-              <a:rPr lang="en-US" sz="1000" baseline="-25000" dirty="0" err="1" smtClean="0">
-                <a:solidFill>
-                  <a:schemeClr val="tx1">
-                    <a:lumMod val="65000"/>
-                    <a:lumOff val="35000"/>
-                  </a:schemeClr>
-                </a:solidFill>
-              </a:rPr>
-              <a:t>beta</a:t>
+              <a:t>d</a:t>
             </a:r>
             <a:endParaRPr lang="en-US" sz="1000" dirty="0">
               <a:solidFill>
@@ -6708,13 +6783,13 @@
       </p:sp>
       <p:sp>
         <p:nvSpPr>
-          <p:cNvPr id="54" name="TextBox 53"/>
+          <p:cNvPr id="55" name="TextBox 54"/>
           <p:cNvSpPr txBox="1"/>
           <p:nvPr/>
         </p:nvSpPr>
         <p:spPr>
           <a:xfrm>
-            <a:off x="5097315" y="1681578"/>
+            <a:off x="4339273" y="2698096"/>
             <a:ext cx="301686" cy="246221"/>
           </a:xfrm>
           <a:prstGeom prst="rect">
@@ -6729,7 +6804,7 @@
           <a:lstStyle/>
           <a:p>
             <a:r>
-              <a:rPr lang="en-US" sz="1000" dirty="0" err="1" smtClean="0">
+              <a:rPr lang="en-US" sz="1000" dirty="0" err="1">
                 <a:solidFill>
                   <a:schemeClr val="tx1">
                     <a:lumMod val="65000"/>
@@ -6740,7 +6815,7 @@
               <a:t>V</a:t>
             </a:r>
             <a:r>
-              <a:rPr lang="en-US" sz="1000" baseline="-25000" dirty="0" err="1" smtClean="0">
+              <a:rPr lang="en-US" sz="1000" baseline="-25000" dirty="0" err="1">
                 <a:solidFill>
                   <a:schemeClr val="tx1">
                     <a:lumMod val="65000"/>
@@ -6748,7 +6823,7 @@
                   </a:schemeClr>
                 </a:solidFill>
               </a:rPr>
-              <a:t>d</a:t>
+              <a:t>q</a:t>
             </a:r>
             <a:endParaRPr lang="en-US" sz="1000" dirty="0">
               <a:solidFill>
@@ -6763,14 +6838,14 @@
       </p:sp>
       <p:sp>
         <p:nvSpPr>
-          <p:cNvPr id="55" name="TextBox 54"/>
+          <p:cNvPr id="56" name="TextBox 55"/>
           <p:cNvSpPr txBox="1"/>
           <p:nvPr/>
         </p:nvSpPr>
         <p:spPr>
           <a:xfrm>
-            <a:off x="5107899" y="2883626"/>
-            <a:ext cx="301686" cy="246221"/>
+            <a:off x="7061024" y="1393974"/>
+            <a:ext cx="507138" cy="400110"/>
           </a:xfrm>
           <a:prstGeom prst="rect">
             <a:avLst/>
@@ -6778,13 +6853,13 @@
           <a:noFill/>
         </p:spPr>
         <p:txBody>
-          <a:bodyPr wrap="none" rtlCol="0">
+          <a:bodyPr wrap="square" rtlCol="0">
             <a:spAutoFit/>
           </a:bodyPr>
           <a:lstStyle/>
           <a:p>
             <a:r>
-              <a:rPr lang="en-US" sz="1000" dirty="0" err="1" smtClean="0">
+              <a:rPr lang="en-US" sz="1000" dirty="0" err="1">
                 <a:solidFill>
                   <a:schemeClr val="tx1">
                     <a:lumMod val="65000"/>
@@ -6795,7 +6870,7 @@
               <a:t>V</a:t>
             </a:r>
             <a:r>
-              <a:rPr lang="en-US" sz="1000" baseline="-25000" dirty="0" err="1" smtClean="0">
+              <a:rPr lang="en-US" sz="1000" baseline="-25000" dirty="0" err="1">
                 <a:solidFill>
                   <a:schemeClr val="tx1">
                     <a:lumMod val="65000"/>
@@ -6803,7 +6878,39 @@
                   </a:schemeClr>
                 </a:solidFill>
               </a:rPr>
-              <a:t>q</a:t>
+              <a:t>alpha</a:t>
+            </a:r>
+            <a:endParaRPr lang="en-US" sz="1000" baseline="-25000" dirty="0">
+              <a:solidFill>
+                <a:schemeClr val="tx1">
+                  <a:lumMod val="65000"/>
+                  <a:lumOff val="35000"/>
+                </a:schemeClr>
+              </a:solidFill>
+            </a:endParaRPr>
+          </a:p>
+          <a:p>
+            <a:r>
+              <a:rPr lang="en-US" sz="1000" dirty="0" err="1">
+                <a:solidFill>
+                  <a:schemeClr val="tx1">
+                    <a:lumMod val="65000"/>
+                    <a:lumOff val="35000"/>
+                  </a:schemeClr>
+                </a:solidFill>
+              </a:rPr>
+              <a:t>V</a:t>
+            </a:r>
+            <a:r>
+              <a:rPr lang="en-US" sz="1000" baseline="-25000" dirty="0" err="1">
+                <a:solidFill>
+                  <a:schemeClr val="tx1">
+                    <a:lumMod val="65000"/>
+                    <a:lumOff val="35000"/>
+                  </a:schemeClr>
+                </a:solidFill>
+              </a:rPr>
+              <a:t>beta</a:t>
             </a:r>
             <a:endParaRPr lang="en-US" sz="1000" dirty="0">
               <a:solidFill>
@@ -6816,161 +6923,6 @@
           </a:p>
         </p:txBody>
       </p:sp>
-      <p:sp>
-        <p:nvSpPr>
-          <p:cNvPr id="56" name="TextBox 55"/>
-          <p:cNvSpPr txBox="1"/>
-          <p:nvPr/>
-        </p:nvSpPr>
-        <p:spPr>
-          <a:xfrm>
-            <a:off x="7829650" y="1579504"/>
-            <a:ext cx="507138" cy="400110"/>
-          </a:xfrm>
-          <a:prstGeom prst="rect">
-            <a:avLst/>
-          </a:prstGeom>
-          <a:noFill/>
-        </p:spPr>
-        <p:txBody>
-          <a:bodyPr wrap="square" rtlCol="0">
-            <a:spAutoFit/>
-          </a:bodyPr>
-          <a:lstStyle/>
-          <a:p>
-            <a:r>
-              <a:rPr lang="en-US" sz="1000" dirty="0" err="1" smtClean="0">
-                <a:solidFill>
-                  <a:schemeClr val="tx1">
-                    <a:lumMod val="65000"/>
-                    <a:lumOff val="35000"/>
-                  </a:schemeClr>
-                </a:solidFill>
-              </a:rPr>
-              <a:t>V</a:t>
-            </a:r>
-            <a:r>
-              <a:rPr lang="en-US" sz="1000" baseline="-25000" dirty="0" err="1" smtClean="0">
-                <a:solidFill>
-                  <a:schemeClr val="tx1">
-                    <a:lumMod val="65000"/>
-                    <a:lumOff val="35000"/>
-                  </a:schemeClr>
-                </a:solidFill>
-              </a:rPr>
-              <a:t>alpha</a:t>
-            </a:r>
-            <a:endParaRPr lang="en-US" sz="1000" baseline="-25000" dirty="0" smtClean="0">
-              <a:solidFill>
-                <a:schemeClr val="tx1">
-                  <a:lumMod val="65000"/>
-                  <a:lumOff val="35000"/>
-                </a:schemeClr>
-              </a:solidFill>
-            </a:endParaRPr>
-          </a:p>
-          <a:p>
-            <a:r>
-              <a:rPr lang="en-US" sz="1000" dirty="0" err="1" smtClean="0">
-                <a:solidFill>
-                  <a:schemeClr val="tx1">
-                    <a:lumMod val="65000"/>
-                    <a:lumOff val="35000"/>
-                  </a:schemeClr>
-                </a:solidFill>
-              </a:rPr>
-              <a:t>V</a:t>
-            </a:r>
-            <a:r>
-              <a:rPr lang="en-US" sz="1000" baseline="-25000" dirty="0" err="1" smtClean="0">
-                <a:solidFill>
-                  <a:schemeClr val="tx1">
-                    <a:lumMod val="65000"/>
-                    <a:lumOff val="35000"/>
-                  </a:schemeClr>
-                </a:solidFill>
-              </a:rPr>
-              <a:t>beta</a:t>
-            </a:r>
-            <a:endParaRPr lang="en-US" sz="1000" dirty="0">
-              <a:solidFill>
-                <a:schemeClr val="tx1">
-                  <a:lumMod val="65000"/>
-                  <a:lumOff val="35000"/>
-                </a:schemeClr>
-              </a:solidFill>
-            </a:endParaRPr>
-          </a:p>
-        </p:txBody>
-      </p:sp>
-      <p:sp>
-        <p:nvSpPr>
-          <p:cNvPr id="57" name="TextBox 56"/>
-          <p:cNvSpPr txBox="1"/>
-          <p:nvPr/>
-        </p:nvSpPr>
-        <p:spPr>
-          <a:xfrm>
-            <a:off x="1037667" y="1714989"/>
-            <a:ext cx="978877" cy="307777"/>
-          </a:xfrm>
-          <a:prstGeom prst="rect">
-            <a:avLst/>
-          </a:prstGeom>
-          <a:noFill/>
-        </p:spPr>
-        <p:txBody>
-          <a:bodyPr wrap="square" lIns="0" tIns="0" rIns="0" bIns="0" rtlCol="0">
-            <a:spAutoFit/>
-          </a:bodyPr>
-          <a:lstStyle/>
-          <a:p>
-            <a:r>
-              <a:rPr lang="en-US" sz="1000" dirty="0" smtClean="0">
-                <a:solidFill>
-                  <a:schemeClr val="tx1">
-                    <a:lumMod val="65000"/>
-                    <a:lumOff val="35000"/>
-                  </a:schemeClr>
-                </a:solidFill>
-              </a:rPr>
-              <a:t>Input target </a:t>
-            </a:r>
-            <a:r>
-              <a:rPr lang="en-US" sz="1000" dirty="0" smtClean="0">
-                <a:solidFill>
-                  <a:schemeClr val="tx1">
-                    <a:lumMod val="65000"/>
-                    <a:lumOff val="35000"/>
-                  </a:schemeClr>
-                </a:solidFill>
-              </a:rPr>
-              <a:t>scaled</a:t>
-            </a:r>
-          </a:p>
-          <a:p>
-            <a:r>
-              <a:rPr lang="en-US" sz="1000" dirty="0" smtClean="0">
-                <a:solidFill>
-                  <a:schemeClr val="tx1">
-                    <a:lumMod val="65000"/>
-                    <a:lumOff val="35000"/>
-                  </a:schemeClr>
-                </a:solidFill>
-              </a:rPr>
-              <a:t>Motor speed</a:t>
-            </a:r>
-            <a:endParaRPr lang="en-US" sz="1000" dirty="0">
-              <a:solidFill>
-                <a:schemeClr val="tx1">
-                  <a:lumMod val="65000"/>
-                  <a:lumOff val="35000"/>
-                </a:schemeClr>
-              </a:solidFill>
-            </a:endParaRPr>
-          </a:p>
-        </p:txBody>
-      </p:sp>
       <p:cxnSp>
         <p:nvCxnSpPr>
           <p:cNvPr id="50" name="Straight Arrow Connector 49"/>
@@ -6979,7 +6931,7 @@
         </p:nvCxnSpPr>
         <p:spPr>
           <a:xfrm rot="16200000" flipV="1">
-            <a:off x="4785944" y="2401204"/>
+            <a:off x="4017318" y="2215674"/>
             <a:ext cx="1013110" cy="864055"/>
           </a:xfrm>
           <a:prstGeom prst="bentConnector3">
@@ -7014,7 +6966,7 @@
         </p:nvCxnSpPr>
         <p:spPr>
           <a:xfrm flipV="1">
-            <a:off x="5062916" y="2188798"/>
+            <a:off x="4294290" y="2003268"/>
             <a:ext cx="1812442" cy="962618"/>
           </a:xfrm>
           <a:prstGeom prst="bentConnector3">
@@ -7044,17 +6996,19 @@
       <p:cxnSp>
         <p:nvCxnSpPr>
           <p:cNvPr id="90" name="Straight Arrow Connector 89"/>
-          <p:cNvCxnSpPr/>
+          <p:cNvCxnSpPr>
+            <a:cxnSpLocks/>
+          </p:cNvCxnSpPr>
           <p:nvPr/>
         </p:nvCxnSpPr>
         <p:spPr>
           <a:xfrm flipV="1">
-            <a:off x="2995785" y="2320482"/>
-            <a:ext cx="918259" cy="431809"/>
+            <a:off x="2579595" y="2141331"/>
+            <a:ext cx="547631" cy="279063"/>
           </a:xfrm>
           <a:prstGeom prst="bentConnector3">
             <a:avLst>
-              <a:gd name="adj1" fmla="val 100136"/>
+              <a:gd name="adj1" fmla="val 100013"/>
             </a:avLst>
           </a:prstGeom>
           <a:ln>
@@ -7079,13 +7033,15 @@
       <p:cxnSp>
         <p:nvCxnSpPr>
           <p:cNvPr id="96" name="Straight Arrow Connector 95"/>
-          <p:cNvCxnSpPr/>
+          <p:cNvCxnSpPr>
+            <a:cxnSpLocks/>
+          </p:cNvCxnSpPr>
           <p:nvPr/>
         </p:nvCxnSpPr>
         <p:spPr>
-          <a:xfrm>
-            <a:off x="3915632" y="2752291"/>
-            <a:ext cx="0" cy="218770"/>
+          <a:xfrm flipH="1">
+            <a:off x="3123393" y="2442586"/>
+            <a:ext cx="1" cy="337625"/>
           </a:xfrm>
           <a:prstGeom prst="straightConnector1">
             <a:avLst/>
@@ -7117,7 +7073,7 @@
         </p:nvCxnSpPr>
         <p:spPr>
           <a:xfrm>
-            <a:off x="3009536" y="4153772"/>
+            <a:off x="2240910" y="3968242"/>
             <a:ext cx="672170" cy="0"/>
           </a:xfrm>
           <a:prstGeom prst="straightConnector1">
@@ -7153,7 +7109,7 @@
         </p:nvCxnSpPr>
         <p:spPr>
           <a:xfrm flipH="1">
-            <a:off x="6498585" y="3624354"/>
+            <a:off x="5729959" y="3438824"/>
             <a:ext cx="437012" cy="0"/>
           </a:xfrm>
           <a:prstGeom prst="straightConnector1">
@@ -7189,7 +7145,7 @@
         </p:nvCxnSpPr>
         <p:spPr>
           <a:xfrm flipH="1">
-            <a:off x="7887115" y="3624354"/>
+            <a:off x="7118489" y="3438824"/>
             <a:ext cx="437012" cy="0"/>
           </a:xfrm>
           <a:prstGeom prst="straightConnector1">
@@ -7222,7 +7178,7 @@
         </p:nvCxnSpPr>
         <p:spPr>
           <a:xfrm flipH="1">
-            <a:off x="9275645" y="3624353"/>
+            <a:off x="8507019" y="3438823"/>
             <a:ext cx="437012" cy="0"/>
           </a:xfrm>
           <a:prstGeom prst="straightConnector1">
@@ -7255,7 +7211,7 @@
         </p:nvCxnSpPr>
         <p:spPr>
           <a:xfrm>
-            <a:off x="9228505" y="2024105"/>
+            <a:off x="8459879" y="1838575"/>
             <a:ext cx="672170" cy="0"/>
           </a:xfrm>
           <a:prstGeom prst="straightConnector1">
@@ -7291,7 +7247,7 @@
         </p:nvCxnSpPr>
         <p:spPr>
           <a:xfrm>
-            <a:off x="7839975" y="2035916"/>
+            <a:off x="7071349" y="1850386"/>
             <a:ext cx="437012" cy="0"/>
           </a:xfrm>
           <a:prstGeom prst="straightConnector1">
@@ -7324,7 +7280,7 @@
         </p:nvCxnSpPr>
         <p:spPr>
           <a:xfrm flipV="1">
-            <a:off x="5062916" y="1923323"/>
+            <a:off x="4294290" y="1737793"/>
             <a:ext cx="1812442" cy="870"/>
           </a:xfrm>
           <a:prstGeom prst="straightConnector1">
@@ -7357,7 +7313,7 @@
         </p:nvSpPr>
         <p:spPr>
           <a:xfrm>
-            <a:off x="3893765" y="2728484"/>
+            <a:off x="3103408" y="2396867"/>
             <a:ext cx="45719" cy="45719"/>
           </a:xfrm>
           <a:prstGeom prst="ellipse">
@@ -7400,7 +7356,7 @@
         </p:nvSpPr>
         <p:spPr>
           <a:xfrm>
-            <a:off x="9271670" y="3224243"/>
+            <a:off x="8503044" y="3038713"/>
             <a:ext cx="881973" cy="400110"/>
           </a:xfrm>
           <a:prstGeom prst="rect">
@@ -7415,7 +7371,7 @@
           <a:lstStyle/>
           <a:p>
             <a:r>
-              <a:rPr lang="en-US" sz="1000" dirty="0" smtClean="0">
+              <a:rPr lang="en-US" sz="1000" dirty="0">
                 <a:solidFill>
                   <a:schemeClr val="tx1">
                     <a:lumMod val="65000"/>
@@ -7426,7 +7382,7 @@
               <a:t>Current </a:t>
             </a:r>
             <a:r>
-              <a:rPr lang="en-US" sz="1000" dirty="0" err="1" smtClean="0">
+              <a:rPr lang="en-US" sz="1000" dirty="0" err="1">
                 <a:solidFill>
                   <a:schemeClr val="tx1">
                     <a:lumMod val="65000"/>
@@ -7435,38 +7391,6 @@
                 </a:solidFill>
               </a:rPr>
               <a:t>PhaA</a:t>
-            </a:r>
-            <a:endParaRPr lang="en-US" sz="1000" dirty="0" smtClean="0">
-              <a:solidFill>
-                <a:schemeClr val="tx1">
-                  <a:lumMod val="65000"/>
-                  <a:lumOff val="35000"/>
-                </a:schemeClr>
-              </a:solidFill>
-            </a:endParaRPr>
-          </a:p>
-          <a:p>
-            <a:r>
-              <a:rPr lang="en-US" sz="1000" dirty="0">
-                <a:solidFill>
-                  <a:schemeClr val="tx1">
-                    <a:lumMod val="65000"/>
-                    <a:lumOff val="35000"/>
-                  </a:schemeClr>
-                </a:solidFill>
-              </a:rPr>
-              <a:t>Current </a:t>
-            </a:r>
-            <a:r>
-              <a:rPr lang="en-US" sz="1000" dirty="0" err="1" smtClean="0">
-                <a:solidFill>
-                  <a:schemeClr val="tx1">
-                    <a:lumMod val="65000"/>
-                    <a:lumOff val="35000"/>
-                  </a:schemeClr>
-                </a:solidFill>
-              </a:rPr>
-              <a:t>PhaB</a:t>
             </a:r>
             <a:endParaRPr lang="en-US" sz="1000" dirty="0">
               <a:solidFill>
@@ -7477,24 +7401,100 @@
               </a:solidFill>
             </a:endParaRPr>
           </a:p>
-        </p:txBody>
-      </p:sp>
+          <a:p>
+            <a:r>
+              <a:rPr lang="en-US" sz="1000" dirty="0">
+                <a:solidFill>
+                  <a:schemeClr val="tx1">
+                    <a:lumMod val="65000"/>
+                    <a:lumOff val="35000"/>
+                  </a:schemeClr>
+                </a:solidFill>
+              </a:rPr>
+              <a:t>Current </a:t>
+            </a:r>
+            <a:r>
+              <a:rPr lang="en-US" sz="1000" dirty="0" err="1">
+                <a:solidFill>
+                  <a:schemeClr val="tx1">
+                    <a:lumMod val="65000"/>
+                    <a:lumOff val="35000"/>
+                  </a:schemeClr>
+                </a:solidFill>
+              </a:rPr>
+              <a:t>PhaB</a:t>
+            </a:r>
+            <a:endParaRPr lang="en-US" sz="1000" dirty="0">
+              <a:solidFill>
+                <a:schemeClr val="tx1">
+                  <a:lumMod val="65000"/>
+                  <a:lumOff val="35000"/>
+                </a:schemeClr>
+              </a:solidFill>
+            </a:endParaRPr>
+          </a:p>
+        </p:txBody>
+      </p:sp>
+    </p:spTree>
+    <p:extLst>
+      <p:ext uri="{BB962C8B-B14F-4D97-AF65-F5344CB8AC3E}">
+        <p14:creationId xmlns:p14="http://schemas.microsoft.com/office/powerpoint/2010/main" val="3814288448"/>
+      </p:ext>
+    </p:extLst>
+  </p:cSld>
+  <p:clrMapOvr>
+    <a:masterClrMapping/>
+  </p:clrMapOvr>
+</p:sld>
+</file>
+
+<file path=ppt/slides/slide3.xml><?xml version="1.0" encoding="utf-8"?>
+<p:sld xmlns:a="http://schemas.openxmlformats.org/drawingml/2006/main" xmlns:r="http://schemas.openxmlformats.org/officeDocument/2006/relationships" xmlns:p="http://schemas.openxmlformats.org/presentationml/2006/main">
+  <p:cSld>
+    <p:spTree>
+      <p:nvGrpSpPr>
+        <p:cNvPr id="1" name=""/>
+        <p:cNvGrpSpPr/>
+        <p:nvPr/>
+      </p:nvGrpSpPr>
+      <p:grpSpPr>
+        <a:xfrm>
+          <a:off x="0" y="0"/>
+          <a:ext cx="0" cy="0"/>
+          <a:chOff x="0" y="0"/>
+          <a:chExt cx="0" cy="0"/>
+        </a:xfrm>
+      </p:grpSpPr>
       <p:cxnSp>
         <p:nvCxnSpPr>
-          <p:cNvPr id="58" name="Straight Arrow Connector 57"/>
-          <p:cNvCxnSpPr/>
+          <p:cNvPr id="30" name="Straight Arrow Connector 29">
+            <a:extLst>
+              <a:ext uri="{FF2B5EF4-FFF2-40B4-BE49-F238E27FC236}">
+                <a16:creationId xmlns="" xmlns:a16="http://schemas.microsoft.com/office/drawing/2014/main" id="{E46A8BE3-4081-4F67-87BF-BB010579F1D9}"/>
+              </a:ext>
+            </a:extLst>
+          </p:cNvPr>
+          <p:cNvCxnSpPr>
+            <a:cxnSpLocks/>
+          </p:cNvCxnSpPr>
           <p:nvPr/>
         </p:nvCxnSpPr>
         <p:spPr>
           <a:xfrm>
-            <a:off x="1385848" y="2047489"/>
-            <a:ext cx="672170" cy="0"/>
+            <a:off x="2995215" y="1846268"/>
+            <a:ext cx="1027" cy="360252"/>
           </a:xfrm>
           <a:prstGeom prst="straightConnector1">
             <a:avLst/>
           </a:prstGeom>
           <a:ln>
-            <a:tailEnd type="triangle"/>
+            <a:solidFill>
+              <a:schemeClr val="bg1">
+                <a:lumMod val="75000"/>
+              </a:schemeClr>
+            </a:solidFill>
+            <a:prstDash val="dash"/>
+            <a:tailEnd type="none"/>
           </a:ln>
         </p:spPr>
         <p:style>
@@ -7512,10 +7512,2390 @@
           </a:fontRef>
         </p:style>
       </p:cxnSp>
+      <p:cxnSp>
+        <p:nvCxnSpPr>
+          <p:cNvPr id="46" name="Straight Arrow Connector 45">
+            <a:extLst>
+              <a:ext uri="{FF2B5EF4-FFF2-40B4-BE49-F238E27FC236}">
+                <a16:creationId xmlns="" xmlns:a16="http://schemas.microsoft.com/office/drawing/2014/main" id="{06C8FB47-1988-4CE0-B1F8-56C4595F5C96}"/>
+              </a:ext>
+            </a:extLst>
+          </p:cNvPr>
+          <p:cNvCxnSpPr>
+            <a:cxnSpLocks/>
+            <a:endCxn id="69" idx="0"/>
+          </p:cNvCxnSpPr>
+          <p:nvPr/>
+        </p:nvCxnSpPr>
+        <p:spPr>
+          <a:xfrm>
+            <a:off x="2991955" y="2206520"/>
+            <a:ext cx="1" cy="155959"/>
+          </a:xfrm>
+          <a:prstGeom prst="straightConnector1">
+            <a:avLst/>
+          </a:prstGeom>
+          <a:ln>
+            <a:solidFill>
+              <a:schemeClr val="bg1">
+                <a:lumMod val="75000"/>
+              </a:schemeClr>
+            </a:solidFill>
+            <a:prstDash val="dash"/>
+            <a:tailEnd type="none"/>
+          </a:ln>
+        </p:spPr>
+        <p:style>
+          <a:lnRef idx="1">
+            <a:schemeClr val="accent1"/>
+          </a:lnRef>
+          <a:fillRef idx="0">
+            <a:schemeClr val="accent1"/>
+          </a:fillRef>
+          <a:effectRef idx="0">
+            <a:schemeClr val="accent1"/>
+          </a:effectRef>
+          <a:fontRef idx="minor">
+            <a:schemeClr val="tx1"/>
+          </a:fontRef>
+        </p:style>
+      </p:cxnSp>
+      <p:cxnSp>
+        <p:nvCxnSpPr>
+          <p:cNvPr id="74" name="Straight Arrow Connector 73">
+            <a:extLst>
+              <a:ext uri="{FF2B5EF4-FFF2-40B4-BE49-F238E27FC236}">
+                <a16:creationId xmlns="" xmlns:a16="http://schemas.microsoft.com/office/drawing/2014/main" id="{FAB8FE15-D4B6-4A12-BC15-B1957B1DA4EB}"/>
+              </a:ext>
+            </a:extLst>
+          </p:cNvPr>
+          <p:cNvCxnSpPr>
+            <a:cxnSpLocks/>
+          </p:cNvCxnSpPr>
+          <p:nvPr/>
+        </p:nvCxnSpPr>
+        <p:spPr>
+          <a:xfrm>
+            <a:off x="5550115" y="2182142"/>
+            <a:ext cx="0" cy="147173"/>
+          </a:xfrm>
+          <a:prstGeom prst="straightConnector1">
+            <a:avLst/>
+          </a:prstGeom>
+          <a:ln>
+            <a:solidFill>
+              <a:schemeClr val="bg1">
+                <a:lumMod val="75000"/>
+              </a:schemeClr>
+            </a:solidFill>
+            <a:prstDash val="dash"/>
+            <a:tailEnd type="none"/>
+          </a:ln>
+        </p:spPr>
+        <p:style>
+          <a:lnRef idx="1">
+            <a:schemeClr val="accent1"/>
+          </a:lnRef>
+          <a:fillRef idx="0">
+            <a:schemeClr val="accent1"/>
+          </a:fillRef>
+          <a:effectRef idx="0">
+            <a:schemeClr val="accent1"/>
+          </a:effectRef>
+          <a:fontRef idx="minor">
+            <a:schemeClr val="tx1"/>
+          </a:fontRef>
+        </p:style>
+      </p:cxnSp>
+      <p:cxnSp>
+        <p:nvCxnSpPr>
+          <p:cNvPr id="137" name="Straight Arrow Connector 136">
+            <a:extLst>
+              <a:ext uri="{FF2B5EF4-FFF2-40B4-BE49-F238E27FC236}">
+                <a16:creationId xmlns="" xmlns:a16="http://schemas.microsoft.com/office/drawing/2014/main" id="{2DA64D39-B395-44C3-A6EC-D2F3ACAE6793}"/>
+              </a:ext>
+            </a:extLst>
+          </p:cNvPr>
+          <p:cNvCxnSpPr>
+            <a:cxnSpLocks/>
+          </p:cNvCxnSpPr>
+          <p:nvPr/>
+        </p:nvCxnSpPr>
+        <p:spPr>
+          <a:xfrm>
+            <a:off x="8285390" y="2182141"/>
+            <a:ext cx="0" cy="147173"/>
+          </a:xfrm>
+          <a:prstGeom prst="straightConnector1">
+            <a:avLst/>
+          </a:prstGeom>
+          <a:ln>
+            <a:solidFill>
+              <a:schemeClr val="bg1">
+                <a:lumMod val="75000"/>
+              </a:schemeClr>
+            </a:solidFill>
+            <a:prstDash val="dash"/>
+            <a:tailEnd type="none"/>
+          </a:ln>
+        </p:spPr>
+        <p:style>
+          <a:lnRef idx="1">
+            <a:schemeClr val="accent1"/>
+          </a:lnRef>
+          <a:fillRef idx="0">
+            <a:schemeClr val="accent1"/>
+          </a:fillRef>
+          <a:effectRef idx="0">
+            <a:schemeClr val="accent1"/>
+          </a:effectRef>
+          <a:fontRef idx="minor">
+            <a:schemeClr val="tx1"/>
+          </a:fontRef>
+        </p:style>
+      </p:cxnSp>
+      <p:cxnSp>
+        <p:nvCxnSpPr>
+          <p:cNvPr id="4" name="Straight Arrow Connector 3">
+            <a:extLst>
+              <a:ext uri="{FF2B5EF4-FFF2-40B4-BE49-F238E27FC236}">
+                <a16:creationId xmlns="" xmlns:a16="http://schemas.microsoft.com/office/drawing/2014/main" id="{9AF35FA3-9F0B-4F02-A7E2-F9485C46C42E}"/>
+              </a:ext>
+            </a:extLst>
+          </p:cNvPr>
+          <p:cNvCxnSpPr>
+            <a:cxnSpLocks/>
+          </p:cNvCxnSpPr>
+          <p:nvPr/>
+        </p:nvCxnSpPr>
+        <p:spPr>
+          <a:xfrm>
+            <a:off x="1703442" y="2206520"/>
+            <a:ext cx="1293583" cy="0"/>
+          </a:xfrm>
+          <a:prstGeom prst="straightConnector1">
+            <a:avLst/>
+          </a:prstGeom>
+          <a:ln>
+            <a:headEnd type="diamond" w="med" len="med"/>
+            <a:tailEnd type="diamond" w="med" len="med"/>
+          </a:ln>
+        </p:spPr>
+        <p:style>
+          <a:lnRef idx="1">
+            <a:schemeClr val="accent1"/>
+          </a:lnRef>
+          <a:fillRef idx="0">
+            <a:schemeClr val="accent1"/>
+          </a:fillRef>
+          <a:effectRef idx="0">
+            <a:schemeClr val="accent1"/>
+          </a:effectRef>
+          <a:fontRef idx="minor">
+            <a:schemeClr val="tx1"/>
+          </a:fontRef>
+        </p:style>
+      </p:cxnSp>
+      <p:sp>
+        <p:nvSpPr>
+          <p:cNvPr id="6" name="TextBox 5">
+            <a:extLst>
+              <a:ext uri="{FF2B5EF4-FFF2-40B4-BE49-F238E27FC236}">
+                <a16:creationId xmlns="" xmlns:a16="http://schemas.microsoft.com/office/drawing/2014/main" id="{36124F6A-2C77-43EB-8B2B-028ADBD7C79D}"/>
+              </a:ext>
+            </a:extLst>
+          </p:cNvPr>
+          <p:cNvSpPr txBox="1"/>
+          <p:nvPr/>
+        </p:nvSpPr>
+        <p:spPr>
+          <a:xfrm>
+            <a:off x="1742489" y="1304335"/>
+            <a:ext cx="1186677" cy="246221"/>
+          </a:xfrm>
+          <a:prstGeom prst="rect">
+            <a:avLst/>
+          </a:prstGeom>
+          <a:noFill/>
+        </p:spPr>
+        <p:txBody>
+          <a:bodyPr wrap="square" rtlCol="0">
+            <a:spAutoFit/>
+          </a:bodyPr>
+          <a:lstStyle/>
+          <a:p>
+            <a:pPr algn="ctr"/>
+            <a:r>
+              <a:rPr lang="en-US" sz="1000" b="1" dirty="0">
+                <a:solidFill>
+                  <a:schemeClr val="tx1">
+                    <a:lumMod val="65000"/>
+                    <a:lumOff val="35000"/>
+                  </a:schemeClr>
+                </a:solidFill>
+              </a:rPr>
+              <a:t>Fully Blended</a:t>
+            </a:r>
+          </a:p>
+        </p:txBody>
+      </p:sp>
+      <p:sp>
+        <p:nvSpPr>
+          <p:cNvPr id="7" name="TextBox 6">
+            <a:extLst>
+              <a:ext uri="{FF2B5EF4-FFF2-40B4-BE49-F238E27FC236}">
+                <a16:creationId xmlns="" xmlns:a16="http://schemas.microsoft.com/office/drawing/2014/main" id="{A62C4A0A-AAAC-4752-89CE-B24329A6E291}"/>
+              </a:ext>
+            </a:extLst>
+          </p:cNvPr>
+          <p:cNvSpPr txBox="1"/>
+          <p:nvPr/>
+        </p:nvSpPr>
+        <p:spPr>
+          <a:xfrm>
+            <a:off x="4195935" y="1302018"/>
+            <a:ext cx="1186677" cy="246221"/>
+          </a:xfrm>
+          <a:prstGeom prst="rect">
+            <a:avLst/>
+          </a:prstGeom>
+          <a:noFill/>
+        </p:spPr>
+        <p:txBody>
+          <a:bodyPr wrap="square" rtlCol="0">
+            <a:spAutoFit/>
+          </a:bodyPr>
+          <a:lstStyle/>
+          <a:p>
+            <a:pPr algn="ctr"/>
+            <a:r>
+              <a:rPr lang="en-US" sz="1000" b="1" dirty="0">
+                <a:solidFill>
+                  <a:schemeClr val="tx1">
+                    <a:lumMod val="65000"/>
+                    <a:lumOff val="35000"/>
+                  </a:schemeClr>
+                </a:solidFill>
+              </a:rPr>
+              <a:t>Partially Blended</a:t>
+            </a:r>
+          </a:p>
+        </p:txBody>
+      </p:sp>
+      <p:sp>
+        <p:nvSpPr>
+          <p:cNvPr id="8" name="TextBox 7">
+            <a:extLst>
+              <a:ext uri="{FF2B5EF4-FFF2-40B4-BE49-F238E27FC236}">
+                <a16:creationId xmlns="" xmlns:a16="http://schemas.microsoft.com/office/drawing/2014/main" id="{853F7814-A34F-47E8-A0DB-B482A240DA24}"/>
+              </a:ext>
+            </a:extLst>
+          </p:cNvPr>
+          <p:cNvSpPr txBox="1"/>
+          <p:nvPr/>
+        </p:nvSpPr>
+        <p:spPr>
+          <a:xfrm>
+            <a:off x="6769681" y="1302018"/>
+            <a:ext cx="1186677" cy="246221"/>
+          </a:xfrm>
+          <a:prstGeom prst="rect">
+            <a:avLst/>
+          </a:prstGeom>
+          <a:noFill/>
+        </p:spPr>
+        <p:txBody>
+          <a:bodyPr wrap="square" rtlCol="0">
+            <a:spAutoFit/>
+          </a:bodyPr>
+          <a:lstStyle/>
+          <a:p>
+            <a:pPr algn="ctr"/>
+            <a:r>
+              <a:rPr lang="en-US" sz="1000" b="1" dirty="0">
+                <a:solidFill>
+                  <a:schemeClr val="tx1">
+                    <a:lumMod val="65000"/>
+                    <a:lumOff val="35000"/>
+                  </a:schemeClr>
+                </a:solidFill>
+              </a:rPr>
+              <a:t>Outside</a:t>
+            </a:r>
+          </a:p>
+        </p:txBody>
+      </p:sp>
+      <p:sp>
+        <p:nvSpPr>
+          <p:cNvPr id="12" name="TextBox 11">
+            <a:extLst>
+              <a:ext uri="{FF2B5EF4-FFF2-40B4-BE49-F238E27FC236}">
+                <a16:creationId xmlns="" xmlns:a16="http://schemas.microsoft.com/office/drawing/2014/main" id="{CF6B7E14-DB04-4C1C-A6E6-B0BC5DA20BBA}"/>
+              </a:ext>
+            </a:extLst>
+          </p:cNvPr>
+          <p:cNvSpPr txBox="1"/>
+          <p:nvPr/>
+        </p:nvSpPr>
+        <p:spPr>
+          <a:xfrm>
+            <a:off x="1489094" y="2206520"/>
+            <a:ext cx="428696" cy="246221"/>
+          </a:xfrm>
+          <a:prstGeom prst="rect">
+            <a:avLst/>
+          </a:prstGeom>
+          <a:noFill/>
+        </p:spPr>
+        <p:txBody>
+          <a:bodyPr wrap="square" rtlCol="0">
+            <a:spAutoFit/>
+          </a:bodyPr>
+          <a:lstStyle/>
+          <a:p>
+            <a:pPr algn="ctr"/>
+            <a:r>
+              <a:rPr lang="en-US" sz="1000" dirty="0">
+                <a:solidFill>
+                  <a:schemeClr val="tx1">
+                    <a:lumMod val="65000"/>
+                    <a:lumOff val="35000"/>
+                  </a:schemeClr>
+                </a:solidFill>
+              </a:rPr>
+              <a:t>0</a:t>
+            </a:r>
+          </a:p>
+        </p:txBody>
+      </p:sp>
+      <p:sp>
+        <p:nvSpPr>
+          <p:cNvPr id="13" name="TextBox 12">
+            <a:extLst>
+              <a:ext uri="{FF2B5EF4-FFF2-40B4-BE49-F238E27FC236}">
+                <a16:creationId xmlns="" xmlns:a16="http://schemas.microsoft.com/office/drawing/2014/main" id="{777A4AE9-956F-41C1-B246-AD3ED345ACBE}"/>
+              </a:ext>
+            </a:extLst>
+          </p:cNvPr>
+          <p:cNvSpPr txBox="1"/>
+          <p:nvPr/>
+        </p:nvSpPr>
+        <p:spPr>
+          <a:xfrm>
+            <a:off x="2818569" y="2251715"/>
+            <a:ext cx="350025" cy="153888"/>
+          </a:xfrm>
+          <a:prstGeom prst="rect">
+            <a:avLst/>
+          </a:prstGeom>
+          <a:noFill/>
+        </p:spPr>
+        <p:txBody>
+          <a:bodyPr wrap="square" lIns="0" tIns="0" rIns="0" bIns="0" rtlCol="0">
+            <a:spAutoFit/>
+          </a:bodyPr>
+          <a:lstStyle/>
+          <a:p>
+            <a:pPr algn="ctr"/>
+            <a:r>
+              <a:rPr lang="en-US" sz="1000" dirty="0">
+                <a:solidFill>
+                  <a:schemeClr val="tx1">
+                    <a:lumMod val="65000"/>
+                    <a:lumOff val="35000"/>
+                  </a:schemeClr>
+                </a:solidFill>
+              </a:rPr>
+              <a:t>1000</a:t>
+            </a:r>
+          </a:p>
+        </p:txBody>
+      </p:sp>
+      <p:sp>
+        <p:nvSpPr>
+          <p:cNvPr id="14" name="TextBox 13">
+            <a:extLst>
+              <a:ext uri="{FF2B5EF4-FFF2-40B4-BE49-F238E27FC236}">
+                <a16:creationId xmlns="" xmlns:a16="http://schemas.microsoft.com/office/drawing/2014/main" id="{1C29AA57-70E7-4FFE-87FB-25C5E3989C76}"/>
+              </a:ext>
+            </a:extLst>
+          </p:cNvPr>
+          <p:cNvSpPr txBox="1"/>
+          <p:nvPr/>
+        </p:nvSpPr>
+        <p:spPr>
+          <a:xfrm>
+            <a:off x="1917790" y="2740705"/>
+            <a:ext cx="825674" cy="153888"/>
+          </a:xfrm>
+          <a:prstGeom prst="rect">
+            <a:avLst/>
+          </a:prstGeom>
+          <a:noFill/>
+        </p:spPr>
+        <p:txBody>
+          <a:bodyPr wrap="square" lIns="0" tIns="0" rIns="0" bIns="0" rtlCol="0">
+            <a:spAutoFit/>
+          </a:bodyPr>
+          <a:lstStyle/>
+          <a:p>
+            <a:pPr algn="ctr"/>
+            <a:r>
+              <a:rPr lang="en-US" sz="1000" dirty="0" smtClean="0">
+                <a:solidFill>
+                  <a:schemeClr val="tx1">
+                    <a:lumMod val="65000"/>
+                    <a:lumOff val="35000"/>
+                  </a:schemeClr>
+                </a:solidFill>
+              </a:rPr>
+              <a:t>|Input target|</a:t>
+            </a:r>
+            <a:endParaRPr lang="en-US" sz="1000" dirty="0">
+              <a:solidFill>
+                <a:schemeClr val="tx1">
+                  <a:lumMod val="65000"/>
+                  <a:lumOff val="35000"/>
+                </a:schemeClr>
+              </a:solidFill>
+            </a:endParaRPr>
+          </a:p>
+        </p:txBody>
+      </p:sp>
+      <p:cxnSp>
+        <p:nvCxnSpPr>
+          <p:cNvPr id="21" name="Straight Arrow Connector 20">
+            <a:extLst>
+              <a:ext uri="{FF2B5EF4-FFF2-40B4-BE49-F238E27FC236}">
+                <a16:creationId xmlns="" xmlns:a16="http://schemas.microsoft.com/office/drawing/2014/main" id="{C8BBB5BD-D545-4CFA-890B-34BED31C7089}"/>
+              </a:ext>
+            </a:extLst>
+          </p:cNvPr>
+          <p:cNvCxnSpPr>
+            <a:cxnSpLocks/>
+          </p:cNvCxnSpPr>
+          <p:nvPr/>
+        </p:nvCxnSpPr>
+        <p:spPr>
+          <a:xfrm>
+            <a:off x="1703442" y="2206520"/>
+            <a:ext cx="862077" cy="0"/>
+          </a:xfrm>
+          <a:prstGeom prst="straightConnector1">
+            <a:avLst/>
+          </a:prstGeom>
+          <a:ln w="19050">
+            <a:solidFill>
+              <a:srgbClr val="FF0066"/>
+            </a:solidFill>
+            <a:tailEnd type="none"/>
+          </a:ln>
+        </p:spPr>
+        <p:style>
+          <a:lnRef idx="1">
+            <a:schemeClr val="accent1"/>
+          </a:lnRef>
+          <a:fillRef idx="0">
+            <a:schemeClr val="accent1"/>
+          </a:fillRef>
+          <a:effectRef idx="0">
+            <a:schemeClr val="accent1"/>
+          </a:effectRef>
+          <a:fontRef idx="minor">
+            <a:schemeClr val="tx1"/>
+          </a:fontRef>
+        </p:style>
+      </p:cxnSp>
+      <p:cxnSp>
+        <p:nvCxnSpPr>
+          <p:cNvPr id="25" name="Straight Arrow Connector 24">
+            <a:extLst>
+              <a:ext uri="{FF2B5EF4-FFF2-40B4-BE49-F238E27FC236}">
+                <a16:creationId xmlns="" xmlns:a16="http://schemas.microsoft.com/office/drawing/2014/main" id="{83BA2AF6-D61B-45E3-810A-EC7C0068AA1A}"/>
+              </a:ext>
+            </a:extLst>
+          </p:cNvPr>
+          <p:cNvCxnSpPr>
+            <a:cxnSpLocks/>
+          </p:cNvCxnSpPr>
+          <p:nvPr/>
+        </p:nvCxnSpPr>
+        <p:spPr>
+          <a:xfrm flipV="1">
+            <a:off x="2565986" y="1838483"/>
+            <a:ext cx="431039" cy="368037"/>
+          </a:xfrm>
+          <a:prstGeom prst="straightConnector1">
+            <a:avLst/>
+          </a:prstGeom>
+          <a:ln w="19050">
+            <a:solidFill>
+              <a:srgbClr val="FF0066"/>
+            </a:solidFill>
+            <a:tailEnd type="none"/>
+          </a:ln>
+        </p:spPr>
+        <p:style>
+          <a:lnRef idx="1">
+            <a:schemeClr val="accent1"/>
+          </a:lnRef>
+          <a:fillRef idx="0">
+            <a:schemeClr val="accent1"/>
+          </a:fillRef>
+          <a:effectRef idx="0">
+            <a:schemeClr val="accent1"/>
+          </a:effectRef>
+          <a:fontRef idx="minor">
+            <a:schemeClr val="tx1"/>
+          </a:fontRef>
+        </p:style>
+      </p:cxnSp>
+      <p:cxnSp>
+        <p:nvCxnSpPr>
+          <p:cNvPr id="27" name="Straight Arrow Connector 26">
+            <a:extLst>
+              <a:ext uri="{FF2B5EF4-FFF2-40B4-BE49-F238E27FC236}">
+                <a16:creationId xmlns="" xmlns:a16="http://schemas.microsoft.com/office/drawing/2014/main" id="{ECF63724-4430-4379-83B0-00F3DA3DF7C5}"/>
+              </a:ext>
+            </a:extLst>
+          </p:cNvPr>
+          <p:cNvCxnSpPr>
+            <a:cxnSpLocks/>
+          </p:cNvCxnSpPr>
+          <p:nvPr/>
+        </p:nvCxnSpPr>
+        <p:spPr>
+          <a:xfrm>
+            <a:off x="1710908" y="1838483"/>
+            <a:ext cx="1286117" cy="0"/>
+          </a:xfrm>
+          <a:prstGeom prst="straightConnector1">
+            <a:avLst/>
+          </a:prstGeom>
+          <a:ln>
+            <a:solidFill>
+              <a:schemeClr val="bg1">
+                <a:lumMod val="75000"/>
+              </a:schemeClr>
+            </a:solidFill>
+            <a:prstDash val="dash"/>
+            <a:tailEnd type="none"/>
+          </a:ln>
+        </p:spPr>
+        <p:style>
+          <a:lnRef idx="1">
+            <a:schemeClr val="accent1"/>
+          </a:lnRef>
+          <a:fillRef idx="0">
+            <a:schemeClr val="accent1"/>
+          </a:fillRef>
+          <a:effectRef idx="0">
+            <a:schemeClr val="accent1"/>
+          </a:effectRef>
+          <a:fontRef idx="minor">
+            <a:schemeClr val="tx1"/>
+          </a:fontRef>
+        </p:style>
+      </p:cxnSp>
+      <p:sp>
+        <p:nvSpPr>
+          <p:cNvPr id="33" name="TextBox 32">
+            <a:extLst>
+              <a:ext uri="{FF2B5EF4-FFF2-40B4-BE49-F238E27FC236}">
+                <a16:creationId xmlns="" xmlns:a16="http://schemas.microsoft.com/office/drawing/2014/main" id="{D19E82E8-9B43-43A1-9B4A-0AAE0514215A}"/>
+              </a:ext>
+            </a:extLst>
+          </p:cNvPr>
+          <p:cNvSpPr txBox="1"/>
+          <p:nvPr/>
+        </p:nvSpPr>
+        <p:spPr>
+          <a:xfrm>
+            <a:off x="1309107" y="1745646"/>
+            <a:ext cx="352776" cy="153888"/>
+          </a:xfrm>
+          <a:prstGeom prst="rect">
+            <a:avLst/>
+          </a:prstGeom>
+          <a:noFill/>
+        </p:spPr>
+        <p:txBody>
+          <a:bodyPr wrap="square" lIns="0" tIns="0" rIns="0" bIns="0" rtlCol="0">
+            <a:spAutoFit/>
+          </a:bodyPr>
+          <a:lstStyle/>
+          <a:p>
+            <a:pPr algn="ctr"/>
+            <a:r>
+              <a:rPr lang="en-US" sz="1000" dirty="0" err="1" smtClean="0">
+                <a:solidFill>
+                  <a:schemeClr val="tx1">
+                    <a:lumMod val="65000"/>
+                    <a:lumOff val="35000"/>
+                  </a:schemeClr>
+                </a:solidFill>
+              </a:rPr>
+              <a:t>FW</a:t>
+            </a:r>
+            <a:r>
+              <a:rPr lang="en-US" sz="1000" baseline="-25000" dirty="0" err="1" smtClean="0">
+                <a:solidFill>
+                  <a:schemeClr val="tx1">
+                    <a:lumMod val="65000"/>
+                    <a:lumOff val="35000"/>
+                  </a:schemeClr>
+                </a:solidFill>
+              </a:rPr>
+              <a:t>max</a:t>
+            </a:r>
+            <a:endParaRPr lang="en-US" sz="1000" dirty="0">
+              <a:solidFill>
+                <a:schemeClr val="tx1">
+                  <a:lumMod val="65000"/>
+                  <a:lumOff val="35000"/>
+                </a:schemeClr>
+              </a:solidFill>
+            </a:endParaRPr>
+          </a:p>
+        </p:txBody>
+      </p:sp>
+      <p:sp>
+        <p:nvSpPr>
+          <p:cNvPr id="40" name="TextBox 39">
+            <a:extLst>
+              <a:ext uri="{FF2B5EF4-FFF2-40B4-BE49-F238E27FC236}">
+                <a16:creationId xmlns="" xmlns:a16="http://schemas.microsoft.com/office/drawing/2014/main" id="{D143E603-18FE-43C1-8AA8-D84C33B9FAB3}"/>
+              </a:ext>
+            </a:extLst>
+          </p:cNvPr>
+          <p:cNvSpPr txBox="1"/>
+          <p:nvPr/>
+        </p:nvSpPr>
+        <p:spPr>
+          <a:xfrm>
+            <a:off x="2457099" y="2362479"/>
+            <a:ext cx="220467" cy="153888"/>
+          </a:xfrm>
+          <a:prstGeom prst="rect">
+            <a:avLst/>
+          </a:prstGeom>
+          <a:noFill/>
+        </p:spPr>
+        <p:txBody>
+          <a:bodyPr wrap="square" lIns="0" tIns="0" rIns="0" bIns="0" rtlCol="0">
+            <a:spAutoFit/>
+          </a:bodyPr>
+          <a:lstStyle/>
+          <a:p>
+            <a:pPr algn="ctr"/>
+            <a:r>
+              <a:rPr lang="en-US" sz="1000" dirty="0">
+                <a:solidFill>
+                  <a:schemeClr val="tx1">
+                    <a:lumMod val="65000"/>
+                    <a:lumOff val="35000"/>
+                  </a:schemeClr>
+                </a:solidFill>
+              </a:rPr>
+              <a:t>Lo</a:t>
+            </a:r>
+          </a:p>
+        </p:txBody>
+      </p:sp>
+      <p:cxnSp>
+        <p:nvCxnSpPr>
+          <p:cNvPr id="43" name="Straight Arrow Connector 42">
+            <a:extLst>
+              <a:ext uri="{FF2B5EF4-FFF2-40B4-BE49-F238E27FC236}">
+                <a16:creationId xmlns="" xmlns:a16="http://schemas.microsoft.com/office/drawing/2014/main" id="{AE351057-918D-4339-A99A-31DD180315E3}"/>
+              </a:ext>
+            </a:extLst>
+          </p:cNvPr>
+          <p:cNvCxnSpPr>
+            <a:cxnSpLocks/>
+            <a:endCxn id="40" idx="0"/>
+          </p:cNvCxnSpPr>
+          <p:nvPr/>
+        </p:nvCxnSpPr>
+        <p:spPr>
+          <a:xfrm>
+            <a:off x="2564910" y="2230636"/>
+            <a:ext cx="2423" cy="131843"/>
+          </a:xfrm>
+          <a:prstGeom prst="straightConnector1">
+            <a:avLst/>
+          </a:prstGeom>
+          <a:ln>
+            <a:solidFill>
+              <a:schemeClr val="bg1">
+                <a:lumMod val="75000"/>
+              </a:schemeClr>
+            </a:solidFill>
+            <a:prstDash val="dash"/>
+            <a:tailEnd type="none"/>
+          </a:ln>
+        </p:spPr>
+        <p:style>
+          <a:lnRef idx="1">
+            <a:schemeClr val="accent1"/>
+          </a:lnRef>
+          <a:fillRef idx="0">
+            <a:schemeClr val="accent1"/>
+          </a:fillRef>
+          <a:effectRef idx="0">
+            <a:schemeClr val="accent1"/>
+          </a:effectRef>
+          <a:fontRef idx="minor">
+            <a:schemeClr val="tx1"/>
+          </a:fontRef>
+        </p:style>
+      </p:cxnSp>
+      <p:cxnSp>
+        <p:nvCxnSpPr>
+          <p:cNvPr id="48" name="Straight Arrow Connector 47">
+            <a:extLst>
+              <a:ext uri="{FF2B5EF4-FFF2-40B4-BE49-F238E27FC236}">
+                <a16:creationId xmlns="" xmlns:a16="http://schemas.microsoft.com/office/drawing/2014/main" id="{01E42AFB-EAF9-474D-BB57-D52B10F34F3A}"/>
+              </a:ext>
+            </a:extLst>
+          </p:cNvPr>
+          <p:cNvCxnSpPr>
+            <a:cxnSpLocks/>
+          </p:cNvCxnSpPr>
+          <p:nvPr/>
+        </p:nvCxnSpPr>
+        <p:spPr>
+          <a:xfrm>
+            <a:off x="4013555" y="2190255"/>
+            <a:ext cx="1293583" cy="0"/>
+          </a:xfrm>
+          <a:prstGeom prst="straightConnector1">
+            <a:avLst/>
+          </a:prstGeom>
+          <a:ln>
+            <a:headEnd type="diamond" w="med" len="med"/>
+            <a:tailEnd type="diamond" w="med" len="med"/>
+          </a:ln>
+        </p:spPr>
+        <p:style>
+          <a:lnRef idx="1">
+            <a:schemeClr val="accent1"/>
+          </a:lnRef>
+          <a:fillRef idx="0">
+            <a:schemeClr val="accent1"/>
+          </a:fillRef>
+          <a:effectRef idx="0">
+            <a:schemeClr val="accent1"/>
+          </a:effectRef>
+          <a:fontRef idx="minor">
+            <a:schemeClr val="tx1"/>
+          </a:fontRef>
+        </p:style>
+      </p:cxnSp>
+      <p:sp>
+        <p:nvSpPr>
+          <p:cNvPr id="49" name="TextBox 48">
+            <a:extLst>
+              <a:ext uri="{FF2B5EF4-FFF2-40B4-BE49-F238E27FC236}">
+                <a16:creationId xmlns="" xmlns:a16="http://schemas.microsoft.com/office/drawing/2014/main" id="{34497D33-2DF5-4FCA-909E-DD0AB7B259FE}"/>
+              </a:ext>
+            </a:extLst>
+          </p:cNvPr>
+          <p:cNvSpPr txBox="1"/>
+          <p:nvPr/>
+        </p:nvSpPr>
+        <p:spPr>
+          <a:xfrm>
+            <a:off x="3799207" y="2190255"/>
+            <a:ext cx="428696" cy="246221"/>
+          </a:xfrm>
+          <a:prstGeom prst="rect">
+            <a:avLst/>
+          </a:prstGeom>
+          <a:noFill/>
+        </p:spPr>
+        <p:txBody>
+          <a:bodyPr wrap="square" rtlCol="0">
+            <a:spAutoFit/>
+          </a:bodyPr>
+          <a:lstStyle/>
+          <a:p>
+            <a:pPr algn="ctr"/>
+            <a:r>
+              <a:rPr lang="en-US" sz="1000" dirty="0">
+                <a:solidFill>
+                  <a:schemeClr val="tx1">
+                    <a:lumMod val="65000"/>
+                    <a:lumOff val="35000"/>
+                  </a:schemeClr>
+                </a:solidFill>
+              </a:rPr>
+              <a:t>0</a:t>
+            </a:r>
+          </a:p>
+        </p:txBody>
+      </p:sp>
+      <p:sp>
+        <p:nvSpPr>
+          <p:cNvPr id="50" name="TextBox 49">
+            <a:extLst>
+              <a:ext uri="{FF2B5EF4-FFF2-40B4-BE49-F238E27FC236}">
+                <a16:creationId xmlns="" xmlns:a16="http://schemas.microsoft.com/office/drawing/2014/main" id="{D889722C-127F-4F8F-8DBA-6888339E179F}"/>
+              </a:ext>
+            </a:extLst>
+          </p:cNvPr>
+          <p:cNvSpPr txBox="1"/>
+          <p:nvPr/>
+        </p:nvSpPr>
+        <p:spPr>
+          <a:xfrm>
+            <a:off x="5134072" y="2228890"/>
+            <a:ext cx="345792" cy="153888"/>
+          </a:xfrm>
+          <a:prstGeom prst="rect">
+            <a:avLst/>
+          </a:prstGeom>
+          <a:noFill/>
+        </p:spPr>
+        <p:txBody>
+          <a:bodyPr wrap="square" lIns="0" tIns="0" rIns="0" bIns="0" rtlCol="0">
+            <a:spAutoFit/>
+          </a:bodyPr>
+          <a:lstStyle/>
+          <a:p>
+            <a:pPr algn="ctr"/>
+            <a:r>
+              <a:rPr lang="en-US" sz="1000" dirty="0">
+                <a:solidFill>
+                  <a:schemeClr val="tx1">
+                    <a:lumMod val="65000"/>
+                    <a:lumOff val="35000"/>
+                  </a:schemeClr>
+                </a:solidFill>
+              </a:rPr>
+              <a:t>1000</a:t>
+            </a:r>
+          </a:p>
+        </p:txBody>
+      </p:sp>
+      <p:cxnSp>
+        <p:nvCxnSpPr>
+          <p:cNvPr id="52" name="Straight Arrow Connector 51">
+            <a:extLst>
+              <a:ext uri="{FF2B5EF4-FFF2-40B4-BE49-F238E27FC236}">
+                <a16:creationId xmlns="" xmlns:a16="http://schemas.microsoft.com/office/drawing/2014/main" id="{A9B77B00-F1CA-42F7-B2BF-80193510AF57}"/>
+              </a:ext>
+            </a:extLst>
+          </p:cNvPr>
+          <p:cNvCxnSpPr>
+            <a:cxnSpLocks/>
+            <a:stCxn id="49" idx="0"/>
+          </p:cNvCxnSpPr>
+          <p:nvPr/>
+        </p:nvCxnSpPr>
+        <p:spPr>
+          <a:xfrm flipH="1" flipV="1">
+            <a:off x="4010800" y="1608816"/>
+            <a:ext cx="2755" cy="581439"/>
+          </a:xfrm>
+          <a:prstGeom prst="straightConnector1">
+            <a:avLst/>
+          </a:prstGeom>
+          <a:ln>
+            <a:solidFill>
+              <a:schemeClr val="bg1">
+                <a:lumMod val="75000"/>
+              </a:schemeClr>
+            </a:solidFill>
+            <a:tailEnd type="triangle"/>
+          </a:ln>
+        </p:spPr>
+        <p:style>
+          <a:lnRef idx="1">
+            <a:schemeClr val="accent1"/>
+          </a:lnRef>
+          <a:fillRef idx="0">
+            <a:schemeClr val="accent1"/>
+          </a:fillRef>
+          <a:effectRef idx="0">
+            <a:schemeClr val="accent1"/>
+          </a:effectRef>
+          <a:fontRef idx="minor">
+            <a:schemeClr val="tx1"/>
+          </a:fontRef>
+        </p:style>
+      </p:cxnSp>
+      <p:cxnSp>
+        <p:nvCxnSpPr>
+          <p:cNvPr id="54" name="Straight Arrow Connector 53">
+            <a:extLst>
+              <a:ext uri="{FF2B5EF4-FFF2-40B4-BE49-F238E27FC236}">
+                <a16:creationId xmlns="" xmlns:a16="http://schemas.microsoft.com/office/drawing/2014/main" id="{A0D56036-B84F-4222-9C1C-4EE8768D52CA}"/>
+              </a:ext>
+            </a:extLst>
+          </p:cNvPr>
+          <p:cNvCxnSpPr>
+            <a:cxnSpLocks/>
+          </p:cNvCxnSpPr>
+          <p:nvPr/>
+        </p:nvCxnSpPr>
+        <p:spPr>
+          <a:xfrm flipV="1">
+            <a:off x="4013555" y="2188651"/>
+            <a:ext cx="1106335" cy="1607"/>
+          </a:xfrm>
+          <a:prstGeom prst="straightConnector1">
+            <a:avLst/>
+          </a:prstGeom>
+          <a:ln w="19050">
+            <a:solidFill>
+              <a:srgbClr val="FF0066"/>
+            </a:solidFill>
+            <a:tailEnd type="none"/>
+          </a:ln>
+        </p:spPr>
+        <p:style>
+          <a:lnRef idx="1">
+            <a:schemeClr val="accent1"/>
+          </a:lnRef>
+          <a:fillRef idx="0">
+            <a:schemeClr val="accent1"/>
+          </a:fillRef>
+          <a:effectRef idx="0">
+            <a:schemeClr val="accent1"/>
+          </a:effectRef>
+          <a:fontRef idx="minor">
+            <a:schemeClr val="tx1"/>
+          </a:fontRef>
+        </p:style>
+      </p:cxnSp>
+      <p:cxnSp>
+        <p:nvCxnSpPr>
+          <p:cNvPr id="56" name="Straight Arrow Connector 55">
+            <a:extLst>
+              <a:ext uri="{FF2B5EF4-FFF2-40B4-BE49-F238E27FC236}">
+                <a16:creationId xmlns="" xmlns:a16="http://schemas.microsoft.com/office/drawing/2014/main" id="{800CD5F9-F76D-4DA2-812B-CBC2597F7D76}"/>
+              </a:ext>
+            </a:extLst>
+          </p:cNvPr>
+          <p:cNvCxnSpPr>
+            <a:cxnSpLocks/>
+          </p:cNvCxnSpPr>
+          <p:nvPr/>
+        </p:nvCxnSpPr>
+        <p:spPr>
+          <a:xfrm flipV="1">
+            <a:off x="4021021" y="1820614"/>
+            <a:ext cx="1529189" cy="1604"/>
+          </a:xfrm>
+          <a:prstGeom prst="straightConnector1">
+            <a:avLst/>
+          </a:prstGeom>
+          <a:ln>
+            <a:solidFill>
+              <a:schemeClr val="bg1">
+                <a:lumMod val="75000"/>
+              </a:schemeClr>
+            </a:solidFill>
+            <a:prstDash val="dash"/>
+            <a:tailEnd type="none"/>
+          </a:ln>
+        </p:spPr>
+        <p:style>
+          <a:lnRef idx="1">
+            <a:schemeClr val="accent1"/>
+          </a:lnRef>
+          <a:fillRef idx="0">
+            <a:schemeClr val="accent1"/>
+          </a:fillRef>
+          <a:effectRef idx="0">
+            <a:schemeClr val="accent1"/>
+          </a:effectRef>
+          <a:fontRef idx="minor">
+            <a:schemeClr val="tx1"/>
+          </a:fontRef>
+        </p:style>
+      </p:cxnSp>
+      <p:cxnSp>
+        <p:nvCxnSpPr>
+          <p:cNvPr id="57" name="Straight Arrow Connector 56">
+            <a:extLst>
+              <a:ext uri="{FF2B5EF4-FFF2-40B4-BE49-F238E27FC236}">
+                <a16:creationId xmlns="" xmlns:a16="http://schemas.microsoft.com/office/drawing/2014/main" id="{C1D4A41C-EA2A-467F-A30F-28536E20CD24}"/>
+              </a:ext>
+            </a:extLst>
+          </p:cNvPr>
+          <p:cNvCxnSpPr>
+            <a:cxnSpLocks/>
+          </p:cNvCxnSpPr>
+          <p:nvPr/>
+        </p:nvCxnSpPr>
+        <p:spPr>
+          <a:xfrm>
+            <a:off x="5550210" y="1826402"/>
+            <a:ext cx="0" cy="362249"/>
+          </a:xfrm>
+          <a:prstGeom prst="straightConnector1">
+            <a:avLst/>
+          </a:prstGeom>
+          <a:ln>
+            <a:solidFill>
+              <a:schemeClr val="bg1">
+                <a:lumMod val="75000"/>
+              </a:schemeClr>
+            </a:solidFill>
+            <a:prstDash val="dash"/>
+            <a:tailEnd type="none"/>
+          </a:ln>
+        </p:spPr>
+        <p:style>
+          <a:lnRef idx="1">
+            <a:schemeClr val="accent1"/>
+          </a:lnRef>
+          <a:fillRef idx="0">
+            <a:schemeClr val="accent1"/>
+          </a:fillRef>
+          <a:effectRef idx="0">
+            <a:schemeClr val="accent1"/>
+          </a:effectRef>
+          <a:fontRef idx="minor">
+            <a:schemeClr val="tx1"/>
+          </a:fontRef>
+        </p:style>
+      </p:cxnSp>
+      <p:cxnSp>
+        <p:nvCxnSpPr>
+          <p:cNvPr id="63" name="Straight Arrow Connector 62">
+            <a:extLst>
+              <a:ext uri="{FF2B5EF4-FFF2-40B4-BE49-F238E27FC236}">
+                <a16:creationId xmlns="" xmlns:a16="http://schemas.microsoft.com/office/drawing/2014/main" id="{34647C29-7FCE-4CF5-A9DA-819D7DC3504F}"/>
+              </a:ext>
+            </a:extLst>
+          </p:cNvPr>
+          <p:cNvCxnSpPr>
+            <a:cxnSpLocks/>
+          </p:cNvCxnSpPr>
+          <p:nvPr/>
+        </p:nvCxnSpPr>
+        <p:spPr>
+          <a:xfrm>
+            <a:off x="5304380" y="2191629"/>
+            <a:ext cx="245735" cy="0"/>
+          </a:xfrm>
+          <a:prstGeom prst="straightConnector1">
+            <a:avLst/>
+          </a:prstGeom>
+          <a:ln>
+            <a:solidFill>
+              <a:schemeClr val="bg2">
+                <a:lumMod val="50000"/>
+              </a:schemeClr>
+            </a:solidFill>
+            <a:headEnd type="none" w="med" len="med"/>
+            <a:tailEnd type="diamond" w="med" len="med"/>
+          </a:ln>
+        </p:spPr>
+        <p:style>
+          <a:lnRef idx="1">
+            <a:schemeClr val="accent1"/>
+          </a:lnRef>
+          <a:fillRef idx="0">
+            <a:schemeClr val="accent1"/>
+          </a:fillRef>
+          <a:effectRef idx="0">
+            <a:schemeClr val="accent1"/>
+          </a:effectRef>
+          <a:fontRef idx="minor">
+            <a:schemeClr val="tx1"/>
+          </a:fontRef>
+        </p:style>
+      </p:cxnSp>
+      <p:sp>
+        <p:nvSpPr>
+          <p:cNvPr id="69" name="TextBox 68">
+            <a:extLst>
+              <a:ext uri="{FF2B5EF4-FFF2-40B4-BE49-F238E27FC236}">
+                <a16:creationId xmlns="" xmlns:a16="http://schemas.microsoft.com/office/drawing/2014/main" id="{882D57C7-1F39-4A02-913E-05A069E83129}"/>
+              </a:ext>
+            </a:extLst>
+          </p:cNvPr>
+          <p:cNvSpPr txBox="1"/>
+          <p:nvPr/>
+        </p:nvSpPr>
+        <p:spPr>
+          <a:xfrm>
+            <a:off x="2881722" y="2362479"/>
+            <a:ext cx="220467" cy="153888"/>
+          </a:xfrm>
+          <a:prstGeom prst="rect">
+            <a:avLst/>
+          </a:prstGeom>
+          <a:noFill/>
+        </p:spPr>
+        <p:txBody>
+          <a:bodyPr wrap="square" lIns="0" tIns="0" rIns="0" bIns="0" rtlCol="0">
+            <a:spAutoFit/>
+          </a:bodyPr>
+          <a:lstStyle/>
+          <a:p>
+            <a:pPr algn="ctr"/>
+            <a:r>
+              <a:rPr lang="en-US" sz="1000" dirty="0">
+                <a:solidFill>
+                  <a:schemeClr val="tx1">
+                    <a:lumMod val="65000"/>
+                    <a:lumOff val="35000"/>
+                  </a:schemeClr>
+                </a:solidFill>
+              </a:rPr>
+              <a:t>Hi</a:t>
+            </a:r>
+          </a:p>
+        </p:txBody>
+      </p:sp>
+      <p:sp>
+        <p:nvSpPr>
+          <p:cNvPr id="72" name="TextBox 71">
+            <a:extLst>
+              <a:ext uri="{FF2B5EF4-FFF2-40B4-BE49-F238E27FC236}">
+                <a16:creationId xmlns="" xmlns:a16="http://schemas.microsoft.com/office/drawing/2014/main" id="{6019CCD2-BCAD-4C6C-B9FB-685D87DEF07A}"/>
+              </a:ext>
+            </a:extLst>
+          </p:cNvPr>
+          <p:cNvSpPr txBox="1"/>
+          <p:nvPr/>
+        </p:nvSpPr>
+        <p:spPr>
+          <a:xfrm>
+            <a:off x="5016142" y="2345059"/>
+            <a:ext cx="220467" cy="153888"/>
+          </a:xfrm>
+          <a:prstGeom prst="rect">
+            <a:avLst/>
+          </a:prstGeom>
+          <a:noFill/>
+        </p:spPr>
+        <p:txBody>
+          <a:bodyPr wrap="square" lIns="0" tIns="0" rIns="0" bIns="0" rtlCol="0">
+            <a:spAutoFit/>
+          </a:bodyPr>
+          <a:lstStyle/>
+          <a:p>
+            <a:pPr algn="ctr"/>
+            <a:r>
+              <a:rPr lang="en-US" sz="1000" dirty="0">
+                <a:solidFill>
+                  <a:schemeClr val="tx1">
+                    <a:lumMod val="65000"/>
+                    <a:lumOff val="35000"/>
+                  </a:schemeClr>
+                </a:solidFill>
+              </a:rPr>
+              <a:t>Lo</a:t>
+            </a:r>
+          </a:p>
+        </p:txBody>
+      </p:sp>
+      <p:cxnSp>
+        <p:nvCxnSpPr>
+          <p:cNvPr id="73" name="Straight Arrow Connector 72">
+            <a:extLst>
+              <a:ext uri="{FF2B5EF4-FFF2-40B4-BE49-F238E27FC236}">
+                <a16:creationId xmlns="" xmlns:a16="http://schemas.microsoft.com/office/drawing/2014/main" id="{C0AA4F36-E518-490D-B2F5-BB1B58479D79}"/>
+              </a:ext>
+            </a:extLst>
+          </p:cNvPr>
+          <p:cNvCxnSpPr>
+            <a:cxnSpLocks/>
+            <a:endCxn id="72" idx="0"/>
+          </p:cNvCxnSpPr>
+          <p:nvPr/>
+        </p:nvCxnSpPr>
+        <p:spPr>
+          <a:xfrm>
+            <a:off x="5126376" y="2207176"/>
+            <a:ext cx="0" cy="137883"/>
+          </a:xfrm>
+          <a:prstGeom prst="straightConnector1">
+            <a:avLst/>
+          </a:prstGeom>
+          <a:ln>
+            <a:solidFill>
+              <a:schemeClr val="bg1">
+                <a:lumMod val="75000"/>
+              </a:schemeClr>
+            </a:solidFill>
+            <a:prstDash val="dash"/>
+            <a:tailEnd type="none"/>
+          </a:ln>
+        </p:spPr>
+        <p:style>
+          <a:lnRef idx="1">
+            <a:schemeClr val="accent1"/>
+          </a:lnRef>
+          <a:fillRef idx="0">
+            <a:schemeClr val="accent1"/>
+          </a:fillRef>
+          <a:effectRef idx="0">
+            <a:schemeClr val="accent1"/>
+          </a:effectRef>
+          <a:fontRef idx="minor">
+            <a:schemeClr val="tx1"/>
+          </a:fontRef>
+        </p:style>
+      </p:cxnSp>
+      <p:sp>
+        <p:nvSpPr>
+          <p:cNvPr id="75" name="TextBox 74">
+            <a:extLst>
+              <a:ext uri="{FF2B5EF4-FFF2-40B4-BE49-F238E27FC236}">
+                <a16:creationId xmlns="" xmlns:a16="http://schemas.microsoft.com/office/drawing/2014/main" id="{F66B8F31-E8B2-4524-860A-EF56C3BB5D46}"/>
+              </a:ext>
+            </a:extLst>
+          </p:cNvPr>
+          <p:cNvSpPr txBox="1"/>
+          <p:nvPr/>
+        </p:nvSpPr>
+        <p:spPr>
+          <a:xfrm>
+            <a:off x="5434812" y="2343889"/>
+            <a:ext cx="220467" cy="153888"/>
+          </a:xfrm>
+          <a:prstGeom prst="rect">
+            <a:avLst/>
+          </a:prstGeom>
+          <a:noFill/>
+        </p:spPr>
+        <p:txBody>
+          <a:bodyPr wrap="square" lIns="0" tIns="0" rIns="0" bIns="0" rtlCol="0">
+            <a:spAutoFit/>
+          </a:bodyPr>
+          <a:lstStyle/>
+          <a:p>
+            <a:pPr algn="ctr"/>
+            <a:r>
+              <a:rPr lang="en-US" sz="1000" dirty="0">
+                <a:solidFill>
+                  <a:schemeClr val="tx1">
+                    <a:lumMod val="65000"/>
+                    <a:lumOff val="35000"/>
+                  </a:schemeClr>
+                </a:solidFill>
+              </a:rPr>
+              <a:t>Hi</a:t>
+            </a:r>
+          </a:p>
+        </p:txBody>
+      </p:sp>
+      <p:sp>
+        <p:nvSpPr>
+          <p:cNvPr id="114" name="Left Brace 113">
+            <a:extLst>
+              <a:ext uri="{FF2B5EF4-FFF2-40B4-BE49-F238E27FC236}">
+                <a16:creationId xmlns="" xmlns:a16="http://schemas.microsoft.com/office/drawing/2014/main" id="{2C9409CD-E619-4342-B398-EAAFA8C6AB6B}"/>
+              </a:ext>
+            </a:extLst>
+          </p:cNvPr>
+          <p:cNvSpPr/>
+          <p:nvPr/>
+        </p:nvSpPr>
+        <p:spPr>
+          <a:xfrm rot="16200000">
+            <a:off x="2303492" y="1956129"/>
+            <a:ext cx="108415" cy="1293583"/>
+          </a:xfrm>
+          <a:prstGeom prst="leftBrace">
+            <a:avLst>
+              <a:gd name="adj1" fmla="val 44874"/>
+              <a:gd name="adj2" fmla="val 50000"/>
+            </a:avLst>
+          </a:prstGeom>
+        </p:spPr>
+        <p:style>
+          <a:lnRef idx="1">
+            <a:schemeClr val="accent1"/>
+          </a:lnRef>
+          <a:fillRef idx="0">
+            <a:schemeClr val="accent1"/>
+          </a:fillRef>
+          <a:effectRef idx="0">
+            <a:schemeClr val="accent1"/>
+          </a:effectRef>
+          <a:fontRef idx="minor">
+            <a:schemeClr val="tx1"/>
+          </a:fontRef>
+        </p:style>
+        <p:txBody>
+          <a:bodyPr rtlCol="0" anchor="ctr"/>
+          <a:lstStyle/>
+          <a:p>
+            <a:pPr algn="ctr"/>
+            <a:endParaRPr lang="nl-NL"/>
+          </a:p>
+        </p:txBody>
+      </p:sp>
+      <p:sp>
+        <p:nvSpPr>
+          <p:cNvPr id="115" name="Left Brace 114">
+            <a:extLst>
+              <a:ext uri="{FF2B5EF4-FFF2-40B4-BE49-F238E27FC236}">
+                <a16:creationId xmlns="" xmlns:a16="http://schemas.microsoft.com/office/drawing/2014/main" id="{1F9FD482-1F8E-47DF-9845-ED97752A1AD0}"/>
+              </a:ext>
+            </a:extLst>
+          </p:cNvPr>
+          <p:cNvSpPr/>
+          <p:nvPr/>
+        </p:nvSpPr>
+        <p:spPr>
+          <a:xfrm rot="16200000">
+            <a:off x="4727362" y="1834373"/>
+            <a:ext cx="106194" cy="1539317"/>
+          </a:xfrm>
+          <a:prstGeom prst="leftBrace">
+            <a:avLst>
+              <a:gd name="adj1" fmla="val 44874"/>
+              <a:gd name="adj2" fmla="val 50000"/>
+            </a:avLst>
+          </a:prstGeom>
+        </p:spPr>
+        <p:style>
+          <a:lnRef idx="1">
+            <a:schemeClr val="accent1"/>
+          </a:lnRef>
+          <a:fillRef idx="0">
+            <a:schemeClr val="accent1"/>
+          </a:fillRef>
+          <a:effectRef idx="0">
+            <a:schemeClr val="accent1"/>
+          </a:effectRef>
+          <a:fontRef idx="minor">
+            <a:schemeClr val="tx1"/>
+          </a:fontRef>
+        </p:style>
+        <p:txBody>
+          <a:bodyPr rtlCol="0" anchor="ctr"/>
+          <a:lstStyle/>
+          <a:p>
+            <a:pPr algn="ctr"/>
+            <a:endParaRPr lang="nl-NL"/>
+          </a:p>
+        </p:txBody>
+      </p:sp>
+      <p:cxnSp>
+        <p:nvCxnSpPr>
+          <p:cNvPr id="117" name="Straight Arrow Connector 116">
+            <a:extLst>
+              <a:ext uri="{FF2B5EF4-FFF2-40B4-BE49-F238E27FC236}">
+                <a16:creationId xmlns="" xmlns:a16="http://schemas.microsoft.com/office/drawing/2014/main" id="{C18AAEAF-D713-4D29-A4C7-7D56FE798B38}"/>
+              </a:ext>
+            </a:extLst>
+          </p:cNvPr>
+          <p:cNvCxnSpPr>
+            <a:cxnSpLocks/>
+          </p:cNvCxnSpPr>
+          <p:nvPr/>
+        </p:nvCxnSpPr>
+        <p:spPr>
+          <a:xfrm flipV="1">
+            <a:off x="5119890" y="1820614"/>
+            <a:ext cx="431039" cy="368037"/>
+          </a:xfrm>
+          <a:prstGeom prst="straightConnector1">
+            <a:avLst/>
+          </a:prstGeom>
+          <a:ln w="19050">
+            <a:solidFill>
+              <a:srgbClr val="FF0066"/>
+            </a:solidFill>
+            <a:tailEnd type="none"/>
+          </a:ln>
+        </p:spPr>
+        <p:style>
+          <a:lnRef idx="1">
+            <a:schemeClr val="accent1"/>
+          </a:lnRef>
+          <a:fillRef idx="0">
+            <a:schemeClr val="accent1"/>
+          </a:fillRef>
+          <a:effectRef idx="0">
+            <a:schemeClr val="accent1"/>
+          </a:effectRef>
+          <a:fontRef idx="minor">
+            <a:schemeClr val="tx1"/>
+          </a:fontRef>
+        </p:style>
+      </p:cxnSp>
+      <p:sp>
+        <p:nvSpPr>
+          <p:cNvPr id="123" name="Rectangle: Rounded Corners 59">
+            <a:extLst>
+              <a:ext uri="{FF2B5EF4-FFF2-40B4-BE49-F238E27FC236}">
+                <a16:creationId xmlns="" xmlns:a16="http://schemas.microsoft.com/office/drawing/2014/main" id="{336CB00B-D67F-4975-AC35-BC9DA8F425BD}"/>
+              </a:ext>
+            </a:extLst>
+          </p:cNvPr>
+          <p:cNvSpPr/>
+          <p:nvPr/>
+        </p:nvSpPr>
+        <p:spPr>
+          <a:xfrm>
+            <a:off x="1205987" y="902826"/>
+            <a:ext cx="7460935" cy="2198184"/>
+          </a:xfrm>
+          <a:prstGeom prst="roundRect">
+            <a:avLst>
+              <a:gd name="adj" fmla="val 1993"/>
+            </a:avLst>
+          </a:prstGeom>
+          <a:noFill/>
+          <a:ln w="9525">
+            <a:solidFill>
+              <a:schemeClr val="tx1">
+                <a:lumMod val="50000"/>
+                <a:lumOff val="50000"/>
+              </a:schemeClr>
+            </a:solidFill>
+            <a:prstDash val="sysDot"/>
+          </a:ln>
+        </p:spPr>
+        <p:style>
+          <a:lnRef idx="2">
+            <a:schemeClr val="accent1">
+              <a:shade val="50000"/>
+            </a:schemeClr>
+          </a:lnRef>
+          <a:fillRef idx="1">
+            <a:schemeClr val="accent1"/>
+          </a:fillRef>
+          <a:effectRef idx="0">
+            <a:schemeClr val="accent1"/>
+          </a:effectRef>
+          <a:fontRef idx="minor">
+            <a:schemeClr val="lt1"/>
+          </a:fontRef>
+        </p:style>
+        <p:txBody>
+          <a:bodyPr rtlCol="0" anchor="t"/>
+          <a:lstStyle/>
+          <a:p>
+            <a:r>
+              <a:rPr lang="nl-NL" sz="1200" b="1" dirty="0">
+                <a:solidFill>
+                  <a:schemeClr val="tx1">
+                    <a:lumMod val="65000"/>
+                    <a:lumOff val="35000"/>
+                  </a:schemeClr>
+                </a:solidFill>
+              </a:rPr>
+              <a:t>Field </a:t>
+            </a:r>
+            <a:r>
+              <a:rPr lang="nl-NL" sz="1200" b="1" dirty="0" err="1">
+                <a:solidFill>
+                  <a:schemeClr val="tx1">
+                    <a:lumMod val="65000"/>
+                    <a:lumOff val="35000"/>
+                  </a:schemeClr>
+                </a:solidFill>
+              </a:rPr>
+              <a:t>Weakening</a:t>
+            </a:r>
+            <a:r>
+              <a:rPr lang="nl-NL" sz="1200" b="1" dirty="0">
+                <a:solidFill>
+                  <a:schemeClr val="tx1">
+                    <a:lumMod val="65000"/>
+                    <a:lumOff val="35000"/>
+                  </a:schemeClr>
+                </a:solidFill>
+              </a:rPr>
+              <a:t> / </a:t>
+            </a:r>
+            <a:r>
+              <a:rPr lang="nl-NL" sz="1200" b="1" dirty="0" err="1">
+                <a:solidFill>
+                  <a:schemeClr val="tx1">
+                    <a:lumMod val="65000"/>
+                    <a:lumOff val="35000"/>
+                  </a:schemeClr>
+                </a:solidFill>
+              </a:rPr>
+              <a:t>Phase</a:t>
+            </a:r>
+            <a:r>
+              <a:rPr lang="nl-NL" sz="1200" b="1" dirty="0">
+                <a:solidFill>
+                  <a:schemeClr val="tx1">
+                    <a:lumMod val="65000"/>
+                    <a:lumOff val="35000"/>
+                  </a:schemeClr>
+                </a:solidFill>
+              </a:rPr>
+              <a:t> Advance</a:t>
+            </a:r>
+          </a:p>
+        </p:txBody>
+      </p:sp>
+      <p:cxnSp>
+        <p:nvCxnSpPr>
+          <p:cNvPr id="125" name="Straight Arrow Connector 124">
+            <a:extLst>
+              <a:ext uri="{FF2B5EF4-FFF2-40B4-BE49-F238E27FC236}">
+                <a16:creationId xmlns="" xmlns:a16="http://schemas.microsoft.com/office/drawing/2014/main" id="{78C2436E-73B2-47D8-B15E-FBCC77845DA4}"/>
+              </a:ext>
+            </a:extLst>
+          </p:cNvPr>
+          <p:cNvCxnSpPr>
+            <a:cxnSpLocks/>
+          </p:cNvCxnSpPr>
+          <p:nvPr/>
+        </p:nvCxnSpPr>
+        <p:spPr>
+          <a:xfrm flipH="1" flipV="1">
+            <a:off x="1702063" y="1619251"/>
+            <a:ext cx="2755" cy="581439"/>
+          </a:xfrm>
+          <a:prstGeom prst="straightConnector1">
+            <a:avLst/>
+          </a:prstGeom>
+          <a:ln>
+            <a:solidFill>
+              <a:schemeClr val="bg1">
+                <a:lumMod val="75000"/>
+              </a:schemeClr>
+            </a:solidFill>
+            <a:tailEnd type="triangle"/>
+          </a:ln>
+        </p:spPr>
+        <p:style>
+          <a:lnRef idx="1">
+            <a:schemeClr val="accent1"/>
+          </a:lnRef>
+          <a:fillRef idx="0">
+            <a:schemeClr val="accent1"/>
+          </a:fillRef>
+          <a:effectRef idx="0">
+            <a:schemeClr val="accent1"/>
+          </a:effectRef>
+          <a:fontRef idx="minor">
+            <a:schemeClr val="tx1"/>
+          </a:fontRef>
+        </p:style>
+      </p:cxnSp>
+      <p:cxnSp>
+        <p:nvCxnSpPr>
+          <p:cNvPr id="126" name="Straight Arrow Connector 125">
+            <a:extLst>
+              <a:ext uri="{FF2B5EF4-FFF2-40B4-BE49-F238E27FC236}">
+                <a16:creationId xmlns="" xmlns:a16="http://schemas.microsoft.com/office/drawing/2014/main" id="{EF606D66-F247-447A-B89A-E5931E2AE224}"/>
+              </a:ext>
+            </a:extLst>
+          </p:cNvPr>
+          <p:cNvCxnSpPr>
+            <a:cxnSpLocks/>
+          </p:cNvCxnSpPr>
+          <p:nvPr/>
+        </p:nvCxnSpPr>
+        <p:spPr>
+          <a:xfrm>
+            <a:off x="6559046" y="2190254"/>
+            <a:ext cx="1293583" cy="0"/>
+          </a:xfrm>
+          <a:prstGeom prst="straightConnector1">
+            <a:avLst/>
+          </a:prstGeom>
+          <a:ln>
+            <a:headEnd type="diamond" w="med" len="med"/>
+            <a:tailEnd type="diamond" w="med" len="med"/>
+          </a:ln>
+        </p:spPr>
+        <p:style>
+          <a:lnRef idx="1">
+            <a:schemeClr val="accent1"/>
+          </a:lnRef>
+          <a:fillRef idx="0">
+            <a:schemeClr val="accent1"/>
+          </a:fillRef>
+          <a:effectRef idx="0">
+            <a:schemeClr val="accent1"/>
+          </a:effectRef>
+          <a:fontRef idx="minor">
+            <a:schemeClr val="tx1"/>
+          </a:fontRef>
+        </p:style>
+      </p:cxnSp>
+      <p:sp>
+        <p:nvSpPr>
+          <p:cNvPr id="127" name="TextBox 126">
+            <a:extLst>
+              <a:ext uri="{FF2B5EF4-FFF2-40B4-BE49-F238E27FC236}">
+                <a16:creationId xmlns="" xmlns:a16="http://schemas.microsoft.com/office/drawing/2014/main" id="{7F58B912-DF15-46DC-AD49-8A06D02169BB}"/>
+              </a:ext>
+            </a:extLst>
+          </p:cNvPr>
+          <p:cNvSpPr txBox="1"/>
+          <p:nvPr/>
+        </p:nvSpPr>
+        <p:spPr>
+          <a:xfrm>
+            <a:off x="6344698" y="2190254"/>
+            <a:ext cx="428696" cy="246221"/>
+          </a:xfrm>
+          <a:prstGeom prst="rect">
+            <a:avLst/>
+          </a:prstGeom>
+          <a:noFill/>
+        </p:spPr>
+        <p:txBody>
+          <a:bodyPr wrap="square" rtlCol="0">
+            <a:spAutoFit/>
+          </a:bodyPr>
+          <a:lstStyle/>
+          <a:p>
+            <a:pPr algn="ctr"/>
+            <a:r>
+              <a:rPr lang="en-US" sz="1000" dirty="0">
+                <a:solidFill>
+                  <a:schemeClr val="tx1">
+                    <a:lumMod val="65000"/>
+                    <a:lumOff val="35000"/>
+                  </a:schemeClr>
+                </a:solidFill>
+              </a:rPr>
+              <a:t>0</a:t>
+            </a:r>
+          </a:p>
+        </p:txBody>
+      </p:sp>
+      <p:sp>
+        <p:nvSpPr>
+          <p:cNvPr id="128" name="TextBox 127">
+            <a:extLst>
+              <a:ext uri="{FF2B5EF4-FFF2-40B4-BE49-F238E27FC236}">
+                <a16:creationId xmlns="" xmlns:a16="http://schemas.microsoft.com/office/drawing/2014/main" id="{3087A9E4-09AC-4995-93E8-CD1AD3E3FB36}"/>
+              </a:ext>
+            </a:extLst>
+          </p:cNvPr>
+          <p:cNvSpPr txBox="1"/>
+          <p:nvPr/>
+        </p:nvSpPr>
+        <p:spPr>
+          <a:xfrm>
+            <a:off x="7676975" y="2236420"/>
+            <a:ext cx="345792" cy="153888"/>
+          </a:xfrm>
+          <a:prstGeom prst="rect">
+            <a:avLst/>
+          </a:prstGeom>
+          <a:noFill/>
+        </p:spPr>
+        <p:txBody>
+          <a:bodyPr wrap="square" lIns="0" tIns="0" rIns="0" bIns="0" rtlCol="0">
+            <a:spAutoFit/>
+          </a:bodyPr>
+          <a:lstStyle/>
+          <a:p>
+            <a:pPr algn="ctr"/>
+            <a:r>
+              <a:rPr lang="en-US" sz="1000" dirty="0">
+                <a:solidFill>
+                  <a:schemeClr val="tx1">
+                    <a:lumMod val="65000"/>
+                    <a:lumOff val="35000"/>
+                  </a:schemeClr>
+                </a:solidFill>
+              </a:rPr>
+              <a:t>1000</a:t>
+            </a:r>
+          </a:p>
+        </p:txBody>
+      </p:sp>
+      <p:cxnSp>
+        <p:nvCxnSpPr>
+          <p:cNvPr id="129" name="Straight Arrow Connector 128">
+            <a:extLst>
+              <a:ext uri="{FF2B5EF4-FFF2-40B4-BE49-F238E27FC236}">
+                <a16:creationId xmlns="" xmlns:a16="http://schemas.microsoft.com/office/drawing/2014/main" id="{29080DBA-D896-412B-8541-99D94492FFE0}"/>
+              </a:ext>
+            </a:extLst>
+          </p:cNvPr>
+          <p:cNvCxnSpPr>
+            <a:cxnSpLocks/>
+            <a:stCxn id="127" idx="0"/>
+          </p:cNvCxnSpPr>
+          <p:nvPr/>
+        </p:nvCxnSpPr>
+        <p:spPr>
+          <a:xfrm flipH="1" flipV="1">
+            <a:off x="6556291" y="1608815"/>
+            <a:ext cx="2755" cy="581439"/>
+          </a:xfrm>
+          <a:prstGeom prst="straightConnector1">
+            <a:avLst/>
+          </a:prstGeom>
+          <a:ln>
+            <a:solidFill>
+              <a:schemeClr val="bg1">
+                <a:lumMod val="75000"/>
+              </a:schemeClr>
+            </a:solidFill>
+            <a:tailEnd type="triangle"/>
+          </a:ln>
+        </p:spPr>
+        <p:style>
+          <a:lnRef idx="1">
+            <a:schemeClr val="accent1"/>
+          </a:lnRef>
+          <a:fillRef idx="0">
+            <a:schemeClr val="accent1"/>
+          </a:fillRef>
+          <a:effectRef idx="0">
+            <a:schemeClr val="accent1"/>
+          </a:effectRef>
+          <a:fontRef idx="minor">
+            <a:schemeClr val="tx1"/>
+          </a:fontRef>
+        </p:style>
+      </p:cxnSp>
+      <p:cxnSp>
+        <p:nvCxnSpPr>
+          <p:cNvPr id="130" name="Straight Arrow Connector 129">
+            <a:extLst>
+              <a:ext uri="{FF2B5EF4-FFF2-40B4-BE49-F238E27FC236}">
+                <a16:creationId xmlns="" xmlns:a16="http://schemas.microsoft.com/office/drawing/2014/main" id="{FE318F67-C187-41CC-951A-1D9DA7568289}"/>
+              </a:ext>
+            </a:extLst>
+          </p:cNvPr>
+          <p:cNvCxnSpPr>
+            <a:cxnSpLocks/>
+          </p:cNvCxnSpPr>
+          <p:nvPr/>
+        </p:nvCxnSpPr>
+        <p:spPr>
+          <a:xfrm flipV="1">
+            <a:off x="6559046" y="2188650"/>
+            <a:ext cx="1307343" cy="1610"/>
+          </a:xfrm>
+          <a:prstGeom prst="straightConnector1">
+            <a:avLst/>
+          </a:prstGeom>
+          <a:ln w="19050">
+            <a:solidFill>
+              <a:srgbClr val="FF0066"/>
+            </a:solidFill>
+            <a:tailEnd type="none"/>
+          </a:ln>
+        </p:spPr>
+        <p:style>
+          <a:lnRef idx="1">
+            <a:schemeClr val="accent1"/>
+          </a:lnRef>
+          <a:fillRef idx="0">
+            <a:schemeClr val="accent1"/>
+          </a:fillRef>
+          <a:effectRef idx="0">
+            <a:schemeClr val="accent1"/>
+          </a:effectRef>
+          <a:fontRef idx="minor">
+            <a:schemeClr val="tx1"/>
+          </a:fontRef>
+        </p:style>
+      </p:cxnSp>
+      <p:cxnSp>
+        <p:nvCxnSpPr>
+          <p:cNvPr id="131" name="Straight Arrow Connector 130">
+            <a:extLst>
+              <a:ext uri="{FF2B5EF4-FFF2-40B4-BE49-F238E27FC236}">
+                <a16:creationId xmlns="" xmlns:a16="http://schemas.microsoft.com/office/drawing/2014/main" id="{2967531D-B398-4C5C-B977-7CEDB75D164B}"/>
+              </a:ext>
+            </a:extLst>
+          </p:cNvPr>
+          <p:cNvCxnSpPr>
+            <a:cxnSpLocks/>
+          </p:cNvCxnSpPr>
+          <p:nvPr/>
+        </p:nvCxnSpPr>
+        <p:spPr>
+          <a:xfrm>
+            <a:off x="6566512" y="1822217"/>
+            <a:ext cx="1718878" cy="0"/>
+          </a:xfrm>
+          <a:prstGeom prst="straightConnector1">
+            <a:avLst/>
+          </a:prstGeom>
+          <a:ln>
+            <a:solidFill>
+              <a:schemeClr val="bg1">
+                <a:lumMod val="75000"/>
+              </a:schemeClr>
+            </a:solidFill>
+            <a:prstDash val="dash"/>
+            <a:tailEnd type="none"/>
+          </a:ln>
+        </p:spPr>
+        <p:style>
+          <a:lnRef idx="1">
+            <a:schemeClr val="accent1"/>
+          </a:lnRef>
+          <a:fillRef idx="0">
+            <a:schemeClr val="accent1"/>
+          </a:fillRef>
+          <a:effectRef idx="0">
+            <a:schemeClr val="accent1"/>
+          </a:effectRef>
+          <a:fontRef idx="minor">
+            <a:schemeClr val="tx1"/>
+          </a:fontRef>
+        </p:style>
+      </p:cxnSp>
+      <p:cxnSp>
+        <p:nvCxnSpPr>
+          <p:cNvPr id="132" name="Straight Arrow Connector 131">
+            <a:extLst>
+              <a:ext uri="{FF2B5EF4-FFF2-40B4-BE49-F238E27FC236}">
+                <a16:creationId xmlns="" xmlns:a16="http://schemas.microsoft.com/office/drawing/2014/main" id="{4BC3FA93-06E7-450C-AC4E-0E200C1A0F75}"/>
+              </a:ext>
+            </a:extLst>
+          </p:cNvPr>
+          <p:cNvCxnSpPr>
+            <a:cxnSpLocks/>
+          </p:cNvCxnSpPr>
+          <p:nvPr/>
+        </p:nvCxnSpPr>
+        <p:spPr>
+          <a:xfrm>
+            <a:off x="8286203" y="1826401"/>
+            <a:ext cx="0" cy="362249"/>
+          </a:xfrm>
+          <a:prstGeom prst="straightConnector1">
+            <a:avLst/>
+          </a:prstGeom>
+          <a:ln>
+            <a:solidFill>
+              <a:schemeClr val="bg1">
+                <a:lumMod val="75000"/>
+              </a:schemeClr>
+            </a:solidFill>
+            <a:prstDash val="dash"/>
+            <a:tailEnd type="none"/>
+          </a:ln>
+        </p:spPr>
+        <p:style>
+          <a:lnRef idx="1">
+            <a:schemeClr val="accent1"/>
+          </a:lnRef>
+          <a:fillRef idx="0">
+            <a:schemeClr val="accent1"/>
+          </a:fillRef>
+          <a:effectRef idx="0">
+            <a:schemeClr val="accent1"/>
+          </a:effectRef>
+          <a:fontRef idx="minor">
+            <a:schemeClr val="tx1"/>
+          </a:fontRef>
+        </p:style>
+      </p:cxnSp>
+      <p:cxnSp>
+        <p:nvCxnSpPr>
+          <p:cNvPr id="134" name="Straight Arrow Connector 133">
+            <a:extLst>
+              <a:ext uri="{FF2B5EF4-FFF2-40B4-BE49-F238E27FC236}">
+                <a16:creationId xmlns="" xmlns:a16="http://schemas.microsoft.com/office/drawing/2014/main" id="{8A5B6583-2449-4AE6-9056-5214A51AF7A4}"/>
+              </a:ext>
+            </a:extLst>
+          </p:cNvPr>
+          <p:cNvCxnSpPr>
+            <a:cxnSpLocks/>
+          </p:cNvCxnSpPr>
+          <p:nvPr/>
+        </p:nvCxnSpPr>
+        <p:spPr>
+          <a:xfrm>
+            <a:off x="7849871" y="2191628"/>
+            <a:ext cx="436332" cy="0"/>
+          </a:xfrm>
+          <a:prstGeom prst="straightConnector1">
+            <a:avLst/>
+          </a:prstGeom>
+          <a:ln>
+            <a:solidFill>
+              <a:schemeClr val="bg2">
+                <a:lumMod val="50000"/>
+              </a:schemeClr>
+            </a:solidFill>
+            <a:headEnd type="none" w="med" len="med"/>
+            <a:tailEnd type="diamond" w="med" len="med"/>
+          </a:ln>
+        </p:spPr>
+        <p:style>
+          <a:lnRef idx="1">
+            <a:schemeClr val="accent1"/>
+          </a:lnRef>
+          <a:fillRef idx="0">
+            <a:schemeClr val="accent1"/>
+          </a:fillRef>
+          <a:effectRef idx="0">
+            <a:schemeClr val="accent1"/>
+          </a:effectRef>
+          <a:fontRef idx="minor">
+            <a:schemeClr val="tx1"/>
+          </a:fontRef>
+        </p:style>
+      </p:cxnSp>
+      <p:sp>
+        <p:nvSpPr>
+          <p:cNvPr id="135" name="TextBox 134">
+            <a:extLst>
+              <a:ext uri="{FF2B5EF4-FFF2-40B4-BE49-F238E27FC236}">
+                <a16:creationId xmlns="" xmlns:a16="http://schemas.microsoft.com/office/drawing/2014/main" id="{AF204059-0363-474A-B5E4-9CF8CE12A3A3}"/>
+              </a:ext>
+            </a:extLst>
+          </p:cNvPr>
+          <p:cNvSpPr txBox="1"/>
+          <p:nvPr/>
+        </p:nvSpPr>
+        <p:spPr>
+          <a:xfrm>
+            <a:off x="7735891" y="2345508"/>
+            <a:ext cx="220467" cy="153888"/>
+          </a:xfrm>
+          <a:prstGeom prst="rect">
+            <a:avLst/>
+          </a:prstGeom>
+          <a:noFill/>
+        </p:spPr>
+        <p:txBody>
+          <a:bodyPr wrap="square" lIns="0" tIns="0" rIns="0" bIns="0" rtlCol="0">
+            <a:spAutoFit/>
+          </a:bodyPr>
+          <a:lstStyle/>
+          <a:p>
+            <a:pPr algn="ctr"/>
+            <a:r>
+              <a:rPr lang="en-US" sz="1000" dirty="0">
+                <a:solidFill>
+                  <a:schemeClr val="tx1">
+                    <a:lumMod val="65000"/>
+                    <a:lumOff val="35000"/>
+                  </a:schemeClr>
+                </a:solidFill>
+              </a:rPr>
+              <a:t>Lo</a:t>
+            </a:r>
+          </a:p>
+        </p:txBody>
+      </p:sp>
+      <p:cxnSp>
+        <p:nvCxnSpPr>
+          <p:cNvPr id="136" name="Straight Arrow Connector 135">
+            <a:extLst>
+              <a:ext uri="{FF2B5EF4-FFF2-40B4-BE49-F238E27FC236}">
+                <a16:creationId xmlns="" xmlns:a16="http://schemas.microsoft.com/office/drawing/2014/main" id="{1930BD52-A99D-4D8A-BC96-A75BFE33B600}"/>
+              </a:ext>
+            </a:extLst>
+          </p:cNvPr>
+          <p:cNvCxnSpPr>
+            <a:cxnSpLocks/>
+          </p:cNvCxnSpPr>
+          <p:nvPr/>
+        </p:nvCxnSpPr>
+        <p:spPr>
+          <a:xfrm>
+            <a:off x="7849871" y="2207176"/>
+            <a:ext cx="0" cy="137883"/>
+          </a:xfrm>
+          <a:prstGeom prst="straightConnector1">
+            <a:avLst/>
+          </a:prstGeom>
+          <a:ln>
+            <a:solidFill>
+              <a:schemeClr val="bg1">
+                <a:lumMod val="75000"/>
+              </a:schemeClr>
+            </a:solidFill>
+            <a:prstDash val="dash"/>
+            <a:tailEnd type="none"/>
+          </a:ln>
+        </p:spPr>
+        <p:style>
+          <a:lnRef idx="1">
+            <a:schemeClr val="accent1"/>
+          </a:lnRef>
+          <a:fillRef idx="0">
+            <a:schemeClr val="accent1"/>
+          </a:fillRef>
+          <a:effectRef idx="0">
+            <a:schemeClr val="accent1"/>
+          </a:effectRef>
+          <a:fontRef idx="minor">
+            <a:schemeClr val="tx1"/>
+          </a:fontRef>
+        </p:style>
+      </p:cxnSp>
+      <p:sp>
+        <p:nvSpPr>
+          <p:cNvPr id="138" name="TextBox 137">
+            <a:extLst>
+              <a:ext uri="{FF2B5EF4-FFF2-40B4-BE49-F238E27FC236}">
+                <a16:creationId xmlns="" xmlns:a16="http://schemas.microsoft.com/office/drawing/2014/main" id="{0A2C93A6-477D-47A2-908B-B41695EAD039}"/>
+              </a:ext>
+            </a:extLst>
+          </p:cNvPr>
+          <p:cNvSpPr txBox="1"/>
+          <p:nvPr/>
+        </p:nvSpPr>
+        <p:spPr>
+          <a:xfrm>
+            <a:off x="8170087" y="2343888"/>
+            <a:ext cx="220467" cy="153888"/>
+          </a:xfrm>
+          <a:prstGeom prst="rect">
+            <a:avLst/>
+          </a:prstGeom>
+          <a:noFill/>
+        </p:spPr>
+        <p:txBody>
+          <a:bodyPr wrap="square" lIns="0" tIns="0" rIns="0" bIns="0" rtlCol="0">
+            <a:spAutoFit/>
+          </a:bodyPr>
+          <a:lstStyle/>
+          <a:p>
+            <a:pPr algn="ctr"/>
+            <a:r>
+              <a:rPr lang="en-US" sz="1000" dirty="0">
+                <a:solidFill>
+                  <a:schemeClr val="tx1">
+                    <a:lumMod val="65000"/>
+                    <a:lumOff val="35000"/>
+                  </a:schemeClr>
+                </a:solidFill>
+              </a:rPr>
+              <a:t>Hi</a:t>
+            </a:r>
+          </a:p>
+        </p:txBody>
+      </p:sp>
+      <p:sp>
+        <p:nvSpPr>
+          <p:cNvPr id="139" name="Left Brace 138">
+            <a:extLst>
+              <a:ext uri="{FF2B5EF4-FFF2-40B4-BE49-F238E27FC236}">
+                <a16:creationId xmlns="" xmlns:a16="http://schemas.microsoft.com/office/drawing/2014/main" id="{7A5ACAC9-8800-4530-AACA-A26C17143952}"/>
+              </a:ext>
+            </a:extLst>
+          </p:cNvPr>
+          <p:cNvSpPr/>
+          <p:nvPr/>
+        </p:nvSpPr>
+        <p:spPr>
+          <a:xfrm rot="16200000">
+            <a:off x="7367745" y="1739481"/>
+            <a:ext cx="106194" cy="1729100"/>
+          </a:xfrm>
+          <a:prstGeom prst="leftBrace">
+            <a:avLst>
+              <a:gd name="adj1" fmla="val 44874"/>
+              <a:gd name="adj2" fmla="val 50000"/>
+            </a:avLst>
+          </a:prstGeom>
+        </p:spPr>
+        <p:style>
+          <a:lnRef idx="1">
+            <a:schemeClr val="accent1"/>
+          </a:lnRef>
+          <a:fillRef idx="0">
+            <a:schemeClr val="accent1"/>
+          </a:fillRef>
+          <a:effectRef idx="0">
+            <a:schemeClr val="accent1"/>
+          </a:effectRef>
+          <a:fontRef idx="minor">
+            <a:schemeClr val="tx1"/>
+          </a:fontRef>
+        </p:style>
+        <p:txBody>
+          <a:bodyPr rtlCol="0" anchor="ctr"/>
+          <a:lstStyle/>
+          <a:p>
+            <a:pPr algn="ctr"/>
+            <a:endParaRPr lang="nl-NL"/>
+          </a:p>
+        </p:txBody>
+      </p:sp>
+      <p:cxnSp>
+        <p:nvCxnSpPr>
+          <p:cNvPr id="141" name="Straight Arrow Connector 140">
+            <a:extLst>
+              <a:ext uri="{FF2B5EF4-FFF2-40B4-BE49-F238E27FC236}">
+                <a16:creationId xmlns="" xmlns:a16="http://schemas.microsoft.com/office/drawing/2014/main" id="{C7E55955-769B-49CF-8EE6-4647E8B610CA}"/>
+              </a:ext>
+            </a:extLst>
+          </p:cNvPr>
+          <p:cNvCxnSpPr>
+            <a:cxnSpLocks/>
+          </p:cNvCxnSpPr>
+          <p:nvPr/>
+        </p:nvCxnSpPr>
+        <p:spPr>
+          <a:xfrm flipV="1">
+            <a:off x="7855164" y="1820613"/>
+            <a:ext cx="431039" cy="368037"/>
+          </a:xfrm>
+          <a:prstGeom prst="straightConnector1">
+            <a:avLst/>
+          </a:prstGeom>
+          <a:ln w="19050">
+            <a:solidFill>
+              <a:srgbClr val="FF0066"/>
+            </a:solidFill>
+            <a:tailEnd type="none"/>
+          </a:ln>
+        </p:spPr>
+        <p:style>
+          <a:lnRef idx="1">
+            <a:schemeClr val="accent1"/>
+          </a:lnRef>
+          <a:fillRef idx="0">
+            <a:schemeClr val="accent1"/>
+          </a:fillRef>
+          <a:effectRef idx="0">
+            <a:schemeClr val="accent1"/>
+          </a:effectRef>
+          <a:fontRef idx="minor">
+            <a:schemeClr val="tx1"/>
+          </a:fontRef>
+        </p:style>
+      </p:cxnSp>
+      <p:sp>
+        <p:nvSpPr>
+          <p:cNvPr id="53" name="TextBox 52">
+            <a:extLst>
+              <a:ext uri="{FF2B5EF4-FFF2-40B4-BE49-F238E27FC236}">
+                <a16:creationId xmlns="" xmlns:a16="http://schemas.microsoft.com/office/drawing/2014/main" id="{1C29AA57-70E7-4FFE-87FB-25C5E3989C76}"/>
+              </a:ext>
+            </a:extLst>
+          </p:cNvPr>
+          <p:cNvSpPr txBox="1"/>
+          <p:nvPr/>
+        </p:nvSpPr>
+        <p:spPr>
+          <a:xfrm>
+            <a:off x="4367622" y="2740006"/>
+            <a:ext cx="825674" cy="153888"/>
+          </a:xfrm>
+          <a:prstGeom prst="rect">
+            <a:avLst/>
+          </a:prstGeom>
+          <a:noFill/>
+        </p:spPr>
+        <p:txBody>
+          <a:bodyPr wrap="square" lIns="0" tIns="0" rIns="0" bIns="0" rtlCol="0">
+            <a:spAutoFit/>
+          </a:bodyPr>
+          <a:lstStyle/>
+          <a:p>
+            <a:pPr algn="ctr"/>
+            <a:r>
+              <a:rPr lang="en-US" sz="1000" dirty="0" smtClean="0">
+                <a:solidFill>
+                  <a:schemeClr val="tx1">
+                    <a:lumMod val="65000"/>
+                    <a:lumOff val="35000"/>
+                  </a:schemeClr>
+                </a:solidFill>
+              </a:rPr>
+              <a:t>|Input target|</a:t>
+            </a:r>
+            <a:endParaRPr lang="en-US" sz="1000" dirty="0">
+              <a:solidFill>
+                <a:schemeClr val="tx1">
+                  <a:lumMod val="65000"/>
+                  <a:lumOff val="35000"/>
+                </a:schemeClr>
+              </a:solidFill>
+            </a:endParaRPr>
+          </a:p>
+        </p:txBody>
+      </p:sp>
+      <p:sp>
+        <p:nvSpPr>
+          <p:cNvPr id="55" name="TextBox 54">
+            <a:extLst>
+              <a:ext uri="{FF2B5EF4-FFF2-40B4-BE49-F238E27FC236}">
+                <a16:creationId xmlns="" xmlns:a16="http://schemas.microsoft.com/office/drawing/2014/main" id="{1C29AA57-70E7-4FFE-87FB-25C5E3989C76}"/>
+              </a:ext>
+            </a:extLst>
+          </p:cNvPr>
+          <p:cNvSpPr txBox="1"/>
+          <p:nvPr/>
+        </p:nvSpPr>
+        <p:spPr>
+          <a:xfrm>
+            <a:off x="7008005" y="2740006"/>
+            <a:ext cx="825674" cy="153888"/>
+          </a:xfrm>
+          <a:prstGeom prst="rect">
+            <a:avLst/>
+          </a:prstGeom>
+          <a:noFill/>
+        </p:spPr>
+        <p:txBody>
+          <a:bodyPr wrap="square" lIns="0" tIns="0" rIns="0" bIns="0" rtlCol="0">
+            <a:spAutoFit/>
+          </a:bodyPr>
+          <a:lstStyle/>
+          <a:p>
+            <a:pPr algn="ctr"/>
+            <a:r>
+              <a:rPr lang="en-US" sz="1000" dirty="0" smtClean="0">
+                <a:solidFill>
+                  <a:schemeClr val="tx1">
+                    <a:lumMod val="65000"/>
+                    <a:lumOff val="35000"/>
+                  </a:schemeClr>
+                </a:solidFill>
+              </a:rPr>
+              <a:t>|Input target|</a:t>
+            </a:r>
+            <a:endParaRPr lang="en-US" sz="1000" dirty="0">
+              <a:solidFill>
+                <a:schemeClr val="tx1">
+                  <a:lumMod val="65000"/>
+                  <a:lumOff val="35000"/>
+                </a:schemeClr>
+              </a:solidFill>
+            </a:endParaRPr>
+          </a:p>
+        </p:txBody>
+      </p:sp>
+      <p:sp>
+        <p:nvSpPr>
+          <p:cNvPr id="60" name="TextBox 59">
+            <a:extLst>
+              <a:ext uri="{FF2B5EF4-FFF2-40B4-BE49-F238E27FC236}">
+                <a16:creationId xmlns="" xmlns:a16="http://schemas.microsoft.com/office/drawing/2014/main" id="{D19E82E8-9B43-43A1-9B4A-0AAE0514215A}"/>
+              </a:ext>
+            </a:extLst>
+          </p:cNvPr>
+          <p:cNvSpPr txBox="1"/>
+          <p:nvPr/>
+        </p:nvSpPr>
+        <p:spPr>
+          <a:xfrm>
+            <a:off x="3645576" y="1756082"/>
+            <a:ext cx="352776" cy="153888"/>
+          </a:xfrm>
+          <a:prstGeom prst="rect">
+            <a:avLst/>
+          </a:prstGeom>
+          <a:noFill/>
+        </p:spPr>
+        <p:txBody>
+          <a:bodyPr wrap="square" lIns="0" tIns="0" rIns="0" bIns="0" rtlCol="0">
+            <a:spAutoFit/>
+          </a:bodyPr>
+          <a:lstStyle/>
+          <a:p>
+            <a:pPr algn="ctr"/>
+            <a:r>
+              <a:rPr lang="en-US" sz="1000" dirty="0" err="1" smtClean="0">
+                <a:solidFill>
+                  <a:schemeClr val="tx1">
+                    <a:lumMod val="65000"/>
+                    <a:lumOff val="35000"/>
+                  </a:schemeClr>
+                </a:solidFill>
+              </a:rPr>
+              <a:t>FW</a:t>
+            </a:r>
+            <a:r>
+              <a:rPr lang="en-US" sz="1000" baseline="-25000" dirty="0" err="1" smtClean="0">
+                <a:solidFill>
+                  <a:schemeClr val="tx1">
+                    <a:lumMod val="65000"/>
+                    <a:lumOff val="35000"/>
+                  </a:schemeClr>
+                </a:solidFill>
+              </a:rPr>
+              <a:t>max</a:t>
+            </a:r>
+            <a:endParaRPr lang="en-US" sz="1000" dirty="0">
+              <a:solidFill>
+                <a:schemeClr val="tx1">
+                  <a:lumMod val="65000"/>
+                  <a:lumOff val="35000"/>
+                </a:schemeClr>
+              </a:solidFill>
+            </a:endParaRPr>
+          </a:p>
+        </p:txBody>
+      </p:sp>
+      <p:sp>
+        <p:nvSpPr>
+          <p:cNvPr id="61" name="TextBox 60">
+            <a:extLst>
+              <a:ext uri="{FF2B5EF4-FFF2-40B4-BE49-F238E27FC236}">
+                <a16:creationId xmlns="" xmlns:a16="http://schemas.microsoft.com/office/drawing/2014/main" id="{D19E82E8-9B43-43A1-9B4A-0AAE0514215A}"/>
+              </a:ext>
+            </a:extLst>
+          </p:cNvPr>
+          <p:cNvSpPr txBox="1"/>
+          <p:nvPr/>
+        </p:nvSpPr>
+        <p:spPr>
+          <a:xfrm>
+            <a:off x="6153217" y="1756082"/>
+            <a:ext cx="352776" cy="153888"/>
+          </a:xfrm>
+          <a:prstGeom prst="rect">
+            <a:avLst/>
+          </a:prstGeom>
+          <a:noFill/>
+        </p:spPr>
+        <p:txBody>
+          <a:bodyPr wrap="square" lIns="0" tIns="0" rIns="0" bIns="0" rtlCol="0">
+            <a:spAutoFit/>
+          </a:bodyPr>
+          <a:lstStyle/>
+          <a:p>
+            <a:pPr algn="ctr"/>
+            <a:r>
+              <a:rPr lang="en-US" sz="1000" dirty="0" err="1" smtClean="0">
+                <a:solidFill>
+                  <a:schemeClr val="tx1">
+                    <a:lumMod val="65000"/>
+                    <a:lumOff val="35000"/>
+                  </a:schemeClr>
+                </a:solidFill>
+              </a:rPr>
+              <a:t>FW</a:t>
+            </a:r>
+            <a:r>
+              <a:rPr lang="en-US" sz="1000" baseline="-25000" dirty="0" err="1" smtClean="0">
+                <a:solidFill>
+                  <a:schemeClr val="tx1">
+                    <a:lumMod val="65000"/>
+                    <a:lumOff val="35000"/>
+                  </a:schemeClr>
+                </a:solidFill>
+              </a:rPr>
+              <a:t>max</a:t>
+            </a:r>
+            <a:endParaRPr lang="en-US" sz="1000" dirty="0">
+              <a:solidFill>
+                <a:schemeClr val="tx1">
+                  <a:lumMod val="65000"/>
+                  <a:lumOff val="35000"/>
+                </a:schemeClr>
+              </a:solidFill>
+            </a:endParaRPr>
+          </a:p>
+        </p:txBody>
+      </p:sp>
     </p:spTree>
     <p:extLst>
       <p:ext uri="{BB962C8B-B14F-4D97-AF65-F5344CB8AC3E}">
-        <p14:creationId xmlns:p14="http://schemas.microsoft.com/office/powerpoint/2010/main" val="3814288448"/>
+        <p14:creationId xmlns:p14="http://schemas.microsoft.com/office/powerpoint/2010/main" val="3040767795"/>
       </p:ext>
     </p:extLst>
   </p:cSld>

--- a/docs/firmware_architecture.pptx
+++ b/docs/firmware_architecture.pptx
@@ -199,7 +199,7 @@
           <a:p>
             <a:fld id="{4F88AC14-9F0C-4B24-A0DE-3D91966C1719}" type="datetimeFigureOut">
               <a:rPr lang="nl-NL" smtClean="0"/>
-              <a:t>12-12-2019</a:t>
+              <a:t>28-12-2019</a:t>
             </a:fld>
             <a:endParaRPr lang="nl-NL" dirty="0"/>
           </a:p>
@@ -489,7 +489,7 @@
           <p:cNvPr id="2" name="Title 1">
             <a:extLst>
               <a:ext uri="{FF2B5EF4-FFF2-40B4-BE49-F238E27FC236}">
-                <a16:creationId xmlns="" xmlns:a16="http://schemas.microsoft.com/office/drawing/2014/main" id="{5CB87546-2B11-4901-9B8E-4976C7F282FD}"/>
+                <a16:creationId xmlns:a16="http://schemas.microsoft.com/office/drawing/2014/main" xmlns="" id="{5CB87546-2B11-4901-9B8E-4976C7F282FD}"/>
               </a:ext>
             </a:extLst>
           </p:cNvPr>
@@ -527,7 +527,7 @@
           <p:cNvPr id="3" name="Subtitle 2">
             <a:extLst>
               <a:ext uri="{FF2B5EF4-FFF2-40B4-BE49-F238E27FC236}">
-                <a16:creationId xmlns="" xmlns:a16="http://schemas.microsoft.com/office/drawing/2014/main" id="{51578428-23A7-414B-B347-F6169880DC0C}"/>
+                <a16:creationId xmlns:a16="http://schemas.microsoft.com/office/drawing/2014/main" xmlns="" id="{51578428-23A7-414B-B347-F6169880DC0C}"/>
               </a:ext>
             </a:extLst>
           </p:cNvPr>
@@ -598,7 +598,7 @@
           <p:cNvPr id="4" name="Date Placeholder 3">
             <a:extLst>
               <a:ext uri="{FF2B5EF4-FFF2-40B4-BE49-F238E27FC236}">
-                <a16:creationId xmlns="" xmlns:a16="http://schemas.microsoft.com/office/drawing/2014/main" id="{7EEA0080-C28E-4BCA-AC14-80A2F40CBFB0}"/>
+                <a16:creationId xmlns:a16="http://schemas.microsoft.com/office/drawing/2014/main" xmlns="" id="{7EEA0080-C28E-4BCA-AC14-80A2F40CBFB0}"/>
               </a:ext>
             </a:extLst>
           </p:cNvPr>
@@ -616,7 +616,7 @@
           <a:p>
             <a:fld id="{8A536929-10AE-434E-B377-C7AB95DD3BB3}" type="datetimeFigureOut">
               <a:rPr lang="nl-NL" smtClean="0"/>
-              <a:t>12-12-2019</a:t>
+              <a:t>28-12-2019</a:t>
             </a:fld>
             <a:endParaRPr lang="nl-NL" dirty="0"/>
           </a:p>
@@ -627,7 +627,7 @@
           <p:cNvPr id="5" name="Footer Placeholder 4">
             <a:extLst>
               <a:ext uri="{FF2B5EF4-FFF2-40B4-BE49-F238E27FC236}">
-                <a16:creationId xmlns="" xmlns:a16="http://schemas.microsoft.com/office/drawing/2014/main" id="{4D1F8915-BB54-4D6A-A756-C0160B7BCA31}"/>
+                <a16:creationId xmlns:a16="http://schemas.microsoft.com/office/drawing/2014/main" xmlns="" id="{4D1F8915-BB54-4D6A-A756-C0160B7BCA31}"/>
               </a:ext>
             </a:extLst>
           </p:cNvPr>
@@ -652,7 +652,7 @@
           <p:cNvPr id="6" name="Slide Number Placeholder 5">
             <a:extLst>
               <a:ext uri="{FF2B5EF4-FFF2-40B4-BE49-F238E27FC236}">
-                <a16:creationId xmlns="" xmlns:a16="http://schemas.microsoft.com/office/drawing/2014/main" id="{5632D308-2C29-4749-AAB7-EC1BB78E16E0}"/>
+                <a16:creationId xmlns:a16="http://schemas.microsoft.com/office/drawing/2014/main" xmlns="" id="{5632D308-2C29-4749-AAB7-EC1BB78E16E0}"/>
               </a:ext>
             </a:extLst>
           </p:cNvPr>
@@ -711,7 +711,7 @@
           <p:cNvPr id="2" name="Title 1">
             <a:extLst>
               <a:ext uri="{FF2B5EF4-FFF2-40B4-BE49-F238E27FC236}">
-                <a16:creationId xmlns="" xmlns:a16="http://schemas.microsoft.com/office/drawing/2014/main" id="{644B95E5-8A41-48F1-A321-59F2719923DD}"/>
+                <a16:creationId xmlns:a16="http://schemas.microsoft.com/office/drawing/2014/main" xmlns="" id="{644B95E5-8A41-48F1-A321-59F2719923DD}"/>
               </a:ext>
             </a:extLst>
           </p:cNvPr>
@@ -740,7 +740,7 @@
           <p:cNvPr id="3" name="Vertical Text Placeholder 2">
             <a:extLst>
               <a:ext uri="{FF2B5EF4-FFF2-40B4-BE49-F238E27FC236}">
-                <a16:creationId xmlns="" xmlns:a16="http://schemas.microsoft.com/office/drawing/2014/main" id="{5712BBD9-29F1-41CD-819C-EBAD28306A9D}"/>
+                <a16:creationId xmlns:a16="http://schemas.microsoft.com/office/drawing/2014/main" xmlns="" id="{5712BBD9-29F1-41CD-819C-EBAD28306A9D}"/>
               </a:ext>
             </a:extLst>
           </p:cNvPr>
@@ -798,7 +798,7 @@
           <p:cNvPr id="4" name="Date Placeholder 3">
             <a:extLst>
               <a:ext uri="{FF2B5EF4-FFF2-40B4-BE49-F238E27FC236}">
-                <a16:creationId xmlns="" xmlns:a16="http://schemas.microsoft.com/office/drawing/2014/main" id="{70A3A627-786D-4034-BDA8-B59CDB78021D}"/>
+                <a16:creationId xmlns:a16="http://schemas.microsoft.com/office/drawing/2014/main" xmlns="" id="{70A3A627-786D-4034-BDA8-B59CDB78021D}"/>
               </a:ext>
             </a:extLst>
           </p:cNvPr>
@@ -816,7 +816,7 @@
           <a:p>
             <a:fld id="{8A536929-10AE-434E-B377-C7AB95DD3BB3}" type="datetimeFigureOut">
               <a:rPr lang="nl-NL" smtClean="0"/>
-              <a:t>12-12-2019</a:t>
+              <a:t>28-12-2019</a:t>
             </a:fld>
             <a:endParaRPr lang="nl-NL" dirty="0"/>
           </a:p>
@@ -827,7 +827,7 @@
           <p:cNvPr id="5" name="Footer Placeholder 4">
             <a:extLst>
               <a:ext uri="{FF2B5EF4-FFF2-40B4-BE49-F238E27FC236}">
-                <a16:creationId xmlns="" xmlns:a16="http://schemas.microsoft.com/office/drawing/2014/main" id="{98BABE35-1A12-4D86-A36A-8EA6525C1FA5}"/>
+                <a16:creationId xmlns:a16="http://schemas.microsoft.com/office/drawing/2014/main" xmlns="" id="{98BABE35-1A12-4D86-A36A-8EA6525C1FA5}"/>
               </a:ext>
             </a:extLst>
           </p:cNvPr>
@@ -852,7 +852,7 @@
           <p:cNvPr id="6" name="Slide Number Placeholder 5">
             <a:extLst>
               <a:ext uri="{FF2B5EF4-FFF2-40B4-BE49-F238E27FC236}">
-                <a16:creationId xmlns="" xmlns:a16="http://schemas.microsoft.com/office/drawing/2014/main" id="{46000498-0F00-463F-BDC4-FD2821609340}"/>
+                <a16:creationId xmlns:a16="http://schemas.microsoft.com/office/drawing/2014/main" xmlns="" id="{46000498-0F00-463F-BDC4-FD2821609340}"/>
               </a:ext>
             </a:extLst>
           </p:cNvPr>
@@ -911,7 +911,7 @@
           <p:cNvPr id="2" name="Vertical Title 1">
             <a:extLst>
               <a:ext uri="{FF2B5EF4-FFF2-40B4-BE49-F238E27FC236}">
-                <a16:creationId xmlns="" xmlns:a16="http://schemas.microsoft.com/office/drawing/2014/main" id="{A2C87CA9-649D-478E-858C-7B23BD0D43D6}"/>
+                <a16:creationId xmlns:a16="http://schemas.microsoft.com/office/drawing/2014/main" xmlns="" id="{A2C87CA9-649D-478E-858C-7B23BD0D43D6}"/>
               </a:ext>
             </a:extLst>
           </p:cNvPr>
@@ -945,7 +945,7 @@
           <p:cNvPr id="3" name="Vertical Text Placeholder 2">
             <a:extLst>
               <a:ext uri="{FF2B5EF4-FFF2-40B4-BE49-F238E27FC236}">
-                <a16:creationId xmlns="" xmlns:a16="http://schemas.microsoft.com/office/drawing/2014/main" id="{0CFDD78B-A533-4E27-8BAD-523A7A9903B2}"/>
+                <a16:creationId xmlns:a16="http://schemas.microsoft.com/office/drawing/2014/main" xmlns="" id="{0CFDD78B-A533-4E27-8BAD-523A7A9903B2}"/>
               </a:ext>
             </a:extLst>
           </p:cNvPr>
@@ -1008,7 +1008,7 @@
           <p:cNvPr id="4" name="Date Placeholder 3">
             <a:extLst>
               <a:ext uri="{FF2B5EF4-FFF2-40B4-BE49-F238E27FC236}">
-                <a16:creationId xmlns="" xmlns:a16="http://schemas.microsoft.com/office/drawing/2014/main" id="{0DDA3A3C-3F12-477F-809F-B3A9375D6934}"/>
+                <a16:creationId xmlns:a16="http://schemas.microsoft.com/office/drawing/2014/main" xmlns="" id="{0DDA3A3C-3F12-477F-809F-B3A9375D6934}"/>
               </a:ext>
             </a:extLst>
           </p:cNvPr>
@@ -1026,7 +1026,7 @@
           <a:p>
             <a:fld id="{8A536929-10AE-434E-B377-C7AB95DD3BB3}" type="datetimeFigureOut">
               <a:rPr lang="nl-NL" smtClean="0"/>
-              <a:t>12-12-2019</a:t>
+              <a:t>28-12-2019</a:t>
             </a:fld>
             <a:endParaRPr lang="nl-NL" dirty="0"/>
           </a:p>
@@ -1037,7 +1037,7 @@
           <p:cNvPr id="5" name="Footer Placeholder 4">
             <a:extLst>
               <a:ext uri="{FF2B5EF4-FFF2-40B4-BE49-F238E27FC236}">
-                <a16:creationId xmlns="" xmlns:a16="http://schemas.microsoft.com/office/drawing/2014/main" id="{6A8C4594-7678-4851-8B4C-9CE6A6DBC53C}"/>
+                <a16:creationId xmlns:a16="http://schemas.microsoft.com/office/drawing/2014/main" xmlns="" id="{6A8C4594-7678-4851-8B4C-9CE6A6DBC53C}"/>
               </a:ext>
             </a:extLst>
           </p:cNvPr>
@@ -1062,7 +1062,7 @@
           <p:cNvPr id="6" name="Slide Number Placeholder 5">
             <a:extLst>
               <a:ext uri="{FF2B5EF4-FFF2-40B4-BE49-F238E27FC236}">
-                <a16:creationId xmlns="" xmlns:a16="http://schemas.microsoft.com/office/drawing/2014/main" id="{F2973298-27A1-4921-B8E2-5EE488A8EF63}"/>
+                <a16:creationId xmlns:a16="http://schemas.microsoft.com/office/drawing/2014/main" xmlns="" id="{F2973298-27A1-4921-B8E2-5EE488A8EF63}"/>
               </a:ext>
             </a:extLst>
           </p:cNvPr>
@@ -1121,7 +1121,7 @@
           <p:cNvPr id="2" name="Title 1">
             <a:extLst>
               <a:ext uri="{FF2B5EF4-FFF2-40B4-BE49-F238E27FC236}">
-                <a16:creationId xmlns="" xmlns:a16="http://schemas.microsoft.com/office/drawing/2014/main" id="{DBB8B871-FA55-4DCB-9E25-1E4D87CCECB7}"/>
+                <a16:creationId xmlns:a16="http://schemas.microsoft.com/office/drawing/2014/main" xmlns="" id="{DBB8B871-FA55-4DCB-9E25-1E4D87CCECB7}"/>
               </a:ext>
             </a:extLst>
           </p:cNvPr>
@@ -1150,7 +1150,7 @@
           <p:cNvPr id="3" name="Content Placeholder 2">
             <a:extLst>
               <a:ext uri="{FF2B5EF4-FFF2-40B4-BE49-F238E27FC236}">
-                <a16:creationId xmlns="" xmlns:a16="http://schemas.microsoft.com/office/drawing/2014/main" id="{161166B4-0610-4B5A-A16C-4E1B81FAA087}"/>
+                <a16:creationId xmlns:a16="http://schemas.microsoft.com/office/drawing/2014/main" xmlns="" id="{161166B4-0610-4B5A-A16C-4E1B81FAA087}"/>
               </a:ext>
             </a:extLst>
           </p:cNvPr>
@@ -1208,7 +1208,7 @@
           <p:cNvPr id="4" name="Date Placeholder 3">
             <a:extLst>
               <a:ext uri="{FF2B5EF4-FFF2-40B4-BE49-F238E27FC236}">
-                <a16:creationId xmlns="" xmlns:a16="http://schemas.microsoft.com/office/drawing/2014/main" id="{BEFDF1DA-1FF0-4424-8A60-945CE921C7C6}"/>
+                <a16:creationId xmlns:a16="http://schemas.microsoft.com/office/drawing/2014/main" xmlns="" id="{BEFDF1DA-1FF0-4424-8A60-945CE921C7C6}"/>
               </a:ext>
             </a:extLst>
           </p:cNvPr>
@@ -1226,7 +1226,7 @@
           <a:p>
             <a:fld id="{8A536929-10AE-434E-B377-C7AB95DD3BB3}" type="datetimeFigureOut">
               <a:rPr lang="nl-NL" smtClean="0"/>
-              <a:t>12-12-2019</a:t>
+              <a:t>28-12-2019</a:t>
             </a:fld>
             <a:endParaRPr lang="nl-NL" dirty="0"/>
           </a:p>
@@ -1237,7 +1237,7 @@
           <p:cNvPr id="5" name="Footer Placeholder 4">
             <a:extLst>
               <a:ext uri="{FF2B5EF4-FFF2-40B4-BE49-F238E27FC236}">
-                <a16:creationId xmlns="" xmlns:a16="http://schemas.microsoft.com/office/drawing/2014/main" id="{CF6E68FD-B570-4409-84A8-6714F0DB3B5D}"/>
+                <a16:creationId xmlns:a16="http://schemas.microsoft.com/office/drawing/2014/main" xmlns="" id="{CF6E68FD-B570-4409-84A8-6714F0DB3B5D}"/>
               </a:ext>
             </a:extLst>
           </p:cNvPr>
@@ -1262,7 +1262,7 @@
           <p:cNvPr id="6" name="Slide Number Placeholder 5">
             <a:extLst>
               <a:ext uri="{FF2B5EF4-FFF2-40B4-BE49-F238E27FC236}">
-                <a16:creationId xmlns="" xmlns:a16="http://schemas.microsoft.com/office/drawing/2014/main" id="{BEB0CC16-3F5D-4E5D-B5BF-AE2583DEEB70}"/>
+                <a16:creationId xmlns:a16="http://schemas.microsoft.com/office/drawing/2014/main" xmlns="" id="{BEB0CC16-3F5D-4E5D-B5BF-AE2583DEEB70}"/>
               </a:ext>
             </a:extLst>
           </p:cNvPr>
@@ -1321,7 +1321,7 @@
           <p:cNvPr id="2" name="Title 1">
             <a:extLst>
               <a:ext uri="{FF2B5EF4-FFF2-40B4-BE49-F238E27FC236}">
-                <a16:creationId xmlns="" xmlns:a16="http://schemas.microsoft.com/office/drawing/2014/main" id="{8558AC74-4E86-425A-8C64-5EF964E980C8}"/>
+                <a16:creationId xmlns:a16="http://schemas.microsoft.com/office/drawing/2014/main" xmlns="" id="{8558AC74-4E86-425A-8C64-5EF964E980C8}"/>
               </a:ext>
             </a:extLst>
           </p:cNvPr>
@@ -1359,7 +1359,7 @@
           <p:cNvPr id="3" name="Text Placeholder 2">
             <a:extLst>
               <a:ext uri="{FF2B5EF4-FFF2-40B4-BE49-F238E27FC236}">
-                <a16:creationId xmlns="" xmlns:a16="http://schemas.microsoft.com/office/drawing/2014/main" id="{1C3B2D36-9174-4AC3-80F0-A4DE0B82883D}"/>
+                <a16:creationId xmlns:a16="http://schemas.microsoft.com/office/drawing/2014/main" xmlns="" id="{1C3B2D36-9174-4AC3-80F0-A4DE0B82883D}"/>
               </a:ext>
             </a:extLst>
           </p:cNvPr>
@@ -1484,7 +1484,7 @@
           <p:cNvPr id="4" name="Date Placeholder 3">
             <a:extLst>
               <a:ext uri="{FF2B5EF4-FFF2-40B4-BE49-F238E27FC236}">
-                <a16:creationId xmlns="" xmlns:a16="http://schemas.microsoft.com/office/drawing/2014/main" id="{E75A7E04-A38D-4F30-98E4-E4F3EF8CE700}"/>
+                <a16:creationId xmlns:a16="http://schemas.microsoft.com/office/drawing/2014/main" xmlns="" id="{E75A7E04-A38D-4F30-98E4-E4F3EF8CE700}"/>
               </a:ext>
             </a:extLst>
           </p:cNvPr>
@@ -1502,7 +1502,7 @@
           <a:p>
             <a:fld id="{8A536929-10AE-434E-B377-C7AB95DD3BB3}" type="datetimeFigureOut">
               <a:rPr lang="nl-NL" smtClean="0"/>
-              <a:t>12-12-2019</a:t>
+              <a:t>28-12-2019</a:t>
             </a:fld>
             <a:endParaRPr lang="nl-NL" dirty="0"/>
           </a:p>
@@ -1513,7 +1513,7 @@
           <p:cNvPr id="5" name="Footer Placeholder 4">
             <a:extLst>
               <a:ext uri="{FF2B5EF4-FFF2-40B4-BE49-F238E27FC236}">
-                <a16:creationId xmlns="" xmlns:a16="http://schemas.microsoft.com/office/drawing/2014/main" id="{6FA6A100-E185-476D-BD54-8622176CC180}"/>
+                <a16:creationId xmlns:a16="http://schemas.microsoft.com/office/drawing/2014/main" xmlns="" id="{6FA6A100-E185-476D-BD54-8622176CC180}"/>
               </a:ext>
             </a:extLst>
           </p:cNvPr>
@@ -1538,7 +1538,7 @@
           <p:cNvPr id="6" name="Slide Number Placeholder 5">
             <a:extLst>
               <a:ext uri="{FF2B5EF4-FFF2-40B4-BE49-F238E27FC236}">
-                <a16:creationId xmlns="" xmlns:a16="http://schemas.microsoft.com/office/drawing/2014/main" id="{B728CE3D-6368-4BAB-83EB-F72B7FCDEE9D}"/>
+                <a16:creationId xmlns:a16="http://schemas.microsoft.com/office/drawing/2014/main" xmlns="" id="{B728CE3D-6368-4BAB-83EB-F72B7FCDEE9D}"/>
               </a:ext>
             </a:extLst>
           </p:cNvPr>
@@ -1597,7 +1597,7 @@
           <p:cNvPr id="2" name="Title 1">
             <a:extLst>
               <a:ext uri="{FF2B5EF4-FFF2-40B4-BE49-F238E27FC236}">
-                <a16:creationId xmlns="" xmlns:a16="http://schemas.microsoft.com/office/drawing/2014/main" id="{AAD180F9-EF15-4BD2-A281-B147795B13FD}"/>
+                <a16:creationId xmlns:a16="http://schemas.microsoft.com/office/drawing/2014/main" xmlns="" id="{AAD180F9-EF15-4BD2-A281-B147795B13FD}"/>
               </a:ext>
             </a:extLst>
           </p:cNvPr>
@@ -1626,7 +1626,7 @@
           <p:cNvPr id="3" name="Content Placeholder 2">
             <a:extLst>
               <a:ext uri="{FF2B5EF4-FFF2-40B4-BE49-F238E27FC236}">
-                <a16:creationId xmlns="" xmlns:a16="http://schemas.microsoft.com/office/drawing/2014/main" id="{11B06D64-1D24-41DA-8E2F-DB05B2A6BBB4}"/>
+                <a16:creationId xmlns:a16="http://schemas.microsoft.com/office/drawing/2014/main" xmlns="" id="{11B06D64-1D24-41DA-8E2F-DB05B2A6BBB4}"/>
               </a:ext>
             </a:extLst>
           </p:cNvPr>
@@ -1689,7 +1689,7 @@
           <p:cNvPr id="4" name="Content Placeholder 3">
             <a:extLst>
               <a:ext uri="{FF2B5EF4-FFF2-40B4-BE49-F238E27FC236}">
-                <a16:creationId xmlns="" xmlns:a16="http://schemas.microsoft.com/office/drawing/2014/main" id="{1CE56C22-D5C0-4CA4-8A82-5DBF1FA305B0}"/>
+                <a16:creationId xmlns:a16="http://schemas.microsoft.com/office/drawing/2014/main" xmlns="" id="{1CE56C22-D5C0-4CA4-8A82-5DBF1FA305B0}"/>
               </a:ext>
             </a:extLst>
           </p:cNvPr>
@@ -1752,7 +1752,7 @@
           <p:cNvPr id="5" name="Date Placeholder 4">
             <a:extLst>
               <a:ext uri="{FF2B5EF4-FFF2-40B4-BE49-F238E27FC236}">
-                <a16:creationId xmlns="" xmlns:a16="http://schemas.microsoft.com/office/drawing/2014/main" id="{88219394-9966-4D03-92A6-8CBE0CF9BA23}"/>
+                <a16:creationId xmlns:a16="http://schemas.microsoft.com/office/drawing/2014/main" xmlns="" id="{88219394-9966-4D03-92A6-8CBE0CF9BA23}"/>
               </a:ext>
             </a:extLst>
           </p:cNvPr>
@@ -1770,7 +1770,7 @@
           <a:p>
             <a:fld id="{8A536929-10AE-434E-B377-C7AB95DD3BB3}" type="datetimeFigureOut">
               <a:rPr lang="nl-NL" smtClean="0"/>
-              <a:t>12-12-2019</a:t>
+              <a:t>28-12-2019</a:t>
             </a:fld>
             <a:endParaRPr lang="nl-NL" dirty="0"/>
           </a:p>
@@ -1781,7 +1781,7 @@
           <p:cNvPr id="6" name="Footer Placeholder 5">
             <a:extLst>
               <a:ext uri="{FF2B5EF4-FFF2-40B4-BE49-F238E27FC236}">
-                <a16:creationId xmlns="" xmlns:a16="http://schemas.microsoft.com/office/drawing/2014/main" id="{A004E296-8935-4BDC-96E1-94285E629965}"/>
+                <a16:creationId xmlns:a16="http://schemas.microsoft.com/office/drawing/2014/main" xmlns="" id="{A004E296-8935-4BDC-96E1-94285E629965}"/>
               </a:ext>
             </a:extLst>
           </p:cNvPr>
@@ -1806,7 +1806,7 @@
           <p:cNvPr id="7" name="Slide Number Placeholder 6">
             <a:extLst>
               <a:ext uri="{FF2B5EF4-FFF2-40B4-BE49-F238E27FC236}">
-                <a16:creationId xmlns="" xmlns:a16="http://schemas.microsoft.com/office/drawing/2014/main" id="{41D727AA-DFD8-491A-BD97-EF406B3515C7}"/>
+                <a16:creationId xmlns:a16="http://schemas.microsoft.com/office/drawing/2014/main" xmlns="" id="{41D727AA-DFD8-491A-BD97-EF406B3515C7}"/>
               </a:ext>
             </a:extLst>
           </p:cNvPr>
@@ -1865,7 +1865,7 @@
           <p:cNvPr id="2" name="Title 1">
             <a:extLst>
               <a:ext uri="{FF2B5EF4-FFF2-40B4-BE49-F238E27FC236}">
-                <a16:creationId xmlns="" xmlns:a16="http://schemas.microsoft.com/office/drawing/2014/main" id="{E6CF0E43-D0AB-46C6-8A4B-28F4931CA41A}"/>
+                <a16:creationId xmlns:a16="http://schemas.microsoft.com/office/drawing/2014/main" xmlns="" id="{E6CF0E43-D0AB-46C6-8A4B-28F4931CA41A}"/>
               </a:ext>
             </a:extLst>
           </p:cNvPr>
@@ -1899,7 +1899,7 @@
           <p:cNvPr id="3" name="Text Placeholder 2">
             <a:extLst>
               <a:ext uri="{FF2B5EF4-FFF2-40B4-BE49-F238E27FC236}">
-                <a16:creationId xmlns="" xmlns:a16="http://schemas.microsoft.com/office/drawing/2014/main" id="{66CF02C8-D347-433D-9EAF-06D9145F818A}"/>
+                <a16:creationId xmlns:a16="http://schemas.microsoft.com/office/drawing/2014/main" xmlns="" id="{66CF02C8-D347-433D-9EAF-06D9145F818A}"/>
               </a:ext>
             </a:extLst>
           </p:cNvPr>
@@ -1970,7 +1970,7 @@
           <p:cNvPr id="4" name="Content Placeholder 3">
             <a:extLst>
               <a:ext uri="{FF2B5EF4-FFF2-40B4-BE49-F238E27FC236}">
-                <a16:creationId xmlns="" xmlns:a16="http://schemas.microsoft.com/office/drawing/2014/main" id="{71293464-0193-4BE4-8B16-D88E21FCD496}"/>
+                <a16:creationId xmlns:a16="http://schemas.microsoft.com/office/drawing/2014/main" xmlns="" id="{71293464-0193-4BE4-8B16-D88E21FCD496}"/>
               </a:ext>
             </a:extLst>
           </p:cNvPr>
@@ -2033,7 +2033,7 @@
           <p:cNvPr id="5" name="Text Placeholder 4">
             <a:extLst>
               <a:ext uri="{FF2B5EF4-FFF2-40B4-BE49-F238E27FC236}">
-                <a16:creationId xmlns="" xmlns:a16="http://schemas.microsoft.com/office/drawing/2014/main" id="{35DFF939-6F29-4EAB-B51F-7A2E7AFAB47C}"/>
+                <a16:creationId xmlns:a16="http://schemas.microsoft.com/office/drawing/2014/main" xmlns="" id="{35DFF939-6F29-4EAB-B51F-7A2E7AFAB47C}"/>
               </a:ext>
             </a:extLst>
           </p:cNvPr>
@@ -2104,7 +2104,7 @@
           <p:cNvPr id="6" name="Content Placeholder 5">
             <a:extLst>
               <a:ext uri="{FF2B5EF4-FFF2-40B4-BE49-F238E27FC236}">
-                <a16:creationId xmlns="" xmlns:a16="http://schemas.microsoft.com/office/drawing/2014/main" id="{14384B18-D427-4D9A-9C0A-9D373B97FBFC}"/>
+                <a16:creationId xmlns:a16="http://schemas.microsoft.com/office/drawing/2014/main" xmlns="" id="{14384B18-D427-4D9A-9C0A-9D373B97FBFC}"/>
               </a:ext>
             </a:extLst>
           </p:cNvPr>
@@ -2167,7 +2167,7 @@
           <p:cNvPr id="7" name="Date Placeholder 6">
             <a:extLst>
               <a:ext uri="{FF2B5EF4-FFF2-40B4-BE49-F238E27FC236}">
-                <a16:creationId xmlns="" xmlns:a16="http://schemas.microsoft.com/office/drawing/2014/main" id="{27C397B4-3F0D-4499-A9DC-A8744117D9CC}"/>
+                <a16:creationId xmlns:a16="http://schemas.microsoft.com/office/drawing/2014/main" xmlns="" id="{27C397B4-3F0D-4499-A9DC-A8744117D9CC}"/>
               </a:ext>
             </a:extLst>
           </p:cNvPr>
@@ -2185,7 +2185,7 @@
           <a:p>
             <a:fld id="{8A536929-10AE-434E-B377-C7AB95DD3BB3}" type="datetimeFigureOut">
               <a:rPr lang="nl-NL" smtClean="0"/>
-              <a:t>12-12-2019</a:t>
+              <a:t>28-12-2019</a:t>
             </a:fld>
             <a:endParaRPr lang="nl-NL" dirty="0"/>
           </a:p>
@@ -2196,7 +2196,7 @@
           <p:cNvPr id="8" name="Footer Placeholder 7">
             <a:extLst>
               <a:ext uri="{FF2B5EF4-FFF2-40B4-BE49-F238E27FC236}">
-                <a16:creationId xmlns="" xmlns:a16="http://schemas.microsoft.com/office/drawing/2014/main" id="{C152D658-8D2E-47AB-A16D-0E0C9E1A5E2D}"/>
+                <a16:creationId xmlns:a16="http://schemas.microsoft.com/office/drawing/2014/main" xmlns="" id="{C152D658-8D2E-47AB-A16D-0E0C9E1A5E2D}"/>
               </a:ext>
             </a:extLst>
           </p:cNvPr>
@@ -2221,7 +2221,7 @@
           <p:cNvPr id="9" name="Slide Number Placeholder 8">
             <a:extLst>
               <a:ext uri="{FF2B5EF4-FFF2-40B4-BE49-F238E27FC236}">
-                <a16:creationId xmlns="" xmlns:a16="http://schemas.microsoft.com/office/drawing/2014/main" id="{D2353B3C-DEC6-4389-A49D-929C0216703F}"/>
+                <a16:creationId xmlns:a16="http://schemas.microsoft.com/office/drawing/2014/main" xmlns="" id="{D2353B3C-DEC6-4389-A49D-929C0216703F}"/>
               </a:ext>
             </a:extLst>
           </p:cNvPr>
@@ -2280,7 +2280,7 @@
           <p:cNvPr id="2" name="Title 1">
             <a:extLst>
               <a:ext uri="{FF2B5EF4-FFF2-40B4-BE49-F238E27FC236}">
-                <a16:creationId xmlns="" xmlns:a16="http://schemas.microsoft.com/office/drawing/2014/main" id="{614A274B-FC8D-40CC-81F1-32B425660B49}"/>
+                <a16:creationId xmlns:a16="http://schemas.microsoft.com/office/drawing/2014/main" xmlns="" id="{614A274B-FC8D-40CC-81F1-32B425660B49}"/>
               </a:ext>
             </a:extLst>
           </p:cNvPr>
@@ -2309,7 +2309,7 @@
           <p:cNvPr id="3" name="Date Placeholder 2">
             <a:extLst>
               <a:ext uri="{FF2B5EF4-FFF2-40B4-BE49-F238E27FC236}">
-                <a16:creationId xmlns="" xmlns:a16="http://schemas.microsoft.com/office/drawing/2014/main" id="{B16C94D2-43A9-4A06-8490-C754C08EE074}"/>
+                <a16:creationId xmlns:a16="http://schemas.microsoft.com/office/drawing/2014/main" xmlns="" id="{B16C94D2-43A9-4A06-8490-C754C08EE074}"/>
               </a:ext>
             </a:extLst>
           </p:cNvPr>
@@ -2327,7 +2327,7 @@
           <a:p>
             <a:fld id="{8A536929-10AE-434E-B377-C7AB95DD3BB3}" type="datetimeFigureOut">
               <a:rPr lang="nl-NL" smtClean="0"/>
-              <a:t>12-12-2019</a:t>
+              <a:t>28-12-2019</a:t>
             </a:fld>
             <a:endParaRPr lang="nl-NL" dirty="0"/>
           </a:p>
@@ -2338,7 +2338,7 @@
           <p:cNvPr id="4" name="Footer Placeholder 3">
             <a:extLst>
               <a:ext uri="{FF2B5EF4-FFF2-40B4-BE49-F238E27FC236}">
-                <a16:creationId xmlns="" xmlns:a16="http://schemas.microsoft.com/office/drawing/2014/main" id="{445ABB0A-E82A-4444-9523-ACF3F72C74D4}"/>
+                <a16:creationId xmlns:a16="http://schemas.microsoft.com/office/drawing/2014/main" xmlns="" id="{445ABB0A-E82A-4444-9523-ACF3F72C74D4}"/>
               </a:ext>
             </a:extLst>
           </p:cNvPr>
@@ -2363,7 +2363,7 @@
           <p:cNvPr id="5" name="Slide Number Placeholder 4">
             <a:extLst>
               <a:ext uri="{FF2B5EF4-FFF2-40B4-BE49-F238E27FC236}">
-                <a16:creationId xmlns="" xmlns:a16="http://schemas.microsoft.com/office/drawing/2014/main" id="{1094C0AB-1C33-4C41-96FA-C1285C27E9AF}"/>
+                <a16:creationId xmlns:a16="http://schemas.microsoft.com/office/drawing/2014/main" xmlns="" id="{1094C0AB-1C33-4C41-96FA-C1285C27E9AF}"/>
               </a:ext>
             </a:extLst>
           </p:cNvPr>
@@ -2422,7 +2422,7 @@
           <p:cNvPr id="2" name="Date Placeholder 1">
             <a:extLst>
               <a:ext uri="{FF2B5EF4-FFF2-40B4-BE49-F238E27FC236}">
-                <a16:creationId xmlns="" xmlns:a16="http://schemas.microsoft.com/office/drawing/2014/main" id="{10CC5F14-B3A1-490A-BE05-F43D2DE00EB3}"/>
+                <a16:creationId xmlns:a16="http://schemas.microsoft.com/office/drawing/2014/main" xmlns="" id="{10CC5F14-B3A1-490A-BE05-F43D2DE00EB3}"/>
               </a:ext>
             </a:extLst>
           </p:cNvPr>
@@ -2440,7 +2440,7 @@
           <a:p>
             <a:fld id="{8A536929-10AE-434E-B377-C7AB95DD3BB3}" type="datetimeFigureOut">
               <a:rPr lang="nl-NL" smtClean="0"/>
-              <a:t>12-12-2019</a:t>
+              <a:t>28-12-2019</a:t>
             </a:fld>
             <a:endParaRPr lang="nl-NL" dirty="0"/>
           </a:p>
@@ -2451,7 +2451,7 @@
           <p:cNvPr id="3" name="Footer Placeholder 2">
             <a:extLst>
               <a:ext uri="{FF2B5EF4-FFF2-40B4-BE49-F238E27FC236}">
-                <a16:creationId xmlns="" xmlns:a16="http://schemas.microsoft.com/office/drawing/2014/main" id="{A0BF8AEE-66C7-4B25-8EA0-9BF0D231E076}"/>
+                <a16:creationId xmlns:a16="http://schemas.microsoft.com/office/drawing/2014/main" xmlns="" id="{A0BF8AEE-66C7-4B25-8EA0-9BF0D231E076}"/>
               </a:ext>
             </a:extLst>
           </p:cNvPr>
@@ -2476,7 +2476,7 @@
           <p:cNvPr id="4" name="Slide Number Placeholder 3">
             <a:extLst>
               <a:ext uri="{FF2B5EF4-FFF2-40B4-BE49-F238E27FC236}">
-                <a16:creationId xmlns="" xmlns:a16="http://schemas.microsoft.com/office/drawing/2014/main" id="{A3D7C047-0161-4C2F-BA86-9BBA09A5F887}"/>
+                <a16:creationId xmlns:a16="http://schemas.microsoft.com/office/drawing/2014/main" xmlns="" id="{A3D7C047-0161-4C2F-BA86-9BBA09A5F887}"/>
               </a:ext>
             </a:extLst>
           </p:cNvPr>
@@ -2535,7 +2535,7 @@
           <p:cNvPr id="2" name="Title 1">
             <a:extLst>
               <a:ext uri="{FF2B5EF4-FFF2-40B4-BE49-F238E27FC236}">
-                <a16:creationId xmlns="" xmlns:a16="http://schemas.microsoft.com/office/drawing/2014/main" id="{4C3B4CC0-F68E-47D9-8EDA-FFD5DE876471}"/>
+                <a16:creationId xmlns:a16="http://schemas.microsoft.com/office/drawing/2014/main" xmlns="" id="{4C3B4CC0-F68E-47D9-8EDA-FFD5DE876471}"/>
               </a:ext>
             </a:extLst>
           </p:cNvPr>
@@ -2573,7 +2573,7 @@
           <p:cNvPr id="3" name="Content Placeholder 2">
             <a:extLst>
               <a:ext uri="{FF2B5EF4-FFF2-40B4-BE49-F238E27FC236}">
-                <a16:creationId xmlns="" xmlns:a16="http://schemas.microsoft.com/office/drawing/2014/main" id="{38F385BA-9878-40E8-AA59-C52E0A57A330}"/>
+                <a16:creationId xmlns:a16="http://schemas.microsoft.com/office/drawing/2014/main" xmlns="" id="{38F385BA-9878-40E8-AA59-C52E0A57A330}"/>
               </a:ext>
             </a:extLst>
           </p:cNvPr>
@@ -2664,7 +2664,7 @@
           <p:cNvPr id="4" name="Text Placeholder 3">
             <a:extLst>
               <a:ext uri="{FF2B5EF4-FFF2-40B4-BE49-F238E27FC236}">
-                <a16:creationId xmlns="" xmlns:a16="http://schemas.microsoft.com/office/drawing/2014/main" id="{C7800CF9-5054-4035-AA08-13F1AE78A367}"/>
+                <a16:creationId xmlns:a16="http://schemas.microsoft.com/office/drawing/2014/main" xmlns="" id="{C7800CF9-5054-4035-AA08-13F1AE78A367}"/>
               </a:ext>
             </a:extLst>
           </p:cNvPr>
@@ -2735,7 +2735,7 @@
           <p:cNvPr id="5" name="Date Placeholder 4">
             <a:extLst>
               <a:ext uri="{FF2B5EF4-FFF2-40B4-BE49-F238E27FC236}">
-                <a16:creationId xmlns="" xmlns:a16="http://schemas.microsoft.com/office/drawing/2014/main" id="{C1B78EE9-45B1-4268-B034-A2D05742B3BD}"/>
+                <a16:creationId xmlns:a16="http://schemas.microsoft.com/office/drawing/2014/main" xmlns="" id="{C1B78EE9-45B1-4268-B034-A2D05742B3BD}"/>
               </a:ext>
             </a:extLst>
           </p:cNvPr>
@@ -2753,7 +2753,7 @@
           <a:p>
             <a:fld id="{8A536929-10AE-434E-B377-C7AB95DD3BB3}" type="datetimeFigureOut">
               <a:rPr lang="nl-NL" smtClean="0"/>
-              <a:t>12-12-2019</a:t>
+              <a:t>28-12-2019</a:t>
             </a:fld>
             <a:endParaRPr lang="nl-NL" dirty="0"/>
           </a:p>
@@ -2764,7 +2764,7 @@
           <p:cNvPr id="6" name="Footer Placeholder 5">
             <a:extLst>
               <a:ext uri="{FF2B5EF4-FFF2-40B4-BE49-F238E27FC236}">
-                <a16:creationId xmlns="" xmlns:a16="http://schemas.microsoft.com/office/drawing/2014/main" id="{ED9FB690-35E0-42EB-8CCC-DA2C2F4940CF}"/>
+                <a16:creationId xmlns:a16="http://schemas.microsoft.com/office/drawing/2014/main" xmlns="" id="{ED9FB690-35E0-42EB-8CCC-DA2C2F4940CF}"/>
               </a:ext>
             </a:extLst>
           </p:cNvPr>
@@ -2789,7 +2789,7 @@
           <p:cNvPr id="7" name="Slide Number Placeholder 6">
             <a:extLst>
               <a:ext uri="{FF2B5EF4-FFF2-40B4-BE49-F238E27FC236}">
-                <a16:creationId xmlns="" xmlns:a16="http://schemas.microsoft.com/office/drawing/2014/main" id="{B336F7D9-C347-47E9-BEEF-CEF1948529E7}"/>
+                <a16:creationId xmlns:a16="http://schemas.microsoft.com/office/drawing/2014/main" xmlns="" id="{B336F7D9-C347-47E9-BEEF-CEF1948529E7}"/>
               </a:ext>
             </a:extLst>
           </p:cNvPr>
@@ -2848,7 +2848,7 @@
           <p:cNvPr id="2" name="Title 1">
             <a:extLst>
               <a:ext uri="{FF2B5EF4-FFF2-40B4-BE49-F238E27FC236}">
-                <a16:creationId xmlns="" xmlns:a16="http://schemas.microsoft.com/office/drawing/2014/main" id="{987345DA-5CBB-498C-B5A5-E49E9BD855CC}"/>
+                <a16:creationId xmlns:a16="http://schemas.microsoft.com/office/drawing/2014/main" xmlns="" id="{987345DA-5CBB-498C-B5A5-E49E9BD855CC}"/>
               </a:ext>
             </a:extLst>
           </p:cNvPr>
@@ -2886,7 +2886,7 @@
           <p:cNvPr id="3" name="Picture Placeholder 2">
             <a:extLst>
               <a:ext uri="{FF2B5EF4-FFF2-40B4-BE49-F238E27FC236}">
-                <a16:creationId xmlns="" xmlns:a16="http://schemas.microsoft.com/office/drawing/2014/main" id="{286DDD52-3696-4511-BFA9-19DF4432B2CE}"/>
+                <a16:creationId xmlns:a16="http://schemas.microsoft.com/office/drawing/2014/main" xmlns="" id="{286DDD52-3696-4511-BFA9-19DF4432B2CE}"/>
               </a:ext>
             </a:extLst>
           </p:cNvPr>
@@ -2953,7 +2953,7 @@
           <p:cNvPr id="4" name="Text Placeholder 3">
             <a:extLst>
               <a:ext uri="{FF2B5EF4-FFF2-40B4-BE49-F238E27FC236}">
-                <a16:creationId xmlns="" xmlns:a16="http://schemas.microsoft.com/office/drawing/2014/main" id="{5CF79523-0DAE-4D21-82CD-F97093C26ED0}"/>
+                <a16:creationId xmlns:a16="http://schemas.microsoft.com/office/drawing/2014/main" xmlns="" id="{5CF79523-0DAE-4D21-82CD-F97093C26ED0}"/>
               </a:ext>
             </a:extLst>
           </p:cNvPr>
@@ -3024,7 +3024,7 @@
           <p:cNvPr id="5" name="Date Placeholder 4">
             <a:extLst>
               <a:ext uri="{FF2B5EF4-FFF2-40B4-BE49-F238E27FC236}">
-                <a16:creationId xmlns="" xmlns:a16="http://schemas.microsoft.com/office/drawing/2014/main" id="{0F9905C0-D2B9-439C-B94B-234D68D4B874}"/>
+                <a16:creationId xmlns:a16="http://schemas.microsoft.com/office/drawing/2014/main" xmlns="" id="{0F9905C0-D2B9-439C-B94B-234D68D4B874}"/>
               </a:ext>
             </a:extLst>
           </p:cNvPr>
@@ -3042,7 +3042,7 @@
           <a:p>
             <a:fld id="{8A536929-10AE-434E-B377-C7AB95DD3BB3}" type="datetimeFigureOut">
               <a:rPr lang="nl-NL" smtClean="0"/>
-              <a:t>12-12-2019</a:t>
+              <a:t>28-12-2019</a:t>
             </a:fld>
             <a:endParaRPr lang="nl-NL" dirty="0"/>
           </a:p>
@@ -3053,7 +3053,7 @@
           <p:cNvPr id="6" name="Footer Placeholder 5">
             <a:extLst>
               <a:ext uri="{FF2B5EF4-FFF2-40B4-BE49-F238E27FC236}">
-                <a16:creationId xmlns="" xmlns:a16="http://schemas.microsoft.com/office/drawing/2014/main" id="{22093EA3-FA07-4DCE-AEC8-827DB3752C67}"/>
+                <a16:creationId xmlns:a16="http://schemas.microsoft.com/office/drawing/2014/main" xmlns="" id="{22093EA3-FA07-4DCE-AEC8-827DB3752C67}"/>
               </a:ext>
             </a:extLst>
           </p:cNvPr>
@@ -3078,7 +3078,7 @@
           <p:cNvPr id="7" name="Slide Number Placeholder 6">
             <a:extLst>
               <a:ext uri="{FF2B5EF4-FFF2-40B4-BE49-F238E27FC236}">
-                <a16:creationId xmlns="" xmlns:a16="http://schemas.microsoft.com/office/drawing/2014/main" id="{35171860-C496-42A1-BAB3-50BAB58BEAF1}"/>
+                <a16:creationId xmlns:a16="http://schemas.microsoft.com/office/drawing/2014/main" xmlns="" id="{35171860-C496-42A1-BAB3-50BAB58BEAF1}"/>
               </a:ext>
             </a:extLst>
           </p:cNvPr>
@@ -3142,7 +3142,7 @@
           <p:cNvPr id="2" name="Title Placeholder 1">
             <a:extLst>
               <a:ext uri="{FF2B5EF4-FFF2-40B4-BE49-F238E27FC236}">
-                <a16:creationId xmlns="" xmlns:a16="http://schemas.microsoft.com/office/drawing/2014/main" id="{D2BC31AE-F30D-4CE6-862F-53FB107AA697}"/>
+                <a16:creationId xmlns:a16="http://schemas.microsoft.com/office/drawing/2014/main" xmlns="" id="{D2BC31AE-F30D-4CE6-862F-53FB107AA697}"/>
               </a:ext>
             </a:extLst>
           </p:cNvPr>
@@ -3181,7 +3181,7 @@
           <p:cNvPr id="3" name="Text Placeholder 2">
             <a:extLst>
               <a:ext uri="{FF2B5EF4-FFF2-40B4-BE49-F238E27FC236}">
-                <a16:creationId xmlns="" xmlns:a16="http://schemas.microsoft.com/office/drawing/2014/main" id="{C22A83EE-07BF-434D-88D0-946BF0D3C439}"/>
+                <a16:creationId xmlns:a16="http://schemas.microsoft.com/office/drawing/2014/main" xmlns="" id="{C22A83EE-07BF-434D-88D0-946BF0D3C439}"/>
               </a:ext>
             </a:extLst>
           </p:cNvPr>
@@ -3249,7 +3249,7 @@
           <p:cNvPr id="4" name="Date Placeholder 3">
             <a:extLst>
               <a:ext uri="{FF2B5EF4-FFF2-40B4-BE49-F238E27FC236}">
-                <a16:creationId xmlns="" xmlns:a16="http://schemas.microsoft.com/office/drawing/2014/main" id="{8E3E5318-BB17-4FB0-9663-2B17D24D18C1}"/>
+                <a16:creationId xmlns:a16="http://schemas.microsoft.com/office/drawing/2014/main" xmlns="" id="{8E3E5318-BB17-4FB0-9663-2B17D24D18C1}"/>
               </a:ext>
             </a:extLst>
           </p:cNvPr>
@@ -3285,7 +3285,7 @@
           <a:p>
             <a:fld id="{8A536929-10AE-434E-B377-C7AB95DD3BB3}" type="datetimeFigureOut">
               <a:rPr lang="nl-NL" smtClean="0"/>
-              <a:t>12-12-2019</a:t>
+              <a:t>28-12-2019</a:t>
             </a:fld>
             <a:endParaRPr lang="nl-NL" dirty="0"/>
           </a:p>
@@ -3296,7 +3296,7 @@
           <p:cNvPr id="5" name="Footer Placeholder 4">
             <a:extLst>
               <a:ext uri="{FF2B5EF4-FFF2-40B4-BE49-F238E27FC236}">
-                <a16:creationId xmlns="" xmlns:a16="http://schemas.microsoft.com/office/drawing/2014/main" id="{7C9558B9-DBAF-4370-BBA2-52E18CAA879D}"/>
+                <a16:creationId xmlns:a16="http://schemas.microsoft.com/office/drawing/2014/main" xmlns="" id="{7C9558B9-DBAF-4370-BBA2-52E18CAA879D}"/>
               </a:ext>
             </a:extLst>
           </p:cNvPr>
@@ -3339,7 +3339,7 @@
           <p:cNvPr id="6" name="Slide Number Placeholder 5">
             <a:extLst>
               <a:ext uri="{FF2B5EF4-FFF2-40B4-BE49-F238E27FC236}">
-                <a16:creationId xmlns="" xmlns:a16="http://schemas.microsoft.com/office/drawing/2014/main" id="{F00502F2-2E31-44DB-9C84-7D916B295F74}"/>
+                <a16:creationId xmlns:a16="http://schemas.microsoft.com/office/drawing/2014/main" xmlns="" id="{F00502F2-2E31-44DB-9C84-7D916B295F74}"/>
               </a:ext>
             </a:extLst>
           </p:cNvPr>
@@ -3707,7 +3707,7 @@
           <p:cNvPr id="93" name="Rectangle: Rounded Corners 59">
             <a:extLst>
               <a:ext uri="{FF2B5EF4-FFF2-40B4-BE49-F238E27FC236}">
-                <a16:creationId xmlns="" xmlns:a16="http://schemas.microsoft.com/office/drawing/2014/main" id="{FB55B39F-587B-4380-9EDE-DA61719B93C5}"/>
+                <a16:creationId xmlns:a16="http://schemas.microsoft.com/office/drawing/2014/main" xmlns="" id="{FB55B39F-587B-4380-9EDE-DA61719B93C5}"/>
               </a:ext>
             </a:extLst>
           </p:cNvPr>
@@ -4195,8 +4195,8 @@
         </p:nvSpPr>
         <p:spPr>
           <a:xfrm>
-            <a:off x="2746698" y="2486543"/>
-            <a:ext cx="1162498" cy="707886"/>
+            <a:off x="2723836" y="2510550"/>
+            <a:ext cx="1162498" cy="553998"/>
           </a:xfrm>
           <a:prstGeom prst="rect">
             <a:avLst/>
@@ -4210,7 +4210,7 @@
           <a:lstStyle/>
           <a:p>
             <a:r>
-              <a:rPr lang="en-US" sz="1000" dirty="0">
+              <a:rPr lang="en-US" sz="1000" dirty="0" smtClean="0">
                 <a:solidFill>
                   <a:schemeClr val="tx1">
                     <a:lumMod val="65000"/>
@@ -4218,10 +4218,8 @@
                   </a:schemeClr>
                 </a:solidFill>
               </a:rPr>
-              <a:t>Input target scaled</a:t>
-            </a:r>
-          </a:p>
-          <a:p>
+              <a:t>Rotor </a:t>
+            </a:r>
             <a:r>
               <a:rPr lang="en-US" sz="1000" dirty="0">
                 <a:solidFill>
@@ -4231,7 +4229,7 @@
                   </a:schemeClr>
                 </a:solidFill>
               </a:rPr>
-              <a:t>Rotor position</a:t>
+              <a:t>position</a:t>
             </a:r>
           </a:p>
           <a:p>
@@ -4306,8 +4304,8 @@
         </p:nvSpPr>
         <p:spPr>
           <a:xfrm>
-            <a:off x="5777622" y="3946296"/>
-            <a:ext cx="902811" cy="246221"/>
+            <a:off x="5635386" y="3833317"/>
+            <a:ext cx="1162498" cy="400110"/>
           </a:xfrm>
           <a:prstGeom prst="rect">
             <a:avLst/>
@@ -4329,35 +4327,10 @@
                   </a:schemeClr>
                 </a:solidFill>
               </a:rPr>
-              <a:t>Control mode</a:t>
-            </a:r>
-          </a:p>
-        </p:txBody>
-      </p:sp>
-      <p:sp>
-        <p:nvSpPr>
-          <p:cNvPr id="19" name="TextBox 18"/>
-          <p:cNvSpPr txBox="1"/>
-          <p:nvPr/>
-        </p:nvSpPr>
-        <p:spPr>
-          <a:xfrm>
-            <a:off x="7555553" y="3179094"/>
-            <a:ext cx="1032655" cy="553998"/>
-          </a:xfrm>
-          <a:prstGeom prst="rect">
-            <a:avLst/>
-          </a:prstGeom>
-          <a:noFill/>
-        </p:spPr>
-        <p:txBody>
-          <a:bodyPr wrap="none" rtlCol="0">
-            <a:spAutoFit/>
-          </a:bodyPr>
-          <a:lstStyle/>
-          <a:p>
-            <a:r>
-              <a:rPr lang="en-US" sz="1000" dirty="0">
+              <a:t>Control </a:t>
+            </a:r>
+            <a:r>
+              <a:rPr lang="en-US" sz="1000" dirty="0" smtClean="0">
                 <a:solidFill>
                   <a:schemeClr val="tx1">
                     <a:lumMod val="65000"/>
@@ -4365,10 +4338,12 @@
                   </a:schemeClr>
                 </a:solidFill>
               </a:rPr>
-              <a:t>Duty Cycle </a:t>
-            </a:r>
-            <a:r>
-              <a:rPr lang="en-US" sz="1000" dirty="0" err="1">
+              <a:t>mode</a:t>
+            </a:r>
+          </a:p>
+          <a:p>
+            <a:r>
+              <a:rPr lang="en-US" sz="1000" dirty="0">
                 <a:solidFill>
                   <a:schemeClr val="tx1">
                     <a:lumMod val="65000"/>
@@ -4376,7 +4351,18 @@
                   </a:schemeClr>
                 </a:solidFill>
               </a:rPr>
-              <a:t>phaA</a:t>
+              <a:t>Input target </a:t>
+            </a:r>
+            <a:r>
+              <a:rPr lang="en-US" sz="1000" dirty="0" smtClean="0">
+                <a:solidFill>
+                  <a:schemeClr val="tx1">
+                    <a:lumMod val="65000"/>
+                    <a:lumOff val="35000"/>
+                  </a:schemeClr>
+                </a:solidFill>
+              </a:rPr>
+              <a:t>scaled</a:t>
             </a:r>
             <a:endParaRPr lang="en-US" sz="1000" dirty="0">
               <a:solidFill>
@@ -4387,6 +4373,29 @@
               </a:solidFill>
             </a:endParaRPr>
           </a:p>
+        </p:txBody>
+      </p:sp>
+      <p:sp>
+        <p:nvSpPr>
+          <p:cNvPr id="19" name="TextBox 18"/>
+          <p:cNvSpPr txBox="1"/>
+          <p:nvPr/>
+        </p:nvSpPr>
+        <p:spPr>
+          <a:xfrm>
+            <a:off x="7555553" y="3179094"/>
+            <a:ext cx="1032655" cy="553998"/>
+          </a:xfrm>
+          <a:prstGeom prst="rect">
+            <a:avLst/>
+          </a:prstGeom>
+          <a:noFill/>
+        </p:spPr>
+        <p:txBody>
+          <a:bodyPr wrap="none" rtlCol="0">
+            <a:spAutoFit/>
+          </a:bodyPr>
+          <a:lstStyle/>
           <a:p>
             <a:r>
               <a:rPr lang="en-US" sz="1000" dirty="0">
@@ -4408,7 +4417,7 @@
                   </a:schemeClr>
                 </a:solidFill>
               </a:rPr>
-              <a:t>phaB</a:t>
+              <a:t>phaA</a:t>
             </a:r>
             <a:endParaRPr lang="en-US" sz="1000" dirty="0">
               <a:solidFill>
@@ -4440,7 +4449,7 @@
                   </a:schemeClr>
                 </a:solidFill>
               </a:rPr>
-              <a:t>phaC</a:t>
+              <a:t>phaB</a:t>
             </a:r>
             <a:endParaRPr lang="en-US" sz="1000" dirty="0">
               <a:solidFill>
@@ -4451,29 +4460,6 @@
               </a:solidFill>
             </a:endParaRPr>
           </a:p>
-        </p:txBody>
-      </p:sp>
-      <p:sp>
-        <p:nvSpPr>
-          <p:cNvPr id="20" name="TextBox 19"/>
-          <p:cNvSpPr txBox="1"/>
-          <p:nvPr/>
-        </p:nvSpPr>
-        <p:spPr>
-          <a:xfrm>
-            <a:off x="8231122" y="1463257"/>
-            <a:ext cx="1032655" cy="553998"/>
-          </a:xfrm>
-          <a:prstGeom prst="rect">
-            <a:avLst/>
-          </a:prstGeom>
-          <a:noFill/>
-        </p:spPr>
-        <p:txBody>
-          <a:bodyPr wrap="none" rtlCol="0">
-            <a:spAutoFit/>
-          </a:bodyPr>
-          <a:lstStyle/>
           <a:p>
             <a:r>
               <a:rPr lang="en-US" sz="1000" dirty="0">
@@ -4495,7 +4481,7 @@
                   </a:schemeClr>
                 </a:solidFill>
               </a:rPr>
-              <a:t>phaA</a:t>
+              <a:t>phaC</a:t>
             </a:r>
             <a:endParaRPr lang="en-US" sz="1000" dirty="0">
               <a:solidFill>
@@ -4506,6 +4492,29 @@
               </a:solidFill>
             </a:endParaRPr>
           </a:p>
+        </p:txBody>
+      </p:sp>
+      <p:sp>
+        <p:nvSpPr>
+          <p:cNvPr id="20" name="TextBox 19"/>
+          <p:cNvSpPr txBox="1"/>
+          <p:nvPr/>
+        </p:nvSpPr>
+        <p:spPr>
+          <a:xfrm>
+            <a:off x="8231122" y="1463257"/>
+            <a:ext cx="1032655" cy="553998"/>
+          </a:xfrm>
+          <a:prstGeom prst="rect">
+            <a:avLst/>
+          </a:prstGeom>
+          <a:noFill/>
+        </p:spPr>
+        <p:txBody>
+          <a:bodyPr wrap="none" rtlCol="0">
+            <a:spAutoFit/>
+          </a:bodyPr>
+          <a:lstStyle/>
           <a:p>
             <a:r>
               <a:rPr lang="en-US" sz="1000" dirty="0">
@@ -4527,7 +4536,7 @@
                   </a:schemeClr>
                 </a:solidFill>
               </a:rPr>
-              <a:t>phaB</a:t>
+              <a:t>phaA</a:t>
             </a:r>
             <a:endParaRPr lang="en-US" sz="1000" dirty="0">
               <a:solidFill>
@@ -4559,7 +4568,7 @@
                   </a:schemeClr>
                 </a:solidFill>
               </a:rPr>
-              <a:t>phaC</a:t>
+              <a:t>phaB</a:t>
             </a:r>
             <a:endParaRPr lang="en-US" sz="1000" dirty="0">
               <a:solidFill>
@@ -4570,6 +4579,38 @@
               </a:solidFill>
             </a:endParaRPr>
           </a:p>
+          <a:p>
+            <a:r>
+              <a:rPr lang="en-US" sz="1000" dirty="0">
+                <a:solidFill>
+                  <a:schemeClr val="tx1">
+                    <a:lumMod val="65000"/>
+                    <a:lumOff val="35000"/>
+                  </a:schemeClr>
+                </a:solidFill>
+              </a:rPr>
+              <a:t>Duty Cycle </a:t>
+            </a:r>
+            <a:r>
+              <a:rPr lang="en-US" sz="1000" dirty="0" err="1">
+                <a:solidFill>
+                  <a:schemeClr val="tx1">
+                    <a:lumMod val="65000"/>
+                    <a:lumOff val="35000"/>
+                  </a:schemeClr>
+                </a:solidFill>
+              </a:rPr>
+              <a:t>phaC</a:t>
+            </a:r>
+            <a:endParaRPr lang="en-US" sz="1000" dirty="0">
+              <a:solidFill>
+                <a:schemeClr val="tx1">
+                  <a:lumMod val="65000"/>
+                  <a:lumOff val="35000"/>
+                </a:schemeClr>
+              </a:solidFill>
+            </a:endParaRPr>
+          </a:p>
         </p:txBody>
       </p:sp>
       <p:sp>
@@ -4580,8 +4621,8 @@
         </p:nvSpPr>
         <p:spPr>
           <a:xfrm>
-            <a:off x="6068419" y="1626070"/>
-            <a:ext cx="833883" cy="246221"/>
+            <a:off x="5788738" y="1536023"/>
+            <a:ext cx="1162498" cy="400110"/>
           </a:xfrm>
           <a:prstGeom prst="rect">
             <a:avLst/>
@@ -4603,8 +4644,51 @@
                   </a:schemeClr>
                 </a:solidFill>
               </a:rPr>
-              <a:t>Control type</a:t>
-            </a:r>
+              <a:t>Control </a:t>
+            </a:r>
+            <a:r>
+              <a:rPr lang="en-US" sz="1000" dirty="0" smtClean="0">
+                <a:solidFill>
+                  <a:schemeClr val="tx1">
+                    <a:lumMod val="65000"/>
+                    <a:lumOff val="35000"/>
+                  </a:schemeClr>
+                </a:solidFill>
+              </a:rPr>
+              <a:t>type</a:t>
+            </a:r>
+          </a:p>
+          <a:p>
+            <a:r>
+              <a:rPr lang="en-US" sz="1000" dirty="0">
+                <a:solidFill>
+                  <a:schemeClr val="tx1">
+                    <a:lumMod val="65000"/>
+                    <a:lumOff val="35000"/>
+                  </a:schemeClr>
+                </a:solidFill>
+              </a:rPr>
+              <a:t>Input target </a:t>
+            </a:r>
+            <a:r>
+              <a:rPr lang="en-US" sz="1000" dirty="0" smtClean="0">
+                <a:solidFill>
+                  <a:schemeClr val="tx1">
+                    <a:lumMod val="65000"/>
+                    <a:lumOff val="35000"/>
+                  </a:schemeClr>
+                </a:solidFill>
+              </a:rPr>
+              <a:t>scaled</a:t>
+            </a:r>
+            <a:endParaRPr lang="en-US" sz="1000" dirty="0">
+              <a:solidFill>
+                <a:schemeClr val="tx1">
+                  <a:lumMod val="65000"/>
+                  <a:lumOff val="35000"/>
+                </a:schemeClr>
+              </a:solidFill>
+            </a:endParaRPr>
           </a:p>
         </p:txBody>
       </p:sp>
@@ -5208,7 +5292,7 @@
           <p:cNvPr id="33" name="TextBox 32">
             <a:extLst>
               <a:ext uri="{FF2B5EF4-FFF2-40B4-BE49-F238E27FC236}">
-                <a16:creationId xmlns="" xmlns:a16="http://schemas.microsoft.com/office/drawing/2014/main" id="{3D0C8EA1-2D16-4DAD-BF75-ACD75B6B7E95}"/>
+                <a16:creationId xmlns:a16="http://schemas.microsoft.com/office/drawing/2014/main" xmlns="" id="{3D0C8EA1-2D16-4DAD-BF75-ACD75B6B7E95}"/>
               </a:ext>
             </a:extLst>
           </p:cNvPr>
@@ -5263,7 +5347,7 @@
           <p:cNvPr id="40" name="Straight Arrow Connector 49">
             <a:extLst>
               <a:ext uri="{FF2B5EF4-FFF2-40B4-BE49-F238E27FC236}">
-                <a16:creationId xmlns="" xmlns:a16="http://schemas.microsoft.com/office/drawing/2014/main" id="{785993E8-84DC-4A42-A682-B256D8D45969}"/>
+                <a16:creationId xmlns:a16="http://schemas.microsoft.com/office/drawing/2014/main" xmlns="" id="{785993E8-84DC-4A42-A682-B256D8D45969}"/>
               </a:ext>
             </a:extLst>
           </p:cNvPr>
@@ -5306,7 +5390,7 @@
           <p:cNvPr id="47" name="Rectangle 46">
             <a:extLst>
               <a:ext uri="{FF2B5EF4-FFF2-40B4-BE49-F238E27FC236}">
-                <a16:creationId xmlns="" xmlns:a16="http://schemas.microsoft.com/office/drawing/2014/main" id="{2BC04451-81F2-4865-84AF-73E257419185}"/>
+                <a16:creationId xmlns:a16="http://schemas.microsoft.com/office/drawing/2014/main" xmlns="" id="{2BC04451-81F2-4865-84AF-73E257419185}"/>
               </a:ext>
             </a:extLst>
           </p:cNvPr>
@@ -5365,7 +5449,7 @@
           <p:cNvPr id="54" name="TextBox 53">
             <a:extLst>
               <a:ext uri="{FF2B5EF4-FFF2-40B4-BE49-F238E27FC236}">
-                <a16:creationId xmlns="" xmlns:a16="http://schemas.microsoft.com/office/drawing/2014/main" id="{94717E7F-3138-484A-9D4F-AD82E349DD22}"/>
+                <a16:creationId xmlns:a16="http://schemas.microsoft.com/office/drawing/2014/main" xmlns="" id="{94717E7F-3138-484A-9D4F-AD82E349DD22}"/>
               </a:ext>
             </a:extLst>
           </p:cNvPr>
@@ -5426,7 +5510,7 @@
           <p:cNvPr id="55" name="Straight Arrow Connector 54">
             <a:extLst>
               <a:ext uri="{FF2B5EF4-FFF2-40B4-BE49-F238E27FC236}">
-                <a16:creationId xmlns="" xmlns:a16="http://schemas.microsoft.com/office/drawing/2014/main" id="{E2080BA4-8F76-4279-A8F6-23ECEBC3B79F}"/>
+                <a16:creationId xmlns:a16="http://schemas.microsoft.com/office/drawing/2014/main" xmlns="" id="{E2080BA4-8F76-4279-A8F6-23ECEBC3B79F}"/>
               </a:ext>
             </a:extLst>
           </p:cNvPr>
@@ -5495,7 +5579,7 @@
           <p:cNvPr id="93" name="Rectangle: Rounded Corners 59">
             <a:extLst>
               <a:ext uri="{FF2B5EF4-FFF2-40B4-BE49-F238E27FC236}">
-                <a16:creationId xmlns="" xmlns:a16="http://schemas.microsoft.com/office/drawing/2014/main" id="{FB55B39F-587B-4380-9EDE-DA61719B93C5}"/>
+                <a16:creationId xmlns:a16="http://schemas.microsoft.com/office/drawing/2014/main" xmlns="" id="{FB55B39F-587B-4380-9EDE-DA61719B93C5}"/>
               </a:ext>
             </a:extLst>
           </p:cNvPr>
@@ -7470,7 +7554,7 @@
           <p:cNvPr id="30" name="Straight Arrow Connector 29">
             <a:extLst>
               <a:ext uri="{FF2B5EF4-FFF2-40B4-BE49-F238E27FC236}">
-                <a16:creationId xmlns="" xmlns:a16="http://schemas.microsoft.com/office/drawing/2014/main" id="{E46A8BE3-4081-4F67-87BF-BB010579F1D9}"/>
+                <a16:creationId xmlns:a16="http://schemas.microsoft.com/office/drawing/2014/main" xmlns="" id="{E46A8BE3-4081-4F67-87BF-BB010579F1D9}"/>
               </a:ext>
             </a:extLst>
           </p:cNvPr>
@@ -7517,7 +7601,7 @@
           <p:cNvPr id="46" name="Straight Arrow Connector 45">
             <a:extLst>
               <a:ext uri="{FF2B5EF4-FFF2-40B4-BE49-F238E27FC236}">
-                <a16:creationId xmlns="" xmlns:a16="http://schemas.microsoft.com/office/drawing/2014/main" id="{06C8FB47-1988-4CE0-B1F8-56C4595F5C96}"/>
+                <a16:creationId xmlns:a16="http://schemas.microsoft.com/office/drawing/2014/main" xmlns="" id="{06C8FB47-1988-4CE0-B1F8-56C4595F5C96}"/>
               </a:ext>
             </a:extLst>
           </p:cNvPr>
@@ -7565,7 +7649,7 @@
           <p:cNvPr id="74" name="Straight Arrow Connector 73">
             <a:extLst>
               <a:ext uri="{FF2B5EF4-FFF2-40B4-BE49-F238E27FC236}">
-                <a16:creationId xmlns="" xmlns:a16="http://schemas.microsoft.com/office/drawing/2014/main" id="{FAB8FE15-D4B6-4A12-BC15-B1957B1DA4EB}"/>
+                <a16:creationId xmlns:a16="http://schemas.microsoft.com/office/drawing/2014/main" xmlns="" id="{FAB8FE15-D4B6-4A12-BC15-B1957B1DA4EB}"/>
               </a:ext>
             </a:extLst>
           </p:cNvPr>
@@ -7612,7 +7696,7 @@
           <p:cNvPr id="137" name="Straight Arrow Connector 136">
             <a:extLst>
               <a:ext uri="{FF2B5EF4-FFF2-40B4-BE49-F238E27FC236}">
-                <a16:creationId xmlns="" xmlns:a16="http://schemas.microsoft.com/office/drawing/2014/main" id="{2DA64D39-B395-44C3-A6EC-D2F3ACAE6793}"/>
+                <a16:creationId xmlns:a16="http://schemas.microsoft.com/office/drawing/2014/main" xmlns="" id="{2DA64D39-B395-44C3-A6EC-D2F3ACAE6793}"/>
               </a:ext>
             </a:extLst>
           </p:cNvPr>
@@ -7659,7 +7743,7 @@
           <p:cNvPr id="4" name="Straight Arrow Connector 3">
             <a:extLst>
               <a:ext uri="{FF2B5EF4-FFF2-40B4-BE49-F238E27FC236}">
-                <a16:creationId xmlns="" xmlns:a16="http://schemas.microsoft.com/office/drawing/2014/main" id="{9AF35FA3-9F0B-4F02-A7E2-F9485C46C42E}"/>
+                <a16:creationId xmlns:a16="http://schemas.microsoft.com/office/drawing/2014/main" xmlns="" id="{9AF35FA3-9F0B-4F02-A7E2-F9485C46C42E}"/>
               </a:ext>
             </a:extLst>
           </p:cNvPr>
@@ -7701,7 +7785,7 @@
           <p:cNvPr id="6" name="TextBox 5">
             <a:extLst>
               <a:ext uri="{FF2B5EF4-FFF2-40B4-BE49-F238E27FC236}">
-                <a16:creationId xmlns="" xmlns:a16="http://schemas.microsoft.com/office/drawing/2014/main" id="{36124F6A-2C77-43EB-8B2B-028ADBD7C79D}"/>
+                <a16:creationId xmlns:a16="http://schemas.microsoft.com/office/drawing/2014/main" xmlns="" id="{36124F6A-2C77-43EB-8B2B-028ADBD7C79D}"/>
               </a:ext>
             </a:extLst>
           </p:cNvPr>
@@ -7744,7 +7828,7 @@
           <p:cNvPr id="7" name="TextBox 6">
             <a:extLst>
               <a:ext uri="{FF2B5EF4-FFF2-40B4-BE49-F238E27FC236}">
-                <a16:creationId xmlns="" xmlns:a16="http://schemas.microsoft.com/office/drawing/2014/main" id="{A62C4A0A-AAAC-4752-89CE-B24329A6E291}"/>
+                <a16:creationId xmlns:a16="http://schemas.microsoft.com/office/drawing/2014/main" xmlns="" id="{A62C4A0A-AAAC-4752-89CE-B24329A6E291}"/>
               </a:ext>
             </a:extLst>
           </p:cNvPr>
@@ -7787,7 +7871,7 @@
           <p:cNvPr id="8" name="TextBox 7">
             <a:extLst>
               <a:ext uri="{FF2B5EF4-FFF2-40B4-BE49-F238E27FC236}">
-                <a16:creationId xmlns="" xmlns:a16="http://schemas.microsoft.com/office/drawing/2014/main" id="{853F7814-A34F-47E8-A0DB-B482A240DA24}"/>
+                <a16:creationId xmlns:a16="http://schemas.microsoft.com/office/drawing/2014/main" xmlns="" id="{853F7814-A34F-47E8-A0DB-B482A240DA24}"/>
               </a:ext>
             </a:extLst>
           </p:cNvPr>
@@ -7830,7 +7914,7 @@
           <p:cNvPr id="12" name="TextBox 11">
             <a:extLst>
               <a:ext uri="{FF2B5EF4-FFF2-40B4-BE49-F238E27FC236}">
-                <a16:creationId xmlns="" xmlns:a16="http://schemas.microsoft.com/office/drawing/2014/main" id="{CF6B7E14-DB04-4C1C-A6E6-B0BC5DA20BBA}"/>
+                <a16:creationId xmlns:a16="http://schemas.microsoft.com/office/drawing/2014/main" xmlns="" id="{CF6B7E14-DB04-4C1C-A6E6-B0BC5DA20BBA}"/>
               </a:ext>
             </a:extLst>
           </p:cNvPr>
@@ -7873,7 +7957,7 @@
           <p:cNvPr id="13" name="TextBox 12">
             <a:extLst>
               <a:ext uri="{FF2B5EF4-FFF2-40B4-BE49-F238E27FC236}">
-                <a16:creationId xmlns="" xmlns:a16="http://schemas.microsoft.com/office/drawing/2014/main" id="{777A4AE9-956F-41C1-B246-AD3ED345ACBE}"/>
+                <a16:creationId xmlns:a16="http://schemas.microsoft.com/office/drawing/2014/main" xmlns="" id="{777A4AE9-956F-41C1-B246-AD3ED345ACBE}"/>
               </a:ext>
             </a:extLst>
           </p:cNvPr>
@@ -7916,7 +8000,7 @@
           <p:cNvPr id="14" name="TextBox 13">
             <a:extLst>
               <a:ext uri="{FF2B5EF4-FFF2-40B4-BE49-F238E27FC236}">
-                <a16:creationId xmlns="" xmlns:a16="http://schemas.microsoft.com/office/drawing/2014/main" id="{1C29AA57-70E7-4FFE-87FB-25C5E3989C76}"/>
+                <a16:creationId xmlns:a16="http://schemas.microsoft.com/office/drawing/2014/main" xmlns="" id="{1C29AA57-70E7-4FFE-87FB-25C5E3989C76}"/>
               </a:ext>
             </a:extLst>
           </p:cNvPr>
@@ -7967,7 +8051,7 @@
           <p:cNvPr id="21" name="Straight Arrow Connector 20">
             <a:extLst>
               <a:ext uri="{FF2B5EF4-FFF2-40B4-BE49-F238E27FC236}">
-                <a16:creationId xmlns="" xmlns:a16="http://schemas.microsoft.com/office/drawing/2014/main" id="{C8BBB5BD-D545-4CFA-890B-34BED31C7089}"/>
+                <a16:creationId xmlns:a16="http://schemas.microsoft.com/office/drawing/2014/main" xmlns="" id="{C8BBB5BD-D545-4CFA-890B-34BED31C7089}"/>
               </a:ext>
             </a:extLst>
           </p:cNvPr>
@@ -8011,7 +8095,7 @@
           <p:cNvPr id="25" name="Straight Arrow Connector 24">
             <a:extLst>
               <a:ext uri="{FF2B5EF4-FFF2-40B4-BE49-F238E27FC236}">
-                <a16:creationId xmlns="" xmlns:a16="http://schemas.microsoft.com/office/drawing/2014/main" id="{83BA2AF6-D61B-45E3-810A-EC7C0068AA1A}"/>
+                <a16:creationId xmlns:a16="http://schemas.microsoft.com/office/drawing/2014/main" xmlns="" id="{83BA2AF6-D61B-45E3-810A-EC7C0068AA1A}"/>
               </a:ext>
             </a:extLst>
           </p:cNvPr>
@@ -8055,7 +8139,7 @@
           <p:cNvPr id="27" name="Straight Arrow Connector 26">
             <a:extLst>
               <a:ext uri="{FF2B5EF4-FFF2-40B4-BE49-F238E27FC236}">
-                <a16:creationId xmlns="" xmlns:a16="http://schemas.microsoft.com/office/drawing/2014/main" id="{ECF63724-4430-4379-83B0-00F3DA3DF7C5}"/>
+                <a16:creationId xmlns:a16="http://schemas.microsoft.com/office/drawing/2014/main" xmlns="" id="{ECF63724-4430-4379-83B0-00F3DA3DF7C5}"/>
               </a:ext>
             </a:extLst>
           </p:cNvPr>
@@ -8102,7 +8186,7 @@
           <p:cNvPr id="33" name="TextBox 32">
             <a:extLst>
               <a:ext uri="{FF2B5EF4-FFF2-40B4-BE49-F238E27FC236}">
-                <a16:creationId xmlns="" xmlns:a16="http://schemas.microsoft.com/office/drawing/2014/main" id="{D19E82E8-9B43-43A1-9B4A-0AAE0514215A}"/>
+                <a16:creationId xmlns:a16="http://schemas.microsoft.com/office/drawing/2014/main" xmlns="" id="{D19E82E8-9B43-43A1-9B4A-0AAE0514215A}"/>
               </a:ext>
             </a:extLst>
           </p:cNvPr>
@@ -8164,7 +8248,7 @@
           <p:cNvPr id="40" name="TextBox 39">
             <a:extLst>
               <a:ext uri="{FF2B5EF4-FFF2-40B4-BE49-F238E27FC236}">
-                <a16:creationId xmlns="" xmlns:a16="http://schemas.microsoft.com/office/drawing/2014/main" id="{D143E603-18FE-43C1-8AA8-D84C33B9FAB3}"/>
+                <a16:creationId xmlns:a16="http://schemas.microsoft.com/office/drawing/2014/main" xmlns="" id="{D143E603-18FE-43C1-8AA8-D84C33B9FAB3}"/>
               </a:ext>
             </a:extLst>
           </p:cNvPr>
@@ -8207,7 +8291,7 @@
           <p:cNvPr id="43" name="Straight Arrow Connector 42">
             <a:extLst>
               <a:ext uri="{FF2B5EF4-FFF2-40B4-BE49-F238E27FC236}">
-                <a16:creationId xmlns="" xmlns:a16="http://schemas.microsoft.com/office/drawing/2014/main" id="{AE351057-918D-4339-A99A-31DD180315E3}"/>
+                <a16:creationId xmlns:a16="http://schemas.microsoft.com/office/drawing/2014/main" xmlns="" id="{AE351057-918D-4339-A99A-31DD180315E3}"/>
               </a:ext>
             </a:extLst>
           </p:cNvPr>
@@ -8255,7 +8339,7 @@
           <p:cNvPr id="48" name="Straight Arrow Connector 47">
             <a:extLst>
               <a:ext uri="{FF2B5EF4-FFF2-40B4-BE49-F238E27FC236}">
-                <a16:creationId xmlns="" xmlns:a16="http://schemas.microsoft.com/office/drawing/2014/main" id="{01E42AFB-EAF9-474D-BB57-D52B10F34F3A}"/>
+                <a16:creationId xmlns:a16="http://schemas.microsoft.com/office/drawing/2014/main" xmlns="" id="{01E42AFB-EAF9-474D-BB57-D52B10F34F3A}"/>
               </a:ext>
             </a:extLst>
           </p:cNvPr>
@@ -8297,7 +8381,7 @@
           <p:cNvPr id="49" name="TextBox 48">
             <a:extLst>
               <a:ext uri="{FF2B5EF4-FFF2-40B4-BE49-F238E27FC236}">
-                <a16:creationId xmlns="" xmlns:a16="http://schemas.microsoft.com/office/drawing/2014/main" id="{34497D33-2DF5-4FCA-909E-DD0AB7B259FE}"/>
+                <a16:creationId xmlns:a16="http://schemas.microsoft.com/office/drawing/2014/main" xmlns="" id="{34497D33-2DF5-4FCA-909E-DD0AB7B259FE}"/>
               </a:ext>
             </a:extLst>
           </p:cNvPr>
@@ -8340,7 +8424,7 @@
           <p:cNvPr id="50" name="TextBox 49">
             <a:extLst>
               <a:ext uri="{FF2B5EF4-FFF2-40B4-BE49-F238E27FC236}">
-                <a16:creationId xmlns="" xmlns:a16="http://schemas.microsoft.com/office/drawing/2014/main" id="{D889722C-127F-4F8F-8DBA-6888339E179F}"/>
+                <a16:creationId xmlns:a16="http://schemas.microsoft.com/office/drawing/2014/main" xmlns="" id="{D889722C-127F-4F8F-8DBA-6888339E179F}"/>
               </a:ext>
             </a:extLst>
           </p:cNvPr>
@@ -8383,7 +8467,7 @@
           <p:cNvPr id="52" name="Straight Arrow Connector 51">
             <a:extLst>
               <a:ext uri="{FF2B5EF4-FFF2-40B4-BE49-F238E27FC236}">
-                <a16:creationId xmlns="" xmlns:a16="http://schemas.microsoft.com/office/drawing/2014/main" id="{A9B77B00-F1CA-42F7-B2BF-80193510AF57}"/>
+                <a16:creationId xmlns:a16="http://schemas.microsoft.com/office/drawing/2014/main" xmlns="" id="{A9B77B00-F1CA-42F7-B2BF-80193510AF57}"/>
               </a:ext>
             </a:extLst>
           </p:cNvPr>
@@ -8430,7 +8514,7 @@
           <p:cNvPr id="54" name="Straight Arrow Connector 53">
             <a:extLst>
               <a:ext uri="{FF2B5EF4-FFF2-40B4-BE49-F238E27FC236}">
-                <a16:creationId xmlns="" xmlns:a16="http://schemas.microsoft.com/office/drawing/2014/main" id="{A0D56036-B84F-4222-9C1C-4EE8768D52CA}"/>
+                <a16:creationId xmlns:a16="http://schemas.microsoft.com/office/drawing/2014/main" xmlns="" id="{A0D56036-B84F-4222-9C1C-4EE8768D52CA}"/>
               </a:ext>
             </a:extLst>
           </p:cNvPr>
@@ -8474,7 +8558,7 @@
           <p:cNvPr id="56" name="Straight Arrow Connector 55">
             <a:extLst>
               <a:ext uri="{FF2B5EF4-FFF2-40B4-BE49-F238E27FC236}">
-                <a16:creationId xmlns="" xmlns:a16="http://schemas.microsoft.com/office/drawing/2014/main" id="{800CD5F9-F76D-4DA2-812B-CBC2597F7D76}"/>
+                <a16:creationId xmlns:a16="http://schemas.microsoft.com/office/drawing/2014/main" xmlns="" id="{800CD5F9-F76D-4DA2-812B-CBC2597F7D76}"/>
               </a:ext>
             </a:extLst>
           </p:cNvPr>
@@ -8521,7 +8605,7 @@
           <p:cNvPr id="57" name="Straight Arrow Connector 56">
             <a:extLst>
               <a:ext uri="{FF2B5EF4-FFF2-40B4-BE49-F238E27FC236}">
-                <a16:creationId xmlns="" xmlns:a16="http://schemas.microsoft.com/office/drawing/2014/main" id="{C1D4A41C-EA2A-467F-A30F-28536E20CD24}"/>
+                <a16:creationId xmlns:a16="http://schemas.microsoft.com/office/drawing/2014/main" xmlns="" id="{C1D4A41C-EA2A-467F-A30F-28536E20CD24}"/>
               </a:ext>
             </a:extLst>
           </p:cNvPr>
@@ -8568,7 +8652,7 @@
           <p:cNvPr id="63" name="Straight Arrow Connector 62">
             <a:extLst>
               <a:ext uri="{FF2B5EF4-FFF2-40B4-BE49-F238E27FC236}">
-                <a16:creationId xmlns="" xmlns:a16="http://schemas.microsoft.com/office/drawing/2014/main" id="{34647C29-7FCE-4CF5-A9DA-819D7DC3504F}"/>
+                <a16:creationId xmlns:a16="http://schemas.microsoft.com/office/drawing/2014/main" xmlns="" id="{34647C29-7FCE-4CF5-A9DA-819D7DC3504F}"/>
               </a:ext>
             </a:extLst>
           </p:cNvPr>
@@ -8615,7 +8699,7 @@
           <p:cNvPr id="69" name="TextBox 68">
             <a:extLst>
               <a:ext uri="{FF2B5EF4-FFF2-40B4-BE49-F238E27FC236}">
-                <a16:creationId xmlns="" xmlns:a16="http://schemas.microsoft.com/office/drawing/2014/main" id="{882D57C7-1F39-4A02-913E-05A069E83129}"/>
+                <a16:creationId xmlns:a16="http://schemas.microsoft.com/office/drawing/2014/main" xmlns="" id="{882D57C7-1F39-4A02-913E-05A069E83129}"/>
               </a:ext>
             </a:extLst>
           </p:cNvPr>
@@ -8658,7 +8742,7 @@
           <p:cNvPr id="72" name="TextBox 71">
             <a:extLst>
               <a:ext uri="{FF2B5EF4-FFF2-40B4-BE49-F238E27FC236}">
-                <a16:creationId xmlns="" xmlns:a16="http://schemas.microsoft.com/office/drawing/2014/main" id="{6019CCD2-BCAD-4C6C-B9FB-685D87DEF07A}"/>
+                <a16:creationId xmlns:a16="http://schemas.microsoft.com/office/drawing/2014/main" xmlns="" id="{6019CCD2-BCAD-4C6C-B9FB-685D87DEF07A}"/>
               </a:ext>
             </a:extLst>
           </p:cNvPr>
@@ -8701,7 +8785,7 @@
           <p:cNvPr id="73" name="Straight Arrow Connector 72">
             <a:extLst>
               <a:ext uri="{FF2B5EF4-FFF2-40B4-BE49-F238E27FC236}">
-                <a16:creationId xmlns="" xmlns:a16="http://schemas.microsoft.com/office/drawing/2014/main" id="{C0AA4F36-E518-490D-B2F5-BB1B58479D79}"/>
+                <a16:creationId xmlns:a16="http://schemas.microsoft.com/office/drawing/2014/main" xmlns="" id="{C0AA4F36-E518-490D-B2F5-BB1B58479D79}"/>
               </a:ext>
             </a:extLst>
           </p:cNvPr>
@@ -8749,7 +8833,7 @@
           <p:cNvPr id="75" name="TextBox 74">
             <a:extLst>
               <a:ext uri="{FF2B5EF4-FFF2-40B4-BE49-F238E27FC236}">
-                <a16:creationId xmlns="" xmlns:a16="http://schemas.microsoft.com/office/drawing/2014/main" id="{F66B8F31-E8B2-4524-860A-EF56C3BB5D46}"/>
+                <a16:creationId xmlns:a16="http://schemas.microsoft.com/office/drawing/2014/main" xmlns="" id="{F66B8F31-E8B2-4524-860A-EF56C3BB5D46}"/>
               </a:ext>
             </a:extLst>
           </p:cNvPr>
@@ -8792,7 +8876,7 @@
           <p:cNvPr id="114" name="Left Brace 113">
             <a:extLst>
               <a:ext uri="{FF2B5EF4-FFF2-40B4-BE49-F238E27FC236}">
-                <a16:creationId xmlns="" xmlns:a16="http://schemas.microsoft.com/office/drawing/2014/main" id="{2C9409CD-E619-4342-B398-EAAFA8C6AB6B}"/>
+                <a16:creationId xmlns:a16="http://schemas.microsoft.com/office/drawing/2014/main" xmlns="" id="{2C9409CD-E619-4342-B398-EAAFA8C6AB6B}"/>
               </a:ext>
             </a:extLst>
           </p:cNvPr>
@@ -8839,7 +8923,7 @@
           <p:cNvPr id="115" name="Left Brace 114">
             <a:extLst>
               <a:ext uri="{FF2B5EF4-FFF2-40B4-BE49-F238E27FC236}">
-                <a16:creationId xmlns="" xmlns:a16="http://schemas.microsoft.com/office/drawing/2014/main" id="{1F9FD482-1F8E-47DF-9845-ED97752A1AD0}"/>
+                <a16:creationId xmlns:a16="http://schemas.microsoft.com/office/drawing/2014/main" xmlns="" id="{1F9FD482-1F8E-47DF-9845-ED97752A1AD0}"/>
               </a:ext>
             </a:extLst>
           </p:cNvPr>
@@ -8886,7 +8970,7 @@
           <p:cNvPr id="117" name="Straight Arrow Connector 116">
             <a:extLst>
               <a:ext uri="{FF2B5EF4-FFF2-40B4-BE49-F238E27FC236}">
-                <a16:creationId xmlns="" xmlns:a16="http://schemas.microsoft.com/office/drawing/2014/main" id="{C18AAEAF-D713-4D29-A4C7-7D56FE798B38}"/>
+                <a16:creationId xmlns:a16="http://schemas.microsoft.com/office/drawing/2014/main" xmlns="" id="{C18AAEAF-D713-4D29-A4C7-7D56FE798B38}"/>
               </a:ext>
             </a:extLst>
           </p:cNvPr>
@@ -8930,7 +9014,7 @@
           <p:cNvPr id="123" name="Rectangle: Rounded Corners 59">
             <a:extLst>
               <a:ext uri="{FF2B5EF4-FFF2-40B4-BE49-F238E27FC236}">
-                <a16:creationId xmlns="" xmlns:a16="http://schemas.microsoft.com/office/drawing/2014/main" id="{336CB00B-D67F-4975-AC35-BC9DA8F425BD}"/>
+                <a16:creationId xmlns:a16="http://schemas.microsoft.com/office/drawing/2014/main" xmlns="" id="{336CB00B-D67F-4975-AC35-BC9DA8F425BD}"/>
               </a:ext>
             </a:extLst>
           </p:cNvPr>
@@ -9041,7 +9125,7 @@
           <p:cNvPr id="125" name="Straight Arrow Connector 124">
             <a:extLst>
               <a:ext uri="{FF2B5EF4-FFF2-40B4-BE49-F238E27FC236}">
-                <a16:creationId xmlns="" xmlns:a16="http://schemas.microsoft.com/office/drawing/2014/main" id="{78C2436E-73B2-47D8-B15E-FBCC77845DA4}"/>
+                <a16:creationId xmlns:a16="http://schemas.microsoft.com/office/drawing/2014/main" xmlns="" id="{78C2436E-73B2-47D8-B15E-FBCC77845DA4}"/>
               </a:ext>
             </a:extLst>
           </p:cNvPr>
@@ -9087,7 +9171,7 @@
           <p:cNvPr id="126" name="Straight Arrow Connector 125">
             <a:extLst>
               <a:ext uri="{FF2B5EF4-FFF2-40B4-BE49-F238E27FC236}">
-                <a16:creationId xmlns="" xmlns:a16="http://schemas.microsoft.com/office/drawing/2014/main" id="{EF606D66-F247-447A-B89A-E5931E2AE224}"/>
+                <a16:creationId xmlns:a16="http://schemas.microsoft.com/office/drawing/2014/main" xmlns="" id="{EF606D66-F247-447A-B89A-E5931E2AE224}"/>
               </a:ext>
             </a:extLst>
           </p:cNvPr>
@@ -9129,7 +9213,7 @@
           <p:cNvPr id="127" name="TextBox 126">
             <a:extLst>
               <a:ext uri="{FF2B5EF4-FFF2-40B4-BE49-F238E27FC236}">
-                <a16:creationId xmlns="" xmlns:a16="http://schemas.microsoft.com/office/drawing/2014/main" id="{7F58B912-DF15-46DC-AD49-8A06D02169BB}"/>
+                <a16:creationId xmlns:a16="http://schemas.microsoft.com/office/drawing/2014/main" xmlns="" id="{7F58B912-DF15-46DC-AD49-8A06D02169BB}"/>
               </a:ext>
             </a:extLst>
           </p:cNvPr>
@@ -9172,7 +9256,7 @@
           <p:cNvPr id="128" name="TextBox 127">
             <a:extLst>
               <a:ext uri="{FF2B5EF4-FFF2-40B4-BE49-F238E27FC236}">
-                <a16:creationId xmlns="" xmlns:a16="http://schemas.microsoft.com/office/drawing/2014/main" id="{3087A9E4-09AC-4995-93E8-CD1AD3E3FB36}"/>
+                <a16:creationId xmlns:a16="http://schemas.microsoft.com/office/drawing/2014/main" xmlns="" id="{3087A9E4-09AC-4995-93E8-CD1AD3E3FB36}"/>
               </a:ext>
             </a:extLst>
           </p:cNvPr>
@@ -9215,7 +9299,7 @@
           <p:cNvPr id="129" name="Straight Arrow Connector 128">
             <a:extLst>
               <a:ext uri="{FF2B5EF4-FFF2-40B4-BE49-F238E27FC236}">
-                <a16:creationId xmlns="" xmlns:a16="http://schemas.microsoft.com/office/drawing/2014/main" id="{29080DBA-D896-412B-8541-99D94492FFE0}"/>
+                <a16:creationId xmlns:a16="http://schemas.microsoft.com/office/drawing/2014/main" xmlns="" id="{29080DBA-D896-412B-8541-99D94492FFE0}"/>
               </a:ext>
             </a:extLst>
           </p:cNvPr>
@@ -9262,7 +9346,7 @@
           <p:cNvPr id="130" name="Straight Arrow Connector 129">
             <a:extLst>
               <a:ext uri="{FF2B5EF4-FFF2-40B4-BE49-F238E27FC236}">
-                <a16:creationId xmlns="" xmlns:a16="http://schemas.microsoft.com/office/drawing/2014/main" id="{FE318F67-C187-41CC-951A-1D9DA7568289}"/>
+                <a16:creationId xmlns:a16="http://schemas.microsoft.com/office/drawing/2014/main" xmlns="" id="{FE318F67-C187-41CC-951A-1D9DA7568289}"/>
               </a:ext>
             </a:extLst>
           </p:cNvPr>
@@ -9306,7 +9390,7 @@
           <p:cNvPr id="131" name="Straight Arrow Connector 130">
             <a:extLst>
               <a:ext uri="{FF2B5EF4-FFF2-40B4-BE49-F238E27FC236}">
-                <a16:creationId xmlns="" xmlns:a16="http://schemas.microsoft.com/office/drawing/2014/main" id="{2967531D-B398-4C5C-B977-7CEDB75D164B}"/>
+                <a16:creationId xmlns:a16="http://schemas.microsoft.com/office/drawing/2014/main" xmlns="" id="{2967531D-B398-4C5C-B977-7CEDB75D164B}"/>
               </a:ext>
             </a:extLst>
           </p:cNvPr>
@@ -9353,7 +9437,7 @@
           <p:cNvPr id="132" name="Straight Arrow Connector 131">
             <a:extLst>
               <a:ext uri="{FF2B5EF4-FFF2-40B4-BE49-F238E27FC236}">
-                <a16:creationId xmlns="" xmlns:a16="http://schemas.microsoft.com/office/drawing/2014/main" id="{4BC3FA93-06E7-450C-AC4E-0E200C1A0F75}"/>
+                <a16:creationId xmlns:a16="http://schemas.microsoft.com/office/drawing/2014/main" xmlns="" id="{4BC3FA93-06E7-450C-AC4E-0E200C1A0F75}"/>
               </a:ext>
             </a:extLst>
           </p:cNvPr>
@@ -9400,7 +9484,7 @@
           <p:cNvPr id="134" name="Straight Arrow Connector 133">
             <a:extLst>
               <a:ext uri="{FF2B5EF4-FFF2-40B4-BE49-F238E27FC236}">
-                <a16:creationId xmlns="" xmlns:a16="http://schemas.microsoft.com/office/drawing/2014/main" id="{8A5B6583-2449-4AE6-9056-5214A51AF7A4}"/>
+                <a16:creationId xmlns:a16="http://schemas.microsoft.com/office/drawing/2014/main" xmlns="" id="{8A5B6583-2449-4AE6-9056-5214A51AF7A4}"/>
               </a:ext>
             </a:extLst>
           </p:cNvPr>
@@ -9447,7 +9531,7 @@
           <p:cNvPr id="135" name="TextBox 134">
             <a:extLst>
               <a:ext uri="{FF2B5EF4-FFF2-40B4-BE49-F238E27FC236}">
-                <a16:creationId xmlns="" xmlns:a16="http://schemas.microsoft.com/office/drawing/2014/main" id="{AF204059-0363-474A-B5E4-9CF8CE12A3A3}"/>
+                <a16:creationId xmlns:a16="http://schemas.microsoft.com/office/drawing/2014/main" xmlns="" id="{AF204059-0363-474A-B5E4-9CF8CE12A3A3}"/>
               </a:ext>
             </a:extLst>
           </p:cNvPr>
@@ -9490,7 +9574,7 @@
           <p:cNvPr id="136" name="Straight Arrow Connector 135">
             <a:extLst>
               <a:ext uri="{FF2B5EF4-FFF2-40B4-BE49-F238E27FC236}">
-                <a16:creationId xmlns="" xmlns:a16="http://schemas.microsoft.com/office/drawing/2014/main" id="{1930BD52-A99D-4D8A-BC96-A75BFE33B600}"/>
+                <a16:creationId xmlns:a16="http://schemas.microsoft.com/office/drawing/2014/main" xmlns="" id="{1930BD52-A99D-4D8A-BC96-A75BFE33B600}"/>
               </a:ext>
             </a:extLst>
           </p:cNvPr>
@@ -9537,7 +9621,7 @@
           <p:cNvPr id="138" name="TextBox 137">
             <a:extLst>
               <a:ext uri="{FF2B5EF4-FFF2-40B4-BE49-F238E27FC236}">
-                <a16:creationId xmlns="" xmlns:a16="http://schemas.microsoft.com/office/drawing/2014/main" id="{0A2C93A6-477D-47A2-908B-B41695EAD039}"/>
+                <a16:creationId xmlns:a16="http://schemas.microsoft.com/office/drawing/2014/main" xmlns="" id="{0A2C93A6-477D-47A2-908B-B41695EAD039}"/>
               </a:ext>
             </a:extLst>
           </p:cNvPr>
@@ -9580,7 +9664,7 @@
           <p:cNvPr id="139" name="Left Brace 138">
             <a:extLst>
               <a:ext uri="{FF2B5EF4-FFF2-40B4-BE49-F238E27FC236}">
-                <a16:creationId xmlns="" xmlns:a16="http://schemas.microsoft.com/office/drawing/2014/main" id="{7A5ACAC9-8800-4530-AACA-A26C17143952}"/>
+                <a16:creationId xmlns:a16="http://schemas.microsoft.com/office/drawing/2014/main" xmlns="" id="{7A5ACAC9-8800-4530-AACA-A26C17143952}"/>
               </a:ext>
             </a:extLst>
           </p:cNvPr>
@@ -9627,7 +9711,7 @@
           <p:cNvPr id="141" name="Straight Arrow Connector 140">
             <a:extLst>
               <a:ext uri="{FF2B5EF4-FFF2-40B4-BE49-F238E27FC236}">
-                <a16:creationId xmlns="" xmlns:a16="http://schemas.microsoft.com/office/drawing/2014/main" id="{C7E55955-769B-49CF-8EE6-4647E8B610CA}"/>
+                <a16:creationId xmlns:a16="http://schemas.microsoft.com/office/drawing/2014/main" xmlns="" id="{C7E55955-769B-49CF-8EE6-4647E8B610CA}"/>
               </a:ext>
             </a:extLst>
           </p:cNvPr>
@@ -9671,7 +9755,7 @@
           <p:cNvPr id="53" name="TextBox 52">
             <a:extLst>
               <a:ext uri="{FF2B5EF4-FFF2-40B4-BE49-F238E27FC236}">
-                <a16:creationId xmlns="" xmlns:a16="http://schemas.microsoft.com/office/drawing/2014/main" id="{1C29AA57-70E7-4FFE-87FB-25C5E3989C76}"/>
+                <a16:creationId xmlns:a16="http://schemas.microsoft.com/office/drawing/2014/main" xmlns="" id="{1C29AA57-70E7-4FFE-87FB-25C5E3989C76}"/>
               </a:ext>
             </a:extLst>
           </p:cNvPr>
@@ -9722,7 +9806,7 @@
           <p:cNvPr id="55" name="TextBox 54">
             <a:extLst>
               <a:ext uri="{FF2B5EF4-FFF2-40B4-BE49-F238E27FC236}">
-                <a16:creationId xmlns="" xmlns:a16="http://schemas.microsoft.com/office/drawing/2014/main" id="{1C29AA57-70E7-4FFE-87FB-25C5E3989C76}"/>
+                <a16:creationId xmlns:a16="http://schemas.microsoft.com/office/drawing/2014/main" xmlns="" id="{1C29AA57-70E7-4FFE-87FB-25C5E3989C76}"/>
               </a:ext>
             </a:extLst>
           </p:cNvPr>
@@ -9773,7 +9857,7 @@
           <p:cNvPr id="60" name="TextBox 59">
             <a:extLst>
               <a:ext uri="{FF2B5EF4-FFF2-40B4-BE49-F238E27FC236}">
-                <a16:creationId xmlns="" xmlns:a16="http://schemas.microsoft.com/office/drawing/2014/main" id="{D19E82E8-9B43-43A1-9B4A-0AAE0514215A}"/>
+                <a16:creationId xmlns:a16="http://schemas.microsoft.com/office/drawing/2014/main" xmlns="" id="{D19E82E8-9B43-43A1-9B4A-0AAE0514215A}"/>
               </a:ext>
             </a:extLst>
           </p:cNvPr>
@@ -9835,7 +9919,7 @@
           <p:cNvPr id="61" name="TextBox 60">
             <a:extLst>
               <a:ext uri="{FF2B5EF4-FFF2-40B4-BE49-F238E27FC236}">
-                <a16:creationId xmlns="" xmlns:a16="http://schemas.microsoft.com/office/drawing/2014/main" id="{D19E82E8-9B43-43A1-9B4A-0AAE0514215A}"/>
+                <a16:creationId xmlns:a16="http://schemas.microsoft.com/office/drawing/2014/main" xmlns="" id="{D19E82E8-9B43-43A1-9B4A-0AAE0514215A}"/>
               </a:ext>
             </a:extLst>
           </p:cNvPr>
